--- a/DAW.pptx
+++ b/DAW.pptx
@@ -4177,6 +4177,432 @@
           </a:fontRef>
         </p:style>
       </p:cxnSp>
+      <p:grpSp>
+        <p:nvGrpSpPr>
+          <p:cNvPr id="60" name="Group 59">
+            <a:extLst>
+              <a:ext uri="{FF2B5EF4-FFF2-40B4-BE49-F238E27FC236}">
+                <a16:creationId xmlns:a16="http://schemas.microsoft.com/office/drawing/2014/main" id="{8A11E148-A28E-4CBA-9BED-F2AC07266CD5}"/>
+              </a:ext>
+            </a:extLst>
+          </p:cNvPr>
+          <p:cNvGrpSpPr/>
+          <p:nvPr/>
+        </p:nvGrpSpPr>
+        <p:grpSpPr>
+          <a:xfrm>
+            <a:off x="6676861" y="678606"/>
+            <a:ext cx="263069" cy="336480"/>
+            <a:chOff x="6586047" y="1220721"/>
+            <a:chExt cx="263069" cy="336480"/>
+          </a:xfrm>
+        </p:grpSpPr>
+        <p:sp>
+          <p:nvSpPr>
+            <p:cNvPr id="47" name="Rectangle: Rounded Corners 46">
+              <a:extLst>
+                <a:ext uri="{FF2B5EF4-FFF2-40B4-BE49-F238E27FC236}">
+                  <a16:creationId xmlns:a16="http://schemas.microsoft.com/office/drawing/2014/main" id="{1A02BE08-4665-40A8-9B71-80863E8F517F}"/>
+                </a:ext>
+              </a:extLst>
+            </p:cNvPr>
+            <p:cNvSpPr>
+              <a:spLocks noChangeAspect="1"/>
+            </p:cNvSpPr>
+            <p:nvPr/>
+          </p:nvSpPr>
+          <p:spPr>
+            <a:xfrm>
+              <a:off x="6586047" y="1311052"/>
+              <a:ext cx="245537" cy="246149"/>
+            </a:xfrm>
+            <a:prstGeom prst="roundRect">
+              <a:avLst>
+                <a:gd name="adj" fmla="val 5340"/>
+              </a:avLst>
+            </a:prstGeom>
+            <a:solidFill>
+              <a:srgbClr val="696969">
+                <a:alpha val="0"/>
+              </a:srgbClr>
+            </a:solidFill>
+            <a:ln w="25400">
+              <a:solidFill>
+                <a:schemeClr val="bg1">
+                  <a:lumMod val="95000"/>
+                </a:schemeClr>
+              </a:solidFill>
+            </a:ln>
+          </p:spPr>
+          <p:style>
+            <a:lnRef idx="2">
+              <a:schemeClr val="accent1">
+                <a:shade val="50000"/>
+              </a:schemeClr>
+            </a:lnRef>
+            <a:fillRef idx="1">
+              <a:schemeClr val="accent1"/>
+            </a:fillRef>
+            <a:effectRef idx="0">
+              <a:schemeClr val="accent1"/>
+            </a:effectRef>
+            <a:fontRef idx="minor">
+              <a:schemeClr val="lt1"/>
+            </a:fontRef>
+          </p:style>
+          <p:txBody>
+            <a:bodyPr rtlCol="0" anchor="ctr"/>
+            <a:lstStyle/>
+            <a:p>
+              <a:pPr algn="ctr"/>
+              <a:endParaRPr lang="en-US" sz="2800" spc="-150" dirty="0">
+                <a:latin typeface="Graphik" panose="020B0503030202060203" pitchFamily="34" charset="0"/>
+              </a:endParaRPr>
+            </a:p>
+          </p:txBody>
+        </p:sp>
+        <p:sp>
+          <p:nvSpPr>
+            <p:cNvPr id="48" name="Rectangle 47">
+              <a:extLst>
+                <a:ext uri="{FF2B5EF4-FFF2-40B4-BE49-F238E27FC236}">
+                  <a16:creationId xmlns:a16="http://schemas.microsoft.com/office/drawing/2014/main" id="{741B2597-609F-4B32-9C51-895E57FC9FB6}"/>
+                </a:ext>
+              </a:extLst>
+            </p:cNvPr>
+            <p:cNvSpPr/>
+            <p:nvPr/>
+          </p:nvSpPr>
+          <p:spPr>
+            <a:xfrm>
+              <a:off x="6699285" y="1220721"/>
+              <a:ext cx="149831" cy="151554"/>
+            </a:xfrm>
+            <a:prstGeom prst="rect">
+              <a:avLst/>
+            </a:prstGeom>
+            <a:solidFill>
+              <a:srgbClr val="696969"/>
+            </a:solidFill>
+            <a:ln>
+              <a:noFill/>
+            </a:ln>
+          </p:spPr>
+          <p:style>
+            <a:lnRef idx="2">
+              <a:schemeClr val="accent1">
+                <a:shade val="50000"/>
+              </a:schemeClr>
+            </a:lnRef>
+            <a:fillRef idx="1">
+              <a:schemeClr val="accent1"/>
+            </a:fillRef>
+            <a:effectRef idx="0">
+              <a:schemeClr val="accent1"/>
+            </a:effectRef>
+            <a:fontRef idx="minor">
+              <a:schemeClr val="lt1"/>
+            </a:fontRef>
+          </p:style>
+          <p:txBody>
+            <a:bodyPr rtlCol="0" anchor="ctr"/>
+            <a:lstStyle/>
+            <a:p>
+              <a:pPr algn="ctr"/>
+              <a:endParaRPr lang="en-US"/>
+            </a:p>
+          </p:txBody>
+        </p:sp>
+        <p:cxnSp>
+          <p:nvCxnSpPr>
+            <p:cNvPr id="50" name="Straight Arrow Connector 49">
+              <a:extLst>
+                <a:ext uri="{FF2B5EF4-FFF2-40B4-BE49-F238E27FC236}">
+                  <a16:creationId xmlns:a16="http://schemas.microsoft.com/office/drawing/2014/main" id="{B9BCE3EE-02E5-49FC-A1C5-1BCA5F1133DA}"/>
+                </a:ext>
+              </a:extLst>
+            </p:cNvPr>
+            <p:cNvCxnSpPr>
+              <a:cxnSpLocks/>
+            </p:cNvCxnSpPr>
+            <p:nvPr/>
+          </p:nvCxnSpPr>
+          <p:spPr>
+            <a:xfrm flipV="1">
+              <a:off x="6655841" y="1272779"/>
+              <a:ext cx="152382" cy="217696"/>
+            </a:xfrm>
+            <a:prstGeom prst="straightConnector1">
+              <a:avLst/>
+            </a:prstGeom>
+            <a:ln w="25400">
+              <a:solidFill>
+                <a:srgbClr val="F2F2F2"/>
+              </a:solidFill>
+              <a:tailEnd type="triangle"/>
+            </a:ln>
+          </p:spPr>
+          <p:style>
+            <a:lnRef idx="1">
+              <a:schemeClr val="accent1"/>
+            </a:lnRef>
+            <a:fillRef idx="0">
+              <a:schemeClr val="accent1"/>
+            </a:fillRef>
+            <a:effectRef idx="0">
+              <a:schemeClr val="accent1"/>
+            </a:effectRef>
+            <a:fontRef idx="minor">
+              <a:schemeClr val="tx1"/>
+            </a:fontRef>
+          </p:style>
+        </p:cxnSp>
+      </p:grpSp>
+      <p:pic>
+        <p:nvPicPr>
+          <p:cNvPr id="62" name="Graphic 61" descr="Disk">
+            <a:extLst>
+              <a:ext uri="{FF2B5EF4-FFF2-40B4-BE49-F238E27FC236}">
+                <a16:creationId xmlns:a16="http://schemas.microsoft.com/office/drawing/2014/main" id="{C9D9E948-0856-42FA-9F08-2508A2F7DE18}"/>
+              </a:ext>
+            </a:extLst>
+          </p:cNvPr>
+          <p:cNvPicPr>
+            <a:picLocks noChangeAspect="1"/>
+          </p:cNvPicPr>
+          <p:nvPr/>
+        </p:nvPicPr>
+        <p:blipFill>
+          <a:blip r:embed="rId12">
+            <a:extLst>
+              <a:ext uri="{28A0092B-C50C-407E-A947-70E740481C1C}">
+                <a14:useLocalDpi xmlns:a14="http://schemas.microsoft.com/office/drawing/2010/main" val="0"/>
+              </a:ext>
+              <a:ext uri="{96DAC541-7B7A-43D3-8B79-37D633B846F1}">
+                <asvg:svgBlip xmlns:asvg="http://schemas.microsoft.com/office/drawing/2016/SVG/main" r:embed="rId13"/>
+              </a:ext>
+            </a:extLst>
+          </a:blip>
+          <a:stretch>
+            <a:fillRect/>
+          </a:stretch>
+        </p:blipFill>
+        <p:spPr>
+          <a:xfrm>
+            <a:off x="7089570" y="685536"/>
+            <a:ext cx="395168" cy="395168"/>
+          </a:xfrm>
+          <a:prstGeom prst="rect">
+            <a:avLst/>
+          </a:prstGeom>
+        </p:spPr>
+      </p:pic>
+      <p:grpSp>
+        <p:nvGrpSpPr>
+          <p:cNvPr id="63" name="Group 62">
+            <a:extLst>
+              <a:ext uri="{FF2B5EF4-FFF2-40B4-BE49-F238E27FC236}">
+                <a16:creationId xmlns:a16="http://schemas.microsoft.com/office/drawing/2014/main" id="{6ECE9F41-03B3-4FAE-80DA-9FEA862125C5}"/>
+              </a:ext>
+            </a:extLst>
+          </p:cNvPr>
+          <p:cNvGrpSpPr>
+            <a:grpSpLocks noChangeAspect="1"/>
+          </p:cNvGrpSpPr>
+          <p:nvPr/>
+        </p:nvGrpSpPr>
+        <p:grpSpPr>
+          <a:xfrm>
+            <a:off x="7567181" y="167385"/>
+            <a:ext cx="1223035" cy="613408"/>
+            <a:chOff x="6579482" y="169738"/>
+            <a:chExt cx="941754" cy="944099"/>
+          </a:xfrm>
+        </p:grpSpPr>
+        <p:sp>
+          <p:nvSpPr>
+            <p:cNvPr id="64" name="Rectangle: Rounded Corners 63">
+              <a:extLst>
+                <a:ext uri="{FF2B5EF4-FFF2-40B4-BE49-F238E27FC236}">
+                  <a16:creationId xmlns:a16="http://schemas.microsoft.com/office/drawing/2014/main" id="{F6DB52E8-3773-4689-AD3E-DA597320A500}"/>
+                </a:ext>
+              </a:extLst>
+            </p:cNvPr>
+            <p:cNvSpPr>
+              <a:spLocks noChangeAspect="1"/>
+            </p:cNvSpPr>
+            <p:nvPr/>
+          </p:nvSpPr>
+          <p:spPr>
+            <a:xfrm>
+              <a:off x="6579482" y="169738"/>
+              <a:ext cx="941754" cy="944099"/>
+            </a:xfrm>
+            <a:prstGeom prst="roundRect">
+              <a:avLst>
+                <a:gd name="adj" fmla="val 5340"/>
+              </a:avLst>
+            </a:prstGeom>
+            <a:solidFill>
+              <a:srgbClr val="696969"/>
+            </a:solidFill>
+            <a:ln>
+              <a:noFill/>
+            </a:ln>
+          </p:spPr>
+          <p:style>
+            <a:lnRef idx="2">
+              <a:schemeClr val="accent1">
+                <a:shade val="50000"/>
+              </a:schemeClr>
+            </a:lnRef>
+            <a:fillRef idx="1">
+              <a:schemeClr val="accent1"/>
+            </a:fillRef>
+            <a:effectRef idx="0">
+              <a:schemeClr val="accent1"/>
+            </a:effectRef>
+            <a:fontRef idx="minor">
+              <a:schemeClr val="lt1"/>
+            </a:fontRef>
+          </p:style>
+          <p:txBody>
+            <a:bodyPr rtlCol="0" anchor="ctr"/>
+            <a:lstStyle/>
+            <a:p>
+              <a:pPr algn="ctr"/>
+              <a:endParaRPr lang="en-US" sz="2800" spc="-150" dirty="0">
+                <a:latin typeface="Graphik" panose="020B0503030202060203" pitchFamily="34" charset="0"/>
+              </a:endParaRPr>
+            </a:p>
+          </p:txBody>
+        </p:sp>
+        <p:cxnSp>
+          <p:nvCxnSpPr>
+            <p:cNvPr id="66" name="Straight Connector 65">
+              <a:extLst>
+                <a:ext uri="{FF2B5EF4-FFF2-40B4-BE49-F238E27FC236}">
+                  <a16:creationId xmlns:a16="http://schemas.microsoft.com/office/drawing/2014/main" id="{1DB83262-C110-4E54-A62B-F6416A73B32A}"/>
+                </a:ext>
+              </a:extLst>
+            </p:cNvPr>
+            <p:cNvCxnSpPr>
+              <a:cxnSpLocks/>
+              <a:stCxn id="64" idx="2"/>
+              <a:endCxn id="64" idx="0"/>
+            </p:cNvCxnSpPr>
+            <p:nvPr/>
+          </p:nvCxnSpPr>
+          <p:spPr>
+            <a:xfrm flipV="1">
+              <a:off x="7050359" y="169738"/>
+              <a:ext cx="0" cy="944099"/>
+            </a:xfrm>
+            <a:prstGeom prst="line">
+              <a:avLst/>
+            </a:prstGeom>
+            <a:ln w="12700">
+              <a:solidFill>
+                <a:schemeClr val="bg1">
+                  <a:lumMod val="95000"/>
+                </a:schemeClr>
+              </a:solidFill>
+            </a:ln>
+          </p:spPr>
+          <p:style>
+            <a:lnRef idx="1">
+              <a:schemeClr val="accent1"/>
+            </a:lnRef>
+            <a:fillRef idx="0">
+              <a:schemeClr val="accent1"/>
+            </a:fillRef>
+            <a:effectRef idx="0">
+              <a:schemeClr val="accent1"/>
+            </a:effectRef>
+            <a:fontRef idx="minor">
+              <a:schemeClr val="tx1"/>
+            </a:fontRef>
+          </p:style>
+        </p:cxnSp>
+      </p:grpSp>
+      <p:pic>
+        <p:nvPicPr>
+          <p:cNvPr id="71" name="Graphic 70" descr="Line arrow Rotate left">
+            <a:extLst>
+              <a:ext uri="{FF2B5EF4-FFF2-40B4-BE49-F238E27FC236}">
+                <a16:creationId xmlns:a16="http://schemas.microsoft.com/office/drawing/2014/main" id="{97E01F21-99D7-49DB-8317-24E77D5FE669}"/>
+              </a:ext>
+            </a:extLst>
+          </p:cNvPr>
+          <p:cNvPicPr>
+            <a:picLocks noChangeAspect="1"/>
+          </p:cNvPicPr>
+          <p:nvPr/>
+        </p:nvPicPr>
+        <p:blipFill>
+          <a:blip r:embed="rId14">
+            <a:extLst>
+              <a:ext uri="{28A0092B-C50C-407E-A947-70E740481C1C}">
+                <a14:useLocalDpi xmlns:a14="http://schemas.microsoft.com/office/drawing/2010/main" val="0"/>
+              </a:ext>
+              <a:ext uri="{96DAC541-7B7A-43D3-8B79-37D633B846F1}">
+                <asvg:svgBlip xmlns:asvg="http://schemas.microsoft.com/office/drawing/2016/SVG/main" r:embed="rId15"/>
+              </a:ext>
+            </a:extLst>
+          </a:blip>
+          <a:stretch>
+            <a:fillRect/>
+          </a:stretch>
+        </p:blipFill>
+        <p:spPr>
+          <a:xfrm>
+            <a:off x="7631665" y="235695"/>
+            <a:ext cx="476788" cy="476788"/>
+          </a:xfrm>
+          <a:prstGeom prst="rect">
+            <a:avLst/>
+          </a:prstGeom>
+        </p:spPr>
+      </p:pic>
+      <p:pic>
+        <p:nvPicPr>
+          <p:cNvPr id="72" name="Graphic 71" descr="Line arrow Rotate left">
+            <a:extLst>
+              <a:ext uri="{FF2B5EF4-FFF2-40B4-BE49-F238E27FC236}">
+                <a16:creationId xmlns:a16="http://schemas.microsoft.com/office/drawing/2014/main" id="{6B4E6A51-9B00-4A19-A336-76179FA7BFF3}"/>
+              </a:ext>
+            </a:extLst>
+          </p:cNvPr>
+          <p:cNvPicPr>
+            <a:picLocks noChangeAspect="1"/>
+          </p:cNvPicPr>
+          <p:nvPr/>
+        </p:nvPicPr>
+        <p:blipFill>
+          <a:blip r:embed="rId14">
+            <a:extLst>
+              <a:ext uri="{28A0092B-C50C-407E-A947-70E740481C1C}">
+                <a14:useLocalDpi xmlns:a14="http://schemas.microsoft.com/office/drawing/2010/main" val="0"/>
+              </a:ext>
+              <a:ext uri="{96DAC541-7B7A-43D3-8B79-37D633B846F1}">
+                <asvg:svgBlip xmlns:asvg="http://schemas.microsoft.com/office/drawing/2016/SVG/main" r:embed="rId15"/>
+              </a:ext>
+            </a:extLst>
+          </a:blip>
+          <a:stretch>
+            <a:fillRect/>
+          </a:stretch>
+        </p:blipFill>
+        <p:spPr>
+          <a:xfrm flipH="1">
+            <a:off x="8247698" y="238796"/>
+            <a:ext cx="484332" cy="476788"/>
+          </a:xfrm>
+          <a:prstGeom prst="rect">
+            <a:avLst/>
+          </a:prstGeom>
+        </p:spPr>
+      </p:pic>
     </p:spTree>
     <p:extLst>
       <p:ext uri="{BB962C8B-B14F-4D97-AF65-F5344CB8AC3E}">

--- a/DAW.pptx
+++ b/DAW.pptx
@@ -3351,8 +3351,8 @@
         </p:nvSpPr>
         <p:spPr>
           <a:xfrm>
-            <a:off x="149087" y="169738"/>
-            <a:ext cx="4649621" cy="815842"/>
+            <a:off x="1875680" y="189312"/>
+            <a:ext cx="4485993" cy="815842"/>
           </a:xfrm>
           <a:prstGeom prst="roundRect">
             <a:avLst>
@@ -3422,7 +3422,7 @@
         </p:blipFill>
         <p:spPr>
           <a:xfrm>
-            <a:off x="2063924" y="230845"/>
+            <a:off x="3790517" y="250419"/>
             <a:ext cx="916382" cy="693628"/>
           </a:xfrm>
           <a:prstGeom prst="rect">
@@ -3461,7 +3461,7 @@
         </p:blipFill>
         <p:spPr>
           <a:xfrm>
-            <a:off x="3659217" y="120460"/>
+            <a:off x="5385810" y="140034"/>
             <a:ext cx="975863" cy="914400"/>
           </a:xfrm>
           <a:prstGeom prst="rect">
@@ -3500,7 +3500,7 @@
         </p:blipFill>
         <p:spPr>
           <a:xfrm>
-            <a:off x="2789117" y="120460"/>
+            <a:off x="4515710" y="140034"/>
             <a:ext cx="916382" cy="914400"/>
           </a:xfrm>
           <a:prstGeom prst="rect">
@@ -3524,7 +3524,7 @@
         </p:nvSpPr>
         <p:spPr>
           <a:xfrm>
-            <a:off x="1547257" y="308473"/>
+            <a:off x="3273850" y="328047"/>
             <a:ext cx="539541" cy="538374"/>
           </a:xfrm>
           <a:prstGeom prst="rect">
@@ -3595,7 +3595,7 @@
         </p:blipFill>
         <p:spPr>
           <a:xfrm>
-            <a:off x="840883" y="230845"/>
+            <a:off x="2567476" y="250419"/>
             <a:ext cx="695133" cy="693629"/>
           </a:xfrm>
           <a:prstGeom prst="rect">
@@ -3619,7 +3619,7 @@
         </p:nvSpPr>
         <p:spPr>
           <a:xfrm>
-            <a:off x="311330" y="308472"/>
+            <a:off x="2016694" y="328047"/>
             <a:ext cx="539541" cy="538374"/>
           </a:xfrm>
           <a:prstGeom prst="flowChartConnector">
@@ -3671,7 +3671,7 @@
         </p:nvSpPr>
         <p:spPr>
           <a:xfrm>
-            <a:off x="4854992" y="169738"/>
+            <a:off x="6453421" y="199347"/>
             <a:ext cx="813816" cy="815842"/>
           </a:xfrm>
           <a:prstGeom prst="roundRect">
@@ -3730,7 +3730,7 @@
         </p:nvSpPr>
         <p:spPr>
           <a:xfrm>
-            <a:off x="5719721" y="169738"/>
+            <a:off x="7358985" y="199347"/>
             <a:ext cx="813816" cy="815842"/>
           </a:xfrm>
           <a:prstGeom prst="roundRect">
@@ -3786,7 +3786,7 @@
         </p:nvSpPr>
         <p:spPr>
           <a:xfrm>
-            <a:off x="5784759" y="267850"/>
+            <a:off x="7470201" y="289775"/>
             <a:ext cx="340158" cy="461665"/>
           </a:xfrm>
           <a:prstGeom prst="rect">
@@ -3827,7 +3827,7 @@
         </p:nvSpPr>
         <p:spPr>
           <a:xfrm>
-            <a:off x="6096000" y="416019"/>
+            <a:off x="7781442" y="437944"/>
             <a:ext cx="340158" cy="461665"/>
           </a:xfrm>
           <a:prstGeom prst="rect">
@@ -3870,7 +3870,7 @@
         </p:nvCxnSpPr>
         <p:spPr>
           <a:xfrm rot="-3540000">
-            <a:off x="5805522" y="572767"/>
+            <a:off x="7490964" y="594692"/>
             <a:ext cx="606871" cy="0"/>
           </a:xfrm>
           <a:prstGeom prst="line">
@@ -3913,7 +3913,7 @@
         </p:nvGrpSpPr>
         <p:grpSpPr>
           <a:xfrm>
-            <a:off x="6579482" y="169738"/>
+            <a:off x="8264924" y="191663"/>
             <a:ext cx="941754" cy="944099"/>
             <a:chOff x="6579482" y="169738"/>
             <a:chExt cx="941754" cy="944099"/>
@@ -4124,7 +4124,7 @@
         </p:blipFill>
         <p:spPr>
           <a:xfrm flipH="1">
-            <a:off x="6584095" y="177422"/>
+            <a:off x="8269537" y="199347"/>
             <a:ext cx="456683" cy="456683"/>
           </a:xfrm>
           <a:prstGeom prst="rect">
@@ -4148,7 +4148,7 @@
         </p:nvCxnSpPr>
         <p:spPr>
           <a:xfrm>
-            <a:off x="7117588" y="405763"/>
+            <a:off x="8803030" y="427688"/>
             <a:ext cx="338632" cy="0"/>
           </a:xfrm>
           <a:prstGeom prst="line">
@@ -4191,7 +4191,7 @@
         </p:nvGrpSpPr>
         <p:grpSpPr>
           <a:xfrm>
-            <a:off x="6676861" y="678606"/>
+            <a:off x="8362303" y="700531"/>
             <a:ext cx="263069" cy="336480"/>
             <a:chOff x="6586047" y="1220721"/>
             <a:chExt cx="263069" cy="336480"/>
@@ -4389,7 +4389,7 @@
         </p:blipFill>
         <p:spPr>
           <a:xfrm>
-            <a:off x="7089570" y="685536"/>
+            <a:off x="8775012" y="707461"/>
             <a:ext cx="395168" cy="395168"/>
           </a:xfrm>
           <a:prstGeom prst="rect">
@@ -4413,7 +4413,7 @@
         </p:nvGrpSpPr>
         <p:grpSpPr>
           <a:xfrm>
-            <a:off x="7567181" y="167385"/>
+            <a:off x="9298801" y="189310"/>
             <a:ext cx="1223035" cy="613408"/>
             <a:chOff x="6579482" y="169738"/>
             <a:chExt cx="941754" cy="944099"/>
@@ -4556,7 +4556,7 @@
         </p:blipFill>
         <p:spPr>
           <a:xfrm>
-            <a:off x="7631665" y="235695"/>
+            <a:off x="9317107" y="257620"/>
             <a:ext cx="476788" cy="476788"/>
           </a:xfrm>
           <a:prstGeom prst="rect">
@@ -4595,7 +4595,7 @@
         </p:blipFill>
         <p:spPr>
           <a:xfrm flipH="1">
-            <a:off x="8247698" y="238796"/>
+            <a:off x="9933140" y="260721"/>
             <a:ext cx="484332" cy="476788"/>
           </a:xfrm>
           <a:prstGeom prst="rect">
@@ -4603,6 +4603,764 @@
           </a:prstGeom>
         </p:spPr>
       </p:pic>
+      <p:grpSp>
+        <p:nvGrpSpPr>
+          <p:cNvPr id="73" name="Group 72">
+            <a:extLst>
+              <a:ext uri="{FF2B5EF4-FFF2-40B4-BE49-F238E27FC236}">
+                <a16:creationId xmlns:a16="http://schemas.microsoft.com/office/drawing/2014/main" id="{56AE5C3A-37D8-4227-845B-1E53A9ABFF45}"/>
+              </a:ext>
+            </a:extLst>
+          </p:cNvPr>
+          <p:cNvGrpSpPr/>
+          <p:nvPr/>
+        </p:nvGrpSpPr>
+        <p:grpSpPr>
+          <a:xfrm>
+            <a:off x="250201" y="189310"/>
+            <a:ext cx="1412631" cy="944101"/>
+            <a:chOff x="6579482" y="169736"/>
+            <a:chExt cx="941754" cy="944101"/>
+          </a:xfrm>
+        </p:grpSpPr>
+        <p:sp>
+          <p:nvSpPr>
+            <p:cNvPr id="74" name="Rectangle: Rounded Corners 73">
+              <a:extLst>
+                <a:ext uri="{FF2B5EF4-FFF2-40B4-BE49-F238E27FC236}">
+                  <a16:creationId xmlns:a16="http://schemas.microsoft.com/office/drawing/2014/main" id="{7B882B73-43BD-4E12-89B8-AB68E614549B}"/>
+                </a:ext>
+              </a:extLst>
+            </p:cNvPr>
+            <p:cNvSpPr>
+              <a:spLocks noChangeAspect="1"/>
+            </p:cNvSpPr>
+            <p:nvPr/>
+          </p:nvSpPr>
+          <p:spPr>
+            <a:xfrm>
+              <a:off x="6579482" y="169738"/>
+              <a:ext cx="941754" cy="944099"/>
+            </a:xfrm>
+            <a:prstGeom prst="roundRect">
+              <a:avLst>
+                <a:gd name="adj" fmla="val 5340"/>
+              </a:avLst>
+            </a:prstGeom>
+            <a:solidFill>
+              <a:srgbClr val="696969"/>
+            </a:solidFill>
+            <a:ln>
+              <a:noFill/>
+            </a:ln>
+          </p:spPr>
+          <p:style>
+            <a:lnRef idx="2">
+              <a:schemeClr val="accent1">
+                <a:shade val="50000"/>
+              </a:schemeClr>
+            </a:lnRef>
+            <a:fillRef idx="1">
+              <a:schemeClr val="accent1"/>
+            </a:fillRef>
+            <a:effectRef idx="0">
+              <a:schemeClr val="accent1"/>
+            </a:effectRef>
+            <a:fontRef idx="minor">
+              <a:schemeClr val="lt1"/>
+            </a:fontRef>
+          </p:style>
+          <p:txBody>
+            <a:bodyPr rtlCol="0" anchor="ctr"/>
+            <a:lstStyle/>
+            <a:p>
+              <a:pPr algn="ctr"/>
+              <a:endParaRPr lang="en-US" sz="2800" spc="-150" dirty="0">
+                <a:latin typeface="Graphik" panose="020B0503030202060203" pitchFamily="34" charset="0"/>
+              </a:endParaRPr>
+            </a:p>
+          </p:txBody>
+        </p:sp>
+        <p:grpSp>
+          <p:nvGrpSpPr>
+            <p:cNvPr id="75" name="Group 74">
+              <a:extLst>
+                <a:ext uri="{FF2B5EF4-FFF2-40B4-BE49-F238E27FC236}">
+                  <a16:creationId xmlns:a16="http://schemas.microsoft.com/office/drawing/2014/main" id="{DA279411-91AE-4128-87CD-13ED6D65875A}"/>
+                </a:ext>
+              </a:extLst>
+            </p:cNvPr>
+            <p:cNvGrpSpPr/>
+            <p:nvPr/>
+          </p:nvGrpSpPr>
+          <p:grpSpPr>
+            <a:xfrm>
+              <a:off x="6579482" y="169736"/>
+              <a:ext cx="941754" cy="944100"/>
+              <a:chOff x="6579482" y="169736"/>
+              <a:chExt cx="941754" cy="944100"/>
+            </a:xfrm>
+          </p:grpSpPr>
+          <p:cxnSp>
+            <p:nvCxnSpPr>
+              <p:cNvPr id="76" name="Straight Connector 75">
+                <a:extLst>
+                  <a:ext uri="{FF2B5EF4-FFF2-40B4-BE49-F238E27FC236}">
+                    <a16:creationId xmlns:a16="http://schemas.microsoft.com/office/drawing/2014/main" id="{4FE46E0B-5012-49F8-8226-6C16A7A6833D}"/>
+                  </a:ext>
+                </a:extLst>
+              </p:cNvPr>
+              <p:cNvCxnSpPr>
+                <a:cxnSpLocks/>
+              </p:cNvCxnSpPr>
+              <p:nvPr/>
+            </p:nvCxnSpPr>
+            <p:spPr>
+              <a:xfrm flipV="1">
+                <a:off x="6893400" y="169737"/>
+                <a:ext cx="0" cy="944099"/>
+              </a:xfrm>
+              <a:prstGeom prst="line">
+                <a:avLst/>
+              </a:prstGeom>
+              <a:ln w="12700">
+                <a:solidFill>
+                  <a:schemeClr val="bg1">
+                    <a:lumMod val="95000"/>
+                  </a:schemeClr>
+                </a:solidFill>
+              </a:ln>
+            </p:spPr>
+            <p:style>
+              <a:lnRef idx="1">
+                <a:schemeClr val="accent1"/>
+              </a:lnRef>
+              <a:fillRef idx="0">
+                <a:schemeClr val="accent1"/>
+              </a:fillRef>
+              <a:effectRef idx="0">
+                <a:schemeClr val="accent1"/>
+              </a:effectRef>
+              <a:fontRef idx="minor">
+                <a:schemeClr val="tx1"/>
+              </a:fontRef>
+            </p:style>
+          </p:cxnSp>
+          <p:cxnSp>
+            <p:nvCxnSpPr>
+              <p:cNvPr id="77" name="Straight Connector 76">
+                <a:extLst>
+                  <a:ext uri="{FF2B5EF4-FFF2-40B4-BE49-F238E27FC236}">
+                    <a16:creationId xmlns:a16="http://schemas.microsoft.com/office/drawing/2014/main" id="{F1A17444-B958-4966-95BB-AC90890CA6C9}"/>
+                  </a:ext>
+                </a:extLst>
+              </p:cNvPr>
+              <p:cNvCxnSpPr>
+                <a:cxnSpLocks/>
+                <a:stCxn id="74" idx="1"/>
+                <a:endCxn id="74" idx="3"/>
+              </p:cNvCxnSpPr>
+              <p:nvPr/>
+            </p:nvCxnSpPr>
+            <p:spPr>
+              <a:xfrm>
+                <a:off x="6579482" y="641788"/>
+                <a:ext cx="941754" cy="0"/>
+              </a:xfrm>
+              <a:prstGeom prst="line">
+                <a:avLst/>
+              </a:prstGeom>
+              <a:ln w="12700">
+                <a:solidFill>
+                  <a:schemeClr val="bg1">
+                    <a:lumMod val="95000"/>
+                  </a:schemeClr>
+                </a:solidFill>
+              </a:ln>
+            </p:spPr>
+            <p:style>
+              <a:lnRef idx="1">
+                <a:schemeClr val="accent1"/>
+              </a:lnRef>
+              <a:fillRef idx="0">
+                <a:schemeClr val="accent1"/>
+              </a:fillRef>
+              <a:effectRef idx="0">
+                <a:schemeClr val="accent1"/>
+              </a:effectRef>
+              <a:fontRef idx="minor">
+                <a:schemeClr val="tx1"/>
+              </a:fontRef>
+            </p:style>
+          </p:cxnSp>
+          <p:cxnSp>
+            <p:nvCxnSpPr>
+              <p:cNvPr id="78" name="Straight Connector 77">
+                <a:extLst>
+                  <a:ext uri="{FF2B5EF4-FFF2-40B4-BE49-F238E27FC236}">
+                    <a16:creationId xmlns:a16="http://schemas.microsoft.com/office/drawing/2014/main" id="{2A84CCAA-F559-43B9-A739-02A054FA2062}"/>
+                  </a:ext>
+                </a:extLst>
+              </p:cNvPr>
+              <p:cNvCxnSpPr>
+                <a:cxnSpLocks/>
+              </p:cNvCxnSpPr>
+              <p:nvPr/>
+            </p:nvCxnSpPr>
+            <p:spPr>
+              <a:xfrm flipV="1">
+                <a:off x="7207318" y="169736"/>
+                <a:ext cx="0" cy="944099"/>
+              </a:xfrm>
+              <a:prstGeom prst="line">
+                <a:avLst/>
+              </a:prstGeom>
+              <a:ln w="12700">
+                <a:solidFill>
+                  <a:schemeClr val="bg1">
+                    <a:lumMod val="95000"/>
+                  </a:schemeClr>
+                </a:solidFill>
+              </a:ln>
+            </p:spPr>
+            <p:style>
+              <a:lnRef idx="1">
+                <a:schemeClr val="accent1"/>
+              </a:lnRef>
+              <a:fillRef idx="0">
+                <a:schemeClr val="accent1"/>
+              </a:fillRef>
+              <a:effectRef idx="0">
+                <a:schemeClr val="accent1"/>
+              </a:effectRef>
+              <a:fontRef idx="minor">
+                <a:schemeClr val="tx1"/>
+              </a:fontRef>
+            </p:style>
+          </p:cxnSp>
+        </p:grpSp>
+      </p:grpSp>
+      <p:pic>
+        <p:nvPicPr>
+          <p:cNvPr id="85" name="Graphic 84" descr="Scissors">
+            <a:extLst>
+              <a:ext uri="{FF2B5EF4-FFF2-40B4-BE49-F238E27FC236}">
+                <a16:creationId xmlns:a16="http://schemas.microsoft.com/office/drawing/2014/main" id="{421DE2B8-B992-4BC4-ADCD-15D2EDBA573B}"/>
+              </a:ext>
+            </a:extLst>
+          </p:cNvPr>
+          <p:cNvPicPr>
+            <a:picLocks noChangeAspect="1"/>
+          </p:cNvPicPr>
+          <p:nvPr/>
+        </p:nvPicPr>
+        <p:blipFill>
+          <a:blip r:embed="rId16">
+            <a:extLst>
+              <a:ext uri="{28A0092B-C50C-407E-A947-70E740481C1C}">
+                <a14:useLocalDpi xmlns:a14="http://schemas.microsoft.com/office/drawing/2010/main" val="0"/>
+              </a:ext>
+              <a:ext uri="{96DAC541-7B7A-43D3-8B79-37D633B846F1}">
+                <asvg:svgBlip xmlns:asvg="http://schemas.microsoft.com/office/drawing/2016/SVG/main" r:embed="rId17"/>
+              </a:ext>
+            </a:extLst>
+          </a:blip>
+          <a:stretch>
+            <a:fillRect/>
+          </a:stretch>
+        </p:blipFill>
+        <p:spPr>
+          <a:xfrm rot="8043518">
+            <a:off x="277388" y="238933"/>
+            <a:ext cx="412407" cy="412407"/>
+          </a:xfrm>
+          <a:prstGeom prst="rect">
+            <a:avLst/>
+          </a:prstGeom>
+        </p:spPr>
+      </p:pic>
+      <p:pic>
+        <p:nvPicPr>
+          <p:cNvPr id="87" name="Graphic 86" descr="Magnifying glass">
+            <a:extLst>
+              <a:ext uri="{FF2B5EF4-FFF2-40B4-BE49-F238E27FC236}">
+                <a16:creationId xmlns:a16="http://schemas.microsoft.com/office/drawing/2014/main" id="{409A0EB1-C6FC-497F-A8AC-DE6E1CC16DEC}"/>
+              </a:ext>
+            </a:extLst>
+          </p:cNvPr>
+          <p:cNvPicPr>
+            <a:picLocks noChangeAspect="1"/>
+          </p:cNvPicPr>
+          <p:nvPr/>
+        </p:nvPicPr>
+        <p:blipFill>
+          <a:blip r:embed="rId18">
+            <a:extLst>
+              <a:ext uri="{28A0092B-C50C-407E-A947-70E740481C1C}">
+                <a14:useLocalDpi xmlns:a14="http://schemas.microsoft.com/office/drawing/2010/main" val="0"/>
+              </a:ext>
+              <a:ext uri="{96DAC541-7B7A-43D3-8B79-37D633B846F1}">
+                <asvg:svgBlip xmlns:asvg="http://schemas.microsoft.com/office/drawing/2016/SVG/main" r:embed="rId19"/>
+              </a:ext>
+            </a:extLst>
+          </a:blip>
+          <a:stretch>
+            <a:fillRect/>
+          </a:stretch>
+        </p:blipFill>
+        <p:spPr>
+          <a:xfrm>
+            <a:off x="292100" y="711518"/>
+            <a:ext cx="370792" cy="370792"/>
+          </a:xfrm>
+          <a:prstGeom prst="rect">
+            <a:avLst/>
+          </a:prstGeom>
+        </p:spPr>
+      </p:pic>
+      <p:grpSp>
+        <p:nvGrpSpPr>
+          <p:cNvPr id="102" name="Group 101">
+            <a:extLst>
+              <a:ext uri="{FF2B5EF4-FFF2-40B4-BE49-F238E27FC236}">
+                <a16:creationId xmlns:a16="http://schemas.microsoft.com/office/drawing/2014/main" id="{C0911648-EFFC-4AC2-A122-BDD0033A372A}"/>
+              </a:ext>
+            </a:extLst>
+          </p:cNvPr>
+          <p:cNvGrpSpPr>
+            <a:grpSpLocks noChangeAspect="1"/>
+          </p:cNvGrpSpPr>
+          <p:nvPr/>
+        </p:nvGrpSpPr>
+        <p:grpSpPr>
+          <a:xfrm>
+            <a:off x="7731655" y="1150439"/>
+            <a:ext cx="1438525" cy="1402176"/>
+            <a:chOff x="8209215" y="1196477"/>
+            <a:chExt cx="997463" cy="972259"/>
+          </a:xfrm>
+        </p:grpSpPr>
+        <p:sp>
+          <p:nvSpPr>
+            <p:cNvPr id="89" name="Rectangle: Rounded Corners 88">
+              <a:extLst>
+                <a:ext uri="{FF2B5EF4-FFF2-40B4-BE49-F238E27FC236}">
+                  <a16:creationId xmlns:a16="http://schemas.microsoft.com/office/drawing/2014/main" id="{E9E1DB66-00A7-46C7-AF8B-35DA7BF53DF2}"/>
+                </a:ext>
+              </a:extLst>
+            </p:cNvPr>
+            <p:cNvSpPr>
+              <a:spLocks noChangeAspect="1"/>
+            </p:cNvSpPr>
+            <p:nvPr/>
+          </p:nvSpPr>
+          <p:spPr>
+            <a:xfrm>
+              <a:off x="8264924" y="1224637"/>
+              <a:ext cx="941754" cy="944099"/>
+            </a:xfrm>
+            <a:prstGeom prst="roundRect">
+              <a:avLst>
+                <a:gd name="adj" fmla="val 2892"/>
+              </a:avLst>
+            </a:prstGeom>
+            <a:solidFill>
+              <a:srgbClr val="696969"/>
+            </a:solidFill>
+            <a:ln>
+              <a:noFill/>
+            </a:ln>
+          </p:spPr>
+          <p:style>
+            <a:lnRef idx="2">
+              <a:schemeClr val="accent1">
+                <a:shade val="50000"/>
+              </a:schemeClr>
+            </a:lnRef>
+            <a:fillRef idx="1">
+              <a:schemeClr val="accent1"/>
+            </a:fillRef>
+            <a:effectRef idx="0">
+              <a:schemeClr val="accent1"/>
+            </a:effectRef>
+            <a:fontRef idx="minor">
+              <a:schemeClr val="lt1"/>
+            </a:fontRef>
+          </p:style>
+          <p:txBody>
+            <a:bodyPr rtlCol="0" anchor="ctr"/>
+            <a:lstStyle/>
+            <a:p>
+              <a:pPr algn="ctr"/>
+              <a:endParaRPr lang="en-US" sz="1200" spc="-150" dirty="0">
+                <a:latin typeface="Graphik" panose="020B0503030202060203" pitchFamily="34" charset="0"/>
+              </a:endParaRPr>
+            </a:p>
+          </p:txBody>
+        </p:sp>
+        <p:pic>
+          <p:nvPicPr>
+            <p:cNvPr id="94" name="Graphic 93" descr="Close">
+              <a:extLst>
+                <a:ext uri="{FF2B5EF4-FFF2-40B4-BE49-F238E27FC236}">
+                  <a16:creationId xmlns:a16="http://schemas.microsoft.com/office/drawing/2014/main" id="{89CC345B-86A3-4225-9983-3992186F7C14}"/>
+                </a:ext>
+              </a:extLst>
+            </p:cNvPr>
+            <p:cNvPicPr>
+              <a:picLocks noChangeAspect="1"/>
+            </p:cNvPicPr>
+            <p:nvPr/>
+          </p:nvPicPr>
+          <p:blipFill>
+            <a:blip r:embed="rId20">
+              <a:extLst>
+                <a:ext uri="{28A0092B-C50C-407E-A947-70E740481C1C}">
+                  <a14:useLocalDpi xmlns:a14="http://schemas.microsoft.com/office/drawing/2010/main" val="0"/>
+                </a:ext>
+                <a:ext uri="{96DAC541-7B7A-43D3-8B79-37D633B846F1}">
+                  <asvg:svgBlip xmlns:asvg="http://schemas.microsoft.com/office/drawing/2016/SVG/main" r:embed="rId21"/>
+                </a:ext>
+              </a:extLst>
+            </a:blip>
+            <a:stretch>
+              <a:fillRect/>
+            </a:stretch>
+          </p:blipFill>
+          <p:spPr>
+            <a:xfrm>
+              <a:off x="9097566" y="1242158"/>
+              <a:ext cx="99066" cy="99066"/>
+            </a:xfrm>
+            <a:prstGeom prst="rect">
+              <a:avLst/>
+            </a:prstGeom>
+          </p:spPr>
+        </p:pic>
+        <p:sp>
+          <p:nvSpPr>
+            <p:cNvPr id="98" name="TextBox 97">
+              <a:extLst>
+                <a:ext uri="{FF2B5EF4-FFF2-40B4-BE49-F238E27FC236}">
+                  <a16:creationId xmlns:a16="http://schemas.microsoft.com/office/drawing/2014/main" id="{C027370F-08C9-4CFA-A4B0-D49DEC7C58AA}"/>
+                </a:ext>
+              </a:extLst>
+            </p:cNvPr>
+            <p:cNvSpPr txBox="1"/>
+            <p:nvPr/>
+          </p:nvSpPr>
+          <p:spPr>
+            <a:xfrm>
+              <a:off x="8209215" y="1196477"/>
+              <a:ext cx="642499" cy="224080"/>
+            </a:xfrm>
+            <a:prstGeom prst="rect">
+              <a:avLst/>
+            </a:prstGeom>
+            <a:noFill/>
+          </p:spPr>
+          <p:txBody>
+            <a:bodyPr wrap="square" tIns="91440" rtlCol="0">
+              <a:spAutoFit/>
+            </a:bodyPr>
+            <a:lstStyle/>
+            <a:p>
+              <a:r>
+                <a:rPr lang="en-US" sz="1200" dirty="0">
+                  <a:solidFill>
+                    <a:schemeClr val="bg1">
+                      <a:lumMod val="95000"/>
+                    </a:schemeClr>
+                  </a:solidFill>
+                  <a:latin typeface="Graphik" panose="020B0503030202060203" pitchFamily="34" charset="0"/>
+                </a:rPr>
+                <a:t> Export as</a:t>
+              </a:r>
+            </a:p>
+          </p:txBody>
+        </p:sp>
+        <p:sp>
+          <p:nvSpPr>
+            <p:cNvPr id="99" name="Rectangle: Rounded Corners 98">
+              <a:extLst>
+                <a:ext uri="{FF2B5EF4-FFF2-40B4-BE49-F238E27FC236}">
+                  <a16:creationId xmlns:a16="http://schemas.microsoft.com/office/drawing/2014/main" id="{86BB3C22-4B03-4B94-BFBE-4D61E75F6EA9}"/>
+                </a:ext>
+              </a:extLst>
+            </p:cNvPr>
+            <p:cNvSpPr/>
+            <p:nvPr/>
+          </p:nvSpPr>
+          <p:spPr>
+            <a:xfrm>
+              <a:off x="8307533" y="1472637"/>
+              <a:ext cx="605485" cy="122424"/>
+            </a:xfrm>
+            <a:prstGeom prst="roundRect">
+              <a:avLst>
+                <a:gd name="adj" fmla="val 8435"/>
+              </a:avLst>
+            </a:prstGeom>
+            <a:solidFill>
+              <a:schemeClr val="bg1">
+                <a:lumMod val="95000"/>
+              </a:schemeClr>
+            </a:solidFill>
+            <a:ln>
+              <a:noFill/>
+            </a:ln>
+          </p:spPr>
+          <p:style>
+            <a:lnRef idx="2">
+              <a:schemeClr val="accent1">
+                <a:shade val="50000"/>
+              </a:schemeClr>
+            </a:lnRef>
+            <a:fillRef idx="1">
+              <a:schemeClr val="accent1"/>
+            </a:fillRef>
+            <a:effectRef idx="0">
+              <a:schemeClr val="accent1"/>
+            </a:effectRef>
+            <a:fontRef idx="minor">
+              <a:schemeClr val="lt1"/>
+            </a:fontRef>
+          </p:style>
+          <p:txBody>
+            <a:bodyPr rtlCol="0" anchor="ctr"/>
+            <a:lstStyle/>
+            <a:p>
+              <a:pPr algn="ctr"/>
+              <a:r>
+                <a:rPr lang="en-US" sz="800" dirty="0">
+                  <a:solidFill>
+                    <a:srgbClr val="696969"/>
+                  </a:solidFill>
+                </a:rPr>
+                <a:t>Filename</a:t>
+              </a:r>
+            </a:p>
+          </p:txBody>
+        </p:sp>
+        <p:sp>
+          <p:nvSpPr>
+            <p:cNvPr id="101" name="Rectangle: Rounded Corners 100">
+              <a:extLst>
+                <a:ext uri="{FF2B5EF4-FFF2-40B4-BE49-F238E27FC236}">
+                  <a16:creationId xmlns:a16="http://schemas.microsoft.com/office/drawing/2014/main" id="{62B3380C-3A20-475B-B2F2-AC3350EC2728}"/>
+                </a:ext>
+              </a:extLst>
+            </p:cNvPr>
+            <p:cNvSpPr/>
+            <p:nvPr/>
+          </p:nvSpPr>
+          <p:spPr>
+            <a:xfrm>
+              <a:off x="8922255" y="1472635"/>
+              <a:ext cx="264649" cy="674544"/>
+            </a:xfrm>
+            <a:prstGeom prst="roundRect">
+              <a:avLst>
+                <a:gd name="adj" fmla="val 4423"/>
+              </a:avLst>
+            </a:prstGeom>
+            <a:solidFill>
+              <a:schemeClr val="bg1">
+                <a:lumMod val="95000"/>
+              </a:schemeClr>
+            </a:solidFill>
+            <a:ln>
+              <a:noFill/>
+            </a:ln>
+          </p:spPr>
+          <p:style>
+            <a:lnRef idx="2">
+              <a:schemeClr val="accent1">
+                <a:shade val="50000"/>
+              </a:schemeClr>
+            </a:lnRef>
+            <a:fillRef idx="1">
+              <a:schemeClr val="accent1"/>
+            </a:fillRef>
+            <a:effectRef idx="0">
+              <a:schemeClr val="accent1"/>
+            </a:effectRef>
+            <a:fontRef idx="minor">
+              <a:schemeClr val="lt1"/>
+            </a:fontRef>
+          </p:style>
+          <p:txBody>
+            <a:bodyPr lIns="9144" tIns="9144" rtlCol="0" anchor="t" anchorCtr="0"/>
+            <a:lstStyle/>
+            <a:p>
+              <a:r>
+                <a:rPr lang="en-US" sz="800" dirty="0">
+                  <a:solidFill>
+                    <a:srgbClr val="696969"/>
+                  </a:solidFill>
+                </a:rPr>
+                <a:t>.mp3</a:t>
+              </a:r>
+            </a:p>
+            <a:p>
+              <a:r>
+                <a:rPr lang="en-US" sz="800" dirty="0">
+                  <a:solidFill>
+                    <a:srgbClr val="696969"/>
+                  </a:solidFill>
+                </a:rPr>
+                <a:t>.wav</a:t>
+              </a:r>
+            </a:p>
+            <a:p>
+              <a:r>
+                <a:rPr lang="en-US" sz="800" dirty="0">
+                  <a:solidFill>
+                    <a:srgbClr val="696969"/>
+                  </a:solidFill>
+                </a:rPr>
+                <a:t>.</a:t>
+              </a:r>
+              <a:r>
+                <a:rPr lang="en-US" sz="800" dirty="0" err="1">
+                  <a:solidFill>
+                    <a:srgbClr val="696969"/>
+                  </a:solidFill>
+                </a:rPr>
+                <a:t>flac</a:t>
+              </a:r>
+              <a:endParaRPr lang="en-US" sz="800" dirty="0">
+                <a:solidFill>
+                  <a:srgbClr val="696969"/>
+                </a:solidFill>
+              </a:endParaRPr>
+            </a:p>
+            <a:p>
+              <a:r>
+                <a:rPr lang="en-US" sz="800" dirty="0">
+                  <a:solidFill>
+                    <a:srgbClr val="696969"/>
+                  </a:solidFill>
+                </a:rPr>
+                <a:t>.</a:t>
+              </a:r>
+              <a:r>
+                <a:rPr lang="en-US" sz="800" dirty="0" err="1">
+                  <a:solidFill>
+                    <a:srgbClr val="696969"/>
+                  </a:solidFill>
+                </a:rPr>
+                <a:t>aiff</a:t>
+              </a:r>
+              <a:endParaRPr lang="en-US" sz="800" dirty="0">
+                <a:solidFill>
+                  <a:srgbClr val="696969"/>
+                </a:solidFill>
+              </a:endParaRPr>
+            </a:p>
+            <a:p>
+              <a:r>
+                <a:rPr lang="en-US" sz="800" dirty="0">
+                  <a:solidFill>
+                    <a:srgbClr val="696969"/>
+                  </a:solidFill>
+                </a:rPr>
+                <a:t>.pcm</a:t>
+              </a:r>
+            </a:p>
+            <a:p>
+              <a:r>
+                <a:rPr lang="en-US" sz="800" dirty="0">
+                  <a:solidFill>
+                    <a:srgbClr val="696969"/>
+                  </a:solidFill>
+                </a:rPr>
+                <a:t>.AAC</a:t>
+              </a:r>
+            </a:p>
+            <a:p>
+              <a:r>
+                <a:rPr lang="en-US" sz="800" dirty="0">
+                  <a:solidFill>
+                    <a:srgbClr val="696969"/>
+                  </a:solidFill>
+                </a:rPr>
+                <a:t>.WMA</a:t>
+              </a:r>
+            </a:p>
+            <a:p>
+              <a:r>
+                <a:rPr lang="en-US" sz="800" dirty="0">
+                  <a:solidFill>
+                    <a:srgbClr val="696969"/>
+                  </a:solidFill>
+                </a:rPr>
+                <a:t>.DSD</a:t>
+              </a:r>
+            </a:p>
+            <a:p>
+              <a:pPr algn="ctr"/>
+              <a:endParaRPr lang="en-US" sz="500" dirty="0">
+                <a:solidFill>
+                  <a:srgbClr val="696969"/>
+                </a:solidFill>
+              </a:endParaRPr>
+            </a:p>
+          </p:txBody>
+        </p:sp>
+      </p:grpSp>
+      <p:sp>
+        <p:nvSpPr>
+          <p:cNvPr id="103" name="Rectangle: Rounded Corners 102">
+            <a:extLst>
+              <a:ext uri="{FF2B5EF4-FFF2-40B4-BE49-F238E27FC236}">
+                <a16:creationId xmlns:a16="http://schemas.microsoft.com/office/drawing/2014/main" id="{2F583946-214C-4CE9-B689-5F9F9F3C71A7}"/>
+              </a:ext>
+            </a:extLst>
+          </p:cNvPr>
+          <p:cNvSpPr/>
+          <p:nvPr/>
+        </p:nvSpPr>
+        <p:spPr>
+          <a:xfrm>
+            <a:off x="9109558" y="1574526"/>
+            <a:ext cx="18288" cy="365760"/>
+          </a:xfrm>
+          <a:prstGeom prst="roundRect">
+            <a:avLst/>
+          </a:prstGeom>
+          <a:solidFill>
+            <a:srgbClr val="696969"/>
+          </a:solidFill>
+          <a:ln w="0">
+            <a:noFill/>
+          </a:ln>
+        </p:spPr>
+        <p:style>
+          <a:lnRef idx="2">
+            <a:schemeClr val="accent1">
+              <a:shade val="50000"/>
+            </a:schemeClr>
+          </a:lnRef>
+          <a:fillRef idx="1">
+            <a:schemeClr val="accent1"/>
+          </a:fillRef>
+          <a:effectRef idx="0">
+            <a:schemeClr val="accent1"/>
+          </a:effectRef>
+          <a:fontRef idx="minor">
+            <a:schemeClr val="lt1"/>
+          </a:fontRef>
+        </p:style>
+        <p:txBody>
+          <a:bodyPr rtlCol="0" anchor="ctr"/>
+          <a:lstStyle/>
+          <a:p>
+            <a:pPr algn="ctr"/>
+            <a:endParaRPr lang="en-US"/>
+          </a:p>
+        </p:txBody>
+      </p:sp>
     </p:spTree>
     <p:extLst>
       <p:ext uri="{BB962C8B-B14F-4D97-AF65-F5344CB8AC3E}">

--- a/DAW.pptx
+++ b/DAW.pptx
@@ -2,18 +2,19 @@
 <file path=ppt/presentation.xml><?xml version="1.0" encoding="utf-8"?>
 <p:presentation xmlns:a="http://schemas.openxmlformats.org/drawingml/2006/main" xmlns:r="http://schemas.openxmlformats.org/officeDocument/2006/relationships" xmlns:p="http://schemas.openxmlformats.org/presentationml/2006/main" saveSubsetFonts="1">
   <p:sldMasterIdLst>
-    <p:sldMasterId id="2147483648" r:id="rId1"/>
+    <p:sldMasterId id="2147483672" r:id="rId1"/>
   </p:sldMasterIdLst>
   <p:sldIdLst>
     <p:sldId id="256" r:id="rId2"/>
+    <p:sldId id="257" r:id="rId3"/>
   </p:sldIdLst>
-  <p:sldSz cx="12192000" cy="6858000"/>
+  <p:sldSz cx="9144000" cy="5715000" type="screen16x10"/>
   <p:notesSz cx="6858000" cy="9144000"/>
   <p:defaultTextStyle>
     <a:defPPr>
       <a:defRPr lang="en-US"/>
     </a:defPPr>
-    <a:lvl1pPr marL="0" algn="l" defTabSz="914400" rtl="0" eaLnBrk="1" latinLnBrk="0" hangingPunct="1">
+    <a:lvl1pPr marL="0" algn="l" defTabSz="457200" rtl="0" eaLnBrk="1" latinLnBrk="0" hangingPunct="1">
       <a:defRPr sz="1800" kern="1200">
         <a:solidFill>
           <a:schemeClr val="tx1"/>
@@ -23,7 +24,7 @@
         <a:cs typeface="+mn-cs"/>
       </a:defRPr>
     </a:lvl1pPr>
-    <a:lvl2pPr marL="457200" algn="l" defTabSz="914400" rtl="0" eaLnBrk="1" latinLnBrk="0" hangingPunct="1">
+    <a:lvl2pPr marL="457200" algn="l" defTabSz="457200" rtl="0" eaLnBrk="1" latinLnBrk="0" hangingPunct="1">
       <a:defRPr sz="1800" kern="1200">
         <a:solidFill>
           <a:schemeClr val="tx1"/>
@@ -33,7 +34,7 @@
         <a:cs typeface="+mn-cs"/>
       </a:defRPr>
     </a:lvl2pPr>
-    <a:lvl3pPr marL="914400" algn="l" defTabSz="914400" rtl="0" eaLnBrk="1" latinLnBrk="0" hangingPunct="1">
+    <a:lvl3pPr marL="914400" algn="l" defTabSz="457200" rtl="0" eaLnBrk="1" latinLnBrk="0" hangingPunct="1">
       <a:defRPr sz="1800" kern="1200">
         <a:solidFill>
           <a:schemeClr val="tx1"/>
@@ -43,7 +44,7 @@
         <a:cs typeface="+mn-cs"/>
       </a:defRPr>
     </a:lvl3pPr>
-    <a:lvl4pPr marL="1371600" algn="l" defTabSz="914400" rtl="0" eaLnBrk="1" latinLnBrk="0" hangingPunct="1">
+    <a:lvl4pPr marL="1371600" algn="l" defTabSz="457200" rtl="0" eaLnBrk="1" latinLnBrk="0" hangingPunct="1">
       <a:defRPr sz="1800" kern="1200">
         <a:solidFill>
           <a:schemeClr val="tx1"/>
@@ -53,7 +54,7 @@
         <a:cs typeface="+mn-cs"/>
       </a:defRPr>
     </a:lvl4pPr>
-    <a:lvl5pPr marL="1828800" algn="l" defTabSz="914400" rtl="0" eaLnBrk="1" latinLnBrk="0" hangingPunct="1">
+    <a:lvl5pPr marL="1828800" algn="l" defTabSz="457200" rtl="0" eaLnBrk="1" latinLnBrk="0" hangingPunct="1">
       <a:defRPr sz="1800" kern="1200">
         <a:solidFill>
           <a:schemeClr val="tx1"/>
@@ -63,7 +64,7 @@
         <a:cs typeface="+mn-cs"/>
       </a:defRPr>
     </a:lvl5pPr>
-    <a:lvl6pPr marL="2286000" algn="l" defTabSz="914400" rtl="0" eaLnBrk="1" latinLnBrk="0" hangingPunct="1">
+    <a:lvl6pPr marL="2286000" algn="l" defTabSz="457200" rtl="0" eaLnBrk="1" latinLnBrk="0" hangingPunct="1">
       <a:defRPr sz="1800" kern="1200">
         <a:solidFill>
           <a:schemeClr val="tx1"/>
@@ -73,7 +74,7 @@
         <a:cs typeface="+mn-cs"/>
       </a:defRPr>
     </a:lvl6pPr>
-    <a:lvl7pPr marL="2743200" algn="l" defTabSz="914400" rtl="0" eaLnBrk="1" latinLnBrk="0" hangingPunct="1">
+    <a:lvl7pPr marL="2743200" algn="l" defTabSz="457200" rtl="0" eaLnBrk="1" latinLnBrk="0" hangingPunct="1">
       <a:defRPr sz="1800" kern="1200">
         <a:solidFill>
           <a:schemeClr val="tx1"/>
@@ -83,7 +84,7 @@
         <a:cs typeface="+mn-cs"/>
       </a:defRPr>
     </a:lvl7pPr>
-    <a:lvl8pPr marL="3200400" algn="l" defTabSz="914400" rtl="0" eaLnBrk="1" latinLnBrk="0" hangingPunct="1">
+    <a:lvl8pPr marL="3200400" algn="l" defTabSz="457200" rtl="0" eaLnBrk="1" latinLnBrk="0" hangingPunct="1">
       <a:defRPr sz="1800" kern="1200">
         <a:solidFill>
           <a:schemeClr val="tx1"/>
@@ -93,7 +94,7 @@
         <a:cs typeface="+mn-cs"/>
       </a:defRPr>
     </a:lvl8pPr>
-    <a:lvl9pPr marL="3657600" algn="l" defTabSz="914400" rtl="0" eaLnBrk="1" latinLnBrk="0" hangingPunct="1">
+    <a:lvl9pPr marL="3657600" algn="l" defTabSz="457200" rtl="0" eaLnBrk="1" latinLnBrk="0" hangingPunct="1">
       <a:defRPr sz="1800" kern="1200">
         <a:solidFill>
           <a:schemeClr val="tx1"/>
@@ -107,12 +108,12 @@
   <p:extLst>
     <p:ext uri="{EFAFB233-063F-42B5-8137-9DF3F51BA10A}">
       <p15:sldGuideLst xmlns:p15="http://schemas.microsoft.com/office/powerpoint/2012/main">
-        <p15:guide id="1" orient="horz" pos="2160" userDrawn="1">
+        <p15:guide id="1" orient="horz" pos="1800" userDrawn="1">
           <p15:clr>
             <a:srgbClr val="A4A3A4"/>
           </p15:clr>
         </p15:guide>
-        <p15:guide id="2" pos="3840" userDrawn="1">
+        <p15:guide id="2" pos="2880" userDrawn="1">
           <p15:clr>
             <a:srgbClr val="A4A3A4"/>
           </p15:clr>
@@ -142,13 +143,7 @@
       </p:grpSpPr>
       <p:sp>
         <p:nvSpPr>
-          <p:cNvPr id="2" name="Title 1">
-            <a:extLst>
-              <a:ext uri="{FF2B5EF4-FFF2-40B4-BE49-F238E27FC236}">
-                <a16:creationId xmlns:a16="http://schemas.microsoft.com/office/drawing/2014/main" id="{C7B85C69-327F-42A9-B7A1-59EE6DFD712B}"/>
-              </a:ext>
-            </a:extLst>
-          </p:cNvPr>
+          <p:cNvPr id="2" name="Title 1"/>
           <p:cNvSpPr>
             <a:spLocks noGrp="1"/>
           </p:cNvSpPr>
@@ -158,15 +153,15 @@
         </p:nvSpPr>
         <p:spPr>
           <a:xfrm>
-            <a:off x="1524000" y="1122363"/>
-            <a:ext cx="9144000" cy="2387600"/>
+            <a:off x="1143000" y="935302"/>
+            <a:ext cx="6858000" cy="1989667"/>
           </a:xfrm>
         </p:spPr>
         <p:txBody>
           <a:bodyPr anchor="b"/>
           <a:lstStyle>
             <a:lvl1pPr algn="ctr">
-              <a:defRPr sz="6000"/>
+              <a:defRPr sz="4500"/>
             </a:lvl1pPr>
           </a:lstStyle>
           <a:p>
@@ -174,18 +169,13 @@
               <a:rPr lang="en-US"/>
               <a:t>Click to edit Master title style</a:t>
             </a:r>
+            <a:endParaRPr lang="en-US" dirty="0"/>
           </a:p>
         </p:txBody>
       </p:sp>
       <p:sp>
         <p:nvSpPr>
-          <p:cNvPr id="3" name="Subtitle 2">
-            <a:extLst>
-              <a:ext uri="{FF2B5EF4-FFF2-40B4-BE49-F238E27FC236}">
-                <a16:creationId xmlns:a16="http://schemas.microsoft.com/office/drawing/2014/main" id="{7FF0821E-51EF-4376-98AE-AA41A2CF1C14}"/>
-              </a:ext>
-            </a:extLst>
-          </p:cNvPr>
+          <p:cNvPr id="3" name="Subtitle 2"/>
           <p:cNvSpPr>
             <a:spLocks noGrp="1"/>
           </p:cNvSpPr>
@@ -195,8 +185,8 @@
         </p:nvSpPr>
         <p:spPr>
           <a:xfrm>
-            <a:off x="1524000" y="3602038"/>
-            <a:ext cx="9144000" cy="1655762"/>
+            <a:off x="1143000" y="3001698"/>
+            <a:ext cx="6858000" cy="1379802"/>
           </a:xfrm>
         </p:spPr>
         <p:txBody>
@@ -204,39 +194,39 @@
           <a:lstStyle>
             <a:lvl1pPr marL="0" indent="0" algn="ctr">
               <a:buNone/>
-              <a:defRPr sz="2400"/>
+              <a:defRPr sz="1800"/>
             </a:lvl1pPr>
-            <a:lvl2pPr marL="457200" indent="0" algn="ctr">
+            <a:lvl2pPr marL="342900" indent="0" algn="ctr">
               <a:buNone/>
-              <a:defRPr sz="2000"/>
+              <a:defRPr sz="1500"/>
             </a:lvl2pPr>
-            <a:lvl3pPr marL="914400" indent="0" algn="ctr">
+            <a:lvl3pPr marL="685800" indent="0" algn="ctr">
               <a:buNone/>
-              <a:defRPr sz="1800"/>
+              <a:defRPr sz="1350"/>
             </a:lvl3pPr>
-            <a:lvl4pPr marL="1371600" indent="0" algn="ctr">
+            <a:lvl4pPr marL="1028700" indent="0" algn="ctr">
               <a:buNone/>
-              <a:defRPr sz="1600"/>
+              <a:defRPr sz="1200"/>
             </a:lvl4pPr>
-            <a:lvl5pPr marL="1828800" indent="0" algn="ctr">
+            <a:lvl5pPr marL="1371600" indent="0" algn="ctr">
               <a:buNone/>
-              <a:defRPr sz="1600"/>
+              <a:defRPr sz="1200"/>
             </a:lvl5pPr>
-            <a:lvl6pPr marL="2286000" indent="0" algn="ctr">
+            <a:lvl6pPr marL="1714500" indent="0" algn="ctr">
               <a:buNone/>
-              <a:defRPr sz="1600"/>
+              <a:defRPr sz="1200"/>
             </a:lvl6pPr>
-            <a:lvl7pPr marL="2743200" indent="0" algn="ctr">
+            <a:lvl7pPr marL="2057400" indent="0" algn="ctr">
               <a:buNone/>
-              <a:defRPr sz="1600"/>
+              <a:defRPr sz="1200"/>
             </a:lvl7pPr>
-            <a:lvl8pPr marL="3200400" indent="0" algn="ctr">
+            <a:lvl8pPr marL="2400300" indent="0" algn="ctr">
               <a:buNone/>
-              <a:defRPr sz="1600"/>
+              <a:defRPr sz="1200"/>
             </a:lvl8pPr>
-            <a:lvl9pPr marL="3657600" indent="0" algn="ctr">
+            <a:lvl9pPr marL="2743200" indent="0" algn="ctr">
               <a:buNone/>
-              <a:defRPr sz="1600"/>
+              <a:defRPr sz="1200"/>
             </a:lvl9pPr>
           </a:lstStyle>
           <a:p>
@@ -244,18 +234,13 @@
               <a:rPr lang="en-US"/>
               <a:t>Click to edit Master subtitle style</a:t>
             </a:r>
+            <a:endParaRPr lang="en-US" dirty="0"/>
           </a:p>
         </p:txBody>
       </p:sp>
       <p:sp>
         <p:nvSpPr>
-          <p:cNvPr id="4" name="Date Placeholder 3">
-            <a:extLst>
-              <a:ext uri="{FF2B5EF4-FFF2-40B4-BE49-F238E27FC236}">
-                <a16:creationId xmlns:a16="http://schemas.microsoft.com/office/drawing/2014/main" id="{3C056B60-546D-4490-B724-003201143A41}"/>
-              </a:ext>
-            </a:extLst>
-          </p:cNvPr>
+          <p:cNvPr id="4" name="Date Placeholder 3"/>
           <p:cNvSpPr>
             <a:spLocks noGrp="1"/>
           </p:cNvSpPr>
@@ -278,13 +263,7 @@
       </p:sp>
       <p:sp>
         <p:nvSpPr>
-          <p:cNvPr id="5" name="Footer Placeholder 4">
-            <a:extLst>
-              <a:ext uri="{FF2B5EF4-FFF2-40B4-BE49-F238E27FC236}">
-                <a16:creationId xmlns:a16="http://schemas.microsoft.com/office/drawing/2014/main" id="{DDB1239B-E7FC-496A-BE71-2E68A26FAEBB}"/>
-              </a:ext>
-            </a:extLst>
-          </p:cNvPr>
+          <p:cNvPr id="5" name="Footer Placeholder 4"/>
           <p:cNvSpPr>
             <a:spLocks noGrp="1"/>
           </p:cNvSpPr>
@@ -303,13 +282,7 @@
       </p:sp>
       <p:sp>
         <p:nvSpPr>
-          <p:cNvPr id="6" name="Slide Number Placeholder 5">
-            <a:extLst>
-              <a:ext uri="{FF2B5EF4-FFF2-40B4-BE49-F238E27FC236}">
-                <a16:creationId xmlns:a16="http://schemas.microsoft.com/office/drawing/2014/main" id="{6E80FF96-AFCE-4A9D-868B-8A2F01A02222}"/>
-              </a:ext>
-            </a:extLst>
-          </p:cNvPr>
+          <p:cNvPr id="6" name="Slide Number Placeholder 5"/>
           <p:cNvSpPr>
             <a:spLocks noGrp="1"/>
           </p:cNvSpPr>
@@ -333,7 +306,7 @@
     </p:spTree>
     <p:extLst>
       <p:ext uri="{BB962C8B-B14F-4D97-AF65-F5344CB8AC3E}">
-        <p14:creationId xmlns:p14="http://schemas.microsoft.com/office/powerpoint/2010/main" val="2520886194"/>
+        <p14:creationId xmlns:p14="http://schemas.microsoft.com/office/powerpoint/2010/main" val="136563933"/>
       </p:ext>
     </p:extLst>
   </p:cSld>
@@ -362,13 +335,7 @@
       </p:grpSpPr>
       <p:sp>
         <p:nvSpPr>
-          <p:cNvPr id="2" name="Title 1">
-            <a:extLst>
-              <a:ext uri="{FF2B5EF4-FFF2-40B4-BE49-F238E27FC236}">
-                <a16:creationId xmlns:a16="http://schemas.microsoft.com/office/drawing/2014/main" id="{A0A83087-0281-4A04-BBBC-DEFABA1810B1}"/>
-              </a:ext>
-            </a:extLst>
-          </p:cNvPr>
+          <p:cNvPr id="2" name="Title 1"/>
           <p:cNvSpPr>
             <a:spLocks noGrp="1"/>
           </p:cNvSpPr>
@@ -385,18 +352,13 @@
               <a:rPr lang="en-US"/>
               <a:t>Click to edit Master title style</a:t>
             </a:r>
+            <a:endParaRPr lang="en-US" dirty="0"/>
           </a:p>
         </p:txBody>
       </p:sp>
       <p:sp>
         <p:nvSpPr>
-          <p:cNvPr id="3" name="Vertical Text Placeholder 2">
-            <a:extLst>
-              <a:ext uri="{FF2B5EF4-FFF2-40B4-BE49-F238E27FC236}">
-                <a16:creationId xmlns:a16="http://schemas.microsoft.com/office/drawing/2014/main" id="{DBD6DDED-63C6-49FD-BBC9-DE541EC4FE51}"/>
-              </a:ext>
-            </a:extLst>
-          </p:cNvPr>
+          <p:cNvPr id="3" name="Vertical Text Placeholder 2"/>
           <p:cNvSpPr>
             <a:spLocks noGrp="1"/>
           </p:cNvSpPr>
@@ -442,18 +404,13 @@
               <a:rPr lang="en-US"/>
               <a:t>Fifth level</a:t>
             </a:r>
+            <a:endParaRPr lang="en-US" dirty="0"/>
           </a:p>
         </p:txBody>
       </p:sp>
       <p:sp>
         <p:nvSpPr>
-          <p:cNvPr id="4" name="Date Placeholder 3">
-            <a:extLst>
-              <a:ext uri="{FF2B5EF4-FFF2-40B4-BE49-F238E27FC236}">
-                <a16:creationId xmlns:a16="http://schemas.microsoft.com/office/drawing/2014/main" id="{6C6F4225-2757-47F3-9551-61639EEBDC32}"/>
-              </a:ext>
-            </a:extLst>
-          </p:cNvPr>
+          <p:cNvPr id="4" name="Date Placeholder 3"/>
           <p:cNvSpPr>
             <a:spLocks noGrp="1"/>
           </p:cNvSpPr>
@@ -476,13 +433,7 @@
       </p:sp>
       <p:sp>
         <p:nvSpPr>
-          <p:cNvPr id="5" name="Footer Placeholder 4">
-            <a:extLst>
-              <a:ext uri="{FF2B5EF4-FFF2-40B4-BE49-F238E27FC236}">
-                <a16:creationId xmlns:a16="http://schemas.microsoft.com/office/drawing/2014/main" id="{4E1274A4-3EAC-47AB-916A-429B1227699B}"/>
-              </a:ext>
-            </a:extLst>
-          </p:cNvPr>
+          <p:cNvPr id="5" name="Footer Placeholder 4"/>
           <p:cNvSpPr>
             <a:spLocks noGrp="1"/>
           </p:cNvSpPr>
@@ -501,13 +452,7 @@
       </p:sp>
       <p:sp>
         <p:nvSpPr>
-          <p:cNvPr id="6" name="Slide Number Placeholder 5">
-            <a:extLst>
-              <a:ext uri="{FF2B5EF4-FFF2-40B4-BE49-F238E27FC236}">
-                <a16:creationId xmlns:a16="http://schemas.microsoft.com/office/drawing/2014/main" id="{775A8E1F-2441-46E8-AE6C-168705191DE3}"/>
-              </a:ext>
-            </a:extLst>
-          </p:cNvPr>
+          <p:cNvPr id="6" name="Slide Number Placeholder 5"/>
           <p:cNvSpPr>
             <a:spLocks noGrp="1"/>
           </p:cNvSpPr>
@@ -531,7 +476,7 @@
     </p:spTree>
     <p:extLst>
       <p:ext uri="{BB962C8B-B14F-4D97-AF65-F5344CB8AC3E}">
-        <p14:creationId xmlns:p14="http://schemas.microsoft.com/office/powerpoint/2010/main" val="3130281807"/>
+        <p14:creationId xmlns:p14="http://schemas.microsoft.com/office/powerpoint/2010/main" val="1682170833"/>
       </p:ext>
     </p:extLst>
   </p:cSld>
@@ -560,13 +505,7 @@
       </p:grpSpPr>
       <p:sp>
         <p:nvSpPr>
-          <p:cNvPr id="2" name="Vertical Title 1">
-            <a:extLst>
-              <a:ext uri="{FF2B5EF4-FFF2-40B4-BE49-F238E27FC236}">
-                <a16:creationId xmlns:a16="http://schemas.microsoft.com/office/drawing/2014/main" id="{BC01CFF0-ECF9-4B56-B2AF-6D31ADBD161E}"/>
-              </a:ext>
-            </a:extLst>
-          </p:cNvPr>
+          <p:cNvPr id="2" name="Vertical Title 1"/>
           <p:cNvSpPr>
             <a:spLocks noGrp="1"/>
           </p:cNvSpPr>
@@ -576,8 +515,8 @@
         </p:nvSpPr>
         <p:spPr>
           <a:xfrm>
-            <a:off x="8724900" y="365125"/>
-            <a:ext cx="2628900" cy="5811838"/>
+            <a:off x="6543675" y="304271"/>
+            <a:ext cx="1971675" cy="4843198"/>
           </a:xfrm>
         </p:spPr>
         <p:txBody>
@@ -588,18 +527,13 @@
               <a:rPr lang="en-US"/>
               <a:t>Click to edit Master title style</a:t>
             </a:r>
+            <a:endParaRPr lang="en-US" dirty="0"/>
           </a:p>
         </p:txBody>
       </p:sp>
       <p:sp>
         <p:nvSpPr>
-          <p:cNvPr id="3" name="Vertical Text Placeholder 2">
-            <a:extLst>
-              <a:ext uri="{FF2B5EF4-FFF2-40B4-BE49-F238E27FC236}">
-                <a16:creationId xmlns:a16="http://schemas.microsoft.com/office/drawing/2014/main" id="{B288B4BD-1220-427E-BE19-4530A637EA10}"/>
-              </a:ext>
-            </a:extLst>
-          </p:cNvPr>
+          <p:cNvPr id="3" name="Vertical Text Placeholder 2"/>
           <p:cNvSpPr>
             <a:spLocks noGrp="1"/>
           </p:cNvSpPr>
@@ -609,8 +543,8 @@
         </p:nvSpPr>
         <p:spPr>
           <a:xfrm>
-            <a:off x="838200" y="365125"/>
-            <a:ext cx="7734300" cy="5811838"/>
+            <a:off x="628650" y="304271"/>
+            <a:ext cx="5800725" cy="4843198"/>
           </a:xfrm>
         </p:spPr>
         <p:txBody>
@@ -650,18 +584,13 @@
               <a:rPr lang="en-US"/>
               <a:t>Fifth level</a:t>
             </a:r>
+            <a:endParaRPr lang="en-US" dirty="0"/>
           </a:p>
         </p:txBody>
       </p:sp>
       <p:sp>
         <p:nvSpPr>
-          <p:cNvPr id="4" name="Date Placeholder 3">
-            <a:extLst>
-              <a:ext uri="{FF2B5EF4-FFF2-40B4-BE49-F238E27FC236}">
-                <a16:creationId xmlns:a16="http://schemas.microsoft.com/office/drawing/2014/main" id="{D2E986E4-B5E0-4DC6-9BD9-FF7C48C940C4}"/>
-              </a:ext>
-            </a:extLst>
-          </p:cNvPr>
+          <p:cNvPr id="4" name="Date Placeholder 3"/>
           <p:cNvSpPr>
             <a:spLocks noGrp="1"/>
           </p:cNvSpPr>
@@ -684,13 +613,7 @@
       </p:sp>
       <p:sp>
         <p:nvSpPr>
-          <p:cNvPr id="5" name="Footer Placeholder 4">
-            <a:extLst>
-              <a:ext uri="{FF2B5EF4-FFF2-40B4-BE49-F238E27FC236}">
-                <a16:creationId xmlns:a16="http://schemas.microsoft.com/office/drawing/2014/main" id="{AE838C48-E516-4D33-A552-EE9D46A6CDC4}"/>
-              </a:ext>
-            </a:extLst>
-          </p:cNvPr>
+          <p:cNvPr id="5" name="Footer Placeholder 4"/>
           <p:cNvSpPr>
             <a:spLocks noGrp="1"/>
           </p:cNvSpPr>
@@ -709,13 +632,7 @@
       </p:sp>
       <p:sp>
         <p:nvSpPr>
-          <p:cNvPr id="6" name="Slide Number Placeholder 5">
-            <a:extLst>
-              <a:ext uri="{FF2B5EF4-FFF2-40B4-BE49-F238E27FC236}">
-                <a16:creationId xmlns:a16="http://schemas.microsoft.com/office/drawing/2014/main" id="{EF33F262-32F4-4A52-A4BE-A47A844C1671}"/>
-              </a:ext>
-            </a:extLst>
-          </p:cNvPr>
+          <p:cNvPr id="6" name="Slide Number Placeholder 5"/>
           <p:cNvSpPr>
             <a:spLocks noGrp="1"/>
           </p:cNvSpPr>
@@ -739,7 +656,7 @@
     </p:spTree>
     <p:extLst>
       <p:ext uri="{BB962C8B-B14F-4D97-AF65-F5344CB8AC3E}">
-        <p14:creationId xmlns:p14="http://schemas.microsoft.com/office/powerpoint/2010/main" val="817992649"/>
+        <p14:creationId xmlns:p14="http://schemas.microsoft.com/office/powerpoint/2010/main" val="3453228961"/>
       </p:ext>
     </p:extLst>
   </p:cSld>
@@ -768,13 +685,7 @@
       </p:grpSpPr>
       <p:sp>
         <p:nvSpPr>
-          <p:cNvPr id="2" name="Title 1">
-            <a:extLst>
-              <a:ext uri="{FF2B5EF4-FFF2-40B4-BE49-F238E27FC236}">
-                <a16:creationId xmlns:a16="http://schemas.microsoft.com/office/drawing/2014/main" id="{F6ECBE92-05C2-4F3B-8D4E-058A7E0F5207}"/>
-              </a:ext>
-            </a:extLst>
-          </p:cNvPr>
+          <p:cNvPr id="2" name="Title 1"/>
           <p:cNvSpPr>
             <a:spLocks noGrp="1"/>
           </p:cNvSpPr>
@@ -791,18 +702,13 @@
               <a:rPr lang="en-US"/>
               <a:t>Click to edit Master title style</a:t>
             </a:r>
+            <a:endParaRPr lang="en-US" dirty="0"/>
           </a:p>
         </p:txBody>
       </p:sp>
       <p:sp>
         <p:nvSpPr>
-          <p:cNvPr id="3" name="Content Placeholder 2">
-            <a:extLst>
-              <a:ext uri="{FF2B5EF4-FFF2-40B4-BE49-F238E27FC236}">
-                <a16:creationId xmlns:a16="http://schemas.microsoft.com/office/drawing/2014/main" id="{4E0AD360-5E73-4AA5-A44A-8360596400F8}"/>
-              </a:ext>
-            </a:extLst>
-          </p:cNvPr>
+          <p:cNvPr id="3" name="Content Placeholder 2"/>
           <p:cNvSpPr>
             <a:spLocks noGrp="1"/>
           </p:cNvSpPr>
@@ -848,18 +754,13 @@
               <a:rPr lang="en-US"/>
               <a:t>Fifth level</a:t>
             </a:r>
+            <a:endParaRPr lang="en-US" dirty="0"/>
           </a:p>
         </p:txBody>
       </p:sp>
       <p:sp>
         <p:nvSpPr>
-          <p:cNvPr id="4" name="Date Placeholder 3">
-            <a:extLst>
-              <a:ext uri="{FF2B5EF4-FFF2-40B4-BE49-F238E27FC236}">
-                <a16:creationId xmlns:a16="http://schemas.microsoft.com/office/drawing/2014/main" id="{E8C52A92-8CEC-40AD-9BA6-5B128552197B}"/>
-              </a:ext>
-            </a:extLst>
-          </p:cNvPr>
+          <p:cNvPr id="4" name="Date Placeholder 3"/>
           <p:cNvSpPr>
             <a:spLocks noGrp="1"/>
           </p:cNvSpPr>
@@ -882,13 +783,7 @@
       </p:sp>
       <p:sp>
         <p:nvSpPr>
-          <p:cNvPr id="5" name="Footer Placeholder 4">
-            <a:extLst>
-              <a:ext uri="{FF2B5EF4-FFF2-40B4-BE49-F238E27FC236}">
-                <a16:creationId xmlns:a16="http://schemas.microsoft.com/office/drawing/2014/main" id="{7F7F2308-2F88-4950-BDF3-9FFA5C258B77}"/>
-              </a:ext>
-            </a:extLst>
-          </p:cNvPr>
+          <p:cNvPr id="5" name="Footer Placeholder 4"/>
           <p:cNvSpPr>
             <a:spLocks noGrp="1"/>
           </p:cNvSpPr>
@@ -907,13 +802,7 @@
       </p:sp>
       <p:sp>
         <p:nvSpPr>
-          <p:cNvPr id="6" name="Slide Number Placeholder 5">
-            <a:extLst>
-              <a:ext uri="{FF2B5EF4-FFF2-40B4-BE49-F238E27FC236}">
-                <a16:creationId xmlns:a16="http://schemas.microsoft.com/office/drawing/2014/main" id="{9388827A-E9AC-4A6F-A146-3C73768A5B48}"/>
-              </a:ext>
-            </a:extLst>
-          </p:cNvPr>
+          <p:cNvPr id="6" name="Slide Number Placeholder 5"/>
           <p:cNvSpPr>
             <a:spLocks noGrp="1"/>
           </p:cNvSpPr>
@@ -937,7 +826,7 @@
     </p:spTree>
     <p:extLst>
       <p:ext uri="{BB962C8B-B14F-4D97-AF65-F5344CB8AC3E}">
-        <p14:creationId xmlns:p14="http://schemas.microsoft.com/office/powerpoint/2010/main" val="2287072380"/>
+        <p14:creationId xmlns:p14="http://schemas.microsoft.com/office/powerpoint/2010/main" val="1153503597"/>
       </p:ext>
     </p:extLst>
   </p:cSld>
@@ -966,13 +855,7 @@
       </p:grpSpPr>
       <p:sp>
         <p:nvSpPr>
-          <p:cNvPr id="2" name="Title 1">
-            <a:extLst>
-              <a:ext uri="{FF2B5EF4-FFF2-40B4-BE49-F238E27FC236}">
-                <a16:creationId xmlns:a16="http://schemas.microsoft.com/office/drawing/2014/main" id="{8998888B-868B-4A82-BA51-77C569DFEBF8}"/>
-              </a:ext>
-            </a:extLst>
-          </p:cNvPr>
+          <p:cNvPr id="2" name="Title 1"/>
           <p:cNvSpPr>
             <a:spLocks noGrp="1"/>
           </p:cNvSpPr>
@@ -982,15 +865,15 @@
         </p:nvSpPr>
         <p:spPr>
           <a:xfrm>
-            <a:off x="831850" y="1709738"/>
-            <a:ext cx="10515600" cy="2852737"/>
+            <a:off x="623888" y="1424782"/>
+            <a:ext cx="7886700" cy="2377281"/>
           </a:xfrm>
         </p:spPr>
         <p:txBody>
           <a:bodyPr anchor="b"/>
           <a:lstStyle>
             <a:lvl1pPr>
-              <a:defRPr sz="6000"/>
+              <a:defRPr sz="4500"/>
             </a:lvl1pPr>
           </a:lstStyle>
           <a:p>
@@ -998,18 +881,13 @@
               <a:rPr lang="en-US"/>
               <a:t>Click to edit Master title style</a:t>
             </a:r>
+            <a:endParaRPr lang="en-US" dirty="0"/>
           </a:p>
         </p:txBody>
       </p:sp>
       <p:sp>
         <p:nvSpPr>
-          <p:cNvPr id="3" name="Text Placeholder 2">
-            <a:extLst>
-              <a:ext uri="{FF2B5EF4-FFF2-40B4-BE49-F238E27FC236}">
-                <a16:creationId xmlns:a16="http://schemas.microsoft.com/office/drawing/2014/main" id="{57A80F67-169D-477D-B714-179301BD9262}"/>
-              </a:ext>
-            </a:extLst>
-          </p:cNvPr>
+          <p:cNvPr id="3" name="Text Placeholder 2"/>
           <p:cNvSpPr>
             <a:spLocks noGrp="1"/>
           </p:cNvSpPr>
@@ -1019,34 +897,14 @@
         </p:nvSpPr>
         <p:spPr>
           <a:xfrm>
-            <a:off x="831850" y="4589463"/>
-            <a:ext cx="10515600" cy="1500187"/>
+            <a:off x="623888" y="3824553"/>
+            <a:ext cx="7886700" cy="1250156"/>
           </a:xfrm>
         </p:spPr>
         <p:txBody>
           <a:bodyPr/>
           <a:lstStyle>
             <a:lvl1pPr marL="0" indent="0">
-              <a:buNone/>
-              <a:defRPr sz="2400">
-                <a:solidFill>
-                  <a:schemeClr val="tx1">
-                    <a:tint val="75000"/>
-                  </a:schemeClr>
-                </a:solidFill>
-              </a:defRPr>
-            </a:lvl1pPr>
-            <a:lvl2pPr marL="457200" indent="0">
-              <a:buNone/>
-              <a:defRPr sz="2000">
-                <a:solidFill>
-                  <a:schemeClr val="tx1">
-                    <a:tint val="75000"/>
-                  </a:schemeClr>
-                </a:solidFill>
-              </a:defRPr>
-            </a:lvl2pPr>
-            <a:lvl3pPr marL="914400" indent="0">
               <a:buNone/>
               <a:defRPr sz="1800">
                 <a:solidFill>
@@ -1055,10 +913,30 @@
                   </a:schemeClr>
                 </a:solidFill>
               </a:defRPr>
+            </a:lvl1pPr>
+            <a:lvl2pPr marL="342900" indent="0">
+              <a:buNone/>
+              <a:defRPr sz="1500">
+                <a:solidFill>
+                  <a:schemeClr val="tx1">
+                    <a:tint val="75000"/>
+                  </a:schemeClr>
+                </a:solidFill>
+              </a:defRPr>
+            </a:lvl2pPr>
+            <a:lvl3pPr marL="685800" indent="0">
+              <a:buNone/>
+              <a:defRPr sz="1350">
+                <a:solidFill>
+                  <a:schemeClr val="tx1">
+                    <a:tint val="75000"/>
+                  </a:schemeClr>
+                </a:solidFill>
+              </a:defRPr>
             </a:lvl3pPr>
-            <a:lvl4pPr marL="1371600" indent="0">
+            <a:lvl4pPr marL="1028700" indent="0">
               <a:buNone/>
-              <a:defRPr sz="1600">
+              <a:defRPr sz="1200">
                 <a:solidFill>
                   <a:schemeClr val="tx1">
                     <a:tint val="75000"/>
@@ -1066,9 +944,9 @@
                 </a:solidFill>
               </a:defRPr>
             </a:lvl4pPr>
-            <a:lvl5pPr marL="1828800" indent="0">
+            <a:lvl5pPr marL="1371600" indent="0">
               <a:buNone/>
-              <a:defRPr sz="1600">
+              <a:defRPr sz="1200">
                 <a:solidFill>
                   <a:schemeClr val="tx1">
                     <a:tint val="75000"/>
@@ -1076,9 +954,9 @@
                 </a:solidFill>
               </a:defRPr>
             </a:lvl5pPr>
-            <a:lvl6pPr marL="2286000" indent="0">
+            <a:lvl6pPr marL="1714500" indent="0">
               <a:buNone/>
-              <a:defRPr sz="1600">
+              <a:defRPr sz="1200">
                 <a:solidFill>
                   <a:schemeClr val="tx1">
                     <a:tint val="75000"/>
@@ -1086,9 +964,9 @@
                 </a:solidFill>
               </a:defRPr>
             </a:lvl6pPr>
-            <a:lvl7pPr marL="2743200" indent="0">
+            <a:lvl7pPr marL="2057400" indent="0">
               <a:buNone/>
-              <a:defRPr sz="1600">
+              <a:defRPr sz="1200">
                 <a:solidFill>
                   <a:schemeClr val="tx1">
                     <a:tint val="75000"/>
@@ -1096,9 +974,9 @@
                 </a:solidFill>
               </a:defRPr>
             </a:lvl7pPr>
-            <a:lvl8pPr marL="3200400" indent="0">
+            <a:lvl8pPr marL="2400300" indent="0">
               <a:buNone/>
-              <a:defRPr sz="1600">
+              <a:defRPr sz="1200">
                 <a:solidFill>
                   <a:schemeClr val="tx1">
                     <a:tint val="75000"/>
@@ -1106,9 +984,9 @@
                 </a:solidFill>
               </a:defRPr>
             </a:lvl8pPr>
-            <a:lvl9pPr marL="3657600" indent="0">
+            <a:lvl9pPr marL="2743200" indent="0">
               <a:buNone/>
-              <a:defRPr sz="1600">
+              <a:defRPr sz="1200">
                 <a:solidFill>
                   <a:schemeClr val="tx1">
                     <a:tint val="75000"/>
@@ -1128,13 +1006,7 @@
       </p:sp>
       <p:sp>
         <p:nvSpPr>
-          <p:cNvPr id="4" name="Date Placeholder 3">
-            <a:extLst>
-              <a:ext uri="{FF2B5EF4-FFF2-40B4-BE49-F238E27FC236}">
-                <a16:creationId xmlns:a16="http://schemas.microsoft.com/office/drawing/2014/main" id="{DFBA0F1C-8DC3-4D82-9B7D-A23C514B1177}"/>
-              </a:ext>
-            </a:extLst>
-          </p:cNvPr>
+          <p:cNvPr id="4" name="Date Placeholder 3"/>
           <p:cNvSpPr>
             <a:spLocks noGrp="1"/>
           </p:cNvSpPr>
@@ -1157,13 +1029,7 @@
       </p:sp>
       <p:sp>
         <p:nvSpPr>
-          <p:cNvPr id="5" name="Footer Placeholder 4">
-            <a:extLst>
-              <a:ext uri="{FF2B5EF4-FFF2-40B4-BE49-F238E27FC236}">
-                <a16:creationId xmlns:a16="http://schemas.microsoft.com/office/drawing/2014/main" id="{1131E869-18B2-4CD7-92FD-31D86268421D}"/>
-              </a:ext>
-            </a:extLst>
-          </p:cNvPr>
+          <p:cNvPr id="5" name="Footer Placeholder 4"/>
           <p:cNvSpPr>
             <a:spLocks noGrp="1"/>
           </p:cNvSpPr>
@@ -1182,13 +1048,7 @@
       </p:sp>
       <p:sp>
         <p:nvSpPr>
-          <p:cNvPr id="6" name="Slide Number Placeholder 5">
-            <a:extLst>
-              <a:ext uri="{FF2B5EF4-FFF2-40B4-BE49-F238E27FC236}">
-                <a16:creationId xmlns:a16="http://schemas.microsoft.com/office/drawing/2014/main" id="{EFB96DC5-C2F4-4385-8973-702B7AE8597B}"/>
-              </a:ext>
-            </a:extLst>
-          </p:cNvPr>
+          <p:cNvPr id="6" name="Slide Number Placeholder 5"/>
           <p:cNvSpPr>
             <a:spLocks noGrp="1"/>
           </p:cNvSpPr>
@@ -1212,7 +1072,7 @@
     </p:spTree>
     <p:extLst>
       <p:ext uri="{BB962C8B-B14F-4D97-AF65-F5344CB8AC3E}">
-        <p14:creationId xmlns:p14="http://schemas.microsoft.com/office/powerpoint/2010/main" val="13530222"/>
+        <p14:creationId xmlns:p14="http://schemas.microsoft.com/office/powerpoint/2010/main" val="3175900615"/>
       </p:ext>
     </p:extLst>
   </p:cSld>
@@ -1241,13 +1101,7 @@
       </p:grpSpPr>
       <p:sp>
         <p:nvSpPr>
-          <p:cNvPr id="2" name="Title 1">
-            <a:extLst>
-              <a:ext uri="{FF2B5EF4-FFF2-40B4-BE49-F238E27FC236}">
-                <a16:creationId xmlns:a16="http://schemas.microsoft.com/office/drawing/2014/main" id="{0BE6956A-E89C-4141-9B2E-8608569102F4}"/>
-              </a:ext>
-            </a:extLst>
-          </p:cNvPr>
+          <p:cNvPr id="2" name="Title 1"/>
           <p:cNvSpPr>
             <a:spLocks noGrp="1"/>
           </p:cNvSpPr>
@@ -1264,18 +1118,13 @@
               <a:rPr lang="en-US"/>
               <a:t>Click to edit Master title style</a:t>
             </a:r>
+            <a:endParaRPr lang="en-US" dirty="0"/>
           </a:p>
         </p:txBody>
       </p:sp>
       <p:sp>
         <p:nvSpPr>
-          <p:cNvPr id="3" name="Content Placeholder 2">
-            <a:extLst>
-              <a:ext uri="{FF2B5EF4-FFF2-40B4-BE49-F238E27FC236}">
-                <a16:creationId xmlns:a16="http://schemas.microsoft.com/office/drawing/2014/main" id="{6F2E4A69-C43A-4710-A8B8-7E39E54003AE}"/>
-              </a:ext>
-            </a:extLst>
-          </p:cNvPr>
+          <p:cNvPr id="3" name="Content Placeholder 2"/>
           <p:cNvSpPr>
             <a:spLocks noGrp="1"/>
           </p:cNvSpPr>
@@ -1285,8 +1134,8 @@
         </p:nvSpPr>
         <p:spPr>
           <a:xfrm>
-            <a:off x="838200" y="1825625"/>
-            <a:ext cx="5181600" cy="4351338"/>
+            <a:off x="628650" y="1521354"/>
+            <a:ext cx="3886200" cy="3626115"/>
           </a:xfrm>
         </p:spPr>
         <p:txBody>
@@ -1326,18 +1175,13 @@
               <a:rPr lang="en-US"/>
               <a:t>Fifth level</a:t>
             </a:r>
+            <a:endParaRPr lang="en-US" dirty="0"/>
           </a:p>
         </p:txBody>
       </p:sp>
       <p:sp>
         <p:nvSpPr>
-          <p:cNvPr id="4" name="Content Placeholder 3">
-            <a:extLst>
-              <a:ext uri="{FF2B5EF4-FFF2-40B4-BE49-F238E27FC236}">
-                <a16:creationId xmlns:a16="http://schemas.microsoft.com/office/drawing/2014/main" id="{4BFF5693-1D95-471B-96C9-C322D84E75DB}"/>
-              </a:ext>
-            </a:extLst>
-          </p:cNvPr>
+          <p:cNvPr id="4" name="Content Placeholder 3"/>
           <p:cNvSpPr>
             <a:spLocks noGrp="1"/>
           </p:cNvSpPr>
@@ -1347,8 +1191,8 @@
         </p:nvSpPr>
         <p:spPr>
           <a:xfrm>
-            <a:off x="6172200" y="1825625"/>
-            <a:ext cx="5181600" cy="4351338"/>
+            <a:off x="4629150" y="1521354"/>
+            <a:ext cx="3886200" cy="3626115"/>
           </a:xfrm>
         </p:spPr>
         <p:txBody>
@@ -1388,18 +1232,13 @@
               <a:rPr lang="en-US"/>
               <a:t>Fifth level</a:t>
             </a:r>
+            <a:endParaRPr lang="en-US" dirty="0"/>
           </a:p>
         </p:txBody>
       </p:sp>
       <p:sp>
         <p:nvSpPr>
-          <p:cNvPr id="5" name="Date Placeholder 4">
-            <a:extLst>
-              <a:ext uri="{FF2B5EF4-FFF2-40B4-BE49-F238E27FC236}">
-                <a16:creationId xmlns:a16="http://schemas.microsoft.com/office/drawing/2014/main" id="{EAF3CF33-9D70-4240-9694-7E3EABD4EF17}"/>
-              </a:ext>
-            </a:extLst>
-          </p:cNvPr>
+          <p:cNvPr id="5" name="Date Placeholder 4"/>
           <p:cNvSpPr>
             <a:spLocks noGrp="1"/>
           </p:cNvSpPr>
@@ -1422,13 +1261,7 @@
       </p:sp>
       <p:sp>
         <p:nvSpPr>
-          <p:cNvPr id="6" name="Footer Placeholder 5">
-            <a:extLst>
-              <a:ext uri="{FF2B5EF4-FFF2-40B4-BE49-F238E27FC236}">
-                <a16:creationId xmlns:a16="http://schemas.microsoft.com/office/drawing/2014/main" id="{CFF756EF-2AB5-408C-97A5-9B7CC2E25535}"/>
-              </a:ext>
-            </a:extLst>
-          </p:cNvPr>
+          <p:cNvPr id="6" name="Footer Placeholder 5"/>
           <p:cNvSpPr>
             <a:spLocks noGrp="1"/>
           </p:cNvSpPr>
@@ -1447,13 +1280,7 @@
       </p:sp>
       <p:sp>
         <p:nvSpPr>
-          <p:cNvPr id="7" name="Slide Number Placeholder 6">
-            <a:extLst>
-              <a:ext uri="{FF2B5EF4-FFF2-40B4-BE49-F238E27FC236}">
-                <a16:creationId xmlns:a16="http://schemas.microsoft.com/office/drawing/2014/main" id="{7CF17E85-C062-4A6F-8D44-B37FAE96BE06}"/>
-              </a:ext>
-            </a:extLst>
-          </p:cNvPr>
+          <p:cNvPr id="7" name="Slide Number Placeholder 6"/>
           <p:cNvSpPr>
             <a:spLocks noGrp="1"/>
           </p:cNvSpPr>
@@ -1477,7 +1304,7 @@
     </p:spTree>
     <p:extLst>
       <p:ext uri="{BB962C8B-B14F-4D97-AF65-F5344CB8AC3E}">
-        <p14:creationId xmlns:p14="http://schemas.microsoft.com/office/powerpoint/2010/main" val="2238450473"/>
+        <p14:creationId xmlns:p14="http://schemas.microsoft.com/office/powerpoint/2010/main" val="3649642065"/>
       </p:ext>
     </p:extLst>
   </p:cSld>
@@ -1506,13 +1333,7 @@
       </p:grpSpPr>
       <p:sp>
         <p:nvSpPr>
-          <p:cNvPr id="2" name="Title 1">
-            <a:extLst>
-              <a:ext uri="{FF2B5EF4-FFF2-40B4-BE49-F238E27FC236}">
-                <a16:creationId xmlns:a16="http://schemas.microsoft.com/office/drawing/2014/main" id="{37057E72-BB05-4F93-B5DF-84B843B75020}"/>
-              </a:ext>
-            </a:extLst>
-          </p:cNvPr>
+          <p:cNvPr id="2" name="Title 1"/>
           <p:cNvSpPr>
             <a:spLocks noGrp="1"/>
           </p:cNvSpPr>
@@ -1522,8 +1343,8 @@
         </p:nvSpPr>
         <p:spPr>
           <a:xfrm>
-            <a:off x="839788" y="365125"/>
-            <a:ext cx="10515600" cy="1325563"/>
+            <a:off x="629841" y="304271"/>
+            <a:ext cx="7886700" cy="1104636"/>
           </a:xfrm>
         </p:spPr>
         <p:txBody>
@@ -1534,18 +1355,13 @@
               <a:rPr lang="en-US"/>
               <a:t>Click to edit Master title style</a:t>
             </a:r>
+            <a:endParaRPr lang="en-US" dirty="0"/>
           </a:p>
         </p:txBody>
       </p:sp>
       <p:sp>
         <p:nvSpPr>
-          <p:cNvPr id="3" name="Text Placeholder 2">
-            <a:extLst>
-              <a:ext uri="{FF2B5EF4-FFF2-40B4-BE49-F238E27FC236}">
-                <a16:creationId xmlns:a16="http://schemas.microsoft.com/office/drawing/2014/main" id="{AF80EC50-B627-4937-A21B-589DDC805A65}"/>
-              </a:ext>
-            </a:extLst>
-          </p:cNvPr>
+          <p:cNvPr id="3" name="Text Placeholder 2"/>
           <p:cNvSpPr>
             <a:spLocks noGrp="1"/>
           </p:cNvSpPr>
@@ -1555,8 +1371,8 @@
         </p:nvSpPr>
         <p:spPr>
           <a:xfrm>
-            <a:off x="839788" y="1681163"/>
-            <a:ext cx="5157787" cy="823912"/>
+            <a:off x="629842" y="1400969"/>
+            <a:ext cx="3868340" cy="686593"/>
           </a:xfrm>
         </p:spPr>
         <p:txBody>
@@ -1564,39 +1380,39 @@
           <a:lstStyle>
             <a:lvl1pPr marL="0" indent="0">
               <a:buNone/>
-              <a:defRPr sz="2400" b="1"/>
+              <a:defRPr sz="1800" b="1"/>
             </a:lvl1pPr>
-            <a:lvl2pPr marL="457200" indent="0">
+            <a:lvl2pPr marL="342900" indent="0">
               <a:buNone/>
-              <a:defRPr sz="2000" b="1"/>
+              <a:defRPr sz="1500" b="1"/>
             </a:lvl2pPr>
-            <a:lvl3pPr marL="914400" indent="0">
+            <a:lvl3pPr marL="685800" indent="0">
               <a:buNone/>
-              <a:defRPr sz="1800" b="1"/>
+              <a:defRPr sz="1350" b="1"/>
             </a:lvl3pPr>
-            <a:lvl4pPr marL="1371600" indent="0">
+            <a:lvl4pPr marL="1028700" indent="0">
               <a:buNone/>
-              <a:defRPr sz="1600" b="1"/>
+              <a:defRPr sz="1200" b="1"/>
             </a:lvl4pPr>
-            <a:lvl5pPr marL="1828800" indent="0">
+            <a:lvl5pPr marL="1371600" indent="0">
               <a:buNone/>
-              <a:defRPr sz="1600" b="1"/>
+              <a:defRPr sz="1200" b="1"/>
             </a:lvl5pPr>
-            <a:lvl6pPr marL="2286000" indent="0">
+            <a:lvl6pPr marL="1714500" indent="0">
               <a:buNone/>
-              <a:defRPr sz="1600" b="1"/>
+              <a:defRPr sz="1200" b="1"/>
             </a:lvl6pPr>
-            <a:lvl7pPr marL="2743200" indent="0">
+            <a:lvl7pPr marL="2057400" indent="0">
               <a:buNone/>
-              <a:defRPr sz="1600" b="1"/>
+              <a:defRPr sz="1200" b="1"/>
             </a:lvl7pPr>
-            <a:lvl8pPr marL="3200400" indent="0">
+            <a:lvl8pPr marL="2400300" indent="0">
               <a:buNone/>
-              <a:defRPr sz="1600" b="1"/>
+              <a:defRPr sz="1200" b="1"/>
             </a:lvl8pPr>
-            <a:lvl9pPr marL="3657600" indent="0">
+            <a:lvl9pPr marL="2743200" indent="0">
               <a:buNone/>
-              <a:defRPr sz="1600" b="1"/>
+              <a:defRPr sz="1200" b="1"/>
             </a:lvl9pPr>
           </a:lstStyle>
           <a:p>
@@ -1610,13 +1426,7 @@
       </p:sp>
       <p:sp>
         <p:nvSpPr>
-          <p:cNvPr id="4" name="Content Placeholder 3">
-            <a:extLst>
-              <a:ext uri="{FF2B5EF4-FFF2-40B4-BE49-F238E27FC236}">
-                <a16:creationId xmlns:a16="http://schemas.microsoft.com/office/drawing/2014/main" id="{3782FA49-FE73-4BBF-B5B1-2C67DBE3D223}"/>
-              </a:ext>
-            </a:extLst>
-          </p:cNvPr>
+          <p:cNvPr id="4" name="Content Placeholder 3"/>
           <p:cNvSpPr>
             <a:spLocks noGrp="1"/>
           </p:cNvSpPr>
@@ -1626,8 +1436,8 @@
         </p:nvSpPr>
         <p:spPr>
           <a:xfrm>
-            <a:off x="839788" y="2505075"/>
-            <a:ext cx="5157787" cy="3684588"/>
+            <a:off x="629842" y="2087563"/>
+            <a:ext cx="3868340" cy="3070490"/>
           </a:xfrm>
         </p:spPr>
         <p:txBody>
@@ -1667,18 +1477,13 @@
               <a:rPr lang="en-US"/>
               <a:t>Fifth level</a:t>
             </a:r>
+            <a:endParaRPr lang="en-US" dirty="0"/>
           </a:p>
         </p:txBody>
       </p:sp>
       <p:sp>
         <p:nvSpPr>
-          <p:cNvPr id="5" name="Text Placeholder 4">
-            <a:extLst>
-              <a:ext uri="{FF2B5EF4-FFF2-40B4-BE49-F238E27FC236}">
-                <a16:creationId xmlns:a16="http://schemas.microsoft.com/office/drawing/2014/main" id="{B3D2665B-C260-4563-8C5B-19D7E102D7D1}"/>
-              </a:ext>
-            </a:extLst>
-          </p:cNvPr>
+          <p:cNvPr id="5" name="Text Placeholder 4"/>
           <p:cNvSpPr>
             <a:spLocks noGrp="1"/>
           </p:cNvSpPr>
@@ -1688,8 +1493,8 @@
         </p:nvSpPr>
         <p:spPr>
           <a:xfrm>
-            <a:off x="6172200" y="1681163"/>
-            <a:ext cx="5183188" cy="823912"/>
+            <a:off x="4629150" y="1400969"/>
+            <a:ext cx="3887391" cy="686593"/>
           </a:xfrm>
         </p:spPr>
         <p:txBody>
@@ -1697,39 +1502,39 @@
           <a:lstStyle>
             <a:lvl1pPr marL="0" indent="0">
               <a:buNone/>
-              <a:defRPr sz="2400" b="1"/>
+              <a:defRPr sz="1800" b="1"/>
             </a:lvl1pPr>
-            <a:lvl2pPr marL="457200" indent="0">
+            <a:lvl2pPr marL="342900" indent="0">
               <a:buNone/>
-              <a:defRPr sz="2000" b="1"/>
+              <a:defRPr sz="1500" b="1"/>
             </a:lvl2pPr>
-            <a:lvl3pPr marL="914400" indent="0">
+            <a:lvl3pPr marL="685800" indent="0">
               <a:buNone/>
-              <a:defRPr sz="1800" b="1"/>
+              <a:defRPr sz="1350" b="1"/>
             </a:lvl3pPr>
-            <a:lvl4pPr marL="1371600" indent="0">
+            <a:lvl4pPr marL="1028700" indent="0">
               <a:buNone/>
-              <a:defRPr sz="1600" b="1"/>
+              <a:defRPr sz="1200" b="1"/>
             </a:lvl4pPr>
-            <a:lvl5pPr marL="1828800" indent="0">
+            <a:lvl5pPr marL="1371600" indent="0">
               <a:buNone/>
-              <a:defRPr sz="1600" b="1"/>
+              <a:defRPr sz="1200" b="1"/>
             </a:lvl5pPr>
-            <a:lvl6pPr marL="2286000" indent="0">
+            <a:lvl6pPr marL="1714500" indent="0">
               <a:buNone/>
-              <a:defRPr sz="1600" b="1"/>
+              <a:defRPr sz="1200" b="1"/>
             </a:lvl6pPr>
-            <a:lvl7pPr marL="2743200" indent="0">
+            <a:lvl7pPr marL="2057400" indent="0">
               <a:buNone/>
-              <a:defRPr sz="1600" b="1"/>
+              <a:defRPr sz="1200" b="1"/>
             </a:lvl7pPr>
-            <a:lvl8pPr marL="3200400" indent="0">
+            <a:lvl8pPr marL="2400300" indent="0">
               <a:buNone/>
-              <a:defRPr sz="1600" b="1"/>
+              <a:defRPr sz="1200" b="1"/>
             </a:lvl8pPr>
-            <a:lvl9pPr marL="3657600" indent="0">
+            <a:lvl9pPr marL="2743200" indent="0">
               <a:buNone/>
-              <a:defRPr sz="1600" b="1"/>
+              <a:defRPr sz="1200" b="1"/>
             </a:lvl9pPr>
           </a:lstStyle>
           <a:p>
@@ -1743,13 +1548,7 @@
       </p:sp>
       <p:sp>
         <p:nvSpPr>
-          <p:cNvPr id="6" name="Content Placeholder 5">
-            <a:extLst>
-              <a:ext uri="{FF2B5EF4-FFF2-40B4-BE49-F238E27FC236}">
-                <a16:creationId xmlns:a16="http://schemas.microsoft.com/office/drawing/2014/main" id="{97C4FD2B-C0BB-4919-ACE6-FC82B3CBF0E1}"/>
-              </a:ext>
-            </a:extLst>
-          </p:cNvPr>
+          <p:cNvPr id="6" name="Content Placeholder 5"/>
           <p:cNvSpPr>
             <a:spLocks noGrp="1"/>
           </p:cNvSpPr>
@@ -1759,8 +1558,8 @@
         </p:nvSpPr>
         <p:spPr>
           <a:xfrm>
-            <a:off x="6172200" y="2505075"/>
-            <a:ext cx="5183188" cy="3684588"/>
+            <a:off x="4629150" y="2087563"/>
+            <a:ext cx="3887391" cy="3070490"/>
           </a:xfrm>
         </p:spPr>
         <p:txBody>
@@ -1800,18 +1599,13 @@
               <a:rPr lang="en-US"/>
               <a:t>Fifth level</a:t>
             </a:r>
+            <a:endParaRPr lang="en-US" dirty="0"/>
           </a:p>
         </p:txBody>
       </p:sp>
       <p:sp>
         <p:nvSpPr>
-          <p:cNvPr id="7" name="Date Placeholder 6">
-            <a:extLst>
-              <a:ext uri="{FF2B5EF4-FFF2-40B4-BE49-F238E27FC236}">
-                <a16:creationId xmlns:a16="http://schemas.microsoft.com/office/drawing/2014/main" id="{34556D4A-9632-45D7-9D32-454634EE19FA}"/>
-              </a:ext>
-            </a:extLst>
-          </p:cNvPr>
+          <p:cNvPr id="7" name="Date Placeholder 6"/>
           <p:cNvSpPr>
             <a:spLocks noGrp="1"/>
           </p:cNvSpPr>
@@ -1834,13 +1628,7 @@
       </p:sp>
       <p:sp>
         <p:nvSpPr>
-          <p:cNvPr id="8" name="Footer Placeholder 7">
-            <a:extLst>
-              <a:ext uri="{FF2B5EF4-FFF2-40B4-BE49-F238E27FC236}">
-                <a16:creationId xmlns:a16="http://schemas.microsoft.com/office/drawing/2014/main" id="{2B51649A-4363-4BD8-BBBB-89FDD88EFA72}"/>
-              </a:ext>
-            </a:extLst>
-          </p:cNvPr>
+          <p:cNvPr id="8" name="Footer Placeholder 7"/>
           <p:cNvSpPr>
             <a:spLocks noGrp="1"/>
           </p:cNvSpPr>
@@ -1859,13 +1647,7 @@
       </p:sp>
       <p:sp>
         <p:nvSpPr>
-          <p:cNvPr id="9" name="Slide Number Placeholder 8">
-            <a:extLst>
-              <a:ext uri="{FF2B5EF4-FFF2-40B4-BE49-F238E27FC236}">
-                <a16:creationId xmlns:a16="http://schemas.microsoft.com/office/drawing/2014/main" id="{1A9AE101-74FB-4E8A-B31C-7E7A77921E81}"/>
-              </a:ext>
-            </a:extLst>
-          </p:cNvPr>
+          <p:cNvPr id="9" name="Slide Number Placeholder 8"/>
           <p:cNvSpPr>
             <a:spLocks noGrp="1"/>
           </p:cNvSpPr>
@@ -1889,7 +1671,7 @@
     </p:spTree>
     <p:extLst>
       <p:ext uri="{BB962C8B-B14F-4D97-AF65-F5344CB8AC3E}">
-        <p14:creationId xmlns:p14="http://schemas.microsoft.com/office/powerpoint/2010/main" val="3912158456"/>
+        <p14:creationId xmlns:p14="http://schemas.microsoft.com/office/powerpoint/2010/main" val="95720927"/>
       </p:ext>
     </p:extLst>
   </p:cSld>
@@ -1918,13 +1700,7 @@
       </p:grpSpPr>
       <p:sp>
         <p:nvSpPr>
-          <p:cNvPr id="2" name="Title 1">
-            <a:extLst>
-              <a:ext uri="{FF2B5EF4-FFF2-40B4-BE49-F238E27FC236}">
-                <a16:creationId xmlns:a16="http://schemas.microsoft.com/office/drawing/2014/main" id="{6C4F6A14-6BA9-437B-8113-864DAC920319}"/>
-              </a:ext>
-            </a:extLst>
-          </p:cNvPr>
+          <p:cNvPr id="2" name="Title 1"/>
           <p:cNvSpPr>
             <a:spLocks noGrp="1"/>
           </p:cNvSpPr>
@@ -1941,18 +1717,13 @@
               <a:rPr lang="en-US"/>
               <a:t>Click to edit Master title style</a:t>
             </a:r>
+            <a:endParaRPr lang="en-US" dirty="0"/>
           </a:p>
         </p:txBody>
       </p:sp>
       <p:sp>
         <p:nvSpPr>
-          <p:cNvPr id="3" name="Date Placeholder 2">
-            <a:extLst>
-              <a:ext uri="{FF2B5EF4-FFF2-40B4-BE49-F238E27FC236}">
-                <a16:creationId xmlns:a16="http://schemas.microsoft.com/office/drawing/2014/main" id="{5E297E6A-00EE-4568-894B-565620F8BE16}"/>
-              </a:ext>
-            </a:extLst>
-          </p:cNvPr>
+          <p:cNvPr id="3" name="Date Placeholder 2"/>
           <p:cNvSpPr>
             <a:spLocks noGrp="1"/>
           </p:cNvSpPr>
@@ -1975,13 +1746,7 @@
       </p:sp>
       <p:sp>
         <p:nvSpPr>
-          <p:cNvPr id="4" name="Footer Placeholder 3">
-            <a:extLst>
-              <a:ext uri="{FF2B5EF4-FFF2-40B4-BE49-F238E27FC236}">
-                <a16:creationId xmlns:a16="http://schemas.microsoft.com/office/drawing/2014/main" id="{CC028B56-BD11-43F8-AAB6-C7ED72830B35}"/>
-              </a:ext>
-            </a:extLst>
-          </p:cNvPr>
+          <p:cNvPr id="4" name="Footer Placeholder 3"/>
           <p:cNvSpPr>
             <a:spLocks noGrp="1"/>
           </p:cNvSpPr>
@@ -2000,13 +1765,7 @@
       </p:sp>
       <p:sp>
         <p:nvSpPr>
-          <p:cNvPr id="5" name="Slide Number Placeholder 4">
-            <a:extLst>
-              <a:ext uri="{FF2B5EF4-FFF2-40B4-BE49-F238E27FC236}">
-                <a16:creationId xmlns:a16="http://schemas.microsoft.com/office/drawing/2014/main" id="{4E21E499-18B4-440B-B697-507846FF6EAE}"/>
-              </a:ext>
-            </a:extLst>
-          </p:cNvPr>
+          <p:cNvPr id="5" name="Slide Number Placeholder 4"/>
           <p:cNvSpPr>
             <a:spLocks noGrp="1"/>
           </p:cNvSpPr>
@@ -2030,7 +1789,7 @@
     </p:spTree>
     <p:extLst>
       <p:ext uri="{BB962C8B-B14F-4D97-AF65-F5344CB8AC3E}">
-        <p14:creationId xmlns:p14="http://schemas.microsoft.com/office/powerpoint/2010/main" val="4198626450"/>
+        <p14:creationId xmlns:p14="http://schemas.microsoft.com/office/powerpoint/2010/main" val="4242960576"/>
       </p:ext>
     </p:extLst>
   </p:cSld>
@@ -2059,13 +1818,7 @@
       </p:grpSpPr>
       <p:sp>
         <p:nvSpPr>
-          <p:cNvPr id="2" name="Date Placeholder 1">
-            <a:extLst>
-              <a:ext uri="{FF2B5EF4-FFF2-40B4-BE49-F238E27FC236}">
-                <a16:creationId xmlns:a16="http://schemas.microsoft.com/office/drawing/2014/main" id="{8D941681-98CE-42A3-B89D-4EEB0535AAD5}"/>
-              </a:ext>
-            </a:extLst>
-          </p:cNvPr>
+          <p:cNvPr id="2" name="Date Placeholder 1"/>
           <p:cNvSpPr>
             <a:spLocks noGrp="1"/>
           </p:cNvSpPr>
@@ -2088,13 +1841,7 @@
       </p:sp>
       <p:sp>
         <p:nvSpPr>
-          <p:cNvPr id="3" name="Footer Placeholder 2">
-            <a:extLst>
-              <a:ext uri="{FF2B5EF4-FFF2-40B4-BE49-F238E27FC236}">
-                <a16:creationId xmlns:a16="http://schemas.microsoft.com/office/drawing/2014/main" id="{734E33B7-A38A-4715-B8C9-1CFBCE331F81}"/>
-              </a:ext>
-            </a:extLst>
-          </p:cNvPr>
+          <p:cNvPr id="3" name="Footer Placeholder 2"/>
           <p:cNvSpPr>
             <a:spLocks noGrp="1"/>
           </p:cNvSpPr>
@@ -2113,13 +1860,7 @@
       </p:sp>
       <p:sp>
         <p:nvSpPr>
-          <p:cNvPr id="4" name="Slide Number Placeholder 3">
-            <a:extLst>
-              <a:ext uri="{FF2B5EF4-FFF2-40B4-BE49-F238E27FC236}">
-                <a16:creationId xmlns:a16="http://schemas.microsoft.com/office/drawing/2014/main" id="{826F3093-CB8F-45F2-B6E8-568ED31AFCFD}"/>
-              </a:ext>
-            </a:extLst>
-          </p:cNvPr>
+          <p:cNvPr id="4" name="Slide Number Placeholder 3"/>
           <p:cNvSpPr>
             <a:spLocks noGrp="1"/>
           </p:cNvSpPr>
@@ -2143,7 +1884,7 @@
     </p:spTree>
     <p:extLst>
       <p:ext uri="{BB962C8B-B14F-4D97-AF65-F5344CB8AC3E}">
-        <p14:creationId xmlns:p14="http://schemas.microsoft.com/office/powerpoint/2010/main" val="2136891584"/>
+        <p14:creationId xmlns:p14="http://schemas.microsoft.com/office/powerpoint/2010/main" val="2404074770"/>
       </p:ext>
     </p:extLst>
   </p:cSld>
@@ -2172,13 +1913,7 @@
       </p:grpSpPr>
       <p:sp>
         <p:nvSpPr>
-          <p:cNvPr id="2" name="Title 1">
-            <a:extLst>
-              <a:ext uri="{FF2B5EF4-FFF2-40B4-BE49-F238E27FC236}">
-                <a16:creationId xmlns:a16="http://schemas.microsoft.com/office/drawing/2014/main" id="{C492B94F-CD20-4F3D-A41E-708A905D954F}"/>
-              </a:ext>
-            </a:extLst>
-          </p:cNvPr>
+          <p:cNvPr id="2" name="Title 1"/>
           <p:cNvSpPr>
             <a:spLocks noGrp="1"/>
           </p:cNvSpPr>
@@ -2188,15 +1923,15 @@
         </p:nvSpPr>
         <p:spPr>
           <a:xfrm>
-            <a:off x="839788" y="457200"/>
-            <a:ext cx="3932237" cy="1600200"/>
+            <a:off x="629841" y="381000"/>
+            <a:ext cx="2949178" cy="1333500"/>
           </a:xfrm>
         </p:spPr>
         <p:txBody>
           <a:bodyPr anchor="b"/>
           <a:lstStyle>
             <a:lvl1pPr>
-              <a:defRPr sz="3200"/>
+              <a:defRPr sz="2400"/>
             </a:lvl1pPr>
           </a:lstStyle>
           <a:p>
@@ -2204,18 +1939,13 @@
               <a:rPr lang="en-US"/>
               <a:t>Click to edit Master title style</a:t>
             </a:r>
+            <a:endParaRPr lang="en-US" dirty="0"/>
           </a:p>
         </p:txBody>
       </p:sp>
       <p:sp>
         <p:nvSpPr>
-          <p:cNvPr id="3" name="Content Placeholder 2">
-            <a:extLst>
-              <a:ext uri="{FF2B5EF4-FFF2-40B4-BE49-F238E27FC236}">
-                <a16:creationId xmlns:a16="http://schemas.microsoft.com/office/drawing/2014/main" id="{E5582382-DC94-46D0-BE61-0CFB5DAE5478}"/>
-              </a:ext>
-            </a:extLst>
-          </p:cNvPr>
+          <p:cNvPr id="3" name="Content Placeholder 2"/>
           <p:cNvSpPr>
             <a:spLocks noGrp="1"/>
           </p:cNvSpPr>
@@ -2225,39 +1955,39 @@
         </p:nvSpPr>
         <p:spPr>
           <a:xfrm>
-            <a:off x="5183188" y="987425"/>
-            <a:ext cx="6172200" cy="4873625"/>
+            <a:off x="3887391" y="822855"/>
+            <a:ext cx="4629150" cy="4061354"/>
           </a:xfrm>
         </p:spPr>
         <p:txBody>
           <a:bodyPr/>
           <a:lstStyle>
             <a:lvl1pPr>
-              <a:defRPr sz="3200"/>
+              <a:defRPr sz="2400"/>
             </a:lvl1pPr>
             <a:lvl2pPr>
-              <a:defRPr sz="2800"/>
+              <a:defRPr sz="2100"/>
             </a:lvl2pPr>
             <a:lvl3pPr>
-              <a:defRPr sz="2400"/>
+              <a:defRPr sz="1800"/>
             </a:lvl3pPr>
             <a:lvl4pPr>
-              <a:defRPr sz="2000"/>
+              <a:defRPr sz="1500"/>
             </a:lvl4pPr>
             <a:lvl5pPr>
-              <a:defRPr sz="2000"/>
+              <a:defRPr sz="1500"/>
             </a:lvl5pPr>
             <a:lvl6pPr>
-              <a:defRPr sz="2000"/>
+              <a:defRPr sz="1500"/>
             </a:lvl6pPr>
             <a:lvl7pPr>
-              <a:defRPr sz="2000"/>
+              <a:defRPr sz="1500"/>
             </a:lvl7pPr>
             <a:lvl8pPr>
-              <a:defRPr sz="2000"/>
+              <a:defRPr sz="1500"/>
             </a:lvl8pPr>
             <a:lvl9pPr>
-              <a:defRPr sz="2000"/>
+              <a:defRPr sz="1500"/>
             </a:lvl9pPr>
           </a:lstStyle>
           <a:p>
@@ -2294,18 +2024,13 @@
               <a:rPr lang="en-US"/>
               <a:t>Fifth level</a:t>
             </a:r>
+            <a:endParaRPr lang="en-US" dirty="0"/>
           </a:p>
         </p:txBody>
       </p:sp>
       <p:sp>
         <p:nvSpPr>
-          <p:cNvPr id="4" name="Text Placeholder 3">
-            <a:extLst>
-              <a:ext uri="{FF2B5EF4-FFF2-40B4-BE49-F238E27FC236}">
-                <a16:creationId xmlns:a16="http://schemas.microsoft.com/office/drawing/2014/main" id="{6FA51167-C386-41E8-98AD-C375E11EF14C}"/>
-              </a:ext>
-            </a:extLst>
-          </p:cNvPr>
+          <p:cNvPr id="4" name="Text Placeholder 3"/>
           <p:cNvSpPr>
             <a:spLocks noGrp="1"/>
           </p:cNvSpPr>
@@ -2315,8 +2040,8 @@
         </p:nvSpPr>
         <p:spPr>
           <a:xfrm>
-            <a:off x="839788" y="2057400"/>
-            <a:ext cx="3932237" cy="3811588"/>
+            <a:off x="629841" y="1714500"/>
+            <a:ext cx="2949178" cy="3176323"/>
           </a:xfrm>
         </p:spPr>
         <p:txBody>
@@ -2324,39 +2049,39 @@
           <a:lstStyle>
             <a:lvl1pPr marL="0" indent="0">
               <a:buNone/>
-              <a:defRPr sz="1600"/>
+              <a:defRPr sz="1200"/>
             </a:lvl1pPr>
-            <a:lvl2pPr marL="457200" indent="0">
+            <a:lvl2pPr marL="342900" indent="0">
               <a:buNone/>
-              <a:defRPr sz="1400"/>
+              <a:defRPr sz="1050"/>
             </a:lvl2pPr>
-            <a:lvl3pPr marL="914400" indent="0">
+            <a:lvl3pPr marL="685800" indent="0">
               <a:buNone/>
-              <a:defRPr sz="1200"/>
+              <a:defRPr sz="900"/>
             </a:lvl3pPr>
-            <a:lvl4pPr marL="1371600" indent="0">
+            <a:lvl4pPr marL="1028700" indent="0">
               <a:buNone/>
-              <a:defRPr sz="1000"/>
+              <a:defRPr sz="750"/>
             </a:lvl4pPr>
-            <a:lvl5pPr marL="1828800" indent="0">
+            <a:lvl5pPr marL="1371600" indent="0">
               <a:buNone/>
-              <a:defRPr sz="1000"/>
+              <a:defRPr sz="750"/>
             </a:lvl5pPr>
-            <a:lvl6pPr marL="2286000" indent="0">
+            <a:lvl6pPr marL="1714500" indent="0">
               <a:buNone/>
-              <a:defRPr sz="1000"/>
+              <a:defRPr sz="750"/>
             </a:lvl6pPr>
-            <a:lvl7pPr marL="2743200" indent="0">
+            <a:lvl7pPr marL="2057400" indent="0">
               <a:buNone/>
-              <a:defRPr sz="1000"/>
+              <a:defRPr sz="750"/>
             </a:lvl7pPr>
-            <a:lvl8pPr marL="3200400" indent="0">
+            <a:lvl8pPr marL="2400300" indent="0">
               <a:buNone/>
-              <a:defRPr sz="1000"/>
+              <a:defRPr sz="750"/>
             </a:lvl8pPr>
-            <a:lvl9pPr marL="3657600" indent="0">
+            <a:lvl9pPr marL="2743200" indent="0">
               <a:buNone/>
-              <a:defRPr sz="1000"/>
+              <a:defRPr sz="750"/>
             </a:lvl9pPr>
           </a:lstStyle>
           <a:p>
@@ -2370,13 +2095,7 @@
       </p:sp>
       <p:sp>
         <p:nvSpPr>
-          <p:cNvPr id="5" name="Date Placeholder 4">
-            <a:extLst>
-              <a:ext uri="{FF2B5EF4-FFF2-40B4-BE49-F238E27FC236}">
-                <a16:creationId xmlns:a16="http://schemas.microsoft.com/office/drawing/2014/main" id="{3BE003DE-59BE-4009-B9E5-7AEF177B7FF7}"/>
-              </a:ext>
-            </a:extLst>
-          </p:cNvPr>
+          <p:cNvPr id="5" name="Date Placeholder 4"/>
           <p:cNvSpPr>
             <a:spLocks noGrp="1"/>
           </p:cNvSpPr>
@@ -2399,13 +2118,7 @@
       </p:sp>
       <p:sp>
         <p:nvSpPr>
-          <p:cNvPr id="6" name="Footer Placeholder 5">
-            <a:extLst>
-              <a:ext uri="{FF2B5EF4-FFF2-40B4-BE49-F238E27FC236}">
-                <a16:creationId xmlns:a16="http://schemas.microsoft.com/office/drawing/2014/main" id="{3664B481-6C10-43AF-89B6-69C34053298D}"/>
-              </a:ext>
-            </a:extLst>
-          </p:cNvPr>
+          <p:cNvPr id="6" name="Footer Placeholder 5"/>
           <p:cNvSpPr>
             <a:spLocks noGrp="1"/>
           </p:cNvSpPr>
@@ -2424,13 +2137,7 @@
       </p:sp>
       <p:sp>
         <p:nvSpPr>
-          <p:cNvPr id="7" name="Slide Number Placeholder 6">
-            <a:extLst>
-              <a:ext uri="{FF2B5EF4-FFF2-40B4-BE49-F238E27FC236}">
-                <a16:creationId xmlns:a16="http://schemas.microsoft.com/office/drawing/2014/main" id="{3044B1EF-8BC8-438E-BD90-8F49C2D8B4C2}"/>
-              </a:ext>
-            </a:extLst>
-          </p:cNvPr>
+          <p:cNvPr id="7" name="Slide Number Placeholder 6"/>
           <p:cNvSpPr>
             <a:spLocks noGrp="1"/>
           </p:cNvSpPr>
@@ -2454,7 +2161,7 @@
     </p:spTree>
     <p:extLst>
       <p:ext uri="{BB962C8B-B14F-4D97-AF65-F5344CB8AC3E}">
-        <p14:creationId xmlns:p14="http://schemas.microsoft.com/office/powerpoint/2010/main" val="858476682"/>
+        <p14:creationId xmlns:p14="http://schemas.microsoft.com/office/powerpoint/2010/main" val="811384463"/>
       </p:ext>
     </p:extLst>
   </p:cSld>
@@ -2483,13 +2190,7 @@
       </p:grpSpPr>
       <p:sp>
         <p:nvSpPr>
-          <p:cNvPr id="2" name="Title 1">
-            <a:extLst>
-              <a:ext uri="{FF2B5EF4-FFF2-40B4-BE49-F238E27FC236}">
-                <a16:creationId xmlns:a16="http://schemas.microsoft.com/office/drawing/2014/main" id="{B5BAB110-13A6-44C9-9708-25EBE3F5A8FD}"/>
-              </a:ext>
-            </a:extLst>
-          </p:cNvPr>
+          <p:cNvPr id="2" name="Title 1"/>
           <p:cNvSpPr>
             <a:spLocks noGrp="1"/>
           </p:cNvSpPr>
@@ -2499,15 +2200,15 @@
         </p:nvSpPr>
         <p:spPr>
           <a:xfrm>
-            <a:off x="839788" y="457200"/>
-            <a:ext cx="3932237" cy="1600200"/>
+            <a:off x="629841" y="381000"/>
+            <a:ext cx="2949178" cy="1333500"/>
           </a:xfrm>
         </p:spPr>
         <p:txBody>
           <a:bodyPr anchor="b"/>
           <a:lstStyle>
             <a:lvl1pPr>
-              <a:defRPr sz="3200"/>
+              <a:defRPr sz="2400"/>
             </a:lvl1pPr>
           </a:lstStyle>
           <a:p>
@@ -2515,20 +2216,15 @@
               <a:rPr lang="en-US"/>
               <a:t>Click to edit Master title style</a:t>
             </a:r>
+            <a:endParaRPr lang="en-US" dirty="0"/>
           </a:p>
         </p:txBody>
       </p:sp>
       <p:sp>
         <p:nvSpPr>
-          <p:cNvPr id="3" name="Picture Placeholder 2">
-            <a:extLst>
-              <a:ext uri="{FF2B5EF4-FFF2-40B4-BE49-F238E27FC236}">
-                <a16:creationId xmlns:a16="http://schemas.microsoft.com/office/drawing/2014/main" id="{1596E9F7-9F1D-4A3C-859B-6E5A449FBA3A}"/>
-              </a:ext>
-            </a:extLst>
-          </p:cNvPr>
+          <p:cNvPr id="3" name="Picture Placeholder 2"/>
           <p:cNvSpPr>
-            <a:spLocks noGrp="1"/>
+            <a:spLocks noGrp="1" noChangeAspect="1"/>
           </p:cNvSpPr>
           <p:nvPr>
             <p:ph type="pic" idx="1"/>
@@ -2536,64 +2232,62 @@
         </p:nvSpPr>
         <p:spPr>
           <a:xfrm>
-            <a:off x="5183188" y="987425"/>
-            <a:ext cx="6172200" cy="4873625"/>
+            <a:off x="3887391" y="822855"/>
+            <a:ext cx="4629150" cy="4061354"/>
           </a:xfrm>
         </p:spPr>
         <p:txBody>
-          <a:bodyPr/>
+          <a:bodyPr anchor="t"/>
           <a:lstStyle>
             <a:lvl1pPr marL="0" indent="0">
               <a:buNone/>
-              <a:defRPr sz="3200"/>
+              <a:defRPr sz="2400"/>
             </a:lvl1pPr>
-            <a:lvl2pPr marL="457200" indent="0">
+            <a:lvl2pPr marL="342900" indent="0">
               <a:buNone/>
-              <a:defRPr sz="2800"/>
+              <a:defRPr sz="2100"/>
             </a:lvl2pPr>
-            <a:lvl3pPr marL="914400" indent="0">
+            <a:lvl3pPr marL="685800" indent="0">
               <a:buNone/>
-              <a:defRPr sz="2400"/>
+              <a:defRPr sz="1800"/>
             </a:lvl3pPr>
-            <a:lvl4pPr marL="1371600" indent="0">
+            <a:lvl4pPr marL="1028700" indent="0">
               <a:buNone/>
-              <a:defRPr sz="2000"/>
+              <a:defRPr sz="1500"/>
             </a:lvl4pPr>
-            <a:lvl5pPr marL="1828800" indent="0">
+            <a:lvl5pPr marL="1371600" indent="0">
               <a:buNone/>
-              <a:defRPr sz="2000"/>
+              <a:defRPr sz="1500"/>
             </a:lvl5pPr>
-            <a:lvl6pPr marL="2286000" indent="0">
+            <a:lvl6pPr marL="1714500" indent="0">
               <a:buNone/>
-              <a:defRPr sz="2000"/>
+              <a:defRPr sz="1500"/>
             </a:lvl6pPr>
-            <a:lvl7pPr marL="2743200" indent="0">
+            <a:lvl7pPr marL="2057400" indent="0">
               <a:buNone/>
-              <a:defRPr sz="2000"/>
+              <a:defRPr sz="1500"/>
             </a:lvl7pPr>
-            <a:lvl8pPr marL="3200400" indent="0">
+            <a:lvl8pPr marL="2400300" indent="0">
               <a:buNone/>
-              <a:defRPr sz="2000"/>
+              <a:defRPr sz="1500"/>
             </a:lvl8pPr>
-            <a:lvl9pPr marL="3657600" indent="0">
+            <a:lvl9pPr marL="2743200" indent="0">
               <a:buNone/>
-              <a:defRPr sz="2000"/>
+              <a:defRPr sz="1500"/>
             </a:lvl9pPr>
           </a:lstStyle>
           <a:p>
-            <a:endParaRPr lang="en-US"/>
+            <a:r>
+              <a:rPr lang="en-US"/>
+              <a:t>Click icon to add picture</a:t>
+            </a:r>
+            <a:endParaRPr lang="en-US" dirty="0"/>
           </a:p>
         </p:txBody>
       </p:sp>
       <p:sp>
         <p:nvSpPr>
-          <p:cNvPr id="4" name="Text Placeholder 3">
-            <a:extLst>
-              <a:ext uri="{FF2B5EF4-FFF2-40B4-BE49-F238E27FC236}">
-                <a16:creationId xmlns:a16="http://schemas.microsoft.com/office/drawing/2014/main" id="{96F9B453-2337-4259-87E5-87461C98C1D7}"/>
-              </a:ext>
-            </a:extLst>
-          </p:cNvPr>
+          <p:cNvPr id="4" name="Text Placeholder 3"/>
           <p:cNvSpPr>
             <a:spLocks noGrp="1"/>
           </p:cNvSpPr>
@@ -2603,8 +2297,8 @@
         </p:nvSpPr>
         <p:spPr>
           <a:xfrm>
-            <a:off x="839788" y="2057400"/>
-            <a:ext cx="3932237" cy="3811588"/>
+            <a:off x="629841" y="1714500"/>
+            <a:ext cx="2949178" cy="3176323"/>
           </a:xfrm>
         </p:spPr>
         <p:txBody>
@@ -2612,39 +2306,39 @@
           <a:lstStyle>
             <a:lvl1pPr marL="0" indent="0">
               <a:buNone/>
-              <a:defRPr sz="1600"/>
+              <a:defRPr sz="1200"/>
             </a:lvl1pPr>
-            <a:lvl2pPr marL="457200" indent="0">
+            <a:lvl2pPr marL="342900" indent="0">
               <a:buNone/>
-              <a:defRPr sz="1400"/>
+              <a:defRPr sz="1050"/>
             </a:lvl2pPr>
-            <a:lvl3pPr marL="914400" indent="0">
+            <a:lvl3pPr marL="685800" indent="0">
               <a:buNone/>
-              <a:defRPr sz="1200"/>
+              <a:defRPr sz="900"/>
             </a:lvl3pPr>
-            <a:lvl4pPr marL="1371600" indent="0">
+            <a:lvl4pPr marL="1028700" indent="0">
               <a:buNone/>
-              <a:defRPr sz="1000"/>
+              <a:defRPr sz="750"/>
             </a:lvl4pPr>
-            <a:lvl5pPr marL="1828800" indent="0">
+            <a:lvl5pPr marL="1371600" indent="0">
               <a:buNone/>
-              <a:defRPr sz="1000"/>
+              <a:defRPr sz="750"/>
             </a:lvl5pPr>
-            <a:lvl6pPr marL="2286000" indent="0">
+            <a:lvl6pPr marL="1714500" indent="0">
               <a:buNone/>
-              <a:defRPr sz="1000"/>
+              <a:defRPr sz="750"/>
             </a:lvl6pPr>
-            <a:lvl7pPr marL="2743200" indent="0">
+            <a:lvl7pPr marL="2057400" indent="0">
               <a:buNone/>
-              <a:defRPr sz="1000"/>
+              <a:defRPr sz="750"/>
             </a:lvl7pPr>
-            <a:lvl8pPr marL="3200400" indent="0">
+            <a:lvl8pPr marL="2400300" indent="0">
               <a:buNone/>
-              <a:defRPr sz="1000"/>
+              <a:defRPr sz="750"/>
             </a:lvl8pPr>
-            <a:lvl9pPr marL="3657600" indent="0">
+            <a:lvl9pPr marL="2743200" indent="0">
               <a:buNone/>
-              <a:defRPr sz="1000"/>
+              <a:defRPr sz="750"/>
             </a:lvl9pPr>
           </a:lstStyle>
           <a:p>
@@ -2658,13 +2352,7 @@
       </p:sp>
       <p:sp>
         <p:nvSpPr>
-          <p:cNvPr id="5" name="Date Placeholder 4">
-            <a:extLst>
-              <a:ext uri="{FF2B5EF4-FFF2-40B4-BE49-F238E27FC236}">
-                <a16:creationId xmlns:a16="http://schemas.microsoft.com/office/drawing/2014/main" id="{11FA4980-3855-40EB-9AC6-D9EF6E8C3FC7}"/>
-              </a:ext>
-            </a:extLst>
-          </p:cNvPr>
+          <p:cNvPr id="5" name="Date Placeholder 4"/>
           <p:cNvSpPr>
             <a:spLocks noGrp="1"/>
           </p:cNvSpPr>
@@ -2687,13 +2375,7 @@
       </p:sp>
       <p:sp>
         <p:nvSpPr>
-          <p:cNvPr id="6" name="Footer Placeholder 5">
-            <a:extLst>
-              <a:ext uri="{FF2B5EF4-FFF2-40B4-BE49-F238E27FC236}">
-                <a16:creationId xmlns:a16="http://schemas.microsoft.com/office/drawing/2014/main" id="{DB47CFCC-5DAA-476B-8B8C-A32143C9532A}"/>
-              </a:ext>
-            </a:extLst>
-          </p:cNvPr>
+          <p:cNvPr id="6" name="Footer Placeholder 5"/>
           <p:cNvSpPr>
             <a:spLocks noGrp="1"/>
           </p:cNvSpPr>
@@ -2712,13 +2394,7 @@
       </p:sp>
       <p:sp>
         <p:nvSpPr>
-          <p:cNvPr id="7" name="Slide Number Placeholder 6">
-            <a:extLst>
-              <a:ext uri="{FF2B5EF4-FFF2-40B4-BE49-F238E27FC236}">
-                <a16:creationId xmlns:a16="http://schemas.microsoft.com/office/drawing/2014/main" id="{048022D2-BC04-4FDA-B332-97718B45B26F}"/>
-              </a:ext>
-            </a:extLst>
-          </p:cNvPr>
+          <p:cNvPr id="7" name="Slide Number Placeholder 6"/>
           <p:cNvSpPr>
             <a:spLocks noGrp="1"/>
           </p:cNvSpPr>
@@ -2742,7 +2418,7 @@
     </p:spTree>
     <p:extLst>
       <p:ext uri="{BB962C8B-B14F-4D97-AF65-F5344CB8AC3E}">
-        <p14:creationId xmlns:p14="http://schemas.microsoft.com/office/powerpoint/2010/main" val="4093410354"/>
+        <p14:creationId xmlns:p14="http://schemas.microsoft.com/office/powerpoint/2010/main" val="2464125106"/>
       </p:ext>
     </p:extLst>
   </p:cSld>
@@ -2776,13 +2452,7 @@
       </p:grpSpPr>
       <p:sp>
         <p:nvSpPr>
-          <p:cNvPr id="2" name="Title Placeholder 1">
-            <a:extLst>
-              <a:ext uri="{FF2B5EF4-FFF2-40B4-BE49-F238E27FC236}">
-                <a16:creationId xmlns:a16="http://schemas.microsoft.com/office/drawing/2014/main" id="{91FE93C6-58EF-4E97-8C1A-546DC3E96285}"/>
-              </a:ext>
-            </a:extLst>
-          </p:cNvPr>
+          <p:cNvPr id="2" name="Title Placeholder 1"/>
           <p:cNvSpPr>
             <a:spLocks noGrp="1"/>
           </p:cNvSpPr>
@@ -2792,8 +2462,8 @@
         </p:nvSpPr>
         <p:spPr>
           <a:xfrm>
-            <a:off x="838200" y="365125"/>
-            <a:ext cx="10515600" cy="1325563"/>
+            <a:off x="628650" y="304271"/>
+            <a:ext cx="7886700" cy="1104636"/>
           </a:xfrm>
           <a:prstGeom prst="rect">
             <a:avLst/>
@@ -2809,18 +2479,13 @@
               <a:rPr lang="en-US"/>
               <a:t>Click to edit Master title style</a:t>
             </a:r>
+            <a:endParaRPr lang="en-US" dirty="0"/>
           </a:p>
         </p:txBody>
       </p:sp>
       <p:sp>
         <p:nvSpPr>
-          <p:cNvPr id="3" name="Text Placeholder 2">
-            <a:extLst>
-              <a:ext uri="{FF2B5EF4-FFF2-40B4-BE49-F238E27FC236}">
-                <a16:creationId xmlns:a16="http://schemas.microsoft.com/office/drawing/2014/main" id="{C7BA4D41-C934-4CEB-9BBF-252FF52D135F}"/>
-              </a:ext>
-            </a:extLst>
-          </p:cNvPr>
+          <p:cNvPr id="3" name="Text Placeholder 2"/>
           <p:cNvSpPr>
             <a:spLocks noGrp="1"/>
           </p:cNvSpPr>
@@ -2830,8 +2495,8 @@
         </p:nvSpPr>
         <p:spPr>
           <a:xfrm>
-            <a:off x="838200" y="1825625"/>
-            <a:ext cx="10515600" cy="4351338"/>
+            <a:off x="628650" y="1521354"/>
+            <a:ext cx="7886700" cy="3626115"/>
           </a:xfrm>
           <a:prstGeom prst="rect">
             <a:avLst/>
@@ -2876,18 +2541,13 @@
               <a:rPr lang="en-US"/>
               <a:t>Fifth level</a:t>
             </a:r>
+            <a:endParaRPr lang="en-US" dirty="0"/>
           </a:p>
         </p:txBody>
       </p:sp>
       <p:sp>
         <p:nvSpPr>
-          <p:cNvPr id="4" name="Date Placeholder 3">
-            <a:extLst>
-              <a:ext uri="{FF2B5EF4-FFF2-40B4-BE49-F238E27FC236}">
-                <a16:creationId xmlns:a16="http://schemas.microsoft.com/office/drawing/2014/main" id="{C02ACAC4-9C6B-4CC1-B302-355C361C94B6}"/>
-              </a:ext>
-            </a:extLst>
-          </p:cNvPr>
+          <p:cNvPr id="4" name="Date Placeholder 3"/>
           <p:cNvSpPr>
             <a:spLocks noGrp="1"/>
           </p:cNvSpPr>
@@ -2897,8 +2557,8 @@
         </p:nvSpPr>
         <p:spPr>
           <a:xfrm>
-            <a:off x="838200" y="6356350"/>
-            <a:ext cx="2743200" cy="365125"/>
+            <a:off x="628650" y="5296959"/>
+            <a:ext cx="2057400" cy="304271"/>
           </a:xfrm>
           <a:prstGeom prst="rect">
             <a:avLst/>
@@ -2908,7 +2568,7 @@
           <a:bodyPr vert="horz" lIns="91440" tIns="45720" rIns="91440" bIns="45720" rtlCol="0" anchor="ctr"/>
           <a:lstStyle>
             <a:lvl1pPr algn="l">
-              <a:defRPr sz="1200">
+              <a:defRPr sz="900">
                 <a:solidFill>
                   <a:schemeClr val="tx1">
                     <a:tint val="75000"/>
@@ -2928,13 +2588,7 @@
       </p:sp>
       <p:sp>
         <p:nvSpPr>
-          <p:cNvPr id="5" name="Footer Placeholder 4">
-            <a:extLst>
-              <a:ext uri="{FF2B5EF4-FFF2-40B4-BE49-F238E27FC236}">
-                <a16:creationId xmlns:a16="http://schemas.microsoft.com/office/drawing/2014/main" id="{89DF4F8C-3B4D-42F0-9BC6-E5319259B03E}"/>
-              </a:ext>
-            </a:extLst>
-          </p:cNvPr>
+          <p:cNvPr id="5" name="Footer Placeholder 4"/>
           <p:cNvSpPr>
             <a:spLocks noGrp="1"/>
           </p:cNvSpPr>
@@ -2944,8 +2598,8 @@
         </p:nvSpPr>
         <p:spPr>
           <a:xfrm>
-            <a:off x="4038600" y="6356350"/>
-            <a:ext cx="4114800" cy="365125"/>
+            <a:off x="3028950" y="5296959"/>
+            <a:ext cx="3086100" cy="304271"/>
           </a:xfrm>
           <a:prstGeom prst="rect">
             <a:avLst/>
@@ -2955,7 +2609,7 @@
           <a:bodyPr vert="horz" lIns="91440" tIns="45720" rIns="91440" bIns="45720" rtlCol="0" anchor="ctr"/>
           <a:lstStyle>
             <a:lvl1pPr algn="ctr">
-              <a:defRPr sz="1200">
+              <a:defRPr sz="900">
                 <a:solidFill>
                   <a:schemeClr val="tx1">
                     <a:tint val="75000"/>
@@ -2971,13 +2625,7 @@
       </p:sp>
       <p:sp>
         <p:nvSpPr>
-          <p:cNvPr id="6" name="Slide Number Placeholder 5">
-            <a:extLst>
-              <a:ext uri="{FF2B5EF4-FFF2-40B4-BE49-F238E27FC236}">
-                <a16:creationId xmlns:a16="http://schemas.microsoft.com/office/drawing/2014/main" id="{02915DF1-E993-4080-A259-39E3743867E6}"/>
-              </a:ext>
-            </a:extLst>
-          </p:cNvPr>
+          <p:cNvPr id="6" name="Slide Number Placeholder 5"/>
           <p:cNvSpPr>
             <a:spLocks noGrp="1"/>
           </p:cNvSpPr>
@@ -2987,8 +2635,8 @@
         </p:nvSpPr>
         <p:spPr>
           <a:xfrm>
-            <a:off x="8610600" y="6356350"/>
-            <a:ext cx="2743200" cy="365125"/>
+            <a:off x="6457950" y="5296959"/>
+            <a:ext cx="2057400" cy="304271"/>
           </a:xfrm>
           <a:prstGeom prst="rect">
             <a:avLst/>
@@ -2998,7 +2646,7 @@
           <a:bodyPr vert="horz" lIns="91440" tIns="45720" rIns="91440" bIns="45720" rtlCol="0" anchor="ctr"/>
           <a:lstStyle>
             <a:lvl1pPr algn="r">
-              <a:defRPr sz="1200">
+              <a:defRPr sz="900">
                 <a:solidFill>
                   <a:schemeClr val="tx1">
                     <a:tint val="75000"/>
@@ -3019,27 +2667,27 @@
     </p:spTree>
     <p:extLst>
       <p:ext uri="{BB962C8B-B14F-4D97-AF65-F5344CB8AC3E}">
-        <p14:creationId xmlns:p14="http://schemas.microsoft.com/office/powerpoint/2010/main" val="317205308"/>
+        <p14:creationId xmlns:p14="http://schemas.microsoft.com/office/powerpoint/2010/main" val="1939049143"/>
       </p:ext>
     </p:extLst>
   </p:cSld>
   <p:clrMap bg1="lt1" tx1="dk1" bg2="lt2" tx2="dk2" accent1="accent1" accent2="accent2" accent3="accent3" accent4="accent4" accent5="accent5" accent6="accent6" hlink="hlink" folHlink="folHlink"/>
   <p:sldLayoutIdLst>
-    <p:sldLayoutId id="2147483649" r:id="rId1"/>
-    <p:sldLayoutId id="2147483650" r:id="rId2"/>
-    <p:sldLayoutId id="2147483651" r:id="rId3"/>
-    <p:sldLayoutId id="2147483652" r:id="rId4"/>
-    <p:sldLayoutId id="2147483653" r:id="rId5"/>
-    <p:sldLayoutId id="2147483654" r:id="rId6"/>
-    <p:sldLayoutId id="2147483655" r:id="rId7"/>
-    <p:sldLayoutId id="2147483656" r:id="rId8"/>
-    <p:sldLayoutId id="2147483657" r:id="rId9"/>
-    <p:sldLayoutId id="2147483658" r:id="rId10"/>
-    <p:sldLayoutId id="2147483659" r:id="rId11"/>
+    <p:sldLayoutId id="2147483673" r:id="rId1"/>
+    <p:sldLayoutId id="2147483674" r:id="rId2"/>
+    <p:sldLayoutId id="2147483675" r:id="rId3"/>
+    <p:sldLayoutId id="2147483676" r:id="rId4"/>
+    <p:sldLayoutId id="2147483677" r:id="rId5"/>
+    <p:sldLayoutId id="2147483678" r:id="rId6"/>
+    <p:sldLayoutId id="2147483679" r:id="rId7"/>
+    <p:sldLayoutId id="2147483680" r:id="rId8"/>
+    <p:sldLayoutId id="2147483681" r:id="rId9"/>
+    <p:sldLayoutId id="2147483682" r:id="rId10"/>
+    <p:sldLayoutId id="2147483683" r:id="rId11"/>
   </p:sldLayoutIdLst>
   <p:txStyles>
     <p:titleStyle>
-      <a:lvl1pPr algn="l" defTabSz="914400" rtl="0" eaLnBrk="1" latinLnBrk="0" hangingPunct="1">
+      <a:lvl1pPr algn="l" defTabSz="685800" rtl="0" eaLnBrk="1" latinLnBrk="0" hangingPunct="1">
         <a:lnSpc>
           <a:spcPct val="90000"/>
         </a:lnSpc>
@@ -3047,7 +2695,7 @@
           <a:spcPct val="0"/>
         </a:spcBef>
         <a:buNone/>
-        <a:defRPr sz="4400" kern="1200">
+        <a:defRPr sz="3300" kern="1200">
           <a:solidFill>
             <a:schemeClr val="tx1"/>
           </a:solidFill>
@@ -3058,16 +2706,16 @@
       </a:lvl1pPr>
     </p:titleStyle>
     <p:bodyStyle>
-      <a:lvl1pPr marL="228600" indent="-228600" algn="l" defTabSz="914400" rtl="0" eaLnBrk="1" latinLnBrk="0" hangingPunct="1">
+      <a:lvl1pPr marL="171450" indent="-171450" algn="l" defTabSz="685800" rtl="0" eaLnBrk="1" latinLnBrk="0" hangingPunct="1">
         <a:lnSpc>
           <a:spcPct val="90000"/>
         </a:lnSpc>
         <a:spcBef>
-          <a:spcPts val="1000"/>
+          <a:spcPts val="750"/>
         </a:spcBef>
         <a:buFont typeface="Arial" panose="020B0604020202020204" pitchFamily="34" charset="0"/>
         <a:buChar char="•"/>
-        <a:defRPr sz="2800" kern="1200">
+        <a:defRPr sz="2100" kern="1200">
           <a:solidFill>
             <a:schemeClr val="tx1"/>
           </a:solidFill>
@@ -3076,48 +2724,12 @@
           <a:cs typeface="+mn-cs"/>
         </a:defRPr>
       </a:lvl1pPr>
-      <a:lvl2pPr marL="685800" indent="-228600" algn="l" defTabSz="914400" rtl="0" eaLnBrk="1" latinLnBrk="0" hangingPunct="1">
+      <a:lvl2pPr marL="514350" indent="-171450" algn="l" defTabSz="685800" rtl="0" eaLnBrk="1" latinLnBrk="0" hangingPunct="1">
         <a:lnSpc>
           <a:spcPct val="90000"/>
         </a:lnSpc>
         <a:spcBef>
-          <a:spcPts val="500"/>
-        </a:spcBef>
-        <a:buFont typeface="Arial" panose="020B0604020202020204" pitchFamily="34" charset="0"/>
-        <a:buChar char="•"/>
-        <a:defRPr sz="2400" kern="1200">
-          <a:solidFill>
-            <a:schemeClr val="tx1"/>
-          </a:solidFill>
-          <a:latin typeface="+mn-lt"/>
-          <a:ea typeface="+mn-ea"/>
-          <a:cs typeface="+mn-cs"/>
-        </a:defRPr>
-      </a:lvl2pPr>
-      <a:lvl3pPr marL="1143000" indent="-228600" algn="l" defTabSz="914400" rtl="0" eaLnBrk="1" latinLnBrk="0" hangingPunct="1">
-        <a:lnSpc>
-          <a:spcPct val="90000"/>
-        </a:lnSpc>
-        <a:spcBef>
-          <a:spcPts val="500"/>
-        </a:spcBef>
-        <a:buFont typeface="Arial" panose="020B0604020202020204" pitchFamily="34" charset="0"/>
-        <a:buChar char="•"/>
-        <a:defRPr sz="2000" kern="1200">
-          <a:solidFill>
-            <a:schemeClr val="tx1"/>
-          </a:solidFill>
-          <a:latin typeface="+mn-lt"/>
-          <a:ea typeface="+mn-ea"/>
-          <a:cs typeface="+mn-cs"/>
-        </a:defRPr>
-      </a:lvl3pPr>
-      <a:lvl4pPr marL="1600200" indent="-228600" algn="l" defTabSz="914400" rtl="0" eaLnBrk="1" latinLnBrk="0" hangingPunct="1">
-        <a:lnSpc>
-          <a:spcPct val="90000"/>
-        </a:lnSpc>
-        <a:spcBef>
-          <a:spcPts val="500"/>
+          <a:spcPts val="375"/>
         </a:spcBef>
         <a:buFont typeface="Arial" panose="020B0604020202020204" pitchFamily="34" charset="0"/>
         <a:buChar char="•"/>
@@ -3129,17 +2741,53 @@
           <a:ea typeface="+mn-ea"/>
           <a:cs typeface="+mn-cs"/>
         </a:defRPr>
-      </a:lvl4pPr>
-      <a:lvl5pPr marL="2057400" indent="-228600" algn="l" defTabSz="914400" rtl="0" eaLnBrk="1" latinLnBrk="0" hangingPunct="1">
+      </a:lvl2pPr>
+      <a:lvl3pPr marL="857250" indent="-171450" algn="l" defTabSz="685800" rtl="0" eaLnBrk="1" latinLnBrk="0" hangingPunct="1">
         <a:lnSpc>
           <a:spcPct val="90000"/>
         </a:lnSpc>
         <a:spcBef>
-          <a:spcPts val="500"/>
+          <a:spcPts val="375"/>
         </a:spcBef>
         <a:buFont typeface="Arial" panose="020B0604020202020204" pitchFamily="34" charset="0"/>
         <a:buChar char="•"/>
-        <a:defRPr sz="1800" kern="1200">
+        <a:defRPr sz="1500" kern="1200">
+          <a:solidFill>
+            <a:schemeClr val="tx1"/>
+          </a:solidFill>
+          <a:latin typeface="+mn-lt"/>
+          <a:ea typeface="+mn-ea"/>
+          <a:cs typeface="+mn-cs"/>
+        </a:defRPr>
+      </a:lvl3pPr>
+      <a:lvl4pPr marL="1200150" indent="-171450" algn="l" defTabSz="685800" rtl="0" eaLnBrk="1" latinLnBrk="0" hangingPunct="1">
+        <a:lnSpc>
+          <a:spcPct val="90000"/>
+        </a:lnSpc>
+        <a:spcBef>
+          <a:spcPts val="375"/>
+        </a:spcBef>
+        <a:buFont typeface="Arial" panose="020B0604020202020204" pitchFamily="34" charset="0"/>
+        <a:buChar char="•"/>
+        <a:defRPr sz="1350" kern="1200">
+          <a:solidFill>
+            <a:schemeClr val="tx1"/>
+          </a:solidFill>
+          <a:latin typeface="+mn-lt"/>
+          <a:ea typeface="+mn-ea"/>
+          <a:cs typeface="+mn-cs"/>
+        </a:defRPr>
+      </a:lvl4pPr>
+      <a:lvl5pPr marL="1543050" indent="-171450" algn="l" defTabSz="685800" rtl="0" eaLnBrk="1" latinLnBrk="0" hangingPunct="1">
+        <a:lnSpc>
+          <a:spcPct val="90000"/>
+        </a:lnSpc>
+        <a:spcBef>
+          <a:spcPts val="375"/>
+        </a:spcBef>
+        <a:buFont typeface="Arial" panose="020B0604020202020204" pitchFamily="34" charset="0"/>
+        <a:buChar char="•"/>
+        <a:defRPr sz="1350" kern="1200">
           <a:solidFill>
             <a:schemeClr val="tx1"/>
           </a:solidFill>
@@ -3148,16 +2796,16 @@
           <a:cs typeface="+mn-cs"/>
         </a:defRPr>
       </a:lvl5pPr>
-      <a:lvl6pPr marL="2514600" indent="-228600" algn="l" defTabSz="914400" rtl="0" eaLnBrk="1" latinLnBrk="0" hangingPunct="1">
+      <a:lvl6pPr marL="1885950" indent="-171450" algn="l" defTabSz="685800" rtl="0" eaLnBrk="1" latinLnBrk="0" hangingPunct="1">
         <a:lnSpc>
           <a:spcPct val="90000"/>
         </a:lnSpc>
         <a:spcBef>
-          <a:spcPts val="500"/>
+          <a:spcPts val="375"/>
         </a:spcBef>
         <a:buFont typeface="Arial" panose="020B0604020202020204" pitchFamily="34" charset="0"/>
         <a:buChar char="•"/>
-        <a:defRPr sz="1800" kern="1200">
+        <a:defRPr sz="1350" kern="1200">
           <a:solidFill>
             <a:schemeClr val="tx1"/>
           </a:solidFill>
@@ -3166,16 +2814,16 @@
           <a:cs typeface="+mn-cs"/>
         </a:defRPr>
       </a:lvl6pPr>
-      <a:lvl7pPr marL="2971800" indent="-228600" algn="l" defTabSz="914400" rtl="0" eaLnBrk="1" latinLnBrk="0" hangingPunct="1">
+      <a:lvl7pPr marL="2228850" indent="-171450" algn="l" defTabSz="685800" rtl="0" eaLnBrk="1" latinLnBrk="0" hangingPunct="1">
         <a:lnSpc>
           <a:spcPct val="90000"/>
         </a:lnSpc>
         <a:spcBef>
-          <a:spcPts val="500"/>
+          <a:spcPts val="375"/>
         </a:spcBef>
         <a:buFont typeface="Arial" panose="020B0604020202020204" pitchFamily="34" charset="0"/>
         <a:buChar char="•"/>
-        <a:defRPr sz="1800" kern="1200">
+        <a:defRPr sz="1350" kern="1200">
           <a:solidFill>
             <a:schemeClr val="tx1"/>
           </a:solidFill>
@@ -3184,16 +2832,16 @@
           <a:cs typeface="+mn-cs"/>
         </a:defRPr>
       </a:lvl7pPr>
-      <a:lvl8pPr marL="3429000" indent="-228600" algn="l" defTabSz="914400" rtl="0" eaLnBrk="1" latinLnBrk="0" hangingPunct="1">
+      <a:lvl8pPr marL="2571750" indent="-171450" algn="l" defTabSz="685800" rtl="0" eaLnBrk="1" latinLnBrk="0" hangingPunct="1">
         <a:lnSpc>
           <a:spcPct val="90000"/>
         </a:lnSpc>
         <a:spcBef>
-          <a:spcPts val="500"/>
+          <a:spcPts val="375"/>
         </a:spcBef>
         <a:buFont typeface="Arial" panose="020B0604020202020204" pitchFamily="34" charset="0"/>
         <a:buChar char="•"/>
-        <a:defRPr sz="1800" kern="1200">
+        <a:defRPr sz="1350" kern="1200">
           <a:solidFill>
             <a:schemeClr val="tx1"/>
           </a:solidFill>
@@ -3202,16 +2850,16 @@
           <a:cs typeface="+mn-cs"/>
         </a:defRPr>
       </a:lvl8pPr>
-      <a:lvl9pPr marL="3886200" indent="-228600" algn="l" defTabSz="914400" rtl="0" eaLnBrk="1" latinLnBrk="0" hangingPunct="1">
+      <a:lvl9pPr marL="2914650" indent="-171450" algn="l" defTabSz="685800" rtl="0" eaLnBrk="1" latinLnBrk="0" hangingPunct="1">
         <a:lnSpc>
           <a:spcPct val="90000"/>
         </a:lnSpc>
         <a:spcBef>
-          <a:spcPts val="500"/>
+          <a:spcPts val="375"/>
         </a:spcBef>
         <a:buFont typeface="Arial" panose="020B0604020202020204" pitchFamily="34" charset="0"/>
         <a:buChar char="•"/>
-        <a:defRPr sz="1800" kern="1200">
+        <a:defRPr sz="1350" kern="1200">
           <a:solidFill>
             <a:schemeClr val="tx1"/>
           </a:solidFill>
@@ -3225,8 +2873,8 @@
       <a:defPPr>
         <a:defRPr lang="en-US"/>
       </a:defPPr>
-      <a:lvl1pPr marL="0" algn="l" defTabSz="914400" rtl="0" eaLnBrk="1" latinLnBrk="0" hangingPunct="1">
-        <a:defRPr sz="1800" kern="1200">
+      <a:lvl1pPr marL="0" algn="l" defTabSz="685800" rtl="0" eaLnBrk="1" latinLnBrk="0" hangingPunct="1">
+        <a:defRPr sz="1350" kern="1200">
           <a:solidFill>
             <a:schemeClr val="tx1"/>
           </a:solidFill>
@@ -3235,8 +2883,8 @@
           <a:cs typeface="+mn-cs"/>
         </a:defRPr>
       </a:lvl1pPr>
-      <a:lvl2pPr marL="457200" algn="l" defTabSz="914400" rtl="0" eaLnBrk="1" latinLnBrk="0" hangingPunct="1">
-        <a:defRPr sz="1800" kern="1200">
+      <a:lvl2pPr marL="342900" algn="l" defTabSz="685800" rtl="0" eaLnBrk="1" latinLnBrk="0" hangingPunct="1">
+        <a:defRPr sz="1350" kern="1200">
           <a:solidFill>
             <a:schemeClr val="tx1"/>
           </a:solidFill>
@@ -3245,8 +2893,8 @@
           <a:cs typeface="+mn-cs"/>
         </a:defRPr>
       </a:lvl2pPr>
-      <a:lvl3pPr marL="914400" algn="l" defTabSz="914400" rtl="0" eaLnBrk="1" latinLnBrk="0" hangingPunct="1">
-        <a:defRPr sz="1800" kern="1200">
+      <a:lvl3pPr marL="685800" algn="l" defTabSz="685800" rtl="0" eaLnBrk="1" latinLnBrk="0" hangingPunct="1">
+        <a:defRPr sz="1350" kern="1200">
           <a:solidFill>
             <a:schemeClr val="tx1"/>
           </a:solidFill>
@@ -3255,8 +2903,8 @@
           <a:cs typeface="+mn-cs"/>
         </a:defRPr>
       </a:lvl3pPr>
-      <a:lvl4pPr marL="1371600" algn="l" defTabSz="914400" rtl="0" eaLnBrk="1" latinLnBrk="0" hangingPunct="1">
-        <a:defRPr sz="1800" kern="1200">
+      <a:lvl4pPr marL="1028700" algn="l" defTabSz="685800" rtl="0" eaLnBrk="1" latinLnBrk="0" hangingPunct="1">
+        <a:defRPr sz="1350" kern="1200">
           <a:solidFill>
             <a:schemeClr val="tx1"/>
           </a:solidFill>
@@ -3265,8 +2913,8 @@
           <a:cs typeface="+mn-cs"/>
         </a:defRPr>
       </a:lvl4pPr>
-      <a:lvl5pPr marL="1828800" algn="l" defTabSz="914400" rtl="0" eaLnBrk="1" latinLnBrk="0" hangingPunct="1">
-        <a:defRPr sz="1800" kern="1200">
+      <a:lvl5pPr marL="1371600" algn="l" defTabSz="685800" rtl="0" eaLnBrk="1" latinLnBrk="0" hangingPunct="1">
+        <a:defRPr sz="1350" kern="1200">
           <a:solidFill>
             <a:schemeClr val="tx1"/>
           </a:solidFill>
@@ -3275,8 +2923,8 @@
           <a:cs typeface="+mn-cs"/>
         </a:defRPr>
       </a:lvl5pPr>
-      <a:lvl6pPr marL="2286000" algn="l" defTabSz="914400" rtl="0" eaLnBrk="1" latinLnBrk="0" hangingPunct="1">
-        <a:defRPr sz="1800" kern="1200">
+      <a:lvl6pPr marL="1714500" algn="l" defTabSz="685800" rtl="0" eaLnBrk="1" latinLnBrk="0" hangingPunct="1">
+        <a:defRPr sz="1350" kern="1200">
           <a:solidFill>
             <a:schemeClr val="tx1"/>
           </a:solidFill>
@@ -3285,8 +2933,8 @@
           <a:cs typeface="+mn-cs"/>
         </a:defRPr>
       </a:lvl6pPr>
-      <a:lvl7pPr marL="2743200" algn="l" defTabSz="914400" rtl="0" eaLnBrk="1" latinLnBrk="0" hangingPunct="1">
-        <a:defRPr sz="1800" kern="1200">
+      <a:lvl7pPr marL="2057400" algn="l" defTabSz="685800" rtl="0" eaLnBrk="1" latinLnBrk="0" hangingPunct="1">
+        <a:defRPr sz="1350" kern="1200">
           <a:solidFill>
             <a:schemeClr val="tx1"/>
           </a:solidFill>
@@ -3295,8 +2943,8 @@
           <a:cs typeface="+mn-cs"/>
         </a:defRPr>
       </a:lvl7pPr>
-      <a:lvl8pPr marL="3200400" algn="l" defTabSz="914400" rtl="0" eaLnBrk="1" latinLnBrk="0" hangingPunct="1">
-        <a:defRPr sz="1800" kern="1200">
+      <a:lvl8pPr marL="2400300" algn="l" defTabSz="685800" rtl="0" eaLnBrk="1" latinLnBrk="0" hangingPunct="1">
+        <a:defRPr sz="1350" kern="1200">
           <a:solidFill>
             <a:schemeClr val="tx1"/>
           </a:solidFill>
@@ -3305,8 +2953,8 @@
           <a:cs typeface="+mn-cs"/>
         </a:defRPr>
       </a:lvl8pPr>
-      <a:lvl9pPr marL="3657600" algn="l" defTabSz="914400" rtl="0" eaLnBrk="1" latinLnBrk="0" hangingPunct="1">
-        <a:defRPr sz="1800" kern="1200">
+      <a:lvl9pPr marL="2743200" algn="l" defTabSz="685800" rtl="0" eaLnBrk="1" latinLnBrk="0" hangingPunct="1">
+        <a:defRPr sz="1350" kern="1200">
           <a:solidFill>
             <a:schemeClr val="tx1"/>
           </a:solidFill>
@@ -3351,8 +2999,8 @@
         </p:nvSpPr>
         <p:spPr>
           <a:xfrm>
-            <a:off x="1875680" y="189312"/>
-            <a:ext cx="4485993" cy="815842"/>
+            <a:off x="1428444" y="427736"/>
+            <a:ext cx="3173918" cy="611859"/>
           </a:xfrm>
           <a:prstGeom prst="roundRect">
             <a:avLst>
@@ -3383,11 +3031,16 @@
           </a:fontRef>
         </p:style>
         <p:txBody>
-          <a:bodyPr rtlCol="0" anchor="ctr"/>
+          <a:bodyPr rot="0" spcFirstLastPara="0" vertOverflow="overflow" horzOverflow="overflow" vert="horz" wrap="square" lIns="68580" tIns="34290" rIns="68580" bIns="34290" numCol="1" spcCol="0" rtlCol="0" fromWordArt="0" anchor="ctr" anchorCtr="0" forceAA="0" compatLnSpc="1">
+            <a:prstTxWarp prst="textNoShape">
+              <a:avLst/>
+            </a:prstTxWarp>
+            <a:noAutofit/>
+          </a:bodyPr>
           <a:lstStyle/>
           <a:p>
             <a:pPr algn="ctr"/>
-            <a:endParaRPr lang="en-US"/>
+            <a:endParaRPr lang="en-US" sz="1350"/>
           </a:p>
         </p:txBody>
       </p:sp>
@@ -3422,8 +3075,8 @@
         </p:blipFill>
         <p:spPr>
           <a:xfrm>
-            <a:off x="3790517" y="250419"/>
-            <a:ext cx="916382" cy="693628"/>
+            <a:off x="2936461" y="550257"/>
+            <a:ext cx="476278" cy="360504"/>
           </a:xfrm>
           <a:prstGeom prst="rect">
             <a:avLst/>
@@ -3461,8 +3114,8 @@
         </p:blipFill>
         <p:spPr>
           <a:xfrm>
-            <a:off x="5385810" y="140034"/>
-            <a:ext cx="975863" cy="914400"/>
+            <a:off x="4016309" y="492885"/>
+            <a:ext cx="507193" cy="475248"/>
           </a:xfrm>
           <a:prstGeom prst="rect">
             <a:avLst/>
@@ -3500,8 +3153,8 @@
         </p:blipFill>
         <p:spPr>
           <a:xfrm>
-            <a:off x="4515710" y="140034"/>
-            <a:ext cx="916382" cy="914400"/>
+            <a:off x="3445322" y="495954"/>
+            <a:ext cx="476278" cy="475248"/>
           </a:xfrm>
           <a:prstGeom prst="rect">
             <a:avLst/>
@@ -3524,8 +3177,8 @@
         </p:nvSpPr>
         <p:spPr>
           <a:xfrm>
-            <a:off x="3273850" y="328047"/>
-            <a:ext cx="539541" cy="538374"/>
+            <a:off x="2514834" y="593011"/>
+            <a:ext cx="280420" cy="279813"/>
           </a:xfrm>
           <a:prstGeom prst="rect">
             <a:avLst/>
@@ -3556,11 +3209,16 @@
           </a:fontRef>
         </p:style>
         <p:txBody>
-          <a:bodyPr rtlCol="0" anchor="ctr"/>
+          <a:bodyPr rot="0" spcFirstLastPara="0" vertOverflow="overflow" horzOverflow="overflow" vert="horz" wrap="square" lIns="68580" tIns="34290" rIns="68580" bIns="34290" numCol="1" spcCol="0" rtlCol="0" fromWordArt="0" anchor="ctr" anchorCtr="0" forceAA="0" compatLnSpc="1">
+            <a:prstTxWarp prst="textNoShape">
+              <a:avLst/>
+            </a:prstTxWarp>
+            <a:noAutofit/>
+          </a:bodyPr>
           <a:lstStyle/>
           <a:p>
             <a:pPr algn="ctr"/>
-            <a:endParaRPr lang="en-US"/>
+            <a:endParaRPr lang="en-US" sz="1350"/>
           </a:p>
         </p:txBody>
       </p:sp>
@@ -3595,8 +3253,8 @@
         </p:blipFill>
         <p:spPr>
           <a:xfrm>
-            <a:off x="2567476" y="250419"/>
-            <a:ext cx="695133" cy="693629"/>
+            <a:off x="2001846" y="550258"/>
+            <a:ext cx="361286" cy="360505"/>
           </a:xfrm>
           <a:prstGeom prst="rect">
             <a:avLst/>
@@ -3619,8 +3277,8 @@
         </p:nvSpPr>
         <p:spPr>
           <a:xfrm>
-            <a:off x="2016694" y="328047"/>
-            <a:ext cx="539541" cy="538374"/>
+            <a:off x="1547206" y="582429"/>
+            <a:ext cx="318233" cy="317544"/>
           </a:xfrm>
           <a:prstGeom prst="flowChartConnector">
             <a:avLst/>
@@ -3649,11 +3307,16 @@
           </a:fontRef>
         </p:style>
         <p:txBody>
-          <a:bodyPr rtlCol="0" anchor="ctr"/>
+          <a:bodyPr rot="0" spcFirstLastPara="0" vertOverflow="overflow" horzOverflow="overflow" vert="horz" wrap="square" lIns="68580" tIns="34290" rIns="68580" bIns="34290" numCol="1" spcCol="0" rtlCol="0" fromWordArt="0" anchor="ctr" anchorCtr="0" forceAA="0" compatLnSpc="1">
+            <a:prstTxWarp prst="textNoShape">
+              <a:avLst/>
+            </a:prstTxWarp>
+            <a:noAutofit/>
+          </a:bodyPr>
           <a:lstStyle/>
           <a:p>
             <a:pPr algn="ctr"/>
-            <a:endParaRPr lang="en-US" dirty="0"/>
+            <a:endParaRPr lang="en-US" sz="1350" dirty="0"/>
           </a:p>
         </p:txBody>
       </p:sp>
@@ -3671,8 +3334,8 @@
         </p:nvSpPr>
         <p:spPr>
           <a:xfrm>
-            <a:off x="6453421" y="199347"/>
-            <a:ext cx="813816" cy="815842"/>
+            <a:off x="4840066" y="435260"/>
+            <a:ext cx="610362" cy="611882"/>
           </a:xfrm>
           <a:prstGeom prst="roundRect">
             <a:avLst>
@@ -3703,12 +3366,17 @@
           </a:fontRef>
         </p:style>
         <p:txBody>
-          <a:bodyPr rtlCol="0" anchor="ctr"/>
+          <a:bodyPr rot="0" spcFirstLastPara="0" vertOverflow="overflow" horzOverflow="overflow" vert="horz" wrap="square" lIns="68580" tIns="34290" rIns="68580" bIns="34290" numCol="1" spcCol="0" rtlCol="0" fromWordArt="0" anchor="ctr" anchorCtr="0" forceAA="0" compatLnSpc="1">
+            <a:prstTxWarp prst="textNoShape">
+              <a:avLst/>
+            </a:prstTxWarp>
+            <a:noAutofit/>
+          </a:bodyPr>
           <a:lstStyle/>
           <a:p>
             <a:pPr algn="ctr"/>
             <a:r>
-              <a:rPr lang="en-US" sz="2800" spc="-150" dirty="0">
+              <a:rPr lang="en-US" sz="2100" spc="-113" dirty="0">
                 <a:latin typeface="Graphik" panose="020B0503030202060203" pitchFamily="34" charset="0"/>
               </a:rPr>
               <a:t>120</a:t>
@@ -3730,8 +3398,8 @@
         </p:nvSpPr>
         <p:spPr>
           <a:xfrm>
-            <a:off x="7358985" y="199347"/>
-            <a:ext cx="813816" cy="815842"/>
+            <a:off x="5519239" y="435260"/>
+            <a:ext cx="610362" cy="611882"/>
           </a:xfrm>
           <a:prstGeom prst="roundRect">
             <a:avLst>
@@ -3762,11 +3430,16 @@
           </a:fontRef>
         </p:style>
         <p:txBody>
-          <a:bodyPr rtlCol="0" anchor="ctr"/>
+          <a:bodyPr rot="0" spcFirstLastPara="0" vertOverflow="overflow" horzOverflow="overflow" vert="horz" wrap="square" lIns="68580" tIns="34290" rIns="68580" bIns="34290" numCol="1" spcCol="0" rtlCol="0" fromWordArt="0" anchor="ctr" anchorCtr="0" forceAA="0" compatLnSpc="1">
+            <a:prstTxWarp prst="textNoShape">
+              <a:avLst/>
+            </a:prstTxWarp>
+            <a:noAutofit/>
+          </a:bodyPr>
           <a:lstStyle/>
           <a:p>
             <a:pPr algn="ctr"/>
-            <a:endParaRPr lang="en-US" sz="2800" spc="-150" dirty="0">
+            <a:endParaRPr lang="en-US" sz="2100" spc="-113" dirty="0">
               <a:latin typeface="Graphik" panose="020B0503030202060203" pitchFamily="34" charset="0"/>
             </a:endParaRPr>
           </a:p>
@@ -3786,8 +3459,8 @@
         </p:nvSpPr>
         <p:spPr>
           <a:xfrm>
-            <a:off x="7470201" y="289775"/>
-            <a:ext cx="340158" cy="461665"/>
+            <a:off x="5602651" y="503081"/>
+            <a:ext cx="301686" cy="369332"/>
           </a:xfrm>
           <a:prstGeom prst="rect">
             <a:avLst/>
@@ -3801,7 +3474,7 @@
           <a:lstStyle/>
           <a:p>
             <a:r>
-              <a:rPr lang="en-US" sz="2400" dirty="0">
+              <a:rPr lang="en-US" dirty="0">
                 <a:solidFill>
                   <a:schemeClr val="bg1">
                     <a:lumMod val="95000"/>
@@ -3827,8 +3500,8 @@
         </p:nvSpPr>
         <p:spPr>
           <a:xfrm>
-            <a:off x="7781442" y="437944"/>
-            <a:ext cx="340158" cy="461665"/>
+            <a:off x="5836081" y="614208"/>
+            <a:ext cx="301686" cy="369332"/>
           </a:xfrm>
           <a:prstGeom prst="rect">
             <a:avLst/>
@@ -3842,7 +3515,7 @@
           <a:lstStyle/>
           <a:p>
             <a:r>
-              <a:rPr lang="en-US" sz="2400" dirty="0">
+              <a:rPr lang="en-US" dirty="0">
                 <a:solidFill>
                   <a:schemeClr val="bg1">
                     <a:lumMod val="95000"/>
@@ -3870,8 +3543,8 @@
         </p:nvCxnSpPr>
         <p:spPr>
           <a:xfrm rot="-3540000">
-            <a:off x="7490964" y="594692"/>
-            <a:ext cx="606871" cy="0"/>
+            <a:off x="5618225" y="731769"/>
+            <a:ext cx="455153" cy="0"/>
           </a:xfrm>
           <a:prstGeom prst="line">
             <a:avLst/>
@@ -3913,8 +3586,8 @@
         </p:nvGrpSpPr>
         <p:grpSpPr>
           <a:xfrm>
-            <a:off x="8264924" y="191663"/>
-            <a:ext cx="941754" cy="944099"/>
+            <a:off x="6198693" y="429498"/>
+            <a:ext cx="706316" cy="708074"/>
             <a:chOff x="6579482" y="169738"/>
             <a:chExt cx="941754" cy="944099"/>
           </a:xfrm>
@@ -3967,11 +3640,16 @@
             </a:fontRef>
           </p:style>
           <p:txBody>
-            <a:bodyPr rtlCol="0" anchor="ctr"/>
+            <a:bodyPr rot="0" spcFirstLastPara="0" vertOverflow="overflow" horzOverflow="overflow" vert="horz" wrap="square" lIns="68580" tIns="34290" rIns="68580" bIns="34290" numCol="1" spcCol="0" rtlCol="0" fromWordArt="0" anchor="ctr" anchorCtr="0" forceAA="0" compatLnSpc="1">
+              <a:prstTxWarp prst="textNoShape">
+                <a:avLst/>
+              </a:prstTxWarp>
+              <a:noAutofit/>
+            </a:bodyPr>
             <a:lstStyle/>
             <a:p>
               <a:pPr algn="ctr"/>
-              <a:endParaRPr lang="en-US" sz="2800" spc="-150" dirty="0">
+              <a:endParaRPr lang="en-US" sz="2100" spc="-113" dirty="0">
                 <a:latin typeface="Graphik" panose="020B0503030202060203" pitchFamily="34" charset="0"/>
               </a:endParaRPr>
             </a:p>
@@ -4124,8 +3802,8 @@
         </p:blipFill>
         <p:spPr>
           <a:xfrm flipH="1">
-            <a:off x="8269537" y="199347"/>
-            <a:ext cx="456683" cy="456683"/>
+            <a:off x="6202153" y="435261"/>
+            <a:ext cx="342512" cy="342512"/>
           </a:xfrm>
           <a:prstGeom prst="rect">
             <a:avLst/>
@@ -4148,8 +3826,8 @@
         </p:nvCxnSpPr>
         <p:spPr>
           <a:xfrm>
-            <a:off x="8803030" y="427688"/>
-            <a:ext cx="338632" cy="0"/>
+            <a:off x="6602273" y="606516"/>
+            <a:ext cx="253974" cy="0"/>
           </a:xfrm>
           <a:prstGeom prst="line">
             <a:avLst/>
@@ -4191,8 +3869,8 @@
         </p:nvGrpSpPr>
         <p:grpSpPr>
           <a:xfrm>
-            <a:off x="8362303" y="700531"/>
-            <a:ext cx="263069" cy="336480"/>
+            <a:off x="6271728" y="811148"/>
+            <a:ext cx="197302" cy="252360"/>
             <a:chOff x="6586047" y="1220721"/>
             <a:chExt cx="263069" cy="336480"/>
           </a:xfrm>
@@ -4251,11 +3929,16 @@
             </a:fontRef>
           </p:style>
           <p:txBody>
-            <a:bodyPr rtlCol="0" anchor="ctr"/>
+            <a:bodyPr rot="0" spcFirstLastPara="0" vertOverflow="overflow" horzOverflow="overflow" vert="horz" wrap="square" lIns="68580" tIns="34290" rIns="68580" bIns="34290" numCol="1" spcCol="0" rtlCol="0" fromWordArt="0" anchor="ctr" anchorCtr="0" forceAA="0" compatLnSpc="1">
+              <a:prstTxWarp prst="textNoShape">
+                <a:avLst/>
+              </a:prstTxWarp>
+              <a:noAutofit/>
+            </a:bodyPr>
             <a:lstStyle/>
             <a:p>
               <a:pPr algn="ctr"/>
-              <a:endParaRPr lang="en-US" sz="2800" spc="-150" dirty="0">
+              <a:endParaRPr lang="en-US" sz="2100" spc="-113" dirty="0">
                 <a:latin typeface="Graphik" panose="020B0503030202060203" pitchFamily="34" charset="0"/>
               </a:endParaRPr>
             </a:p>
@@ -4305,11 +3988,16 @@
             </a:fontRef>
           </p:style>
           <p:txBody>
-            <a:bodyPr rtlCol="0" anchor="ctr"/>
+            <a:bodyPr rot="0" spcFirstLastPara="0" vertOverflow="overflow" horzOverflow="overflow" vert="horz" wrap="square" lIns="68580" tIns="34290" rIns="68580" bIns="34290" numCol="1" spcCol="0" rtlCol="0" fromWordArt="0" anchor="ctr" anchorCtr="0" forceAA="0" compatLnSpc="1">
+              <a:prstTxWarp prst="textNoShape">
+                <a:avLst/>
+              </a:prstTxWarp>
+              <a:noAutofit/>
+            </a:bodyPr>
             <a:lstStyle/>
             <a:p>
               <a:pPr algn="ctr"/>
-              <a:endParaRPr lang="en-US"/>
+              <a:endParaRPr lang="en-US" sz="1350"/>
             </a:p>
           </p:txBody>
         </p:sp>
@@ -4389,8 +4077,8 @@
         </p:blipFill>
         <p:spPr>
           <a:xfrm>
-            <a:off x="8775012" y="707461"/>
-            <a:ext cx="395168" cy="395168"/>
+            <a:off x="6581259" y="816346"/>
+            <a:ext cx="296376" cy="296376"/>
           </a:xfrm>
           <a:prstGeom prst="rect">
             <a:avLst/>
@@ -4413,8 +4101,8 @@
         </p:nvGrpSpPr>
         <p:grpSpPr>
           <a:xfrm>
-            <a:off x="9298801" y="189310"/>
-            <a:ext cx="1223035" cy="613408"/>
+            <a:off x="6974101" y="427733"/>
+            <a:ext cx="917276" cy="460056"/>
             <a:chOff x="6579482" y="169738"/>
             <a:chExt cx="941754" cy="944099"/>
           </a:xfrm>
@@ -4467,11 +4155,16 @@
             </a:fontRef>
           </p:style>
           <p:txBody>
-            <a:bodyPr rtlCol="0" anchor="ctr"/>
+            <a:bodyPr rot="0" spcFirstLastPara="0" vertOverflow="overflow" horzOverflow="overflow" vert="horz" wrap="square" lIns="68580" tIns="34290" rIns="68580" bIns="34290" numCol="1" spcCol="0" rtlCol="0" fromWordArt="0" anchor="ctr" anchorCtr="0" forceAA="0" compatLnSpc="1">
+              <a:prstTxWarp prst="textNoShape">
+                <a:avLst/>
+              </a:prstTxWarp>
+              <a:noAutofit/>
+            </a:bodyPr>
             <a:lstStyle/>
             <a:p>
               <a:pPr algn="ctr"/>
-              <a:endParaRPr lang="en-US" sz="2800" spc="-150" dirty="0">
+              <a:endParaRPr lang="en-US" sz="2100" spc="-113" dirty="0">
                 <a:latin typeface="Graphik" panose="020B0503030202060203" pitchFamily="34" charset="0"/>
               </a:endParaRPr>
             </a:p>
@@ -4556,8 +4249,8 @@
         </p:blipFill>
         <p:spPr>
           <a:xfrm>
-            <a:off x="9317107" y="257620"/>
-            <a:ext cx="476788" cy="476788"/>
+            <a:off x="6987831" y="478966"/>
+            <a:ext cx="357591" cy="357591"/>
           </a:xfrm>
           <a:prstGeom prst="rect">
             <a:avLst/>
@@ -4595,8 +4288,8 @@
         </p:blipFill>
         <p:spPr>
           <a:xfrm flipH="1">
-            <a:off x="9933140" y="260721"/>
-            <a:ext cx="484332" cy="476788"/>
+            <a:off x="7449856" y="481292"/>
+            <a:ext cx="363249" cy="357591"/>
           </a:xfrm>
           <a:prstGeom prst="rect">
             <a:avLst/>
@@ -4617,8 +4310,8 @@
         </p:nvGrpSpPr>
         <p:grpSpPr>
           <a:xfrm>
-            <a:off x="250201" y="189310"/>
-            <a:ext cx="1412631" cy="944101"/>
+            <a:off x="187652" y="427733"/>
+            <a:ext cx="1059473" cy="708076"/>
             <a:chOff x="6579482" y="169736"/>
             <a:chExt cx="941754" cy="944101"/>
           </a:xfrm>
@@ -4671,11 +4364,16 @@
             </a:fontRef>
           </p:style>
           <p:txBody>
-            <a:bodyPr rtlCol="0" anchor="ctr"/>
+            <a:bodyPr rot="0" spcFirstLastPara="0" vertOverflow="overflow" horzOverflow="overflow" vert="horz" wrap="square" lIns="68580" tIns="34290" rIns="68580" bIns="34290" numCol="1" spcCol="0" rtlCol="0" fromWordArt="0" anchor="ctr" anchorCtr="0" forceAA="0" compatLnSpc="1">
+              <a:prstTxWarp prst="textNoShape">
+                <a:avLst/>
+              </a:prstTxWarp>
+              <a:noAutofit/>
+            </a:bodyPr>
             <a:lstStyle/>
             <a:p>
               <a:pPr algn="ctr"/>
-              <a:endParaRPr lang="en-US" sz="2800" spc="-150" dirty="0">
+              <a:endParaRPr lang="en-US" sz="2100" spc="-113" dirty="0">
                 <a:latin typeface="Graphik" panose="020B0503030202060203" pitchFamily="34" charset="0"/>
               </a:endParaRPr>
             </a:p>
@@ -4871,8 +4569,8 @@
         </p:blipFill>
         <p:spPr>
           <a:xfrm rot="8043518">
-            <a:off x="277388" y="238933"/>
-            <a:ext cx="412407" cy="412407"/>
+            <a:off x="208043" y="464951"/>
+            <a:ext cx="309305" cy="309305"/>
           </a:xfrm>
           <a:prstGeom prst="rect">
             <a:avLst/>
@@ -4910,8 +4608,8 @@
         </p:blipFill>
         <p:spPr>
           <a:xfrm>
-            <a:off x="292100" y="711518"/>
-            <a:ext cx="370792" cy="370792"/>
+            <a:off x="219075" y="819389"/>
+            <a:ext cx="278094" cy="278094"/>
           </a:xfrm>
           <a:prstGeom prst="rect">
             <a:avLst/>
@@ -4920,10 +4618,578 @@
       </p:pic>
       <p:grpSp>
         <p:nvGrpSpPr>
-          <p:cNvPr id="102" name="Group 101">
+          <p:cNvPr id="107" name="Group 106">
             <a:extLst>
               <a:ext uri="{FF2B5EF4-FFF2-40B4-BE49-F238E27FC236}">
-                <a16:creationId xmlns:a16="http://schemas.microsoft.com/office/drawing/2014/main" id="{C0911648-EFFC-4AC2-A122-BDD0033A372A}"/>
+                <a16:creationId xmlns:a16="http://schemas.microsoft.com/office/drawing/2014/main" id="{64AD7DF9-C762-4E85-BA34-BC3CEE029FFB}"/>
+              </a:ext>
+            </a:extLst>
+          </p:cNvPr>
+          <p:cNvGrpSpPr/>
+          <p:nvPr/>
+        </p:nvGrpSpPr>
+        <p:grpSpPr>
+          <a:xfrm>
+            <a:off x="627429" y="1632248"/>
+            <a:ext cx="1078893" cy="1051633"/>
+            <a:chOff x="6031677" y="2614161"/>
+            <a:chExt cx="1438524" cy="1402177"/>
+          </a:xfrm>
+        </p:grpSpPr>
+        <p:grpSp>
+          <p:nvGrpSpPr>
+            <p:cNvPr id="108" name="Group 107">
+              <a:extLst>
+                <a:ext uri="{FF2B5EF4-FFF2-40B4-BE49-F238E27FC236}">
+                  <a16:creationId xmlns:a16="http://schemas.microsoft.com/office/drawing/2014/main" id="{984D27DE-591F-4D7F-AD5B-5C58361EC46A}"/>
+                </a:ext>
+              </a:extLst>
+            </p:cNvPr>
+            <p:cNvGrpSpPr>
+              <a:grpSpLocks noChangeAspect="1"/>
+            </p:cNvGrpSpPr>
+            <p:nvPr/>
+          </p:nvGrpSpPr>
+          <p:grpSpPr>
+            <a:xfrm>
+              <a:off x="6031677" y="2614161"/>
+              <a:ext cx="1438524" cy="1402177"/>
+              <a:chOff x="8209215" y="1196477"/>
+              <a:chExt cx="997462" cy="972260"/>
+            </a:xfrm>
+          </p:grpSpPr>
+          <p:sp>
+            <p:nvSpPr>
+              <p:cNvPr id="110" name="Rectangle: Rounded Corners 109">
+                <a:extLst>
+                  <a:ext uri="{FF2B5EF4-FFF2-40B4-BE49-F238E27FC236}">
+                    <a16:creationId xmlns:a16="http://schemas.microsoft.com/office/drawing/2014/main" id="{308DDB64-50DF-40F4-8594-644D7D3EC00E}"/>
+                  </a:ext>
+                </a:extLst>
+              </p:cNvPr>
+              <p:cNvSpPr>
+                <a:spLocks noChangeAspect="1"/>
+              </p:cNvSpPr>
+              <p:nvPr/>
+            </p:nvSpPr>
+            <p:spPr>
+              <a:xfrm>
+                <a:off x="8264923" y="1224638"/>
+                <a:ext cx="941754" cy="944099"/>
+              </a:xfrm>
+              <a:prstGeom prst="roundRect">
+                <a:avLst>
+                  <a:gd name="adj" fmla="val 2892"/>
+                </a:avLst>
+              </a:prstGeom>
+              <a:solidFill>
+                <a:srgbClr val="696969"/>
+              </a:solidFill>
+              <a:ln>
+                <a:noFill/>
+              </a:ln>
+            </p:spPr>
+            <p:style>
+              <a:lnRef idx="2">
+                <a:schemeClr val="accent1">
+                  <a:shade val="50000"/>
+                </a:schemeClr>
+              </a:lnRef>
+              <a:fillRef idx="1">
+                <a:schemeClr val="accent1"/>
+              </a:fillRef>
+              <a:effectRef idx="0">
+                <a:schemeClr val="accent1"/>
+              </a:effectRef>
+              <a:fontRef idx="minor">
+                <a:schemeClr val="lt1"/>
+              </a:fontRef>
+            </p:style>
+            <p:txBody>
+              <a:bodyPr rot="0" spcFirstLastPara="0" vertOverflow="overflow" horzOverflow="overflow" vert="horz" wrap="square" lIns="68580" tIns="34290" rIns="68580" bIns="34290" numCol="1" spcCol="0" rtlCol="0" fromWordArt="0" anchor="ctr" anchorCtr="0" forceAA="0" compatLnSpc="1">
+                <a:prstTxWarp prst="textNoShape">
+                  <a:avLst/>
+                </a:prstTxWarp>
+                <a:noAutofit/>
+              </a:bodyPr>
+              <a:lstStyle/>
+              <a:p>
+                <a:pPr algn="ctr"/>
+                <a:endParaRPr lang="en-US" sz="900" spc="-113" dirty="0">
+                  <a:latin typeface="Graphik" panose="020B0503030202060203" pitchFamily="34" charset="0"/>
+                </a:endParaRPr>
+              </a:p>
+            </p:txBody>
+          </p:sp>
+          <p:pic>
+            <p:nvPicPr>
+              <p:cNvPr id="111" name="Graphic 110" descr="Close">
+                <a:extLst>
+                  <a:ext uri="{FF2B5EF4-FFF2-40B4-BE49-F238E27FC236}">
+                    <a16:creationId xmlns:a16="http://schemas.microsoft.com/office/drawing/2014/main" id="{B6CE2663-9520-48CE-971E-E05C8D1AD078}"/>
+                  </a:ext>
+                </a:extLst>
+              </p:cNvPr>
+              <p:cNvPicPr>
+                <a:picLocks noChangeAspect="1"/>
+              </p:cNvPicPr>
+              <p:nvPr/>
+            </p:nvPicPr>
+            <p:blipFill>
+              <a:blip r:embed="rId20">
+                <a:extLst>
+                  <a:ext uri="{28A0092B-C50C-407E-A947-70E740481C1C}">
+                    <a14:useLocalDpi xmlns:a14="http://schemas.microsoft.com/office/drawing/2010/main" val="0"/>
+                  </a:ext>
+                  <a:ext uri="{96DAC541-7B7A-43D3-8B79-37D633B846F1}">
+                    <asvg:svgBlip xmlns:asvg="http://schemas.microsoft.com/office/drawing/2016/SVG/main" r:embed="rId21"/>
+                  </a:ext>
+                </a:extLst>
+              </a:blip>
+              <a:stretch>
+                <a:fillRect/>
+              </a:stretch>
+            </p:blipFill>
+            <p:spPr>
+              <a:xfrm>
+                <a:off x="9097566" y="1242158"/>
+                <a:ext cx="99066" cy="99066"/>
+              </a:xfrm>
+              <a:prstGeom prst="rect">
+                <a:avLst/>
+              </a:prstGeom>
+            </p:spPr>
+          </p:pic>
+          <p:sp>
+            <p:nvSpPr>
+              <p:cNvPr id="112" name="TextBox 111">
+                <a:extLst>
+                  <a:ext uri="{FF2B5EF4-FFF2-40B4-BE49-F238E27FC236}">
+                    <a16:creationId xmlns:a16="http://schemas.microsoft.com/office/drawing/2014/main" id="{6544B568-466A-4126-8697-34A2985AD0C4}"/>
+                  </a:ext>
+                </a:extLst>
+              </p:cNvPr>
+              <p:cNvSpPr txBox="1"/>
+              <p:nvPr/>
+            </p:nvSpPr>
+            <p:spPr>
+              <a:xfrm>
+                <a:off x="8209215" y="1196477"/>
+                <a:ext cx="783977" cy="234751"/>
+              </a:xfrm>
+              <a:prstGeom prst="rect">
+                <a:avLst/>
+              </a:prstGeom>
+              <a:noFill/>
+            </p:spPr>
+            <p:txBody>
+              <a:bodyPr wrap="square" tIns="68580" rtlCol="0">
+                <a:spAutoFit/>
+              </a:bodyPr>
+              <a:lstStyle/>
+              <a:p>
+                <a:r>
+                  <a:rPr lang="en-US" sz="900" dirty="0">
+                    <a:solidFill>
+                      <a:schemeClr val="bg1">
+                        <a:lumMod val="95000"/>
+                      </a:schemeClr>
+                    </a:solidFill>
+                    <a:latin typeface="Graphik" panose="020B0503030202060203" pitchFamily="34" charset="0"/>
+                  </a:rPr>
+                  <a:t> Export as</a:t>
+                </a:r>
+              </a:p>
+            </p:txBody>
+          </p:sp>
+          <p:sp>
+            <p:nvSpPr>
+              <p:cNvPr id="113" name="Rectangle: Rounded Corners 112">
+                <a:extLst>
+                  <a:ext uri="{FF2B5EF4-FFF2-40B4-BE49-F238E27FC236}">
+                    <a16:creationId xmlns:a16="http://schemas.microsoft.com/office/drawing/2014/main" id="{A2145B08-DDC5-4C8B-A254-BCC247AAE8BC}"/>
+                  </a:ext>
+                </a:extLst>
+              </p:cNvPr>
+              <p:cNvSpPr/>
+              <p:nvPr/>
+            </p:nvSpPr>
+            <p:spPr>
+              <a:xfrm>
+                <a:off x="8281886" y="1472637"/>
+                <a:ext cx="631133" cy="122424"/>
+              </a:xfrm>
+              <a:prstGeom prst="roundRect">
+                <a:avLst>
+                  <a:gd name="adj" fmla="val 8435"/>
+                </a:avLst>
+              </a:prstGeom>
+              <a:solidFill>
+                <a:schemeClr val="bg1">
+                  <a:lumMod val="95000"/>
+                </a:schemeClr>
+              </a:solidFill>
+              <a:ln>
+                <a:noFill/>
+              </a:ln>
+            </p:spPr>
+            <p:style>
+              <a:lnRef idx="2">
+                <a:schemeClr val="accent1">
+                  <a:shade val="50000"/>
+                </a:schemeClr>
+              </a:lnRef>
+              <a:fillRef idx="1">
+                <a:schemeClr val="accent1"/>
+              </a:fillRef>
+              <a:effectRef idx="0">
+                <a:schemeClr val="accent1"/>
+              </a:effectRef>
+              <a:fontRef idx="minor">
+                <a:schemeClr val="lt1"/>
+              </a:fontRef>
+            </p:style>
+            <p:txBody>
+              <a:bodyPr rot="0" spcFirstLastPara="0" vertOverflow="overflow" horzOverflow="overflow" vert="horz" wrap="square" lIns="68580" tIns="34290" rIns="68580" bIns="34290" numCol="1" spcCol="0" rtlCol="0" fromWordArt="0" anchor="ctr" anchorCtr="0" forceAA="0" compatLnSpc="1">
+                <a:prstTxWarp prst="textNoShape">
+                  <a:avLst/>
+                </a:prstTxWarp>
+                <a:noAutofit/>
+              </a:bodyPr>
+              <a:lstStyle/>
+              <a:p>
+                <a:pPr algn="ctr"/>
+                <a:r>
+                  <a:rPr lang="en-US" sz="600" dirty="0">
+                    <a:solidFill>
+                      <a:srgbClr val="696969"/>
+                    </a:solidFill>
+                  </a:rPr>
+                  <a:t>Filename</a:t>
+                </a:r>
+              </a:p>
+            </p:txBody>
+          </p:sp>
+          <p:sp>
+            <p:nvSpPr>
+              <p:cNvPr id="114" name="Rectangle: Rounded Corners 113">
+                <a:extLst>
+                  <a:ext uri="{FF2B5EF4-FFF2-40B4-BE49-F238E27FC236}">
+                    <a16:creationId xmlns:a16="http://schemas.microsoft.com/office/drawing/2014/main" id="{561EBDAF-5C4E-40FB-AFC8-3AC9E9ED2F5E}"/>
+                  </a:ext>
+                </a:extLst>
+              </p:cNvPr>
+              <p:cNvSpPr/>
+              <p:nvPr/>
+            </p:nvSpPr>
+            <p:spPr>
+              <a:xfrm>
+                <a:off x="8922255" y="1472635"/>
+                <a:ext cx="264649" cy="674544"/>
+              </a:xfrm>
+              <a:prstGeom prst="roundRect">
+                <a:avLst>
+                  <a:gd name="adj" fmla="val 4423"/>
+                </a:avLst>
+              </a:prstGeom>
+              <a:solidFill>
+                <a:schemeClr val="bg1">
+                  <a:lumMod val="95000"/>
+                </a:schemeClr>
+              </a:solidFill>
+              <a:ln>
+                <a:noFill/>
+              </a:ln>
+            </p:spPr>
+            <p:style>
+              <a:lnRef idx="2">
+                <a:schemeClr val="accent1">
+                  <a:shade val="50000"/>
+                </a:schemeClr>
+              </a:lnRef>
+              <a:fillRef idx="1">
+                <a:schemeClr val="accent1"/>
+              </a:fillRef>
+              <a:effectRef idx="0">
+                <a:schemeClr val="accent1"/>
+              </a:effectRef>
+              <a:fontRef idx="minor">
+                <a:schemeClr val="lt1"/>
+              </a:fontRef>
+            </p:style>
+            <p:txBody>
+              <a:bodyPr rot="0" spcFirstLastPara="0" vertOverflow="overflow" horzOverflow="overflow" vert="horz" wrap="square" lIns="6858" tIns="6858" rIns="68580" bIns="34290" numCol="1" spcCol="0" rtlCol="0" fromWordArt="0" anchor="t" anchorCtr="0" forceAA="0" compatLnSpc="1">
+                <a:prstTxWarp prst="textNoShape">
+                  <a:avLst/>
+                </a:prstTxWarp>
+                <a:noAutofit/>
+              </a:bodyPr>
+              <a:lstStyle/>
+              <a:p>
+                <a:r>
+                  <a:rPr lang="en-US" sz="600" dirty="0">
+                    <a:solidFill>
+                      <a:srgbClr val="696969"/>
+                    </a:solidFill>
+                  </a:rPr>
+                  <a:t>.mp3</a:t>
+                </a:r>
+              </a:p>
+              <a:p>
+                <a:r>
+                  <a:rPr lang="en-US" sz="600" dirty="0">
+                    <a:solidFill>
+                      <a:srgbClr val="696969"/>
+                    </a:solidFill>
+                  </a:rPr>
+                  <a:t>.wav</a:t>
+                </a:r>
+              </a:p>
+              <a:p>
+                <a:r>
+                  <a:rPr lang="en-US" sz="600" dirty="0">
+                    <a:solidFill>
+                      <a:srgbClr val="696969"/>
+                    </a:solidFill>
+                  </a:rPr>
+                  <a:t>.</a:t>
+                </a:r>
+                <a:r>
+                  <a:rPr lang="en-US" sz="600" dirty="0" err="1">
+                    <a:solidFill>
+                      <a:srgbClr val="696969"/>
+                    </a:solidFill>
+                  </a:rPr>
+                  <a:t>flac</a:t>
+                </a:r>
+                <a:endParaRPr lang="en-US" sz="600" dirty="0">
+                  <a:solidFill>
+                    <a:srgbClr val="696969"/>
+                  </a:solidFill>
+                </a:endParaRPr>
+              </a:p>
+              <a:p>
+                <a:r>
+                  <a:rPr lang="en-US" sz="600" dirty="0">
+                    <a:solidFill>
+                      <a:srgbClr val="696969"/>
+                    </a:solidFill>
+                  </a:rPr>
+                  <a:t>.</a:t>
+                </a:r>
+                <a:r>
+                  <a:rPr lang="en-US" sz="600" dirty="0" err="1">
+                    <a:solidFill>
+                      <a:srgbClr val="696969"/>
+                    </a:solidFill>
+                  </a:rPr>
+                  <a:t>aiff</a:t>
+                </a:r>
+                <a:endParaRPr lang="en-US" sz="600" dirty="0">
+                  <a:solidFill>
+                    <a:srgbClr val="696969"/>
+                  </a:solidFill>
+                </a:endParaRPr>
+              </a:p>
+              <a:p>
+                <a:r>
+                  <a:rPr lang="en-US" sz="600" dirty="0">
+                    <a:solidFill>
+                      <a:srgbClr val="696969"/>
+                    </a:solidFill>
+                  </a:rPr>
+                  <a:t>.pcm</a:t>
+                </a:r>
+              </a:p>
+              <a:p>
+                <a:r>
+                  <a:rPr lang="en-US" sz="600" dirty="0">
+                    <a:solidFill>
+                      <a:srgbClr val="696969"/>
+                    </a:solidFill>
+                  </a:rPr>
+                  <a:t>.AAC</a:t>
+                </a:r>
+              </a:p>
+              <a:p>
+                <a:r>
+                  <a:rPr lang="en-US" sz="600" dirty="0">
+                    <a:solidFill>
+                      <a:srgbClr val="696969"/>
+                    </a:solidFill>
+                  </a:rPr>
+                  <a:t>.WMA</a:t>
+                </a:r>
+              </a:p>
+              <a:p>
+                <a:r>
+                  <a:rPr lang="en-US" sz="600" dirty="0">
+                    <a:solidFill>
+                      <a:srgbClr val="696969"/>
+                    </a:solidFill>
+                  </a:rPr>
+                  <a:t>.DSD</a:t>
+                </a:r>
+              </a:p>
+              <a:p>
+                <a:pPr algn="ctr"/>
+                <a:endParaRPr lang="en-US" sz="375" dirty="0">
+                  <a:solidFill>
+                    <a:srgbClr val="696969"/>
+                  </a:solidFill>
+                </a:endParaRPr>
+              </a:p>
+            </p:txBody>
+          </p:sp>
+        </p:grpSp>
+        <p:sp>
+          <p:nvSpPr>
+            <p:cNvPr id="109" name="Rectangle: Rounded Corners 108">
+              <a:extLst>
+                <a:ext uri="{FF2B5EF4-FFF2-40B4-BE49-F238E27FC236}">
+                  <a16:creationId xmlns:a16="http://schemas.microsoft.com/office/drawing/2014/main" id="{0CA66C38-FFDB-4533-B9B4-49E920C830B0}"/>
+                </a:ext>
+              </a:extLst>
+            </p:cNvPr>
+            <p:cNvSpPr/>
+            <p:nvPr/>
+          </p:nvSpPr>
+          <p:spPr>
+            <a:xfrm>
+              <a:off x="7409580" y="3038248"/>
+              <a:ext cx="18288" cy="365760"/>
+            </a:xfrm>
+            <a:prstGeom prst="roundRect">
+              <a:avLst/>
+            </a:prstGeom>
+            <a:solidFill>
+              <a:srgbClr val="696969"/>
+            </a:solidFill>
+            <a:ln w="0">
+              <a:noFill/>
+            </a:ln>
+          </p:spPr>
+          <p:style>
+            <a:lnRef idx="2">
+              <a:schemeClr val="accent1">
+                <a:shade val="50000"/>
+              </a:schemeClr>
+            </a:lnRef>
+            <a:fillRef idx="1">
+              <a:schemeClr val="accent1"/>
+            </a:fillRef>
+            <a:effectRef idx="0">
+              <a:schemeClr val="accent1"/>
+            </a:effectRef>
+            <a:fontRef idx="minor">
+              <a:schemeClr val="lt1"/>
+            </a:fontRef>
+          </p:style>
+          <p:txBody>
+            <a:bodyPr rot="0" spcFirstLastPara="0" vertOverflow="overflow" horzOverflow="overflow" vert="horz" wrap="square" lIns="68580" tIns="34290" rIns="68580" bIns="34290" numCol="1" spcCol="0" rtlCol="0" fromWordArt="0" anchor="ctr" anchorCtr="0" forceAA="0" compatLnSpc="1">
+              <a:prstTxWarp prst="textNoShape">
+                <a:avLst/>
+              </a:prstTxWarp>
+              <a:noAutofit/>
+            </a:bodyPr>
+            <a:lstStyle/>
+            <a:p>
+              <a:pPr algn="ctr"/>
+              <a:endParaRPr lang="en-US" sz="1350"/>
+            </a:p>
+          </p:txBody>
+        </p:sp>
+      </p:grpSp>
+    </p:spTree>
+    <p:extLst>
+      <p:ext uri="{BB962C8B-B14F-4D97-AF65-F5344CB8AC3E}">
+        <p14:creationId xmlns:p14="http://schemas.microsoft.com/office/powerpoint/2010/main" val="3065419910"/>
+      </p:ext>
+    </p:extLst>
+  </p:cSld>
+  <p:clrMapOvr>
+    <a:masterClrMapping/>
+  </p:clrMapOvr>
+</p:sld>
+</file>
+
+<file path=ppt/slides/slide2.xml><?xml version="1.0" encoding="utf-8"?>
+<p:sld xmlns:a="http://schemas.openxmlformats.org/drawingml/2006/main" xmlns:r="http://schemas.openxmlformats.org/officeDocument/2006/relationships" xmlns:p="http://schemas.openxmlformats.org/presentationml/2006/main">
+  <p:cSld>
+    <p:spTree>
+      <p:nvGrpSpPr>
+        <p:cNvPr id="1" name=""/>
+        <p:cNvGrpSpPr/>
+        <p:nvPr/>
+      </p:nvGrpSpPr>
+      <p:grpSpPr>
+        <a:xfrm>
+          <a:off x="0" y="0"/>
+          <a:ext cx="0" cy="0"/>
+          <a:chOff x="0" y="0"/>
+          <a:chExt cx="0" cy="0"/>
+        </a:xfrm>
+      </p:grpSpPr>
+      <p:sp>
+        <p:nvSpPr>
+          <p:cNvPr id="12" name="Rectangle 11">
+            <a:extLst>
+              <a:ext uri="{FF2B5EF4-FFF2-40B4-BE49-F238E27FC236}">
+                <a16:creationId xmlns:a16="http://schemas.microsoft.com/office/drawing/2014/main" id="{164A4309-8135-46E1-AC5C-3D13BE89BA2C}"/>
+              </a:ext>
+            </a:extLst>
+          </p:cNvPr>
+          <p:cNvSpPr/>
+          <p:nvPr/>
+        </p:nvSpPr>
+        <p:spPr>
+          <a:xfrm>
+            <a:off x="0" y="0"/>
+            <a:ext cx="9144000" cy="486137"/>
+          </a:xfrm>
+          <a:prstGeom prst="rect">
+            <a:avLst/>
+          </a:prstGeom>
+          <a:solidFill>
+            <a:schemeClr val="bg1">
+              <a:lumMod val="50000"/>
+            </a:schemeClr>
+          </a:solidFill>
+          <a:ln>
+            <a:noFill/>
+          </a:ln>
+        </p:spPr>
+        <p:style>
+          <a:lnRef idx="2">
+            <a:schemeClr val="accent1">
+              <a:shade val="50000"/>
+            </a:schemeClr>
+          </a:lnRef>
+          <a:fillRef idx="1">
+            <a:schemeClr val="accent1"/>
+          </a:fillRef>
+          <a:effectRef idx="0">
+            <a:schemeClr val="accent1"/>
+          </a:effectRef>
+          <a:fontRef idx="minor">
+            <a:schemeClr val="lt1"/>
+          </a:fontRef>
+        </p:style>
+        <p:txBody>
+          <a:bodyPr rtlCol="0" anchor="ctr"/>
+          <a:lstStyle/>
+          <a:p>
+            <a:pPr algn="ctr"/>
+            <a:endParaRPr lang="en-US"/>
+          </a:p>
+        </p:txBody>
+      </p:sp>
+      <p:grpSp>
+        <p:nvGrpSpPr>
+          <p:cNvPr id="20" name="Group 19">
+            <a:extLst>
+              <a:ext uri="{FF2B5EF4-FFF2-40B4-BE49-F238E27FC236}">
+                <a16:creationId xmlns:a16="http://schemas.microsoft.com/office/drawing/2014/main" id="{E2942D08-098A-4DF0-BA38-46648933F3BB}"/>
               </a:ext>
             </a:extLst>
           </p:cNvPr>
@@ -4934,34 +5200,32 @@
         </p:nvGrpSpPr>
         <p:grpSpPr>
           <a:xfrm>
-            <a:off x="7731655" y="1150439"/>
-            <a:ext cx="1438525" cy="1402176"/>
-            <a:chOff x="8209215" y="1196477"/>
-            <a:chExt cx="997463" cy="972259"/>
+            <a:off x="1069056" y="73221"/>
+            <a:ext cx="1744093" cy="336222"/>
+            <a:chOff x="1428444" y="427736"/>
+            <a:chExt cx="3173918" cy="611859"/>
           </a:xfrm>
         </p:grpSpPr>
         <p:sp>
           <p:nvSpPr>
-            <p:cNvPr id="89" name="Rectangle: Rounded Corners 88">
+            <p:cNvPr id="13" name="Rectangle: Rounded Corners 12">
               <a:extLst>
                 <a:ext uri="{FF2B5EF4-FFF2-40B4-BE49-F238E27FC236}">
-                  <a16:creationId xmlns:a16="http://schemas.microsoft.com/office/drawing/2014/main" id="{E9E1DB66-00A7-46C7-AF8B-35DA7BF53DF2}"/>
+                  <a16:creationId xmlns:a16="http://schemas.microsoft.com/office/drawing/2014/main" id="{5C1B6536-232E-4B70-B54C-91BDA329A920}"/>
                 </a:ext>
               </a:extLst>
             </p:cNvPr>
-            <p:cNvSpPr>
-              <a:spLocks noChangeAspect="1"/>
-            </p:cNvSpPr>
+            <p:cNvSpPr/>
             <p:nvPr/>
           </p:nvSpPr>
           <p:spPr>
             <a:xfrm>
-              <a:off x="8264924" y="1224637"/>
-              <a:ext cx="941754" cy="944099"/>
+              <a:off x="1428444" y="427736"/>
+              <a:ext cx="3173918" cy="611859"/>
             </a:xfrm>
             <a:prstGeom prst="roundRect">
               <a:avLst>
-                <a:gd name="adj" fmla="val 2892"/>
+                <a:gd name="adj" fmla="val 5340"/>
               </a:avLst>
             </a:prstGeom>
             <a:solidFill>
@@ -4988,22 +5252,25 @@
             </a:fontRef>
           </p:style>
           <p:txBody>
-            <a:bodyPr rtlCol="0" anchor="ctr"/>
+            <a:bodyPr rot="0" spcFirstLastPara="0" vertOverflow="overflow" horzOverflow="overflow" vert="horz" wrap="square" lIns="68580" tIns="34290" rIns="68580" bIns="34290" numCol="1" spcCol="0" rtlCol="0" fromWordArt="0" anchor="ctr" anchorCtr="0" forceAA="0" compatLnSpc="1">
+              <a:prstTxWarp prst="textNoShape">
+                <a:avLst/>
+              </a:prstTxWarp>
+              <a:noAutofit/>
+            </a:bodyPr>
             <a:lstStyle/>
             <a:p>
               <a:pPr algn="ctr"/>
-              <a:endParaRPr lang="en-US" sz="1200" spc="-150" dirty="0">
-                <a:latin typeface="Graphik" panose="020B0503030202060203" pitchFamily="34" charset="0"/>
-              </a:endParaRPr>
+              <a:endParaRPr lang="en-US" sz="1350"/>
             </a:p>
           </p:txBody>
         </p:sp>
         <p:pic>
           <p:nvPicPr>
-            <p:cNvPr id="94" name="Graphic 93" descr="Close">
+            <p:cNvPr id="14" name="Graphic 13" descr="Play">
               <a:extLst>
                 <a:ext uri="{FF2B5EF4-FFF2-40B4-BE49-F238E27FC236}">
-                  <a16:creationId xmlns:a16="http://schemas.microsoft.com/office/drawing/2014/main" id="{89CC345B-86A3-4225-9983-3992186F7C14}"/>
+                  <a16:creationId xmlns:a16="http://schemas.microsoft.com/office/drawing/2014/main" id="{CFC952C4-6249-41E0-B7B4-DF19FBEEA083}"/>
                 </a:ext>
               </a:extLst>
             </p:cNvPr>
@@ -5013,13 +5280,13 @@
             <p:nvPr/>
           </p:nvPicPr>
           <p:blipFill>
-            <a:blip r:embed="rId20">
+            <a:blip r:embed="rId2">
               <a:extLst>
                 <a:ext uri="{28A0092B-C50C-407E-A947-70E740481C1C}">
                   <a14:useLocalDpi xmlns:a14="http://schemas.microsoft.com/office/drawing/2010/main" val="0"/>
                 </a:ext>
                 <a:ext uri="{96DAC541-7B7A-43D3-8B79-37D633B846F1}">
-                  <asvg:svgBlip xmlns:asvg="http://schemas.microsoft.com/office/drawing/2016/SVG/main" r:embed="rId21"/>
+                  <asvg:svgBlip xmlns:asvg="http://schemas.microsoft.com/office/drawing/2016/SVG/main" r:embed="rId3"/>
                 </a:ext>
               </a:extLst>
             </a:blip>
@@ -5029,8 +5296,86 @@
           </p:blipFill>
           <p:spPr>
             <a:xfrm>
-              <a:off x="9097566" y="1242158"/>
-              <a:ext cx="99066" cy="99066"/>
+              <a:off x="2936461" y="550257"/>
+              <a:ext cx="476278" cy="360504"/>
+            </a:xfrm>
+            <a:prstGeom prst="rect">
+              <a:avLst/>
+            </a:prstGeom>
+          </p:spPr>
+        </p:pic>
+        <p:pic>
+          <p:nvPicPr>
+            <p:cNvPr id="15" name="Graphic 14" descr="End">
+              <a:extLst>
+                <a:ext uri="{FF2B5EF4-FFF2-40B4-BE49-F238E27FC236}">
+                  <a16:creationId xmlns:a16="http://schemas.microsoft.com/office/drawing/2014/main" id="{06E750F0-DACF-4A22-A4B7-3593902CD42E}"/>
+                </a:ext>
+              </a:extLst>
+            </p:cNvPr>
+            <p:cNvPicPr>
+              <a:picLocks noChangeAspect="1"/>
+            </p:cNvPicPr>
+            <p:nvPr/>
+          </p:nvPicPr>
+          <p:blipFill>
+            <a:blip r:embed="rId4">
+              <a:extLst>
+                <a:ext uri="{28A0092B-C50C-407E-A947-70E740481C1C}">
+                  <a14:useLocalDpi xmlns:a14="http://schemas.microsoft.com/office/drawing/2010/main" val="0"/>
+                </a:ext>
+                <a:ext uri="{96DAC541-7B7A-43D3-8B79-37D633B846F1}">
+                  <asvg:svgBlip xmlns:asvg="http://schemas.microsoft.com/office/drawing/2016/SVG/main" r:embed="rId5"/>
+                </a:ext>
+              </a:extLst>
+            </a:blip>
+            <a:stretch>
+              <a:fillRect/>
+            </a:stretch>
+          </p:blipFill>
+          <p:spPr>
+            <a:xfrm>
+              <a:off x="4016309" y="492885"/>
+              <a:ext cx="507193" cy="475248"/>
+            </a:xfrm>
+            <a:prstGeom prst="rect">
+              <a:avLst/>
+            </a:prstGeom>
+          </p:spPr>
+        </p:pic>
+        <p:pic>
+          <p:nvPicPr>
+            <p:cNvPr id="16" name="Graphic 15" descr="Beginning">
+              <a:extLst>
+                <a:ext uri="{FF2B5EF4-FFF2-40B4-BE49-F238E27FC236}">
+                  <a16:creationId xmlns:a16="http://schemas.microsoft.com/office/drawing/2014/main" id="{7A9E4FB4-7701-41FA-B329-87BE0DF679C2}"/>
+                </a:ext>
+              </a:extLst>
+            </p:cNvPr>
+            <p:cNvPicPr>
+              <a:picLocks noChangeAspect="1"/>
+            </p:cNvPicPr>
+            <p:nvPr/>
+          </p:nvPicPr>
+          <p:blipFill>
+            <a:blip r:embed="rId6">
+              <a:extLst>
+                <a:ext uri="{28A0092B-C50C-407E-A947-70E740481C1C}">
+                  <a14:useLocalDpi xmlns:a14="http://schemas.microsoft.com/office/drawing/2010/main" val="0"/>
+                </a:ext>
+                <a:ext uri="{96DAC541-7B7A-43D3-8B79-37D633B846F1}">
+                  <asvg:svgBlip xmlns:asvg="http://schemas.microsoft.com/office/drawing/2016/SVG/main" r:embed="rId7"/>
+                </a:ext>
+              </a:extLst>
+            </a:blip>
+            <a:stretch>
+              <a:fillRect/>
+            </a:stretch>
+          </p:blipFill>
+          <p:spPr>
+            <a:xfrm>
+              <a:off x="3445322" y="495954"/>
+              <a:ext cx="476278" cy="475248"/>
             </a:xfrm>
             <a:prstGeom prst="rect">
               <a:avLst/>
@@ -5039,67 +5384,25 @@
         </p:pic>
         <p:sp>
           <p:nvSpPr>
-            <p:cNvPr id="98" name="TextBox 97">
+            <p:cNvPr id="17" name="Rectangle 16">
               <a:extLst>
                 <a:ext uri="{FF2B5EF4-FFF2-40B4-BE49-F238E27FC236}">
-                  <a16:creationId xmlns:a16="http://schemas.microsoft.com/office/drawing/2014/main" id="{C027370F-08C9-4CFA-A4B0-D49DEC7C58AA}"/>
+                  <a16:creationId xmlns:a16="http://schemas.microsoft.com/office/drawing/2014/main" id="{5DE6F656-CD18-46C2-80C6-6C8214C316A9}"/>
                 </a:ext>
               </a:extLst>
             </p:cNvPr>
-            <p:cNvSpPr txBox="1"/>
+            <p:cNvSpPr>
+              <a:spLocks noChangeAspect="1"/>
+            </p:cNvSpPr>
             <p:nvPr/>
           </p:nvSpPr>
           <p:spPr>
             <a:xfrm>
-              <a:off x="8209215" y="1196477"/>
-              <a:ext cx="642499" cy="224080"/>
+              <a:off x="2514834" y="593011"/>
+              <a:ext cx="280420" cy="279813"/>
             </a:xfrm>
             <a:prstGeom prst="rect">
               <a:avLst/>
-            </a:prstGeom>
-            <a:noFill/>
-          </p:spPr>
-          <p:txBody>
-            <a:bodyPr wrap="square" tIns="91440" rtlCol="0">
-              <a:spAutoFit/>
-            </a:bodyPr>
-            <a:lstStyle/>
-            <a:p>
-              <a:r>
-                <a:rPr lang="en-US" sz="1200" dirty="0">
-                  <a:solidFill>
-                    <a:schemeClr val="bg1">
-                      <a:lumMod val="95000"/>
-                    </a:schemeClr>
-                  </a:solidFill>
-                  <a:latin typeface="Graphik" panose="020B0503030202060203" pitchFamily="34" charset="0"/>
-                </a:rPr>
-                <a:t> Export as</a:t>
-              </a:r>
-            </a:p>
-          </p:txBody>
-        </p:sp>
-        <p:sp>
-          <p:nvSpPr>
-            <p:cNvPr id="99" name="Rectangle: Rounded Corners 98">
-              <a:extLst>
-                <a:ext uri="{FF2B5EF4-FFF2-40B4-BE49-F238E27FC236}">
-                  <a16:creationId xmlns:a16="http://schemas.microsoft.com/office/drawing/2014/main" id="{86BB3C22-4B03-4B94-BFBE-4D61E75F6EA9}"/>
-                </a:ext>
-              </a:extLst>
-            </p:cNvPr>
-            <p:cNvSpPr/>
-            <p:nvPr/>
-          </p:nvSpPr>
-          <p:spPr>
-            <a:xfrm>
-              <a:off x="8307533" y="1472637"/>
-              <a:ext cx="605485" cy="122424"/>
-            </a:xfrm>
-            <a:prstGeom prst="roundRect">
-              <a:avLst>
-                <a:gd name="adj" fmla="val 8435"/>
-              </a:avLst>
             </a:prstGeom>
             <a:solidFill>
               <a:schemeClr val="bg1">
@@ -5127,47 +5430,82 @@
             </a:fontRef>
           </p:style>
           <p:txBody>
-            <a:bodyPr rtlCol="0" anchor="ctr"/>
+            <a:bodyPr rot="0" spcFirstLastPara="0" vertOverflow="overflow" horzOverflow="overflow" vert="horz" wrap="square" lIns="68580" tIns="34290" rIns="68580" bIns="34290" numCol="1" spcCol="0" rtlCol="0" fromWordArt="0" anchor="ctr" anchorCtr="0" forceAA="0" compatLnSpc="1">
+              <a:prstTxWarp prst="textNoShape">
+                <a:avLst/>
+              </a:prstTxWarp>
+              <a:noAutofit/>
+            </a:bodyPr>
             <a:lstStyle/>
             <a:p>
               <a:pPr algn="ctr"/>
-              <a:r>
-                <a:rPr lang="en-US" sz="800" dirty="0">
-                  <a:solidFill>
-                    <a:srgbClr val="696969"/>
-                  </a:solidFill>
-                </a:rPr>
-                <a:t>Filename</a:t>
-              </a:r>
+              <a:endParaRPr lang="en-US" sz="1350"/>
             </a:p>
           </p:txBody>
         </p:sp>
-        <p:sp>
-          <p:nvSpPr>
-            <p:cNvPr id="101" name="Rectangle: Rounded Corners 100">
+        <p:pic>
+          <p:nvPicPr>
+            <p:cNvPr id="18" name="Graphic 17" descr="Pause">
               <a:extLst>
                 <a:ext uri="{FF2B5EF4-FFF2-40B4-BE49-F238E27FC236}">
-                  <a16:creationId xmlns:a16="http://schemas.microsoft.com/office/drawing/2014/main" id="{62B3380C-3A20-475B-B2F2-AC3350EC2728}"/>
+                  <a16:creationId xmlns:a16="http://schemas.microsoft.com/office/drawing/2014/main" id="{11BAABD2-94CE-40B6-97D3-75080043929C}"/>
                 </a:ext>
               </a:extLst>
             </p:cNvPr>
-            <p:cNvSpPr/>
+            <p:cNvPicPr>
+              <a:picLocks noChangeAspect="1"/>
+            </p:cNvPicPr>
+            <p:nvPr/>
+          </p:nvPicPr>
+          <p:blipFill>
+            <a:blip r:embed="rId8">
+              <a:extLst>
+                <a:ext uri="{28A0092B-C50C-407E-A947-70E740481C1C}">
+                  <a14:useLocalDpi xmlns:a14="http://schemas.microsoft.com/office/drawing/2010/main" val="0"/>
+                </a:ext>
+                <a:ext uri="{96DAC541-7B7A-43D3-8B79-37D633B846F1}">
+                  <asvg:svgBlip xmlns:asvg="http://schemas.microsoft.com/office/drawing/2016/SVG/main" r:embed="rId9"/>
+                </a:ext>
+              </a:extLst>
+            </a:blip>
+            <a:stretch>
+              <a:fillRect/>
+            </a:stretch>
+          </p:blipFill>
+          <p:spPr>
+            <a:xfrm>
+              <a:off x="2001846" y="550258"/>
+              <a:ext cx="361286" cy="360505"/>
+            </a:xfrm>
+            <a:prstGeom prst="rect">
+              <a:avLst/>
+            </a:prstGeom>
+          </p:spPr>
+        </p:pic>
+        <p:sp>
+          <p:nvSpPr>
+            <p:cNvPr id="19" name="Flowchart: Connector 18">
+              <a:extLst>
+                <a:ext uri="{FF2B5EF4-FFF2-40B4-BE49-F238E27FC236}">
+                  <a16:creationId xmlns:a16="http://schemas.microsoft.com/office/drawing/2014/main" id="{CF2712C8-79E2-439D-A4F2-1E7578B8D892}"/>
+                </a:ext>
+              </a:extLst>
+            </p:cNvPr>
+            <p:cNvSpPr>
+              <a:spLocks noChangeAspect="1"/>
+            </p:cNvSpPr>
             <p:nvPr/>
           </p:nvSpPr>
           <p:spPr>
             <a:xfrm>
-              <a:off x="8922255" y="1472635"/>
-              <a:ext cx="264649" cy="674544"/>
+              <a:off x="1547206" y="582429"/>
+              <a:ext cx="318233" cy="317544"/>
             </a:xfrm>
-            <a:prstGeom prst="roundRect">
-              <a:avLst>
-                <a:gd name="adj" fmla="val 4423"/>
-              </a:avLst>
+            <a:prstGeom prst="flowChartConnector">
+              <a:avLst/>
             </a:prstGeom>
             <a:solidFill>
-              <a:schemeClr val="bg1">
-                <a:lumMod val="95000"/>
-              </a:schemeClr>
+              <a:srgbClr val="C24646"/>
             </a:solidFill>
             <a:ln>
               <a:noFill/>
@@ -5190,149 +5528,48 @@
             </a:fontRef>
           </p:style>
           <p:txBody>
-            <a:bodyPr lIns="9144" tIns="9144" rtlCol="0" anchor="t" anchorCtr="0"/>
+            <a:bodyPr rot="0" spcFirstLastPara="0" vertOverflow="overflow" horzOverflow="overflow" vert="horz" wrap="square" lIns="68580" tIns="34290" rIns="68580" bIns="34290" numCol="1" spcCol="0" rtlCol="0" fromWordArt="0" anchor="ctr" anchorCtr="0" forceAA="0" compatLnSpc="1">
+              <a:prstTxWarp prst="textNoShape">
+                <a:avLst/>
+              </a:prstTxWarp>
+              <a:noAutofit/>
+            </a:bodyPr>
             <a:lstStyle/>
             <a:p>
-              <a:r>
-                <a:rPr lang="en-US" sz="800" dirty="0">
-                  <a:solidFill>
-                    <a:srgbClr val="696969"/>
-                  </a:solidFill>
-                </a:rPr>
-                <a:t>.mp3</a:t>
-              </a:r>
-            </a:p>
-            <a:p>
-              <a:r>
-                <a:rPr lang="en-US" sz="800" dirty="0">
-                  <a:solidFill>
-                    <a:srgbClr val="696969"/>
-                  </a:solidFill>
-                </a:rPr>
-                <a:t>.wav</a:t>
-              </a:r>
-            </a:p>
-            <a:p>
-              <a:r>
-                <a:rPr lang="en-US" sz="800" dirty="0">
-                  <a:solidFill>
-                    <a:srgbClr val="696969"/>
-                  </a:solidFill>
-                </a:rPr>
-                <a:t>.</a:t>
-              </a:r>
-              <a:r>
-                <a:rPr lang="en-US" sz="800" dirty="0" err="1">
-                  <a:solidFill>
-                    <a:srgbClr val="696969"/>
-                  </a:solidFill>
-                </a:rPr>
-                <a:t>flac</a:t>
-              </a:r>
-              <a:endParaRPr lang="en-US" sz="800" dirty="0">
-                <a:solidFill>
-                  <a:srgbClr val="696969"/>
-                </a:solidFill>
-              </a:endParaRPr>
-            </a:p>
-            <a:p>
-              <a:r>
-                <a:rPr lang="en-US" sz="800" dirty="0">
-                  <a:solidFill>
-                    <a:srgbClr val="696969"/>
-                  </a:solidFill>
-                </a:rPr>
-                <a:t>.</a:t>
-              </a:r>
-              <a:r>
-                <a:rPr lang="en-US" sz="800" dirty="0" err="1">
-                  <a:solidFill>
-                    <a:srgbClr val="696969"/>
-                  </a:solidFill>
-                </a:rPr>
-                <a:t>aiff</a:t>
-              </a:r>
-              <a:endParaRPr lang="en-US" sz="800" dirty="0">
-                <a:solidFill>
-                  <a:srgbClr val="696969"/>
-                </a:solidFill>
-              </a:endParaRPr>
-            </a:p>
-            <a:p>
-              <a:r>
-                <a:rPr lang="en-US" sz="800" dirty="0">
-                  <a:solidFill>
-                    <a:srgbClr val="696969"/>
-                  </a:solidFill>
-                </a:rPr>
-                <a:t>.pcm</a:t>
-              </a:r>
-            </a:p>
-            <a:p>
-              <a:r>
-                <a:rPr lang="en-US" sz="800" dirty="0">
-                  <a:solidFill>
-                    <a:srgbClr val="696969"/>
-                  </a:solidFill>
-                </a:rPr>
-                <a:t>.AAC</a:t>
-              </a:r>
-            </a:p>
-            <a:p>
-              <a:r>
-                <a:rPr lang="en-US" sz="800" dirty="0">
-                  <a:solidFill>
-                    <a:srgbClr val="696969"/>
-                  </a:solidFill>
-                </a:rPr>
-                <a:t>.WMA</a:t>
-              </a:r>
-            </a:p>
-            <a:p>
-              <a:r>
-                <a:rPr lang="en-US" sz="800" dirty="0">
-                  <a:solidFill>
-                    <a:srgbClr val="696969"/>
-                  </a:solidFill>
-                </a:rPr>
-                <a:t>.DSD</a:t>
-              </a:r>
-            </a:p>
-            <a:p>
               <a:pPr algn="ctr"/>
-              <a:endParaRPr lang="en-US" sz="500" dirty="0">
-                <a:solidFill>
-                  <a:srgbClr val="696969"/>
-                </a:solidFill>
-              </a:endParaRPr>
+              <a:endParaRPr lang="en-US" sz="1350" dirty="0"/>
             </a:p>
           </p:txBody>
         </p:sp>
       </p:grpSp>
       <p:sp>
         <p:nvSpPr>
-          <p:cNvPr id="103" name="Rectangle: Rounded Corners 102">
+          <p:cNvPr id="27" name="Rectangle: Rounded Corners 26">
             <a:extLst>
               <a:ext uri="{FF2B5EF4-FFF2-40B4-BE49-F238E27FC236}">
-                <a16:creationId xmlns:a16="http://schemas.microsoft.com/office/drawing/2014/main" id="{2F583946-214C-4CE9-B689-5F9F9F3C71A7}"/>
+                <a16:creationId xmlns:a16="http://schemas.microsoft.com/office/drawing/2014/main" id="{6A6978BA-4FCF-46A6-8FBC-A2A4A28DE067}"/>
               </a:ext>
             </a:extLst>
           </p:cNvPr>
-          <p:cNvSpPr/>
+          <p:cNvSpPr>
+            <a:spLocks noChangeAspect="1"/>
+          </p:cNvSpPr>
           <p:nvPr/>
         </p:nvSpPr>
         <p:spPr>
           <a:xfrm>
-            <a:off x="9109558" y="1574526"/>
-            <a:ext cx="18288" cy="365760"/>
+            <a:off x="3194244" y="77894"/>
+            <a:ext cx="335387" cy="336222"/>
           </a:xfrm>
           <a:prstGeom prst="roundRect">
-            <a:avLst/>
+            <a:avLst>
+              <a:gd name="adj" fmla="val 5340"/>
+            </a:avLst>
           </a:prstGeom>
           <a:solidFill>
             <a:srgbClr val="696969"/>
           </a:solidFill>
-          <a:ln w="0">
+          <a:ln>
             <a:noFill/>
           </a:ln>
         </p:spPr>
@@ -5353,18 +5590,1308 @@
           </a:fontRef>
         </p:style>
         <p:txBody>
-          <a:bodyPr rtlCol="0" anchor="ctr"/>
+          <a:bodyPr rot="0" spcFirstLastPara="0" vertOverflow="overflow" horzOverflow="overflow" vert="horz" wrap="square" lIns="68580" tIns="34290" rIns="68580" bIns="34290" numCol="1" spcCol="0" rtlCol="0" fromWordArt="0" anchor="ctr" anchorCtr="0" forceAA="0" compatLnSpc="1">
+            <a:prstTxWarp prst="textNoShape">
+              <a:avLst/>
+            </a:prstTxWarp>
+            <a:noAutofit/>
+          </a:bodyPr>
           <a:lstStyle/>
           <a:p>
             <a:pPr algn="ctr"/>
-            <a:endParaRPr lang="en-US"/>
+            <a:r>
+              <a:rPr lang="en-US" sz="1000" spc="-113" dirty="0">
+                <a:latin typeface="Graphik" panose="020B0503030202060203" pitchFamily="34" charset="0"/>
+              </a:rPr>
+              <a:t>120</a:t>
+            </a:r>
           </a:p>
         </p:txBody>
       </p:sp>
+      <p:grpSp>
+        <p:nvGrpSpPr>
+          <p:cNvPr id="59" name="Group 58">
+            <a:extLst>
+              <a:ext uri="{FF2B5EF4-FFF2-40B4-BE49-F238E27FC236}">
+                <a16:creationId xmlns:a16="http://schemas.microsoft.com/office/drawing/2014/main" id="{44F118C7-A3D3-46AB-8BBF-5D1D1CE66072}"/>
+              </a:ext>
+            </a:extLst>
+          </p:cNvPr>
+          <p:cNvGrpSpPr>
+            <a:grpSpLocks noChangeAspect="1"/>
+          </p:cNvGrpSpPr>
+          <p:nvPr/>
+        </p:nvGrpSpPr>
+        <p:grpSpPr>
+          <a:xfrm>
+            <a:off x="3881684" y="1429740"/>
+            <a:ext cx="438170" cy="422459"/>
+            <a:chOff x="3671077" y="1426167"/>
+            <a:chExt cx="646150" cy="622982"/>
+          </a:xfrm>
+        </p:grpSpPr>
+        <p:sp>
+          <p:nvSpPr>
+            <p:cNvPr id="28" name="Rectangle: Rounded Corners 27">
+              <a:extLst>
+                <a:ext uri="{FF2B5EF4-FFF2-40B4-BE49-F238E27FC236}">
+                  <a16:creationId xmlns:a16="http://schemas.microsoft.com/office/drawing/2014/main" id="{C87A18D4-5DE2-4D02-9221-35822A418E83}"/>
+                </a:ext>
+              </a:extLst>
+            </p:cNvPr>
+            <p:cNvSpPr/>
+            <p:nvPr/>
+          </p:nvSpPr>
+          <p:spPr>
+            <a:xfrm>
+              <a:off x="3706865" y="1437267"/>
+              <a:ext cx="610362" cy="611882"/>
+            </a:xfrm>
+            <a:prstGeom prst="roundRect">
+              <a:avLst>
+                <a:gd name="adj" fmla="val 5340"/>
+              </a:avLst>
+            </a:prstGeom>
+            <a:solidFill>
+              <a:srgbClr val="696969"/>
+            </a:solidFill>
+            <a:ln>
+              <a:noFill/>
+            </a:ln>
+          </p:spPr>
+          <p:style>
+            <a:lnRef idx="2">
+              <a:schemeClr val="accent1">
+                <a:shade val="50000"/>
+              </a:schemeClr>
+            </a:lnRef>
+            <a:fillRef idx="1">
+              <a:schemeClr val="accent1"/>
+            </a:fillRef>
+            <a:effectRef idx="0">
+              <a:schemeClr val="accent1"/>
+            </a:effectRef>
+            <a:fontRef idx="minor">
+              <a:schemeClr val="lt1"/>
+            </a:fontRef>
+          </p:style>
+          <p:txBody>
+            <a:bodyPr rot="0" spcFirstLastPara="0" vertOverflow="overflow" horzOverflow="overflow" vert="horz" wrap="square" lIns="68580" tIns="34290" rIns="68580" bIns="34290" numCol="1" spcCol="0" rtlCol="0" fromWordArt="0" anchor="ctr" anchorCtr="0" forceAA="0" compatLnSpc="1">
+              <a:prstTxWarp prst="textNoShape">
+                <a:avLst/>
+              </a:prstTxWarp>
+              <a:noAutofit/>
+            </a:bodyPr>
+            <a:lstStyle/>
+            <a:p>
+              <a:pPr algn="ctr"/>
+              <a:endParaRPr lang="en-US" sz="2100" spc="-113" dirty="0">
+                <a:latin typeface="Graphik" panose="020B0503030202060203" pitchFamily="34" charset="0"/>
+              </a:endParaRPr>
+            </a:p>
+          </p:txBody>
+        </p:sp>
+        <p:sp>
+          <p:nvSpPr>
+            <p:cNvPr id="29" name="TextBox 28">
+              <a:extLst>
+                <a:ext uri="{FF2B5EF4-FFF2-40B4-BE49-F238E27FC236}">
+                  <a16:creationId xmlns:a16="http://schemas.microsoft.com/office/drawing/2014/main" id="{9A2F913B-E41D-43E4-A3A6-E595E10B1493}"/>
+                </a:ext>
+              </a:extLst>
+            </p:cNvPr>
+            <p:cNvSpPr txBox="1"/>
+            <p:nvPr/>
+          </p:nvSpPr>
+          <p:spPr>
+            <a:xfrm>
+              <a:off x="3671077" y="1426167"/>
+              <a:ext cx="301686" cy="408478"/>
+            </a:xfrm>
+            <a:prstGeom prst="rect">
+              <a:avLst/>
+            </a:prstGeom>
+            <a:noFill/>
+          </p:spPr>
+          <p:txBody>
+            <a:bodyPr wrap="square" rtlCol="0">
+              <a:spAutoFit/>
+            </a:bodyPr>
+            <a:lstStyle/>
+            <a:p>
+              <a:r>
+                <a:rPr lang="en-US" sz="1200" dirty="0">
+                  <a:solidFill>
+                    <a:schemeClr val="bg1">
+                      <a:lumMod val="95000"/>
+                    </a:schemeClr>
+                  </a:solidFill>
+                </a:rPr>
+                <a:t>7</a:t>
+              </a:r>
+            </a:p>
+          </p:txBody>
+        </p:sp>
+        <p:sp>
+          <p:nvSpPr>
+            <p:cNvPr id="30" name="TextBox 29">
+              <a:extLst>
+                <a:ext uri="{FF2B5EF4-FFF2-40B4-BE49-F238E27FC236}">
+                  <a16:creationId xmlns:a16="http://schemas.microsoft.com/office/drawing/2014/main" id="{42C81358-9B6B-4651-B9B7-DA91F7BF3ED0}"/>
+                </a:ext>
+              </a:extLst>
+            </p:cNvPr>
+            <p:cNvSpPr txBox="1"/>
+            <p:nvPr/>
+          </p:nvSpPr>
+          <p:spPr>
+            <a:xfrm>
+              <a:off x="3971848" y="1630405"/>
+              <a:ext cx="301686" cy="408478"/>
+            </a:xfrm>
+            <a:prstGeom prst="rect">
+              <a:avLst/>
+            </a:prstGeom>
+            <a:noFill/>
+          </p:spPr>
+          <p:txBody>
+            <a:bodyPr wrap="square" rtlCol="0">
+              <a:spAutoFit/>
+            </a:bodyPr>
+            <a:lstStyle/>
+            <a:p>
+              <a:r>
+                <a:rPr lang="en-US" sz="1200" dirty="0">
+                  <a:solidFill>
+                    <a:schemeClr val="bg1">
+                      <a:lumMod val="95000"/>
+                    </a:schemeClr>
+                  </a:solidFill>
+                </a:rPr>
+                <a:t>4</a:t>
+              </a:r>
+            </a:p>
+          </p:txBody>
+        </p:sp>
+        <p:cxnSp>
+          <p:nvCxnSpPr>
+            <p:cNvPr id="31" name="Straight Connector 30">
+              <a:extLst>
+                <a:ext uri="{FF2B5EF4-FFF2-40B4-BE49-F238E27FC236}">
+                  <a16:creationId xmlns:a16="http://schemas.microsoft.com/office/drawing/2014/main" id="{BEE2DA1F-AE2E-45ED-9650-16D93F6B3949}"/>
+                </a:ext>
+              </a:extLst>
+            </p:cNvPr>
+            <p:cNvCxnSpPr>
+              <a:cxnSpLocks/>
+            </p:cNvCxnSpPr>
+            <p:nvPr/>
+          </p:nvCxnSpPr>
+          <p:spPr>
+            <a:xfrm rot="18060000">
+              <a:off x="3778361" y="1741692"/>
+              <a:ext cx="455153" cy="0"/>
+            </a:xfrm>
+            <a:prstGeom prst="line">
+              <a:avLst/>
+            </a:prstGeom>
+            <a:ln w="31750">
+              <a:solidFill>
+                <a:schemeClr val="bg1">
+                  <a:lumMod val="95000"/>
+                </a:schemeClr>
+              </a:solidFill>
+            </a:ln>
+          </p:spPr>
+          <p:style>
+            <a:lnRef idx="1">
+              <a:schemeClr val="accent1"/>
+            </a:lnRef>
+            <a:fillRef idx="0">
+              <a:schemeClr val="accent1"/>
+            </a:fillRef>
+            <a:effectRef idx="0">
+              <a:schemeClr val="accent1"/>
+            </a:effectRef>
+            <a:fontRef idx="minor">
+              <a:schemeClr val="tx1"/>
+            </a:fontRef>
+          </p:style>
+        </p:cxnSp>
+      </p:grpSp>
+      <p:grpSp>
+        <p:nvGrpSpPr>
+          <p:cNvPr id="32" name="Group 31">
+            <a:extLst>
+              <a:ext uri="{FF2B5EF4-FFF2-40B4-BE49-F238E27FC236}">
+                <a16:creationId xmlns:a16="http://schemas.microsoft.com/office/drawing/2014/main" id="{4177DFDB-091A-456A-8F21-DD192E78DAD1}"/>
+              </a:ext>
+            </a:extLst>
+          </p:cNvPr>
+          <p:cNvGrpSpPr/>
+          <p:nvPr/>
+        </p:nvGrpSpPr>
+        <p:grpSpPr>
+          <a:xfrm>
+            <a:off x="4386319" y="1431505"/>
+            <a:ext cx="706316" cy="708074"/>
+            <a:chOff x="6579482" y="169738"/>
+            <a:chExt cx="941754" cy="944099"/>
+          </a:xfrm>
+        </p:grpSpPr>
+        <p:sp>
+          <p:nvSpPr>
+            <p:cNvPr id="33" name="Rectangle: Rounded Corners 32">
+              <a:extLst>
+                <a:ext uri="{FF2B5EF4-FFF2-40B4-BE49-F238E27FC236}">
+                  <a16:creationId xmlns:a16="http://schemas.microsoft.com/office/drawing/2014/main" id="{67C25E6C-3C0E-4237-B1F2-0EFC17B55ECA}"/>
+                </a:ext>
+              </a:extLst>
+            </p:cNvPr>
+            <p:cNvSpPr>
+              <a:spLocks noChangeAspect="1"/>
+            </p:cNvSpPr>
+            <p:nvPr/>
+          </p:nvSpPr>
+          <p:spPr>
+            <a:xfrm>
+              <a:off x="6579482" y="169738"/>
+              <a:ext cx="941754" cy="944099"/>
+            </a:xfrm>
+            <a:prstGeom prst="roundRect">
+              <a:avLst>
+                <a:gd name="adj" fmla="val 5340"/>
+              </a:avLst>
+            </a:prstGeom>
+            <a:solidFill>
+              <a:srgbClr val="696969"/>
+            </a:solidFill>
+            <a:ln>
+              <a:noFill/>
+            </a:ln>
+          </p:spPr>
+          <p:style>
+            <a:lnRef idx="2">
+              <a:schemeClr val="accent1">
+                <a:shade val="50000"/>
+              </a:schemeClr>
+            </a:lnRef>
+            <a:fillRef idx="1">
+              <a:schemeClr val="accent1"/>
+            </a:fillRef>
+            <a:effectRef idx="0">
+              <a:schemeClr val="accent1"/>
+            </a:effectRef>
+            <a:fontRef idx="minor">
+              <a:schemeClr val="lt1"/>
+            </a:fontRef>
+          </p:style>
+          <p:txBody>
+            <a:bodyPr rot="0" spcFirstLastPara="0" vertOverflow="overflow" horzOverflow="overflow" vert="horz" wrap="square" lIns="68580" tIns="34290" rIns="68580" bIns="34290" numCol="1" spcCol="0" rtlCol="0" fromWordArt="0" anchor="ctr" anchorCtr="0" forceAA="0" compatLnSpc="1">
+              <a:prstTxWarp prst="textNoShape">
+                <a:avLst/>
+              </a:prstTxWarp>
+              <a:noAutofit/>
+            </a:bodyPr>
+            <a:lstStyle/>
+            <a:p>
+              <a:pPr algn="ctr"/>
+              <a:endParaRPr lang="en-US" sz="2100" spc="-113" dirty="0">
+                <a:latin typeface="Graphik" panose="020B0503030202060203" pitchFamily="34" charset="0"/>
+              </a:endParaRPr>
+            </a:p>
+          </p:txBody>
+        </p:sp>
+        <p:grpSp>
+          <p:nvGrpSpPr>
+            <p:cNvPr id="34" name="Group 33">
+              <a:extLst>
+                <a:ext uri="{FF2B5EF4-FFF2-40B4-BE49-F238E27FC236}">
+                  <a16:creationId xmlns:a16="http://schemas.microsoft.com/office/drawing/2014/main" id="{B8B47D17-5095-4C00-A2CF-61CB282C6DA1}"/>
+                </a:ext>
+              </a:extLst>
+            </p:cNvPr>
+            <p:cNvGrpSpPr/>
+            <p:nvPr/>
+          </p:nvGrpSpPr>
+          <p:grpSpPr>
+            <a:xfrm>
+              <a:off x="6579482" y="169738"/>
+              <a:ext cx="941754" cy="944099"/>
+              <a:chOff x="6579482" y="169738"/>
+              <a:chExt cx="941754" cy="944099"/>
+            </a:xfrm>
+          </p:grpSpPr>
+          <p:cxnSp>
+            <p:nvCxnSpPr>
+              <p:cNvPr id="35" name="Straight Connector 34">
+                <a:extLst>
+                  <a:ext uri="{FF2B5EF4-FFF2-40B4-BE49-F238E27FC236}">
+                    <a16:creationId xmlns:a16="http://schemas.microsoft.com/office/drawing/2014/main" id="{5E24CD34-E31A-4AC4-A8FB-14E01D0A5734}"/>
+                  </a:ext>
+                </a:extLst>
+              </p:cNvPr>
+              <p:cNvCxnSpPr>
+                <a:cxnSpLocks/>
+                <a:stCxn id="33" idx="2"/>
+                <a:endCxn id="33" idx="0"/>
+              </p:cNvCxnSpPr>
+              <p:nvPr/>
+            </p:nvCxnSpPr>
+            <p:spPr>
+              <a:xfrm flipV="1">
+                <a:off x="7050359" y="169738"/>
+                <a:ext cx="0" cy="944099"/>
+              </a:xfrm>
+              <a:prstGeom prst="line">
+                <a:avLst/>
+              </a:prstGeom>
+              <a:ln w="12700">
+                <a:solidFill>
+                  <a:schemeClr val="bg1">
+                    <a:lumMod val="95000"/>
+                  </a:schemeClr>
+                </a:solidFill>
+              </a:ln>
+            </p:spPr>
+            <p:style>
+              <a:lnRef idx="1">
+                <a:schemeClr val="accent1"/>
+              </a:lnRef>
+              <a:fillRef idx="0">
+                <a:schemeClr val="accent1"/>
+              </a:fillRef>
+              <a:effectRef idx="0">
+                <a:schemeClr val="accent1"/>
+              </a:effectRef>
+              <a:fontRef idx="minor">
+                <a:schemeClr val="tx1"/>
+              </a:fontRef>
+            </p:style>
+          </p:cxnSp>
+          <p:cxnSp>
+            <p:nvCxnSpPr>
+              <p:cNvPr id="36" name="Straight Connector 35">
+                <a:extLst>
+                  <a:ext uri="{FF2B5EF4-FFF2-40B4-BE49-F238E27FC236}">
+                    <a16:creationId xmlns:a16="http://schemas.microsoft.com/office/drawing/2014/main" id="{A10050D9-53A4-4A55-9841-A9EE0150335F}"/>
+                  </a:ext>
+                </a:extLst>
+              </p:cNvPr>
+              <p:cNvCxnSpPr>
+                <a:cxnSpLocks/>
+                <a:stCxn id="33" idx="1"/>
+                <a:endCxn id="33" idx="3"/>
+              </p:cNvCxnSpPr>
+              <p:nvPr/>
+            </p:nvCxnSpPr>
+            <p:spPr>
+              <a:xfrm>
+                <a:off x="6579482" y="641788"/>
+                <a:ext cx="941754" cy="0"/>
+              </a:xfrm>
+              <a:prstGeom prst="line">
+                <a:avLst/>
+              </a:prstGeom>
+              <a:ln w="12700">
+                <a:solidFill>
+                  <a:schemeClr val="bg1">
+                    <a:lumMod val="95000"/>
+                  </a:schemeClr>
+                </a:solidFill>
+              </a:ln>
+            </p:spPr>
+            <p:style>
+              <a:lnRef idx="1">
+                <a:schemeClr val="accent1"/>
+              </a:lnRef>
+              <a:fillRef idx="0">
+                <a:schemeClr val="accent1"/>
+              </a:fillRef>
+              <a:effectRef idx="0">
+                <a:schemeClr val="accent1"/>
+              </a:effectRef>
+              <a:fontRef idx="minor">
+                <a:schemeClr val="tx1"/>
+              </a:fontRef>
+            </p:style>
+          </p:cxnSp>
+        </p:grpSp>
+      </p:grpSp>
+      <p:pic>
+        <p:nvPicPr>
+          <p:cNvPr id="37" name="Graphic 36" descr="Add">
+            <a:extLst>
+              <a:ext uri="{FF2B5EF4-FFF2-40B4-BE49-F238E27FC236}">
+                <a16:creationId xmlns:a16="http://schemas.microsoft.com/office/drawing/2014/main" id="{F7C20DDC-E840-44E0-89B8-2A073CF0C7D4}"/>
+              </a:ext>
+            </a:extLst>
+          </p:cNvPr>
+          <p:cNvPicPr>
+            <a:picLocks noChangeAspect="1"/>
+          </p:cNvPicPr>
+          <p:nvPr/>
+        </p:nvPicPr>
+        <p:blipFill>
+          <a:blip r:embed="rId10">
+            <a:extLst>
+              <a:ext uri="{28A0092B-C50C-407E-A947-70E740481C1C}">
+                <a14:useLocalDpi xmlns:a14="http://schemas.microsoft.com/office/drawing/2010/main" val="0"/>
+              </a:ext>
+              <a:ext uri="{96DAC541-7B7A-43D3-8B79-37D633B846F1}">
+                <asvg:svgBlip xmlns:asvg="http://schemas.microsoft.com/office/drawing/2016/SVG/main" r:embed="rId11"/>
+              </a:ext>
+            </a:extLst>
+          </a:blip>
+          <a:stretch>
+            <a:fillRect/>
+          </a:stretch>
+        </p:blipFill>
+        <p:spPr>
+          <a:xfrm flipH="1">
+            <a:off x="4389779" y="1437268"/>
+            <a:ext cx="342512" cy="342512"/>
+          </a:xfrm>
+          <a:prstGeom prst="rect">
+            <a:avLst/>
+          </a:prstGeom>
+        </p:spPr>
+      </p:pic>
+      <p:cxnSp>
+        <p:nvCxnSpPr>
+          <p:cNvPr id="38" name="Straight Connector 37">
+            <a:extLst>
+              <a:ext uri="{FF2B5EF4-FFF2-40B4-BE49-F238E27FC236}">
+                <a16:creationId xmlns:a16="http://schemas.microsoft.com/office/drawing/2014/main" id="{7BBA87BB-E64C-4537-B13B-A4C56383FCFF}"/>
+              </a:ext>
+            </a:extLst>
+          </p:cNvPr>
+          <p:cNvCxnSpPr>
+            <a:cxnSpLocks/>
+          </p:cNvCxnSpPr>
+          <p:nvPr/>
+        </p:nvCxnSpPr>
+        <p:spPr>
+          <a:xfrm>
+            <a:off x="4789899" y="1608523"/>
+            <a:ext cx="253974" cy="0"/>
+          </a:xfrm>
+          <a:prstGeom prst="line">
+            <a:avLst/>
+          </a:prstGeom>
+          <a:ln w="57150">
+            <a:solidFill>
+              <a:schemeClr val="bg1">
+                <a:lumMod val="95000"/>
+              </a:schemeClr>
+            </a:solidFill>
+          </a:ln>
+        </p:spPr>
+        <p:style>
+          <a:lnRef idx="1">
+            <a:schemeClr val="accent1"/>
+          </a:lnRef>
+          <a:fillRef idx="0">
+            <a:schemeClr val="accent1"/>
+          </a:fillRef>
+          <a:effectRef idx="0">
+            <a:schemeClr val="accent1"/>
+          </a:effectRef>
+          <a:fontRef idx="minor">
+            <a:schemeClr val="tx1"/>
+          </a:fontRef>
+        </p:style>
+      </p:cxnSp>
+      <p:grpSp>
+        <p:nvGrpSpPr>
+          <p:cNvPr id="39" name="Group 38">
+            <a:extLst>
+              <a:ext uri="{FF2B5EF4-FFF2-40B4-BE49-F238E27FC236}">
+                <a16:creationId xmlns:a16="http://schemas.microsoft.com/office/drawing/2014/main" id="{43F6AD0C-40FD-443A-90F3-DF4823618C13}"/>
+              </a:ext>
+            </a:extLst>
+          </p:cNvPr>
+          <p:cNvGrpSpPr/>
+          <p:nvPr/>
+        </p:nvGrpSpPr>
+        <p:grpSpPr>
+          <a:xfrm>
+            <a:off x="4459354" y="1813155"/>
+            <a:ext cx="197302" cy="252360"/>
+            <a:chOff x="6586047" y="1220721"/>
+            <a:chExt cx="263069" cy="336480"/>
+          </a:xfrm>
+        </p:grpSpPr>
+        <p:sp>
+          <p:nvSpPr>
+            <p:cNvPr id="40" name="Rectangle: Rounded Corners 39">
+              <a:extLst>
+                <a:ext uri="{FF2B5EF4-FFF2-40B4-BE49-F238E27FC236}">
+                  <a16:creationId xmlns:a16="http://schemas.microsoft.com/office/drawing/2014/main" id="{A185E4E6-3B79-4F49-B53B-96F715E3C736}"/>
+                </a:ext>
+              </a:extLst>
+            </p:cNvPr>
+            <p:cNvSpPr>
+              <a:spLocks noChangeAspect="1"/>
+            </p:cNvSpPr>
+            <p:nvPr/>
+          </p:nvSpPr>
+          <p:spPr>
+            <a:xfrm>
+              <a:off x="6586047" y="1311052"/>
+              <a:ext cx="245537" cy="246149"/>
+            </a:xfrm>
+            <a:prstGeom prst="roundRect">
+              <a:avLst>
+                <a:gd name="adj" fmla="val 5340"/>
+              </a:avLst>
+            </a:prstGeom>
+            <a:solidFill>
+              <a:srgbClr val="696969">
+                <a:alpha val="0"/>
+              </a:srgbClr>
+            </a:solidFill>
+            <a:ln w="25400">
+              <a:solidFill>
+                <a:schemeClr val="bg1">
+                  <a:lumMod val="95000"/>
+                </a:schemeClr>
+              </a:solidFill>
+            </a:ln>
+          </p:spPr>
+          <p:style>
+            <a:lnRef idx="2">
+              <a:schemeClr val="accent1">
+                <a:shade val="50000"/>
+              </a:schemeClr>
+            </a:lnRef>
+            <a:fillRef idx="1">
+              <a:schemeClr val="accent1"/>
+            </a:fillRef>
+            <a:effectRef idx="0">
+              <a:schemeClr val="accent1"/>
+            </a:effectRef>
+            <a:fontRef idx="minor">
+              <a:schemeClr val="lt1"/>
+            </a:fontRef>
+          </p:style>
+          <p:txBody>
+            <a:bodyPr rot="0" spcFirstLastPara="0" vertOverflow="overflow" horzOverflow="overflow" vert="horz" wrap="square" lIns="68580" tIns="34290" rIns="68580" bIns="34290" numCol="1" spcCol="0" rtlCol="0" fromWordArt="0" anchor="ctr" anchorCtr="0" forceAA="0" compatLnSpc="1">
+              <a:prstTxWarp prst="textNoShape">
+                <a:avLst/>
+              </a:prstTxWarp>
+              <a:noAutofit/>
+            </a:bodyPr>
+            <a:lstStyle/>
+            <a:p>
+              <a:pPr algn="ctr"/>
+              <a:endParaRPr lang="en-US" sz="2100" spc="-113" dirty="0">
+                <a:latin typeface="Graphik" panose="020B0503030202060203" pitchFamily="34" charset="0"/>
+              </a:endParaRPr>
+            </a:p>
+          </p:txBody>
+        </p:sp>
+        <p:sp>
+          <p:nvSpPr>
+            <p:cNvPr id="41" name="Rectangle 40">
+              <a:extLst>
+                <a:ext uri="{FF2B5EF4-FFF2-40B4-BE49-F238E27FC236}">
+                  <a16:creationId xmlns:a16="http://schemas.microsoft.com/office/drawing/2014/main" id="{2C0BE21F-77AB-40C2-974D-F25E6DD9D688}"/>
+                </a:ext>
+              </a:extLst>
+            </p:cNvPr>
+            <p:cNvSpPr/>
+            <p:nvPr/>
+          </p:nvSpPr>
+          <p:spPr>
+            <a:xfrm>
+              <a:off x="6699285" y="1220721"/>
+              <a:ext cx="149831" cy="151554"/>
+            </a:xfrm>
+            <a:prstGeom prst="rect">
+              <a:avLst/>
+            </a:prstGeom>
+            <a:solidFill>
+              <a:srgbClr val="696969"/>
+            </a:solidFill>
+            <a:ln>
+              <a:noFill/>
+            </a:ln>
+          </p:spPr>
+          <p:style>
+            <a:lnRef idx="2">
+              <a:schemeClr val="accent1">
+                <a:shade val="50000"/>
+              </a:schemeClr>
+            </a:lnRef>
+            <a:fillRef idx="1">
+              <a:schemeClr val="accent1"/>
+            </a:fillRef>
+            <a:effectRef idx="0">
+              <a:schemeClr val="accent1"/>
+            </a:effectRef>
+            <a:fontRef idx="minor">
+              <a:schemeClr val="lt1"/>
+            </a:fontRef>
+          </p:style>
+          <p:txBody>
+            <a:bodyPr rot="0" spcFirstLastPara="0" vertOverflow="overflow" horzOverflow="overflow" vert="horz" wrap="square" lIns="68580" tIns="34290" rIns="68580" bIns="34290" numCol="1" spcCol="0" rtlCol="0" fromWordArt="0" anchor="ctr" anchorCtr="0" forceAA="0" compatLnSpc="1">
+              <a:prstTxWarp prst="textNoShape">
+                <a:avLst/>
+              </a:prstTxWarp>
+              <a:noAutofit/>
+            </a:bodyPr>
+            <a:lstStyle/>
+            <a:p>
+              <a:pPr algn="ctr"/>
+              <a:endParaRPr lang="en-US" sz="1350"/>
+            </a:p>
+          </p:txBody>
+        </p:sp>
+        <p:cxnSp>
+          <p:nvCxnSpPr>
+            <p:cNvPr id="42" name="Straight Arrow Connector 41">
+              <a:extLst>
+                <a:ext uri="{FF2B5EF4-FFF2-40B4-BE49-F238E27FC236}">
+                  <a16:creationId xmlns:a16="http://schemas.microsoft.com/office/drawing/2014/main" id="{CBD22BB7-2B5D-479A-AC70-9D62CB044671}"/>
+                </a:ext>
+              </a:extLst>
+            </p:cNvPr>
+            <p:cNvCxnSpPr>
+              <a:cxnSpLocks/>
+            </p:cNvCxnSpPr>
+            <p:nvPr/>
+          </p:nvCxnSpPr>
+          <p:spPr>
+            <a:xfrm flipV="1">
+              <a:off x="6655841" y="1272779"/>
+              <a:ext cx="152382" cy="217696"/>
+            </a:xfrm>
+            <a:prstGeom prst="straightConnector1">
+              <a:avLst/>
+            </a:prstGeom>
+            <a:ln w="25400">
+              <a:solidFill>
+                <a:srgbClr val="F2F2F2"/>
+              </a:solidFill>
+              <a:tailEnd type="triangle"/>
+            </a:ln>
+          </p:spPr>
+          <p:style>
+            <a:lnRef idx="1">
+              <a:schemeClr val="accent1"/>
+            </a:lnRef>
+            <a:fillRef idx="0">
+              <a:schemeClr val="accent1"/>
+            </a:fillRef>
+            <a:effectRef idx="0">
+              <a:schemeClr val="accent1"/>
+            </a:effectRef>
+            <a:fontRef idx="minor">
+              <a:schemeClr val="tx1"/>
+            </a:fontRef>
+          </p:style>
+        </p:cxnSp>
+      </p:grpSp>
+      <p:pic>
+        <p:nvPicPr>
+          <p:cNvPr id="43" name="Graphic 42" descr="Disk">
+            <a:extLst>
+              <a:ext uri="{FF2B5EF4-FFF2-40B4-BE49-F238E27FC236}">
+                <a16:creationId xmlns:a16="http://schemas.microsoft.com/office/drawing/2014/main" id="{E6DB2183-3B4B-4E80-915F-091A43F0B0E8}"/>
+              </a:ext>
+            </a:extLst>
+          </p:cNvPr>
+          <p:cNvPicPr>
+            <a:picLocks noChangeAspect="1"/>
+          </p:cNvPicPr>
+          <p:nvPr/>
+        </p:nvPicPr>
+        <p:blipFill>
+          <a:blip r:embed="rId12">
+            <a:extLst>
+              <a:ext uri="{28A0092B-C50C-407E-A947-70E740481C1C}">
+                <a14:useLocalDpi xmlns:a14="http://schemas.microsoft.com/office/drawing/2010/main" val="0"/>
+              </a:ext>
+              <a:ext uri="{96DAC541-7B7A-43D3-8B79-37D633B846F1}">
+                <asvg:svgBlip xmlns:asvg="http://schemas.microsoft.com/office/drawing/2016/SVG/main" r:embed="rId13"/>
+              </a:ext>
+            </a:extLst>
+          </a:blip>
+          <a:stretch>
+            <a:fillRect/>
+          </a:stretch>
+        </p:blipFill>
+        <p:spPr>
+          <a:xfrm>
+            <a:off x="4768885" y="1818353"/>
+            <a:ext cx="296376" cy="296376"/>
+          </a:xfrm>
+          <a:prstGeom prst="rect">
+            <a:avLst/>
+          </a:prstGeom>
+        </p:spPr>
+      </p:pic>
+      <p:grpSp>
+        <p:nvGrpSpPr>
+          <p:cNvPr id="44" name="Group 43">
+            <a:extLst>
+              <a:ext uri="{FF2B5EF4-FFF2-40B4-BE49-F238E27FC236}">
+                <a16:creationId xmlns:a16="http://schemas.microsoft.com/office/drawing/2014/main" id="{A4E749A8-2357-44E9-8F8C-00F2095754A7}"/>
+              </a:ext>
+            </a:extLst>
+          </p:cNvPr>
+          <p:cNvGrpSpPr>
+            <a:grpSpLocks noChangeAspect="1"/>
+          </p:cNvGrpSpPr>
+          <p:nvPr/>
+        </p:nvGrpSpPr>
+        <p:grpSpPr>
+          <a:xfrm>
+            <a:off x="5161727" y="1429740"/>
+            <a:ext cx="917276" cy="460056"/>
+            <a:chOff x="6579482" y="169738"/>
+            <a:chExt cx="941754" cy="944099"/>
+          </a:xfrm>
+        </p:grpSpPr>
+        <p:sp>
+          <p:nvSpPr>
+            <p:cNvPr id="45" name="Rectangle: Rounded Corners 44">
+              <a:extLst>
+                <a:ext uri="{FF2B5EF4-FFF2-40B4-BE49-F238E27FC236}">
+                  <a16:creationId xmlns:a16="http://schemas.microsoft.com/office/drawing/2014/main" id="{87F8DFD3-98B3-476C-9774-464A41636339}"/>
+                </a:ext>
+              </a:extLst>
+            </p:cNvPr>
+            <p:cNvSpPr>
+              <a:spLocks noChangeAspect="1"/>
+            </p:cNvSpPr>
+            <p:nvPr/>
+          </p:nvSpPr>
+          <p:spPr>
+            <a:xfrm>
+              <a:off x="6579482" y="169738"/>
+              <a:ext cx="941754" cy="944099"/>
+            </a:xfrm>
+            <a:prstGeom prst="roundRect">
+              <a:avLst>
+                <a:gd name="adj" fmla="val 5340"/>
+              </a:avLst>
+            </a:prstGeom>
+            <a:solidFill>
+              <a:srgbClr val="696969"/>
+            </a:solidFill>
+            <a:ln>
+              <a:noFill/>
+            </a:ln>
+          </p:spPr>
+          <p:style>
+            <a:lnRef idx="2">
+              <a:schemeClr val="accent1">
+                <a:shade val="50000"/>
+              </a:schemeClr>
+            </a:lnRef>
+            <a:fillRef idx="1">
+              <a:schemeClr val="accent1"/>
+            </a:fillRef>
+            <a:effectRef idx="0">
+              <a:schemeClr val="accent1"/>
+            </a:effectRef>
+            <a:fontRef idx="minor">
+              <a:schemeClr val="lt1"/>
+            </a:fontRef>
+          </p:style>
+          <p:txBody>
+            <a:bodyPr rot="0" spcFirstLastPara="0" vertOverflow="overflow" horzOverflow="overflow" vert="horz" wrap="square" lIns="68580" tIns="34290" rIns="68580" bIns="34290" numCol="1" spcCol="0" rtlCol="0" fromWordArt="0" anchor="ctr" anchorCtr="0" forceAA="0" compatLnSpc="1">
+              <a:prstTxWarp prst="textNoShape">
+                <a:avLst/>
+              </a:prstTxWarp>
+              <a:noAutofit/>
+            </a:bodyPr>
+            <a:lstStyle/>
+            <a:p>
+              <a:pPr algn="ctr"/>
+              <a:endParaRPr lang="en-US" sz="2100" spc="-113" dirty="0">
+                <a:latin typeface="Graphik" panose="020B0503030202060203" pitchFamily="34" charset="0"/>
+              </a:endParaRPr>
+            </a:p>
+          </p:txBody>
+        </p:sp>
+        <p:cxnSp>
+          <p:nvCxnSpPr>
+            <p:cNvPr id="46" name="Straight Connector 45">
+              <a:extLst>
+                <a:ext uri="{FF2B5EF4-FFF2-40B4-BE49-F238E27FC236}">
+                  <a16:creationId xmlns:a16="http://schemas.microsoft.com/office/drawing/2014/main" id="{E49B7092-F7BD-4558-9C2D-4A0E4631C91F}"/>
+                </a:ext>
+              </a:extLst>
+            </p:cNvPr>
+            <p:cNvCxnSpPr>
+              <a:cxnSpLocks/>
+              <a:stCxn id="45" idx="2"/>
+              <a:endCxn id="45" idx="0"/>
+            </p:cNvCxnSpPr>
+            <p:nvPr/>
+          </p:nvCxnSpPr>
+          <p:spPr>
+            <a:xfrm flipV="1">
+              <a:off x="7050359" y="169738"/>
+              <a:ext cx="0" cy="944099"/>
+            </a:xfrm>
+            <a:prstGeom prst="line">
+              <a:avLst/>
+            </a:prstGeom>
+            <a:ln w="12700">
+              <a:solidFill>
+                <a:schemeClr val="bg1">
+                  <a:lumMod val="95000"/>
+                </a:schemeClr>
+              </a:solidFill>
+            </a:ln>
+          </p:spPr>
+          <p:style>
+            <a:lnRef idx="1">
+              <a:schemeClr val="accent1"/>
+            </a:lnRef>
+            <a:fillRef idx="0">
+              <a:schemeClr val="accent1"/>
+            </a:fillRef>
+            <a:effectRef idx="0">
+              <a:schemeClr val="accent1"/>
+            </a:effectRef>
+            <a:fontRef idx="minor">
+              <a:schemeClr val="tx1"/>
+            </a:fontRef>
+          </p:style>
+        </p:cxnSp>
+      </p:grpSp>
+      <p:pic>
+        <p:nvPicPr>
+          <p:cNvPr id="47" name="Graphic 46" descr="Line arrow Rotate left">
+            <a:extLst>
+              <a:ext uri="{FF2B5EF4-FFF2-40B4-BE49-F238E27FC236}">
+                <a16:creationId xmlns:a16="http://schemas.microsoft.com/office/drawing/2014/main" id="{9B1F1574-8071-43E9-A965-E50DDFFB06FB}"/>
+              </a:ext>
+            </a:extLst>
+          </p:cNvPr>
+          <p:cNvPicPr>
+            <a:picLocks noChangeAspect="1"/>
+          </p:cNvPicPr>
+          <p:nvPr/>
+        </p:nvPicPr>
+        <p:blipFill>
+          <a:blip r:embed="rId14">
+            <a:extLst>
+              <a:ext uri="{28A0092B-C50C-407E-A947-70E740481C1C}">
+                <a14:useLocalDpi xmlns:a14="http://schemas.microsoft.com/office/drawing/2010/main" val="0"/>
+              </a:ext>
+              <a:ext uri="{96DAC541-7B7A-43D3-8B79-37D633B846F1}">
+                <asvg:svgBlip xmlns:asvg="http://schemas.microsoft.com/office/drawing/2016/SVG/main" r:embed="rId15"/>
+              </a:ext>
+            </a:extLst>
+          </a:blip>
+          <a:stretch>
+            <a:fillRect/>
+          </a:stretch>
+        </p:blipFill>
+        <p:spPr>
+          <a:xfrm>
+            <a:off x="5175457" y="1480973"/>
+            <a:ext cx="357591" cy="357591"/>
+          </a:xfrm>
+          <a:prstGeom prst="rect">
+            <a:avLst/>
+          </a:prstGeom>
+        </p:spPr>
+      </p:pic>
+      <p:pic>
+        <p:nvPicPr>
+          <p:cNvPr id="48" name="Graphic 47" descr="Line arrow Rotate left">
+            <a:extLst>
+              <a:ext uri="{FF2B5EF4-FFF2-40B4-BE49-F238E27FC236}">
+                <a16:creationId xmlns:a16="http://schemas.microsoft.com/office/drawing/2014/main" id="{C3D383E7-7ACD-4DDF-8359-7844AA31B159}"/>
+              </a:ext>
+            </a:extLst>
+          </p:cNvPr>
+          <p:cNvPicPr>
+            <a:picLocks noChangeAspect="1"/>
+          </p:cNvPicPr>
+          <p:nvPr/>
+        </p:nvPicPr>
+        <p:blipFill>
+          <a:blip r:embed="rId14">
+            <a:extLst>
+              <a:ext uri="{28A0092B-C50C-407E-A947-70E740481C1C}">
+                <a14:useLocalDpi xmlns:a14="http://schemas.microsoft.com/office/drawing/2010/main" val="0"/>
+              </a:ext>
+              <a:ext uri="{96DAC541-7B7A-43D3-8B79-37D633B846F1}">
+                <asvg:svgBlip xmlns:asvg="http://schemas.microsoft.com/office/drawing/2016/SVG/main" r:embed="rId15"/>
+              </a:ext>
+            </a:extLst>
+          </a:blip>
+          <a:stretch>
+            <a:fillRect/>
+          </a:stretch>
+        </p:blipFill>
+        <p:spPr>
+          <a:xfrm flipH="1">
+            <a:off x="5637482" y="1483299"/>
+            <a:ext cx="363249" cy="357591"/>
+          </a:xfrm>
+          <a:prstGeom prst="rect">
+            <a:avLst/>
+          </a:prstGeom>
+        </p:spPr>
+      </p:pic>
+      <p:grpSp>
+        <p:nvGrpSpPr>
+          <p:cNvPr id="57" name="Group 56">
+            <a:extLst>
+              <a:ext uri="{FF2B5EF4-FFF2-40B4-BE49-F238E27FC236}">
+                <a16:creationId xmlns:a16="http://schemas.microsoft.com/office/drawing/2014/main" id="{D714018E-F49F-4C3D-B0DB-07F98B149D1E}"/>
+              </a:ext>
+            </a:extLst>
+          </p:cNvPr>
+          <p:cNvGrpSpPr>
+            <a:grpSpLocks noChangeAspect="1"/>
+          </p:cNvGrpSpPr>
+          <p:nvPr/>
+        </p:nvGrpSpPr>
+        <p:grpSpPr>
+          <a:xfrm>
+            <a:off x="19564" y="17978"/>
+            <a:ext cx="668397" cy="446709"/>
+            <a:chOff x="187652" y="427733"/>
+            <a:chExt cx="1059473" cy="708076"/>
+          </a:xfrm>
+        </p:grpSpPr>
+        <p:grpSp>
+          <p:nvGrpSpPr>
+            <p:cNvPr id="49" name="Group 48">
+              <a:extLst>
+                <a:ext uri="{FF2B5EF4-FFF2-40B4-BE49-F238E27FC236}">
+                  <a16:creationId xmlns:a16="http://schemas.microsoft.com/office/drawing/2014/main" id="{CF3E6144-A291-4655-B3F9-D840E09D56A6}"/>
+                </a:ext>
+              </a:extLst>
+            </p:cNvPr>
+            <p:cNvGrpSpPr>
+              <a:grpSpLocks noChangeAspect="1"/>
+            </p:cNvGrpSpPr>
+            <p:nvPr/>
+          </p:nvGrpSpPr>
+          <p:grpSpPr>
+            <a:xfrm>
+              <a:off x="187652" y="427733"/>
+              <a:ext cx="1059473" cy="708076"/>
+              <a:chOff x="6579482" y="169736"/>
+              <a:chExt cx="941754" cy="944101"/>
+            </a:xfrm>
+          </p:grpSpPr>
+          <p:sp>
+            <p:nvSpPr>
+              <p:cNvPr id="50" name="Rectangle: Rounded Corners 49">
+                <a:extLst>
+                  <a:ext uri="{FF2B5EF4-FFF2-40B4-BE49-F238E27FC236}">
+                    <a16:creationId xmlns:a16="http://schemas.microsoft.com/office/drawing/2014/main" id="{4A75F541-FB9E-4093-8B7B-05CA033E73A6}"/>
+                  </a:ext>
+                </a:extLst>
+              </p:cNvPr>
+              <p:cNvSpPr>
+                <a:spLocks noChangeAspect="1"/>
+              </p:cNvSpPr>
+              <p:nvPr/>
+            </p:nvSpPr>
+            <p:spPr>
+              <a:xfrm>
+                <a:off x="6579482" y="169738"/>
+                <a:ext cx="941754" cy="944099"/>
+              </a:xfrm>
+              <a:prstGeom prst="roundRect">
+                <a:avLst>
+                  <a:gd name="adj" fmla="val 5340"/>
+                </a:avLst>
+              </a:prstGeom>
+              <a:solidFill>
+                <a:srgbClr val="696969"/>
+              </a:solidFill>
+              <a:ln>
+                <a:noFill/>
+              </a:ln>
+            </p:spPr>
+            <p:style>
+              <a:lnRef idx="2">
+                <a:schemeClr val="accent1">
+                  <a:shade val="50000"/>
+                </a:schemeClr>
+              </a:lnRef>
+              <a:fillRef idx="1">
+                <a:schemeClr val="accent1"/>
+              </a:fillRef>
+              <a:effectRef idx="0">
+                <a:schemeClr val="accent1"/>
+              </a:effectRef>
+              <a:fontRef idx="minor">
+                <a:schemeClr val="lt1"/>
+              </a:fontRef>
+            </p:style>
+            <p:txBody>
+              <a:bodyPr rot="0" spcFirstLastPara="0" vertOverflow="overflow" horzOverflow="overflow" vert="horz" wrap="square" lIns="68580" tIns="34290" rIns="68580" bIns="34290" numCol="1" spcCol="0" rtlCol="0" fromWordArt="0" anchor="ctr" anchorCtr="0" forceAA="0" compatLnSpc="1">
+                <a:prstTxWarp prst="textNoShape">
+                  <a:avLst/>
+                </a:prstTxWarp>
+                <a:noAutofit/>
+              </a:bodyPr>
+              <a:lstStyle/>
+              <a:p>
+                <a:pPr algn="ctr"/>
+                <a:endParaRPr lang="en-US" sz="2100" spc="-113" dirty="0">
+                  <a:latin typeface="Graphik" panose="020B0503030202060203" pitchFamily="34" charset="0"/>
+                </a:endParaRPr>
+              </a:p>
+            </p:txBody>
+          </p:sp>
+          <p:grpSp>
+            <p:nvGrpSpPr>
+              <p:cNvPr id="51" name="Group 50">
+                <a:extLst>
+                  <a:ext uri="{FF2B5EF4-FFF2-40B4-BE49-F238E27FC236}">
+                    <a16:creationId xmlns:a16="http://schemas.microsoft.com/office/drawing/2014/main" id="{F820106F-EC44-4CF5-B76D-CD0D1D23F469}"/>
+                  </a:ext>
+                </a:extLst>
+              </p:cNvPr>
+              <p:cNvGrpSpPr/>
+              <p:nvPr/>
+            </p:nvGrpSpPr>
+            <p:grpSpPr>
+              <a:xfrm>
+                <a:off x="6579482" y="169736"/>
+                <a:ext cx="941754" cy="944100"/>
+                <a:chOff x="6579482" y="169736"/>
+                <a:chExt cx="941754" cy="944100"/>
+              </a:xfrm>
+            </p:grpSpPr>
+            <p:cxnSp>
+              <p:nvCxnSpPr>
+                <p:cNvPr id="52" name="Straight Connector 51">
+                  <a:extLst>
+                    <a:ext uri="{FF2B5EF4-FFF2-40B4-BE49-F238E27FC236}">
+                      <a16:creationId xmlns:a16="http://schemas.microsoft.com/office/drawing/2014/main" id="{C72F9987-4DF3-4539-841A-C31A5EAFD096}"/>
+                    </a:ext>
+                  </a:extLst>
+                </p:cNvPr>
+                <p:cNvCxnSpPr>
+                  <a:cxnSpLocks/>
+                </p:cNvCxnSpPr>
+                <p:nvPr/>
+              </p:nvCxnSpPr>
+              <p:spPr>
+                <a:xfrm flipV="1">
+                  <a:off x="6893400" y="169737"/>
+                  <a:ext cx="0" cy="944099"/>
+                </a:xfrm>
+                <a:prstGeom prst="line">
+                  <a:avLst/>
+                </a:prstGeom>
+                <a:ln w="12700">
+                  <a:solidFill>
+                    <a:schemeClr val="bg1">
+                      <a:lumMod val="95000"/>
+                    </a:schemeClr>
+                  </a:solidFill>
+                </a:ln>
+              </p:spPr>
+              <p:style>
+                <a:lnRef idx="1">
+                  <a:schemeClr val="accent1"/>
+                </a:lnRef>
+                <a:fillRef idx="0">
+                  <a:schemeClr val="accent1"/>
+                </a:fillRef>
+                <a:effectRef idx="0">
+                  <a:schemeClr val="accent1"/>
+                </a:effectRef>
+                <a:fontRef idx="minor">
+                  <a:schemeClr val="tx1"/>
+                </a:fontRef>
+              </p:style>
+            </p:cxnSp>
+            <p:cxnSp>
+              <p:nvCxnSpPr>
+                <p:cNvPr id="53" name="Straight Connector 52">
+                  <a:extLst>
+                    <a:ext uri="{FF2B5EF4-FFF2-40B4-BE49-F238E27FC236}">
+                      <a16:creationId xmlns:a16="http://schemas.microsoft.com/office/drawing/2014/main" id="{BD29B6D9-0ACE-4662-B20F-6740FB3737EB}"/>
+                    </a:ext>
+                  </a:extLst>
+                </p:cNvPr>
+                <p:cNvCxnSpPr>
+                  <a:cxnSpLocks/>
+                  <a:stCxn id="50" idx="1"/>
+                  <a:endCxn id="50" idx="3"/>
+                </p:cNvCxnSpPr>
+                <p:nvPr/>
+              </p:nvCxnSpPr>
+              <p:spPr>
+                <a:xfrm>
+                  <a:off x="6579482" y="641788"/>
+                  <a:ext cx="941754" cy="0"/>
+                </a:xfrm>
+                <a:prstGeom prst="line">
+                  <a:avLst/>
+                </a:prstGeom>
+                <a:ln w="12700">
+                  <a:solidFill>
+                    <a:schemeClr val="bg1">
+                      <a:lumMod val="95000"/>
+                    </a:schemeClr>
+                  </a:solidFill>
+                </a:ln>
+              </p:spPr>
+              <p:style>
+                <a:lnRef idx="1">
+                  <a:schemeClr val="accent1"/>
+                </a:lnRef>
+                <a:fillRef idx="0">
+                  <a:schemeClr val="accent1"/>
+                </a:fillRef>
+                <a:effectRef idx="0">
+                  <a:schemeClr val="accent1"/>
+                </a:effectRef>
+                <a:fontRef idx="minor">
+                  <a:schemeClr val="tx1"/>
+                </a:fontRef>
+              </p:style>
+            </p:cxnSp>
+            <p:cxnSp>
+              <p:nvCxnSpPr>
+                <p:cNvPr id="54" name="Straight Connector 53">
+                  <a:extLst>
+                    <a:ext uri="{FF2B5EF4-FFF2-40B4-BE49-F238E27FC236}">
+                      <a16:creationId xmlns:a16="http://schemas.microsoft.com/office/drawing/2014/main" id="{0C838EB6-0ED1-49AA-A605-D301D5542564}"/>
+                    </a:ext>
+                  </a:extLst>
+                </p:cNvPr>
+                <p:cNvCxnSpPr>
+                  <a:cxnSpLocks/>
+                </p:cNvCxnSpPr>
+                <p:nvPr/>
+              </p:nvCxnSpPr>
+              <p:spPr>
+                <a:xfrm flipV="1">
+                  <a:off x="7207318" y="169736"/>
+                  <a:ext cx="0" cy="944099"/>
+                </a:xfrm>
+                <a:prstGeom prst="line">
+                  <a:avLst/>
+                </a:prstGeom>
+                <a:ln w="12700">
+                  <a:solidFill>
+                    <a:schemeClr val="bg1">
+                      <a:lumMod val="95000"/>
+                    </a:schemeClr>
+                  </a:solidFill>
+                </a:ln>
+              </p:spPr>
+              <p:style>
+                <a:lnRef idx="1">
+                  <a:schemeClr val="accent1"/>
+                </a:lnRef>
+                <a:fillRef idx="0">
+                  <a:schemeClr val="accent1"/>
+                </a:fillRef>
+                <a:effectRef idx="0">
+                  <a:schemeClr val="accent1"/>
+                </a:effectRef>
+                <a:fontRef idx="minor">
+                  <a:schemeClr val="tx1"/>
+                </a:fontRef>
+              </p:style>
+            </p:cxnSp>
+          </p:grpSp>
+        </p:grpSp>
+        <p:pic>
+          <p:nvPicPr>
+            <p:cNvPr id="55" name="Graphic 54" descr="Scissors">
+              <a:extLst>
+                <a:ext uri="{FF2B5EF4-FFF2-40B4-BE49-F238E27FC236}">
+                  <a16:creationId xmlns:a16="http://schemas.microsoft.com/office/drawing/2014/main" id="{EBE4FABC-5475-4520-A388-DE4670149E8C}"/>
+                </a:ext>
+              </a:extLst>
+            </p:cNvPr>
+            <p:cNvPicPr>
+              <a:picLocks noChangeAspect="1"/>
+            </p:cNvPicPr>
+            <p:nvPr/>
+          </p:nvPicPr>
+          <p:blipFill>
+            <a:blip r:embed="rId16">
+              <a:extLst>
+                <a:ext uri="{28A0092B-C50C-407E-A947-70E740481C1C}">
+                  <a14:useLocalDpi xmlns:a14="http://schemas.microsoft.com/office/drawing/2010/main" val="0"/>
+                </a:ext>
+                <a:ext uri="{96DAC541-7B7A-43D3-8B79-37D633B846F1}">
+                  <asvg:svgBlip xmlns:asvg="http://schemas.microsoft.com/office/drawing/2016/SVG/main" r:embed="rId17"/>
+                </a:ext>
+              </a:extLst>
+            </a:blip>
+            <a:stretch>
+              <a:fillRect/>
+            </a:stretch>
+          </p:blipFill>
+          <p:spPr>
+            <a:xfrm rot="8043518">
+              <a:off x="208043" y="464951"/>
+              <a:ext cx="309305" cy="309305"/>
+            </a:xfrm>
+            <a:prstGeom prst="rect">
+              <a:avLst/>
+            </a:prstGeom>
+          </p:spPr>
+        </p:pic>
+        <p:pic>
+          <p:nvPicPr>
+            <p:cNvPr id="56" name="Graphic 55" descr="Magnifying glass">
+              <a:extLst>
+                <a:ext uri="{FF2B5EF4-FFF2-40B4-BE49-F238E27FC236}">
+                  <a16:creationId xmlns:a16="http://schemas.microsoft.com/office/drawing/2014/main" id="{00153CDB-1702-4A62-A4D5-999042F78649}"/>
+                </a:ext>
+              </a:extLst>
+            </p:cNvPr>
+            <p:cNvPicPr>
+              <a:picLocks noChangeAspect="1"/>
+            </p:cNvPicPr>
+            <p:nvPr/>
+          </p:nvPicPr>
+          <p:blipFill>
+            <a:blip r:embed="rId18">
+              <a:extLst>
+                <a:ext uri="{28A0092B-C50C-407E-A947-70E740481C1C}">
+                  <a14:useLocalDpi xmlns:a14="http://schemas.microsoft.com/office/drawing/2010/main" val="0"/>
+                </a:ext>
+                <a:ext uri="{96DAC541-7B7A-43D3-8B79-37D633B846F1}">
+                  <asvg:svgBlip xmlns:asvg="http://schemas.microsoft.com/office/drawing/2016/SVG/main" r:embed="rId19"/>
+                </a:ext>
+              </a:extLst>
+            </a:blip>
+            <a:stretch>
+              <a:fillRect/>
+            </a:stretch>
+          </p:blipFill>
+          <p:spPr>
+            <a:xfrm>
+              <a:off x="219075" y="819389"/>
+              <a:ext cx="278094" cy="278094"/>
+            </a:xfrm>
+            <a:prstGeom prst="rect">
+              <a:avLst/>
+            </a:prstGeom>
+          </p:spPr>
+        </p:pic>
+      </p:grpSp>
     </p:spTree>
     <p:extLst>
       <p:ext uri="{BB962C8B-B14F-4D97-AF65-F5344CB8AC3E}">
-        <p14:creationId xmlns:p14="http://schemas.microsoft.com/office/powerpoint/2010/main" val="3065419910"/>
+        <p14:creationId xmlns:p14="http://schemas.microsoft.com/office/powerpoint/2010/main" val="1320717576"/>
       </p:ext>
     </p:extLst>
   </p:cSld>
@@ -5377,7 +6904,7 @@
 <file path=ppt/theme/theme1.xml><?xml version="1.0" encoding="utf-8"?>
 <a:theme xmlns:a="http://schemas.openxmlformats.org/drawingml/2006/main" name="Office Theme">
   <a:themeElements>
-    <a:clrScheme name="Office">
+    <a:clrScheme name="Office Theme">
       <a:dk1>
         <a:sysClr val="windowText" lastClr="000000"/>
       </a:dk1>
@@ -5415,7 +6942,7 @@
         <a:srgbClr val="954F72"/>
       </a:folHlink>
     </a:clrScheme>
-    <a:fontScheme name="Office">
+    <a:fontScheme name="Office Theme">
       <a:majorFont>
         <a:latin typeface="Calibri Light" panose="020F0302020204030204"/>
         <a:ea typeface=""/>
@@ -5450,23 +6977,6 @@
         <a:font script="Viet" typeface="Times New Roman"/>
         <a:font script="Uigh" typeface="Microsoft Uighur"/>
         <a:font script="Geor" typeface="Sylfaen"/>
-        <a:font script="Armn" typeface="Arial"/>
-        <a:font script="Bugi" typeface="Leelawadee UI"/>
-        <a:font script="Bopo" typeface="Microsoft JhengHei"/>
-        <a:font script="Java" typeface="Javanese Text"/>
-        <a:font script="Lisu" typeface="Segoe UI"/>
-        <a:font script="Mymr" typeface="Myanmar Text"/>
-        <a:font script="Nkoo" typeface="Ebrima"/>
-        <a:font script="Olck" typeface="Nirmala UI"/>
-        <a:font script="Osma" typeface="Ebrima"/>
-        <a:font script="Phag" typeface="Phagspa"/>
-        <a:font script="Syrn" typeface="Estrangelo Edessa"/>
-        <a:font script="Syrj" typeface="Estrangelo Edessa"/>
-        <a:font script="Syre" typeface="Estrangelo Edessa"/>
-        <a:font script="Sora" typeface="Nirmala UI"/>
-        <a:font script="Tale" typeface="Microsoft Tai Le"/>
-        <a:font script="Talu" typeface="Microsoft New Tai Lue"/>
-        <a:font script="Tfng" typeface="Ebrima"/>
       </a:majorFont>
       <a:minorFont>
         <a:latin typeface="Calibri" panose="020F0502020204030204"/>
@@ -5502,26 +7012,9 @@
         <a:font script="Viet" typeface="Arial"/>
         <a:font script="Uigh" typeface="Microsoft Uighur"/>
         <a:font script="Geor" typeface="Sylfaen"/>
-        <a:font script="Armn" typeface="Arial"/>
-        <a:font script="Bugi" typeface="Leelawadee UI"/>
-        <a:font script="Bopo" typeface="Microsoft JhengHei"/>
-        <a:font script="Java" typeface="Javanese Text"/>
-        <a:font script="Lisu" typeface="Segoe UI"/>
-        <a:font script="Mymr" typeface="Myanmar Text"/>
-        <a:font script="Nkoo" typeface="Ebrima"/>
-        <a:font script="Olck" typeface="Nirmala UI"/>
-        <a:font script="Osma" typeface="Ebrima"/>
-        <a:font script="Phag" typeface="Phagspa"/>
-        <a:font script="Syrn" typeface="Estrangelo Edessa"/>
-        <a:font script="Syrj" typeface="Estrangelo Edessa"/>
-        <a:font script="Syre" typeface="Estrangelo Edessa"/>
-        <a:font script="Sora" typeface="Nirmala UI"/>
-        <a:font script="Tale" typeface="Microsoft Tai Le"/>
-        <a:font script="Talu" typeface="Microsoft New Tai Lue"/>
-        <a:font script="Tfng" typeface="Ebrima"/>
       </a:minorFont>
     </a:fontScheme>
-    <a:fmtScheme name="Office">
+    <a:fmtScheme name="Office Theme">
       <a:fillStyleLst>
         <a:solidFill>
           <a:schemeClr val="phClr"/>

--- a/DAW.pptx
+++ b/DAW.pptx
@@ -7031,7 +7031,7 @@
           <a:lstStyle/>
           <a:p>
             <a:pPr algn="ctr"/>
-            <a:endParaRPr lang="en-US"/>
+            <a:endParaRPr lang="en-US" dirty="0"/>
           </a:p>
         </p:txBody>
       </p:sp>
@@ -8458,6 +8458,517 @@
           </p:txBody>
         </p:sp>
       </p:grpSp>
+      <p:sp>
+        <p:nvSpPr>
+          <p:cNvPr id="159" name="Arc 158">
+            <a:extLst>
+              <a:ext uri="{FF2B5EF4-FFF2-40B4-BE49-F238E27FC236}">
+                <a16:creationId xmlns:a16="http://schemas.microsoft.com/office/drawing/2014/main" id="{C674615D-1468-4651-B2E6-DD6159018653}"/>
+              </a:ext>
+            </a:extLst>
+          </p:cNvPr>
+          <p:cNvSpPr/>
+          <p:nvPr/>
+        </p:nvSpPr>
+        <p:spPr>
+          <a:xfrm flipV="1">
+            <a:off x="2523034" y="3245623"/>
+            <a:ext cx="1913175" cy="761252"/>
+          </a:xfrm>
+          <a:prstGeom prst="arc">
+            <a:avLst>
+              <a:gd name="adj1" fmla="val 16418413"/>
+              <a:gd name="adj2" fmla="val 21591474"/>
+            </a:avLst>
+          </a:prstGeom>
+          <a:ln w="12700">
+            <a:solidFill>
+              <a:schemeClr val="accent1">
+                <a:lumMod val="75000"/>
+              </a:schemeClr>
+            </a:solidFill>
+          </a:ln>
+        </p:spPr>
+        <p:style>
+          <a:lnRef idx="1">
+            <a:schemeClr val="accent1"/>
+          </a:lnRef>
+          <a:fillRef idx="0">
+            <a:schemeClr val="accent1"/>
+          </a:fillRef>
+          <a:effectRef idx="0">
+            <a:schemeClr val="accent1"/>
+          </a:effectRef>
+          <a:fontRef idx="minor">
+            <a:schemeClr val="tx1"/>
+          </a:fontRef>
+        </p:style>
+        <p:txBody>
+          <a:bodyPr rtlCol="0" anchor="ctr"/>
+          <a:lstStyle/>
+          <a:p>
+            <a:pPr algn="ctr"/>
+            <a:endParaRPr lang="en-US" dirty="0"/>
+          </a:p>
+        </p:txBody>
+      </p:sp>
+      <p:sp>
+        <p:nvSpPr>
+          <p:cNvPr id="161" name="Rectangle: Rounded Corners 160">
+            <a:extLst>
+              <a:ext uri="{FF2B5EF4-FFF2-40B4-BE49-F238E27FC236}">
+                <a16:creationId xmlns:a16="http://schemas.microsoft.com/office/drawing/2014/main" id="{1B2E6E30-06E6-4528-B168-881B67FAD8F2}"/>
+              </a:ext>
+            </a:extLst>
+          </p:cNvPr>
+          <p:cNvSpPr>
+            <a:spLocks noChangeAspect="1"/>
+          </p:cNvSpPr>
+          <p:nvPr/>
+        </p:nvSpPr>
+        <p:spPr>
+          <a:xfrm>
+            <a:off x="3787719" y="1657675"/>
+            <a:ext cx="1018637" cy="718477"/>
+          </a:xfrm>
+          <a:prstGeom prst="roundRect">
+            <a:avLst>
+              <a:gd name="adj" fmla="val 2892"/>
+            </a:avLst>
+          </a:prstGeom>
+          <a:solidFill>
+            <a:srgbClr val="696969"/>
+          </a:solidFill>
+          <a:ln>
+            <a:noFill/>
+          </a:ln>
+        </p:spPr>
+        <p:style>
+          <a:lnRef idx="2">
+            <a:schemeClr val="accent1">
+              <a:shade val="50000"/>
+            </a:schemeClr>
+          </a:lnRef>
+          <a:fillRef idx="1">
+            <a:schemeClr val="accent1"/>
+          </a:fillRef>
+          <a:effectRef idx="0">
+            <a:schemeClr val="accent1"/>
+          </a:effectRef>
+          <a:fontRef idx="minor">
+            <a:schemeClr val="lt1"/>
+          </a:fontRef>
+        </p:style>
+        <p:txBody>
+          <a:bodyPr rot="0" spcFirstLastPara="0" vertOverflow="overflow" horzOverflow="overflow" vert="horz" wrap="square" lIns="68580" tIns="34290" rIns="68580" bIns="34290" numCol="1" spcCol="0" rtlCol="0" fromWordArt="0" anchor="ctr" anchorCtr="0" forceAA="0" compatLnSpc="1">
+            <a:prstTxWarp prst="textNoShape">
+              <a:avLst/>
+            </a:prstTxWarp>
+            <a:noAutofit/>
+          </a:bodyPr>
+          <a:lstStyle/>
+          <a:p>
+            <a:pPr algn="ctr"/>
+            <a:endParaRPr lang="en-US" sz="900" spc="-113" dirty="0">
+              <a:latin typeface="Graphik" panose="020B0503030202060203" pitchFamily="34" charset="0"/>
+            </a:endParaRPr>
+          </a:p>
+        </p:txBody>
+      </p:sp>
+      <p:pic>
+        <p:nvPicPr>
+          <p:cNvPr id="162" name="Graphic 161" descr="Close">
+            <a:extLst>
+              <a:ext uri="{FF2B5EF4-FFF2-40B4-BE49-F238E27FC236}">
+                <a16:creationId xmlns:a16="http://schemas.microsoft.com/office/drawing/2014/main" id="{AB637984-F91F-467C-9A54-D5FC16683C3A}"/>
+              </a:ext>
+            </a:extLst>
+          </p:cNvPr>
+          <p:cNvPicPr>
+            <a:picLocks noChangeAspect="1"/>
+          </p:cNvPicPr>
+          <p:nvPr/>
+        </p:nvPicPr>
+        <p:blipFill>
+          <a:blip r:embed="rId20">
+            <a:extLst>
+              <a:ext uri="{28A0092B-C50C-407E-A947-70E740481C1C}">
+                <a14:useLocalDpi xmlns:a14="http://schemas.microsoft.com/office/drawing/2010/main" val="0"/>
+              </a:ext>
+              <a:ext uri="{96DAC541-7B7A-43D3-8B79-37D633B846F1}">
+                <asvg:svgBlip xmlns:asvg="http://schemas.microsoft.com/office/drawing/2016/SVG/main" r:embed="rId21"/>
+              </a:ext>
+            </a:extLst>
+          </a:blip>
+          <a:stretch>
+            <a:fillRect/>
+          </a:stretch>
+        </p:blipFill>
+        <p:spPr>
+          <a:xfrm>
+            <a:off x="4688337" y="1676625"/>
+            <a:ext cx="107154" cy="107154"/>
+          </a:xfrm>
+          <a:prstGeom prst="rect">
+            <a:avLst/>
+          </a:prstGeom>
+        </p:spPr>
+      </p:pic>
+      <p:sp>
+        <p:nvSpPr>
+          <p:cNvPr id="163" name="TextBox 162">
+            <a:extLst>
+              <a:ext uri="{FF2B5EF4-FFF2-40B4-BE49-F238E27FC236}">
+                <a16:creationId xmlns:a16="http://schemas.microsoft.com/office/drawing/2014/main" id="{E697614E-1C5E-4FD5-A9B7-059BE568C228}"/>
+              </a:ext>
+            </a:extLst>
+          </p:cNvPr>
+          <p:cNvSpPr txBox="1"/>
+          <p:nvPr/>
+        </p:nvSpPr>
+        <p:spPr>
+          <a:xfrm>
+            <a:off x="3727463" y="1627215"/>
+            <a:ext cx="847979" cy="253916"/>
+          </a:xfrm>
+          <a:prstGeom prst="rect">
+            <a:avLst/>
+          </a:prstGeom>
+          <a:noFill/>
+        </p:spPr>
+        <p:txBody>
+          <a:bodyPr wrap="square" tIns="68580" rtlCol="0">
+            <a:spAutoFit/>
+          </a:bodyPr>
+          <a:lstStyle/>
+          <a:p>
+            <a:r>
+              <a:rPr lang="en-US" sz="900" dirty="0">
+                <a:solidFill>
+                  <a:schemeClr val="bg1">
+                    <a:lumMod val="95000"/>
+                  </a:schemeClr>
+                </a:solidFill>
+                <a:latin typeface="Graphik" panose="020B0503030202060203" pitchFamily="34" charset="0"/>
+              </a:rPr>
+              <a:t>Remove</a:t>
+            </a:r>
+          </a:p>
+        </p:txBody>
+      </p:sp>
+      <p:sp>
+        <p:nvSpPr>
+          <p:cNvPr id="164" name="Rectangle: Rounded Corners 163">
+            <a:extLst>
+              <a:ext uri="{FF2B5EF4-FFF2-40B4-BE49-F238E27FC236}">
+                <a16:creationId xmlns:a16="http://schemas.microsoft.com/office/drawing/2014/main" id="{8306C398-1F4B-42CD-A6B0-4BD039259F1C}"/>
+              </a:ext>
+            </a:extLst>
+          </p:cNvPr>
+          <p:cNvSpPr/>
+          <p:nvPr/>
+        </p:nvSpPr>
+        <p:spPr>
+          <a:xfrm>
+            <a:off x="3910423" y="1885201"/>
+            <a:ext cx="816688" cy="120157"/>
+          </a:xfrm>
+          <a:prstGeom prst="roundRect">
+            <a:avLst>
+              <a:gd name="adj" fmla="val 8435"/>
+            </a:avLst>
+          </a:prstGeom>
+          <a:solidFill>
+            <a:schemeClr val="bg1">
+              <a:lumMod val="95000"/>
+            </a:schemeClr>
+          </a:solidFill>
+          <a:ln>
+            <a:noFill/>
+          </a:ln>
+        </p:spPr>
+        <p:style>
+          <a:lnRef idx="2">
+            <a:schemeClr val="accent1">
+              <a:shade val="50000"/>
+            </a:schemeClr>
+          </a:lnRef>
+          <a:fillRef idx="1">
+            <a:schemeClr val="accent1"/>
+          </a:fillRef>
+          <a:effectRef idx="0">
+            <a:schemeClr val="accent1"/>
+          </a:effectRef>
+          <a:fontRef idx="minor">
+            <a:schemeClr val="lt1"/>
+          </a:fontRef>
+        </p:style>
+        <p:txBody>
+          <a:bodyPr rot="0" spcFirstLastPara="0" vertOverflow="overflow" horzOverflow="overflow" vert="horz" wrap="square" lIns="68580" tIns="34290" rIns="68580" bIns="34290" numCol="1" spcCol="0" rtlCol="0" fromWordArt="0" anchor="ctr" anchorCtr="0" forceAA="0" compatLnSpc="1">
+            <a:prstTxWarp prst="textNoShape">
+              <a:avLst/>
+            </a:prstTxWarp>
+            <a:noAutofit/>
+          </a:bodyPr>
+          <a:lstStyle/>
+          <a:p>
+            <a:pPr algn="ctr"/>
+            <a:r>
+              <a:rPr lang="en-US" sz="600" dirty="0">
+                <a:solidFill>
+                  <a:srgbClr val="696969"/>
+                </a:solidFill>
+              </a:rPr>
+              <a:t>Pitch Effect</a:t>
+            </a:r>
+          </a:p>
+        </p:txBody>
+      </p:sp>
+      <p:sp>
+        <p:nvSpPr>
+          <p:cNvPr id="165" name="Rectangle: Rounded Corners 164">
+            <a:extLst>
+              <a:ext uri="{FF2B5EF4-FFF2-40B4-BE49-F238E27FC236}">
+                <a16:creationId xmlns:a16="http://schemas.microsoft.com/office/drawing/2014/main" id="{6412CBAF-FFC3-42DC-AD82-E39F46579878}"/>
+              </a:ext>
+            </a:extLst>
+          </p:cNvPr>
+          <p:cNvSpPr/>
+          <p:nvPr/>
+        </p:nvSpPr>
+        <p:spPr>
+          <a:xfrm>
+            <a:off x="3910423" y="2022361"/>
+            <a:ext cx="816688" cy="120157"/>
+          </a:xfrm>
+          <a:prstGeom prst="roundRect">
+            <a:avLst>
+              <a:gd name="adj" fmla="val 8435"/>
+            </a:avLst>
+          </a:prstGeom>
+          <a:solidFill>
+            <a:schemeClr val="bg1">
+              <a:lumMod val="95000"/>
+            </a:schemeClr>
+          </a:solidFill>
+          <a:ln>
+            <a:noFill/>
+          </a:ln>
+        </p:spPr>
+        <p:style>
+          <a:lnRef idx="2">
+            <a:schemeClr val="accent1">
+              <a:shade val="50000"/>
+            </a:schemeClr>
+          </a:lnRef>
+          <a:fillRef idx="1">
+            <a:schemeClr val="accent1"/>
+          </a:fillRef>
+          <a:effectRef idx="0">
+            <a:schemeClr val="accent1"/>
+          </a:effectRef>
+          <a:fontRef idx="minor">
+            <a:schemeClr val="lt1"/>
+          </a:fontRef>
+        </p:style>
+        <p:txBody>
+          <a:bodyPr rot="0" spcFirstLastPara="0" vertOverflow="overflow" horzOverflow="overflow" vert="horz" wrap="square" lIns="68580" tIns="34290" rIns="68580" bIns="34290" numCol="1" spcCol="0" rtlCol="0" fromWordArt="0" anchor="ctr" anchorCtr="0" forceAA="0" compatLnSpc="1">
+            <a:prstTxWarp prst="textNoShape">
+              <a:avLst/>
+            </a:prstTxWarp>
+            <a:noAutofit/>
+          </a:bodyPr>
+          <a:lstStyle/>
+          <a:p>
+            <a:pPr algn="ctr"/>
+            <a:r>
+              <a:rPr lang="en-US" sz="600" dirty="0">
+                <a:solidFill>
+                  <a:srgbClr val="696969"/>
+                </a:solidFill>
+              </a:rPr>
+              <a:t>Speed Effect</a:t>
+            </a:r>
+          </a:p>
+        </p:txBody>
+      </p:sp>
+      <p:sp>
+        <p:nvSpPr>
+          <p:cNvPr id="168" name="Rectangle: Rounded Corners 167">
+            <a:extLst>
+              <a:ext uri="{FF2B5EF4-FFF2-40B4-BE49-F238E27FC236}">
+                <a16:creationId xmlns:a16="http://schemas.microsoft.com/office/drawing/2014/main" id="{F4CDAD89-0E50-4071-B78D-9C4ACA2248E4}"/>
+              </a:ext>
+            </a:extLst>
+          </p:cNvPr>
+          <p:cNvSpPr/>
+          <p:nvPr/>
+        </p:nvSpPr>
+        <p:spPr>
+          <a:xfrm>
+            <a:off x="4760890" y="1945280"/>
+            <a:ext cx="13716" cy="274320"/>
+          </a:xfrm>
+          <a:prstGeom prst="roundRect">
+            <a:avLst/>
+          </a:prstGeom>
+          <a:solidFill>
+            <a:srgbClr val="696969"/>
+          </a:solidFill>
+          <a:ln w="0">
+            <a:noFill/>
+          </a:ln>
+        </p:spPr>
+        <p:style>
+          <a:lnRef idx="2">
+            <a:schemeClr val="accent1">
+              <a:shade val="50000"/>
+            </a:schemeClr>
+          </a:lnRef>
+          <a:fillRef idx="1">
+            <a:schemeClr val="accent1"/>
+          </a:fillRef>
+          <a:effectRef idx="0">
+            <a:schemeClr val="accent1"/>
+          </a:effectRef>
+          <a:fontRef idx="minor">
+            <a:schemeClr val="lt1"/>
+          </a:fontRef>
+        </p:style>
+        <p:txBody>
+          <a:bodyPr rot="0" spcFirstLastPara="0" vertOverflow="overflow" horzOverflow="overflow" vert="horz" wrap="square" lIns="68580" tIns="34290" rIns="68580" bIns="34290" numCol="1" spcCol="0" rtlCol="0" fromWordArt="0" anchor="ctr" anchorCtr="0" forceAA="0" compatLnSpc="1">
+            <a:prstTxWarp prst="textNoShape">
+              <a:avLst/>
+            </a:prstTxWarp>
+            <a:noAutofit/>
+          </a:bodyPr>
+          <a:lstStyle/>
+          <a:p>
+            <a:pPr algn="ctr"/>
+            <a:endParaRPr lang="en-US" sz="1350"/>
+          </a:p>
+        </p:txBody>
+      </p:sp>
+      <p:sp>
+        <p:nvSpPr>
+          <p:cNvPr id="169" name="Rectangle 168">
+            <a:extLst>
+              <a:ext uri="{FF2B5EF4-FFF2-40B4-BE49-F238E27FC236}">
+                <a16:creationId xmlns:a16="http://schemas.microsoft.com/office/drawing/2014/main" id="{D0AF554D-E090-4934-A1FC-FC257CF99DF7}"/>
+              </a:ext>
+            </a:extLst>
+          </p:cNvPr>
+          <p:cNvSpPr/>
+          <p:nvPr/>
+        </p:nvSpPr>
+        <p:spPr>
+          <a:xfrm>
+            <a:off x="3856080" y="2186571"/>
+            <a:ext cx="880686" cy="0"/>
+          </a:xfrm>
+          <a:prstGeom prst="rect">
+            <a:avLst/>
+          </a:prstGeom>
+          <a:solidFill>
+            <a:srgbClr val="F2F2F2"/>
+          </a:solidFill>
+          <a:ln>
+            <a:noFill/>
+          </a:ln>
+        </p:spPr>
+        <p:style>
+          <a:lnRef idx="2">
+            <a:schemeClr val="accent1">
+              <a:shade val="50000"/>
+            </a:schemeClr>
+          </a:lnRef>
+          <a:fillRef idx="1">
+            <a:schemeClr val="accent1"/>
+          </a:fillRef>
+          <a:effectRef idx="0">
+            <a:schemeClr val="accent1"/>
+          </a:effectRef>
+          <a:fontRef idx="minor">
+            <a:schemeClr val="lt1"/>
+          </a:fontRef>
+        </p:style>
+        <p:txBody>
+          <a:bodyPr rtlCol="0" anchor="ctr"/>
+          <a:lstStyle/>
+          <a:p>
+            <a:pPr algn="ctr"/>
+            <a:endParaRPr lang="en-US"/>
+          </a:p>
+        </p:txBody>
+      </p:sp>
+      <p:sp>
+        <p:nvSpPr>
+          <p:cNvPr id="171" name="Rectangle: Rounded Corners 170">
+            <a:extLst>
+              <a:ext uri="{FF2B5EF4-FFF2-40B4-BE49-F238E27FC236}">
+                <a16:creationId xmlns:a16="http://schemas.microsoft.com/office/drawing/2014/main" id="{FBA5A8B9-9970-40A7-B665-67C2D6B6558F}"/>
+              </a:ext>
+            </a:extLst>
+          </p:cNvPr>
+          <p:cNvSpPr/>
+          <p:nvPr/>
+        </p:nvSpPr>
+        <p:spPr>
+          <a:xfrm>
+            <a:off x="3910423" y="2162899"/>
+            <a:ext cx="816688" cy="120157"/>
+          </a:xfrm>
+          <a:prstGeom prst="roundRect">
+            <a:avLst>
+              <a:gd name="adj" fmla="val 8435"/>
+            </a:avLst>
+          </a:prstGeom>
+          <a:solidFill>
+            <a:schemeClr val="bg1">
+              <a:lumMod val="95000"/>
+            </a:schemeClr>
+          </a:solidFill>
+          <a:ln>
+            <a:noFill/>
+          </a:ln>
+        </p:spPr>
+        <p:style>
+          <a:lnRef idx="2">
+            <a:schemeClr val="accent1">
+              <a:shade val="50000"/>
+            </a:schemeClr>
+          </a:lnRef>
+          <a:fillRef idx="1">
+            <a:schemeClr val="accent1"/>
+          </a:fillRef>
+          <a:effectRef idx="0">
+            <a:schemeClr val="accent1"/>
+          </a:effectRef>
+          <a:fontRef idx="minor">
+            <a:schemeClr val="lt1"/>
+          </a:fontRef>
+        </p:style>
+        <p:txBody>
+          <a:bodyPr rot="0" spcFirstLastPara="0" vertOverflow="overflow" horzOverflow="overflow" vert="horz" wrap="square" lIns="68580" tIns="34290" rIns="68580" bIns="34290" numCol="1" spcCol="0" rtlCol="0" fromWordArt="0" anchor="ctr" anchorCtr="0" forceAA="0" compatLnSpc="1">
+            <a:prstTxWarp prst="textNoShape">
+              <a:avLst/>
+            </a:prstTxWarp>
+            <a:noAutofit/>
+          </a:bodyPr>
+          <a:lstStyle/>
+          <a:p>
+            <a:pPr algn="ctr"/>
+            <a:r>
+              <a:rPr lang="en-US" sz="600" dirty="0">
+                <a:solidFill>
+                  <a:srgbClr val="696969"/>
+                </a:solidFill>
+              </a:rPr>
+              <a:t>Track</a:t>
+            </a:r>
+          </a:p>
+        </p:txBody>
+      </p:sp>
     </p:spTree>
     <p:extLst>
       <p:ext uri="{BB962C8B-B14F-4D97-AF65-F5344CB8AC3E}">
@@ -8560,7 +9071,7 @@
           <a:xfrm>
             <a:off x="1069056" y="73221"/>
             <a:ext cx="1744093" cy="336222"/>
-            <a:chOff x="1428444" y="427736"/>
+            <a:chOff x="1428445" y="427736"/>
             <a:chExt cx="3173918" cy="611859"/>
           </a:xfrm>
         </p:grpSpPr>
@@ -8578,7 +9089,7 @@
           </p:nvSpPr>
           <p:spPr>
             <a:xfrm>
-              <a:off x="1428444" y="427736"/>
+              <a:off x="1428445" y="427736"/>
               <a:ext cx="3173918" cy="611859"/>
             </a:xfrm>
             <a:prstGeom prst="roundRect">
@@ -8654,8 +9165,8 @@
           </p:blipFill>
           <p:spPr>
             <a:xfrm>
-              <a:off x="2936461" y="550257"/>
-              <a:ext cx="476278" cy="360504"/>
+              <a:off x="2936462" y="550256"/>
+              <a:ext cx="476279" cy="360504"/>
             </a:xfrm>
             <a:prstGeom prst="rect">
               <a:avLst/>
@@ -8693,8 +9204,8 @@
           </p:blipFill>
           <p:spPr>
             <a:xfrm>
-              <a:off x="4016309" y="492885"/>
-              <a:ext cx="507193" cy="475248"/>
+              <a:off x="4016310" y="492885"/>
+              <a:ext cx="507194" cy="475248"/>
             </a:xfrm>
             <a:prstGeom prst="rect">
               <a:avLst/>
@@ -8732,8 +9243,8 @@
           </p:blipFill>
           <p:spPr>
             <a:xfrm>
-              <a:off x="3445322" y="495954"/>
-              <a:ext cx="476278" cy="475248"/>
+              <a:off x="3445323" y="495953"/>
+              <a:ext cx="476279" cy="475248"/>
             </a:xfrm>
             <a:prstGeom prst="rect">
               <a:avLst/>
@@ -8756,8 +9267,8 @@
           </p:nvSpPr>
           <p:spPr>
             <a:xfrm>
-              <a:off x="2514834" y="593011"/>
-              <a:ext cx="280420" cy="279813"/>
+              <a:off x="2514836" y="593011"/>
+              <a:ext cx="280420" cy="279814"/>
             </a:xfrm>
             <a:prstGeom prst="rect">
               <a:avLst/>
@@ -8832,8 +9343,8 @@
           </p:blipFill>
           <p:spPr>
             <a:xfrm>
-              <a:off x="2001846" y="550258"/>
-              <a:ext cx="361286" cy="360505"/>
+              <a:off x="2001848" y="550258"/>
+              <a:ext cx="361287" cy="360506"/>
             </a:xfrm>
             <a:prstGeom prst="rect">
               <a:avLst/>
@@ -8856,8 +9367,8 @@
           </p:nvSpPr>
           <p:spPr>
             <a:xfrm>
-              <a:off x="1547206" y="582429"/>
-              <a:ext cx="318233" cy="317544"/>
+              <a:off x="1547208" y="582429"/>
+              <a:ext cx="318234" cy="317544"/>
             </a:xfrm>
             <a:prstGeom prst="flowChartConnector">
               <a:avLst/>
@@ -15576,7 +16087,7 @@
         </p:nvSpPr>
         <p:spPr>
           <a:xfrm>
-            <a:off x="8200320" y="4599211"/>
+            <a:off x="8210550" y="4622006"/>
             <a:ext cx="45719" cy="45719"/>
           </a:xfrm>
           <a:prstGeom prst="ellipse">
@@ -15614,6 +16125,1586 @@
           </a:p>
         </p:txBody>
       </p:sp>
+      <p:sp>
+        <p:nvSpPr>
+          <p:cNvPr id="389" name="Rectangle 388">
+            <a:extLst>
+              <a:ext uri="{FF2B5EF4-FFF2-40B4-BE49-F238E27FC236}">
+                <a16:creationId xmlns:a16="http://schemas.microsoft.com/office/drawing/2014/main" id="{C4127FA0-7837-40B0-A63B-B1D52D33FF78}"/>
+              </a:ext>
+            </a:extLst>
+          </p:cNvPr>
+          <p:cNvSpPr/>
+          <p:nvPr/>
+        </p:nvSpPr>
+        <p:spPr>
+          <a:xfrm>
+            <a:off x="-1" y="603129"/>
+            <a:ext cx="1172625" cy="625908"/>
+          </a:xfrm>
+          <a:prstGeom prst="rect">
+            <a:avLst/>
+          </a:prstGeom>
+          <a:solidFill>
+            <a:schemeClr val="bg1">
+              <a:lumMod val="50000"/>
+            </a:schemeClr>
+          </a:solidFill>
+          <a:ln>
+            <a:noFill/>
+          </a:ln>
+        </p:spPr>
+        <p:style>
+          <a:lnRef idx="2">
+            <a:schemeClr val="accent1">
+              <a:shade val="50000"/>
+            </a:schemeClr>
+          </a:lnRef>
+          <a:fillRef idx="1">
+            <a:schemeClr val="accent1"/>
+          </a:fillRef>
+          <a:effectRef idx="0">
+            <a:schemeClr val="accent1"/>
+          </a:effectRef>
+          <a:fontRef idx="minor">
+            <a:schemeClr val="lt1"/>
+          </a:fontRef>
+        </p:style>
+        <p:txBody>
+          <a:bodyPr rtlCol="0" anchor="ctr"/>
+          <a:lstStyle/>
+          <a:p>
+            <a:pPr algn="ctr"/>
+            <a:endParaRPr lang="en-US"/>
+          </a:p>
+        </p:txBody>
+      </p:sp>
+      <p:sp>
+        <p:nvSpPr>
+          <p:cNvPr id="390" name="Rectangle 389">
+            <a:extLst>
+              <a:ext uri="{FF2B5EF4-FFF2-40B4-BE49-F238E27FC236}">
+                <a16:creationId xmlns:a16="http://schemas.microsoft.com/office/drawing/2014/main" id="{DCD953D5-EABC-4865-903F-396318F39B44}"/>
+              </a:ext>
+            </a:extLst>
+          </p:cNvPr>
+          <p:cNvSpPr/>
+          <p:nvPr/>
+        </p:nvSpPr>
+        <p:spPr>
+          <a:xfrm>
+            <a:off x="-9251" y="552463"/>
+            <a:ext cx="1172629" cy="227672"/>
+          </a:xfrm>
+          <a:prstGeom prst="rect">
+            <a:avLst/>
+          </a:prstGeom>
+          <a:noFill/>
+          <a:ln>
+            <a:noFill/>
+          </a:ln>
+        </p:spPr>
+        <p:style>
+          <a:lnRef idx="2">
+            <a:schemeClr val="accent1">
+              <a:shade val="50000"/>
+            </a:schemeClr>
+          </a:lnRef>
+          <a:fillRef idx="1">
+            <a:schemeClr val="accent1"/>
+          </a:fillRef>
+          <a:effectRef idx="0">
+            <a:schemeClr val="accent1"/>
+          </a:effectRef>
+          <a:fontRef idx="minor">
+            <a:schemeClr val="lt1"/>
+          </a:fontRef>
+        </p:style>
+        <p:txBody>
+          <a:bodyPr rtlCol="0" anchor="ctr"/>
+          <a:lstStyle/>
+          <a:p>
+            <a:pPr algn="ctr"/>
+            <a:r>
+              <a:rPr lang="en-US" sz="1300" dirty="0">
+                <a:solidFill>
+                  <a:schemeClr val="bg1">
+                    <a:lumMod val="95000"/>
+                  </a:schemeClr>
+                </a:solidFill>
+              </a:rPr>
+              <a:t>Untitled</a:t>
+            </a:r>
+          </a:p>
+        </p:txBody>
+      </p:sp>
+      <p:cxnSp>
+        <p:nvCxnSpPr>
+          <p:cNvPr id="395" name="Straight Connector 394">
+            <a:extLst>
+              <a:ext uri="{FF2B5EF4-FFF2-40B4-BE49-F238E27FC236}">
+                <a16:creationId xmlns:a16="http://schemas.microsoft.com/office/drawing/2014/main" id="{494A911C-F88E-4581-AD1B-9B83721F9BF4}"/>
+              </a:ext>
+            </a:extLst>
+          </p:cNvPr>
+          <p:cNvCxnSpPr>
+            <a:cxnSpLocks/>
+          </p:cNvCxnSpPr>
+          <p:nvPr/>
+        </p:nvCxnSpPr>
+        <p:spPr>
+          <a:xfrm>
+            <a:off x="174" y="494189"/>
+            <a:ext cx="9145034" cy="0"/>
+          </a:xfrm>
+          <a:prstGeom prst="line">
+            <a:avLst/>
+          </a:prstGeom>
+          <a:ln w="25400">
+            <a:solidFill>
+              <a:srgbClr val="696969"/>
+            </a:solidFill>
+          </a:ln>
+        </p:spPr>
+        <p:style>
+          <a:lnRef idx="1">
+            <a:schemeClr val="accent1"/>
+          </a:lnRef>
+          <a:fillRef idx="0">
+            <a:schemeClr val="accent1"/>
+          </a:fillRef>
+          <a:effectRef idx="0">
+            <a:schemeClr val="accent1"/>
+          </a:effectRef>
+          <a:fontRef idx="minor">
+            <a:schemeClr val="tx1"/>
+          </a:fontRef>
+        </p:style>
+      </p:cxnSp>
+      <p:sp>
+        <p:nvSpPr>
+          <p:cNvPr id="397" name="Rectangle 396">
+            <a:extLst>
+              <a:ext uri="{FF2B5EF4-FFF2-40B4-BE49-F238E27FC236}">
+                <a16:creationId xmlns:a16="http://schemas.microsoft.com/office/drawing/2014/main" id="{98D3B5E6-9AFE-4F45-8D94-71ACC6772172}"/>
+              </a:ext>
+            </a:extLst>
+          </p:cNvPr>
+          <p:cNvSpPr/>
+          <p:nvPr/>
+        </p:nvSpPr>
+        <p:spPr>
+          <a:xfrm>
+            <a:off x="1191" y="494190"/>
+            <a:ext cx="9133575" cy="113720"/>
+          </a:xfrm>
+          <a:prstGeom prst="rect">
+            <a:avLst/>
+          </a:prstGeom>
+          <a:solidFill>
+            <a:schemeClr val="tx2">
+              <a:lumMod val="40000"/>
+              <a:lumOff val="60000"/>
+            </a:schemeClr>
+          </a:solidFill>
+          <a:ln>
+            <a:noFill/>
+          </a:ln>
+        </p:spPr>
+        <p:style>
+          <a:lnRef idx="2">
+            <a:schemeClr val="accent1">
+              <a:shade val="50000"/>
+            </a:schemeClr>
+          </a:lnRef>
+          <a:fillRef idx="1">
+            <a:schemeClr val="accent1"/>
+          </a:fillRef>
+          <a:effectRef idx="0">
+            <a:schemeClr val="accent1"/>
+          </a:effectRef>
+          <a:fontRef idx="minor">
+            <a:schemeClr val="lt1"/>
+          </a:fontRef>
+        </p:style>
+        <p:txBody>
+          <a:bodyPr rtlCol="0" anchor="ctr"/>
+          <a:lstStyle/>
+          <a:p>
+            <a:pPr algn="ctr"/>
+            <a:endParaRPr lang="en-US"/>
+          </a:p>
+        </p:txBody>
+      </p:sp>
+      <p:cxnSp>
+        <p:nvCxnSpPr>
+          <p:cNvPr id="396" name="Straight Connector 395">
+            <a:extLst>
+              <a:ext uri="{FF2B5EF4-FFF2-40B4-BE49-F238E27FC236}">
+                <a16:creationId xmlns:a16="http://schemas.microsoft.com/office/drawing/2014/main" id="{48E0D08C-7EDD-4451-9C23-64E1E28D10E7}"/>
+              </a:ext>
+            </a:extLst>
+          </p:cNvPr>
+          <p:cNvCxnSpPr>
+            <a:cxnSpLocks/>
+          </p:cNvCxnSpPr>
+          <p:nvPr/>
+        </p:nvCxnSpPr>
+        <p:spPr>
+          <a:xfrm>
+            <a:off x="-191552" y="1707084"/>
+            <a:ext cx="9145034" cy="0"/>
+          </a:xfrm>
+          <a:prstGeom prst="line">
+            <a:avLst/>
+          </a:prstGeom>
+          <a:ln w="25400">
+            <a:solidFill>
+              <a:srgbClr val="696969"/>
+            </a:solidFill>
+          </a:ln>
+        </p:spPr>
+        <p:style>
+          <a:lnRef idx="1">
+            <a:schemeClr val="accent1"/>
+          </a:lnRef>
+          <a:fillRef idx="0">
+            <a:schemeClr val="accent1"/>
+          </a:fillRef>
+          <a:effectRef idx="0">
+            <a:schemeClr val="accent1"/>
+          </a:effectRef>
+          <a:fontRef idx="minor">
+            <a:schemeClr val="tx1"/>
+          </a:fontRef>
+        </p:style>
+      </p:cxnSp>
+      <p:cxnSp>
+        <p:nvCxnSpPr>
+          <p:cNvPr id="398" name="Straight Connector 397">
+            <a:extLst>
+              <a:ext uri="{FF2B5EF4-FFF2-40B4-BE49-F238E27FC236}">
+                <a16:creationId xmlns:a16="http://schemas.microsoft.com/office/drawing/2014/main" id="{011377FC-810B-4C81-9455-141DF031D0F3}"/>
+              </a:ext>
+            </a:extLst>
+          </p:cNvPr>
+          <p:cNvCxnSpPr>
+            <a:cxnSpLocks/>
+          </p:cNvCxnSpPr>
+          <p:nvPr/>
+        </p:nvCxnSpPr>
+        <p:spPr>
+          <a:xfrm flipV="1">
+            <a:off x="1177129" y="486137"/>
+            <a:ext cx="0" cy="118684"/>
+          </a:xfrm>
+          <a:prstGeom prst="line">
+            <a:avLst/>
+          </a:prstGeom>
+          <a:ln w="12700">
+            <a:solidFill>
+              <a:srgbClr val="696969"/>
+            </a:solidFill>
+          </a:ln>
+        </p:spPr>
+        <p:style>
+          <a:lnRef idx="1">
+            <a:schemeClr val="accent1"/>
+          </a:lnRef>
+          <a:fillRef idx="0">
+            <a:schemeClr val="accent1"/>
+          </a:fillRef>
+          <a:effectRef idx="0">
+            <a:schemeClr val="accent1"/>
+          </a:effectRef>
+          <a:fontRef idx="minor">
+            <a:schemeClr val="tx1"/>
+          </a:fontRef>
+        </p:style>
+      </p:cxnSp>
+      <p:grpSp>
+        <p:nvGrpSpPr>
+          <p:cNvPr id="405" name="Graphic 403" descr="End">
+            <a:extLst>
+              <a:ext uri="{FF2B5EF4-FFF2-40B4-BE49-F238E27FC236}">
+                <a16:creationId xmlns:a16="http://schemas.microsoft.com/office/drawing/2014/main" id="{94D6E4ED-9E97-46A7-8852-3B2A17C26EB9}"/>
+              </a:ext>
+            </a:extLst>
+          </p:cNvPr>
+          <p:cNvGrpSpPr>
+            <a:grpSpLocks noChangeAspect="1"/>
+          </p:cNvGrpSpPr>
+          <p:nvPr/>
+        </p:nvGrpSpPr>
+        <p:grpSpPr>
+          <a:xfrm>
+            <a:off x="501359" y="512735"/>
+            <a:ext cx="107235" cy="76040"/>
+            <a:chOff x="2471369" y="1013152"/>
+            <a:chExt cx="214836" cy="152339"/>
+          </a:xfrm>
+          <a:solidFill>
+            <a:schemeClr val="tx2">
+              <a:lumMod val="75000"/>
+            </a:schemeClr>
+          </a:solidFill>
+        </p:grpSpPr>
+        <p:sp>
+          <p:nvSpPr>
+            <p:cNvPr id="406" name="Freeform: Shape 405">
+              <a:extLst>
+                <a:ext uri="{FF2B5EF4-FFF2-40B4-BE49-F238E27FC236}">
+                  <a16:creationId xmlns:a16="http://schemas.microsoft.com/office/drawing/2014/main" id="{12F8A1BD-3B28-4927-9F59-AA26D4EDA064}"/>
+                </a:ext>
+              </a:extLst>
+            </p:cNvPr>
+            <p:cNvSpPr/>
+            <p:nvPr/>
+          </p:nvSpPr>
+          <p:spPr>
+            <a:xfrm>
+              <a:off x="2651367" y="1013152"/>
+              <a:ext cx="34838" cy="152339"/>
+            </a:xfrm>
+            <a:custGeom>
+              <a:avLst/>
+              <a:gdLst>
+                <a:gd name="connsiteX0" fmla="*/ 0 w 34838"/>
+                <a:gd name="connsiteY0" fmla="*/ 0 h 152339"/>
+                <a:gd name="connsiteX1" fmla="*/ 0 w 34838"/>
+                <a:gd name="connsiteY1" fmla="*/ 76170 h 152339"/>
+                <a:gd name="connsiteX2" fmla="*/ 0 w 34838"/>
+                <a:gd name="connsiteY2" fmla="*/ 152339 h 152339"/>
+                <a:gd name="connsiteX3" fmla="*/ 34838 w 34838"/>
+                <a:gd name="connsiteY3" fmla="*/ 152339 h 152339"/>
+                <a:gd name="connsiteX4" fmla="*/ 34838 w 34838"/>
+                <a:gd name="connsiteY4" fmla="*/ 0 h 152339"/>
+              </a:gdLst>
+              <a:ahLst/>
+              <a:cxnLst>
+                <a:cxn ang="0">
+                  <a:pos x="connsiteX0" y="connsiteY0"/>
+                </a:cxn>
+                <a:cxn ang="0">
+                  <a:pos x="connsiteX1" y="connsiteY1"/>
+                </a:cxn>
+                <a:cxn ang="0">
+                  <a:pos x="connsiteX2" y="connsiteY2"/>
+                </a:cxn>
+                <a:cxn ang="0">
+                  <a:pos x="connsiteX3" y="connsiteY3"/>
+                </a:cxn>
+                <a:cxn ang="0">
+                  <a:pos x="connsiteX4" y="connsiteY4"/>
+                </a:cxn>
+              </a:cxnLst>
+              <a:rect l="l" t="t" r="r" b="b"/>
+              <a:pathLst>
+                <a:path w="34838" h="152339">
+                  <a:moveTo>
+                    <a:pt x="0" y="0"/>
+                  </a:moveTo>
+                  <a:lnTo>
+                    <a:pt x="0" y="76170"/>
+                  </a:lnTo>
+                  <a:lnTo>
+                    <a:pt x="0" y="152339"/>
+                  </a:lnTo>
+                  <a:lnTo>
+                    <a:pt x="34838" y="152339"/>
+                  </a:lnTo>
+                  <a:lnTo>
+                    <a:pt x="34838" y="0"/>
+                  </a:lnTo>
+                  <a:close/>
+                </a:path>
+              </a:pathLst>
+            </a:custGeom>
+            <a:grpFill/>
+            <a:ln w="2877" cap="flat">
+              <a:noFill/>
+              <a:prstDash val="solid"/>
+              <a:miter/>
+            </a:ln>
+          </p:spPr>
+          <p:txBody>
+            <a:bodyPr rtlCol="0" anchor="ctr"/>
+            <a:lstStyle/>
+            <a:p>
+              <a:endParaRPr lang="en-US" dirty="0"/>
+            </a:p>
+          </p:txBody>
+        </p:sp>
+        <p:sp>
+          <p:nvSpPr>
+            <p:cNvPr id="407" name="Freeform: Shape 406">
+              <a:extLst>
+                <a:ext uri="{FF2B5EF4-FFF2-40B4-BE49-F238E27FC236}">
+                  <a16:creationId xmlns:a16="http://schemas.microsoft.com/office/drawing/2014/main" id="{B20D5C4A-3137-4514-907C-9CAAF7BCB0C8}"/>
+                </a:ext>
+              </a:extLst>
+            </p:cNvPr>
+            <p:cNvSpPr/>
+            <p:nvPr/>
+          </p:nvSpPr>
+          <p:spPr>
+            <a:xfrm>
+              <a:off x="2471369" y="1013152"/>
+              <a:ext cx="85644" cy="152339"/>
+            </a:xfrm>
+            <a:custGeom>
+              <a:avLst/>
+              <a:gdLst>
+                <a:gd name="connsiteX0" fmla="*/ 0 w 85644"/>
+                <a:gd name="connsiteY0" fmla="*/ 152339 h 152339"/>
+                <a:gd name="connsiteX1" fmla="*/ 85644 w 85644"/>
+                <a:gd name="connsiteY1" fmla="*/ 76170 h 152339"/>
+                <a:gd name="connsiteX2" fmla="*/ 0 w 85644"/>
+                <a:gd name="connsiteY2" fmla="*/ 0 h 152339"/>
+              </a:gdLst>
+              <a:ahLst/>
+              <a:cxnLst>
+                <a:cxn ang="0">
+                  <a:pos x="connsiteX0" y="connsiteY0"/>
+                </a:cxn>
+                <a:cxn ang="0">
+                  <a:pos x="connsiteX1" y="connsiteY1"/>
+                </a:cxn>
+                <a:cxn ang="0">
+                  <a:pos x="connsiteX2" y="connsiteY2"/>
+                </a:cxn>
+              </a:cxnLst>
+              <a:rect l="l" t="t" r="r" b="b"/>
+              <a:pathLst>
+                <a:path w="85644" h="152339">
+                  <a:moveTo>
+                    <a:pt x="0" y="152339"/>
+                  </a:moveTo>
+                  <a:lnTo>
+                    <a:pt x="85644" y="76170"/>
+                  </a:lnTo>
+                  <a:lnTo>
+                    <a:pt x="0" y="0"/>
+                  </a:lnTo>
+                  <a:close/>
+                </a:path>
+              </a:pathLst>
+            </a:custGeom>
+            <a:grpFill/>
+            <a:ln w="2877" cap="flat">
+              <a:noFill/>
+              <a:prstDash val="solid"/>
+              <a:miter/>
+            </a:ln>
+          </p:spPr>
+          <p:txBody>
+            <a:bodyPr rtlCol="0" anchor="ctr"/>
+            <a:lstStyle/>
+            <a:p>
+              <a:endParaRPr lang="en-US"/>
+            </a:p>
+          </p:txBody>
+        </p:sp>
+        <p:sp>
+          <p:nvSpPr>
+            <p:cNvPr id="408" name="Freeform: Shape 407">
+              <a:extLst>
+                <a:ext uri="{FF2B5EF4-FFF2-40B4-BE49-F238E27FC236}">
+                  <a16:creationId xmlns:a16="http://schemas.microsoft.com/office/drawing/2014/main" id="{CE24BEA3-CB38-4724-8366-9F3337E357C4}"/>
+                </a:ext>
+              </a:extLst>
+            </p:cNvPr>
+            <p:cNvSpPr/>
+            <p:nvPr/>
+          </p:nvSpPr>
+          <p:spPr>
+            <a:xfrm>
+              <a:off x="2561368" y="1013152"/>
+              <a:ext cx="85644" cy="152339"/>
+            </a:xfrm>
+            <a:custGeom>
+              <a:avLst/>
+              <a:gdLst>
+                <a:gd name="connsiteX0" fmla="*/ 0 w 85644"/>
+                <a:gd name="connsiteY0" fmla="*/ 152339 h 152339"/>
+                <a:gd name="connsiteX1" fmla="*/ 85644 w 85644"/>
+                <a:gd name="connsiteY1" fmla="*/ 76170 h 152339"/>
+                <a:gd name="connsiteX2" fmla="*/ 0 w 85644"/>
+                <a:gd name="connsiteY2" fmla="*/ 0 h 152339"/>
+              </a:gdLst>
+              <a:ahLst/>
+              <a:cxnLst>
+                <a:cxn ang="0">
+                  <a:pos x="connsiteX0" y="connsiteY0"/>
+                </a:cxn>
+                <a:cxn ang="0">
+                  <a:pos x="connsiteX1" y="connsiteY1"/>
+                </a:cxn>
+                <a:cxn ang="0">
+                  <a:pos x="connsiteX2" y="connsiteY2"/>
+                </a:cxn>
+              </a:cxnLst>
+              <a:rect l="l" t="t" r="r" b="b"/>
+              <a:pathLst>
+                <a:path w="85644" h="152339">
+                  <a:moveTo>
+                    <a:pt x="0" y="152339"/>
+                  </a:moveTo>
+                  <a:lnTo>
+                    <a:pt x="85644" y="76170"/>
+                  </a:lnTo>
+                  <a:lnTo>
+                    <a:pt x="0" y="0"/>
+                  </a:lnTo>
+                  <a:close/>
+                </a:path>
+              </a:pathLst>
+            </a:custGeom>
+            <a:grpFill/>
+            <a:ln w="2877" cap="flat">
+              <a:noFill/>
+              <a:prstDash val="solid"/>
+              <a:miter/>
+            </a:ln>
+          </p:spPr>
+          <p:txBody>
+            <a:bodyPr rtlCol="0" anchor="ctr"/>
+            <a:lstStyle/>
+            <a:p>
+              <a:endParaRPr lang="en-US"/>
+            </a:p>
+          </p:txBody>
+        </p:sp>
+      </p:grpSp>
+      <p:grpSp>
+        <p:nvGrpSpPr>
+          <p:cNvPr id="419" name="Graphic 403" descr="End">
+            <a:extLst>
+              <a:ext uri="{FF2B5EF4-FFF2-40B4-BE49-F238E27FC236}">
+                <a16:creationId xmlns:a16="http://schemas.microsoft.com/office/drawing/2014/main" id="{AD687ECD-C433-427A-9982-819A50F9A03A}"/>
+              </a:ext>
+            </a:extLst>
+          </p:cNvPr>
+          <p:cNvGrpSpPr>
+            <a:grpSpLocks noChangeAspect="1"/>
+          </p:cNvGrpSpPr>
+          <p:nvPr/>
+        </p:nvGrpSpPr>
+        <p:grpSpPr>
+          <a:xfrm rot="10800000">
+            <a:off x="43656" y="512988"/>
+            <a:ext cx="107235" cy="76040"/>
+            <a:chOff x="2471369" y="1013152"/>
+            <a:chExt cx="214836" cy="152339"/>
+          </a:xfrm>
+          <a:solidFill>
+            <a:schemeClr val="tx2">
+              <a:lumMod val="75000"/>
+            </a:schemeClr>
+          </a:solidFill>
+        </p:grpSpPr>
+        <p:sp>
+          <p:nvSpPr>
+            <p:cNvPr id="420" name="Freeform: Shape 419">
+              <a:extLst>
+                <a:ext uri="{FF2B5EF4-FFF2-40B4-BE49-F238E27FC236}">
+                  <a16:creationId xmlns:a16="http://schemas.microsoft.com/office/drawing/2014/main" id="{9A2D82ED-B05E-4B12-8E9E-2216CF9C53FF}"/>
+                </a:ext>
+              </a:extLst>
+            </p:cNvPr>
+            <p:cNvSpPr/>
+            <p:nvPr/>
+          </p:nvSpPr>
+          <p:spPr>
+            <a:xfrm>
+              <a:off x="2651367" y="1013152"/>
+              <a:ext cx="34838" cy="152339"/>
+            </a:xfrm>
+            <a:custGeom>
+              <a:avLst/>
+              <a:gdLst>
+                <a:gd name="connsiteX0" fmla="*/ 0 w 34838"/>
+                <a:gd name="connsiteY0" fmla="*/ 0 h 152339"/>
+                <a:gd name="connsiteX1" fmla="*/ 0 w 34838"/>
+                <a:gd name="connsiteY1" fmla="*/ 76170 h 152339"/>
+                <a:gd name="connsiteX2" fmla="*/ 0 w 34838"/>
+                <a:gd name="connsiteY2" fmla="*/ 152339 h 152339"/>
+                <a:gd name="connsiteX3" fmla="*/ 34838 w 34838"/>
+                <a:gd name="connsiteY3" fmla="*/ 152339 h 152339"/>
+                <a:gd name="connsiteX4" fmla="*/ 34838 w 34838"/>
+                <a:gd name="connsiteY4" fmla="*/ 0 h 152339"/>
+              </a:gdLst>
+              <a:ahLst/>
+              <a:cxnLst>
+                <a:cxn ang="0">
+                  <a:pos x="connsiteX0" y="connsiteY0"/>
+                </a:cxn>
+                <a:cxn ang="0">
+                  <a:pos x="connsiteX1" y="connsiteY1"/>
+                </a:cxn>
+                <a:cxn ang="0">
+                  <a:pos x="connsiteX2" y="connsiteY2"/>
+                </a:cxn>
+                <a:cxn ang="0">
+                  <a:pos x="connsiteX3" y="connsiteY3"/>
+                </a:cxn>
+                <a:cxn ang="0">
+                  <a:pos x="connsiteX4" y="connsiteY4"/>
+                </a:cxn>
+              </a:cxnLst>
+              <a:rect l="l" t="t" r="r" b="b"/>
+              <a:pathLst>
+                <a:path w="34838" h="152339">
+                  <a:moveTo>
+                    <a:pt x="0" y="0"/>
+                  </a:moveTo>
+                  <a:lnTo>
+                    <a:pt x="0" y="76170"/>
+                  </a:lnTo>
+                  <a:lnTo>
+                    <a:pt x="0" y="152339"/>
+                  </a:lnTo>
+                  <a:lnTo>
+                    <a:pt x="34838" y="152339"/>
+                  </a:lnTo>
+                  <a:lnTo>
+                    <a:pt x="34838" y="0"/>
+                  </a:lnTo>
+                  <a:close/>
+                </a:path>
+              </a:pathLst>
+            </a:custGeom>
+            <a:grpFill/>
+            <a:ln w="2877" cap="flat">
+              <a:noFill/>
+              <a:prstDash val="solid"/>
+              <a:miter/>
+            </a:ln>
+          </p:spPr>
+          <p:txBody>
+            <a:bodyPr rtlCol="0" anchor="ctr"/>
+            <a:lstStyle/>
+            <a:p>
+              <a:endParaRPr lang="en-US" dirty="0"/>
+            </a:p>
+          </p:txBody>
+        </p:sp>
+        <p:sp>
+          <p:nvSpPr>
+            <p:cNvPr id="421" name="Freeform: Shape 420">
+              <a:extLst>
+                <a:ext uri="{FF2B5EF4-FFF2-40B4-BE49-F238E27FC236}">
+                  <a16:creationId xmlns:a16="http://schemas.microsoft.com/office/drawing/2014/main" id="{A2BF2FC8-FDDF-4E70-AD4C-01D6971FCECD}"/>
+                </a:ext>
+              </a:extLst>
+            </p:cNvPr>
+            <p:cNvSpPr/>
+            <p:nvPr/>
+          </p:nvSpPr>
+          <p:spPr>
+            <a:xfrm>
+              <a:off x="2471369" y="1013152"/>
+              <a:ext cx="85644" cy="152339"/>
+            </a:xfrm>
+            <a:custGeom>
+              <a:avLst/>
+              <a:gdLst>
+                <a:gd name="connsiteX0" fmla="*/ 0 w 85644"/>
+                <a:gd name="connsiteY0" fmla="*/ 152339 h 152339"/>
+                <a:gd name="connsiteX1" fmla="*/ 85644 w 85644"/>
+                <a:gd name="connsiteY1" fmla="*/ 76170 h 152339"/>
+                <a:gd name="connsiteX2" fmla="*/ 0 w 85644"/>
+                <a:gd name="connsiteY2" fmla="*/ 0 h 152339"/>
+              </a:gdLst>
+              <a:ahLst/>
+              <a:cxnLst>
+                <a:cxn ang="0">
+                  <a:pos x="connsiteX0" y="connsiteY0"/>
+                </a:cxn>
+                <a:cxn ang="0">
+                  <a:pos x="connsiteX1" y="connsiteY1"/>
+                </a:cxn>
+                <a:cxn ang="0">
+                  <a:pos x="connsiteX2" y="connsiteY2"/>
+                </a:cxn>
+              </a:cxnLst>
+              <a:rect l="l" t="t" r="r" b="b"/>
+              <a:pathLst>
+                <a:path w="85644" h="152339">
+                  <a:moveTo>
+                    <a:pt x="0" y="152339"/>
+                  </a:moveTo>
+                  <a:lnTo>
+                    <a:pt x="85644" y="76170"/>
+                  </a:lnTo>
+                  <a:lnTo>
+                    <a:pt x="0" y="0"/>
+                  </a:lnTo>
+                  <a:close/>
+                </a:path>
+              </a:pathLst>
+            </a:custGeom>
+            <a:grpFill/>
+            <a:ln w="2877" cap="flat">
+              <a:noFill/>
+              <a:prstDash val="solid"/>
+              <a:miter/>
+            </a:ln>
+          </p:spPr>
+          <p:txBody>
+            <a:bodyPr rtlCol="0" anchor="ctr"/>
+            <a:lstStyle/>
+            <a:p>
+              <a:endParaRPr lang="en-US"/>
+            </a:p>
+          </p:txBody>
+        </p:sp>
+        <p:sp>
+          <p:nvSpPr>
+            <p:cNvPr id="422" name="Freeform: Shape 421">
+              <a:extLst>
+                <a:ext uri="{FF2B5EF4-FFF2-40B4-BE49-F238E27FC236}">
+                  <a16:creationId xmlns:a16="http://schemas.microsoft.com/office/drawing/2014/main" id="{88941956-7C76-4391-B400-C06CAAEF4247}"/>
+                </a:ext>
+              </a:extLst>
+            </p:cNvPr>
+            <p:cNvSpPr/>
+            <p:nvPr/>
+          </p:nvSpPr>
+          <p:spPr>
+            <a:xfrm>
+              <a:off x="2561368" y="1013152"/>
+              <a:ext cx="85644" cy="152339"/>
+            </a:xfrm>
+            <a:custGeom>
+              <a:avLst/>
+              <a:gdLst>
+                <a:gd name="connsiteX0" fmla="*/ 0 w 85644"/>
+                <a:gd name="connsiteY0" fmla="*/ 152339 h 152339"/>
+                <a:gd name="connsiteX1" fmla="*/ 85644 w 85644"/>
+                <a:gd name="connsiteY1" fmla="*/ 76170 h 152339"/>
+                <a:gd name="connsiteX2" fmla="*/ 0 w 85644"/>
+                <a:gd name="connsiteY2" fmla="*/ 0 h 152339"/>
+              </a:gdLst>
+              <a:ahLst/>
+              <a:cxnLst>
+                <a:cxn ang="0">
+                  <a:pos x="connsiteX0" y="connsiteY0"/>
+                </a:cxn>
+                <a:cxn ang="0">
+                  <a:pos x="connsiteX1" y="connsiteY1"/>
+                </a:cxn>
+                <a:cxn ang="0">
+                  <a:pos x="connsiteX2" y="connsiteY2"/>
+                </a:cxn>
+              </a:cxnLst>
+              <a:rect l="l" t="t" r="r" b="b"/>
+              <a:pathLst>
+                <a:path w="85644" h="152339">
+                  <a:moveTo>
+                    <a:pt x="0" y="152339"/>
+                  </a:moveTo>
+                  <a:lnTo>
+                    <a:pt x="85644" y="76170"/>
+                  </a:lnTo>
+                  <a:lnTo>
+                    <a:pt x="0" y="0"/>
+                  </a:lnTo>
+                  <a:close/>
+                </a:path>
+              </a:pathLst>
+            </a:custGeom>
+            <a:grpFill/>
+            <a:ln w="2877" cap="flat">
+              <a:noFill/>
+              <a:prstDash val="solid"/>
+              <a:miter/>
+            </a:ln>
+          </p:spPr>
+          <p:txBody>
+            <a:bodyPr rtlCol="0" anchor="ctr"/>
+            <a:lstStyle/>
+            <a:p>
+              <a:endParaRPr lang="en-US"/>
+            </a:p>
+          </p:txBody>
+        </p:sp>
+      </p:grpSp>
+      <p:grpSp>
+        <p:nvGrpSpPr>
+          <p:cNvPr id="423" name="Graphic 403" descr="End">
+            <a:extLst>
+              <a:ext uri="{FF2B5EF4-FFF2-40B4-BE49-F238E27FC236}">
+                <a16:creationId xmlns:a16="http://schemas.microsoft.com/office/drawing/2014/main" id="{C339165C-86D4-4730-8145-865D43E8284A}"/>
+              </a:ext>
+            </a:extLst>
+          </p:cNvPr>
+          <p:cNvGrpSpPr>
+            <a:grpSpLocks noChangeAspect="1"/>
+          </p:cNvGrpSpPr>
+          <p:nvPr/>
+        </p:nvGrpSpPr>
+        <p:grpSpPr>
+          <a:xfrm rot="10800000">
+            <a:off x="208415" y="512988"/>
+            <a:ext cx="87672" cy="76040"/>
+            <a:chOff x="2471369" y="1013152"/>
+            <a:chExt cx="175643" cy="152339"/>
+          </a:xfrm>
+          <a:solidFill>
+            <a:schemeClr val="tx2">
+              <a:lumMod val="75000"/>
+            </a:schemeClr>
+          </a:solidFill>
+        </p:grpSpPr>
+        <p:sp>
+          <p:nvSpPr>
+            <p:cNvPr id="425" name="Freeform: Shape 424">
+              <a:extLst>
+                <a:ext uri="{FF2B5EF4-FFF2-40B4-BE49-F238E27FC236}">
+                  <a16:creationId xmlns:a16="http://schemas.microsoft.com/office/drawing/2014/main" id="{C89A5838-6F5C-43F5-9747-8284B8AB9FAF}"/>
+                </a:ext>
+              </a:extLst>
+            </p:cNvPr>
+            <p:cNvSpPr/>
+            <p:nvPr/>
+          </p:nvSpPr>
+          <p:spPr>
+            <a:xfrm>
+              <a:off x="2471369" y="1013152"/>
+              <a:ext cx="85644" cy="152339"/>
+            </a:xfrm>
+            <a:custGeom>
+              <a:avLst/>
+              <a:gdLst>
+                <a:gd name="connsiteX0" fmla="*/ 0 w 85644"/>
+                <a:gd name="connsiteY0" fmla="*/ 152339 h 152339"/>
+                <a:gd name="connsiteX1" fmla="*/ 85644 w 85644"/>
+                <a:gd name="connsiteY1" fmla="*/ 76170 h 152339"/>
+                <a:gd name="connsiteX2" fmla="*/ 0 w 85644"/>
+                <a:gd name="connsiteY2" fmla="*/ 0 h 152339"/>
+              </a:gdLst>
+              <a:ahLst/>
+              <a:cxnLst>
+                <a:cxn ang="0">
+                  <a:pos x="connsiteX0" y="connsiteY0"/>
+                </a:cxn>
+                <a:cxn ang="0">
+                  <a:pos x="connsiteX1" y="connsiteY1"/>
+                </a:cxn>
+                <a:cxn ang="0">
+                  <a:pos x="connsiteX2" y="connsiteY2"/>
+                </a:cxn>
+              </a:cxnLst>
+              <a:rect l="l" t="t" r="r" b="b"/>
+              <a:pathLst>
+                <a:path w="85644" h="152339">
+                  <a:moveTo>
+                    <a:pt x="0" y="152339"/>
+                  </a:moveTo>
+                  <a:lnTo>
+                    <a:pt x="85644" y="76170"/>
+                  </a:lnTo>
+                  <a:lnTo>
+                    <a:pt x="0" y="0"/>
+                  </a:lnTo>
+                  <a:close/>
+                </a:path>
+              </a:pathLst>
+            </a:custGeom>
+            <a:grpFill/>
+            <a:ln w="2877" cap="flat">
+              <a:noFill/>
+              <a:prstDash val="solid"/>
+              <a:miter/>
+            </a:ln>
+          </p:spPr>
+          <p:txBody>
+            <a:bodyPr rtlCol="0" anchor="ctr"/>
+            <a:lstStyle/>
+            <a:p>
+              <a:endParaRPr lang="en-US" dirty="0"/>
+            </a:p>
+          </p:txBody>
+        </p:sp>
+        <p:sp>
+          <p:nvSpPr>
+            <p:cNvPr id="426" name="Freeform: Shape 425">
+              <a:extLst>
+                <a:ext uri="{FF2B5EF4-FFF2-40B4-BE49-F238E27FC236}">
+                  <a16:creationId xmlns:a16="http://schemas.microsoft.com/office/drawing/2014/main" id="{3CF6B0DE-181C-4026-B275-8472031FF7F4}"/>
+                </a:ext>
+              </a:extLst>
+            </p:cNvPr>
+            <p:cNvSpPr/>
+            <p:nvPr/>
+          </p:nvSpPr>
+          <p:spPr>
+            <a:xfrm>
+              <a:off x="2561368" y="1013152"/>
+              <a:ext cx="85644" cy="152339"/>
+            </a:xfrm>
+            <a:custGeom>
+              <a:avLst/>
+              <a:gdLst>
+                <a:gd name="connsiteX0" fmla="*/ 0 w 85644"/>
+                <a:gd name="connsiteY0" fmla="*/ 152339 h 152339"/>
+                <a:gd name="connsiteX1" fmla="*/ 85644 w 85644"/>
+                <a:gd name="connsiteY1" fmla="*/ 76170 h 152339"/>
+                <a:gd name="connsiteX2" fmla="*/ 0 w 85644"/>
+                <a:gd name="connsiteY2" fmla="*/ 0 h 152339"/>
+              </a:gdLst>
+              <a:ahLst/>
+              <a:cxnLst>
+                <a:cxn ang="0">
+                  <a:pos x="connsiteX0" y="connsiteY0"/>
+                </a:cxn>
+                <a:cxn ang="0">
+                  <a:pos x="connsiteX1" y="connsiteY1"/>
+                </a:cxn>
+                <a:cxn ang="0">
+                  <a:pos x="connsiteX2" y="connsiteY2"/>
+                </a:cxn>
+              </a:cxnLst>
+              <a:rect l="l" t="t" r="r" b="b"/>
+              <a:pathLst>
+                <a:path w="85644" h="152339">
+                  <a:moveTo>
+                    <a:pt x="0" y="152339"/>
+                  </a:moveTo>
+                  <a:lnTo>
+                    <a:pt x="85644" y="76170"/>
+                  </a:lnTo>
+                  <a:lnTo>
+                    <a:pt x="0" y="0"/>
+                  </a:lnTo>
+                  <a:close/>
+                </a:path>
+              </a:pathLst>
+            </a:custGeom>
+            <a:grpFill/>
+            <a:ln w="2877" cap="flat">
+              <a:noFill/>
+              <a:prstDash val="solid"/>
+              <a:miter/>
+            </a:ln>
+          </p:spPr>
+          <p:txBody>
+            <a:bodyPr rtlCol="0" anchor="ctr"/>
+            <a:lstStyle/>
+            <a:p>
+              <a:endParaRPr lang="en-US" dirty="0"/>
+            </a:p>
+          </p:txBody>
+        </p:sp>
+      </p:grpSp>
+      <p:grpSp>
+        <p:nvGrpSpPr>
+          <p:cNvPr id="427" name="Graphic 403" descr="End">
+            <a:extLst>
+              <a:ext uri="{FF2B5EF4-FFF2-40B4-BE49-F238E27FC236}">
+                <a16:creationId xmlns:a16="http://schemas.microsoft.com/office/drawing/2014/main" id="{3F490B43-B97B-4667-9407-2DCE56DB10F8}"/>
+              </a:ext>
+            </a:extLst>
+          </p:cNvPr>
+          <p:cNvGrpSpPr>
+            <a:grpSpLocks noChangeAspect="1"/>
+          </p:cNvGrpSpPr>
+          <p:nvPr/>
+        </p:nvGrpSpPr>
+        <p:grpSpPr>
+          <a:xfrm>
+            <a:off x="354696" y="512986"/>
+            <a:ext cx="87676" cy="76041"/>
+            <a:chOff x="2471369" y="1013150"/>
+            <a:chExt cx="175651" cy="152341"/>
+          </a:xfrm>
+          <a:solidFill>
+            <a:schemeClr val="tx2">
+              <a:lumMod val="75000"/>
+            </a:schemeClr>
+          </a:solidFill>
+        </p:grpSpPr>
+        <p:sp>
+          <p:nvSpPr>
+            <p:cNvPr id="428" name="Freeform: Shape 427">
+              <a:extLst>
+                <a:ext uri="{FF2B5EF4-FFF2-40B4-BE49-F238E27FC236}">
+                  <a16:creationId xmlns:a16="http://schemas.microsoft.com/office/drawing/2014/main" id="{AB9B28F2-A7AB-4126-8816-CAEB46A9D1BF}"/>
+                </a:ext>
+              </a:extLst>
+            </p:cNvPr>
+            <p:cNvSpPr/>
+            <p:nvPr/>
+          </p:nvSpPr>
+          <p:spPr>
+            <a:xfrm>
+              <a:off x="2471369" y="1013152"/>
+              <a:ext cx="85644" cy="152339"/>
+            </a:xfrm>
+            <a:custGeom>
+              <a:avLst/>
+              <a:gdLst>
+                <a:gd name="connsiteX0" fmla="*/ 0 w 85644"/>
+                <a:gd name="connsiteY0" fmla="*/ 152339 h 152339"/>
+                <a:gd name="connsiteX1" fmla="*/ 85644 w 85644"/>
+                <a:gd name="connsiteY1" fmla="*/ 76170 h 152339"/>
+                <a:gd name="connsiteX2" fmla="*/ 0 w 85644"/>
+                <a:gd name="connsiteY2" fmla="*/ 0 h 152339"/>
+              </a:gdLst>
+              <a:ahLst/>
+              <a:cxnLst>
+                <a:cxn ang="0">
+                  <a:pos x="connsiteX0" y="connsiteY0"/>
+                </a:cxn>
+                <a:cxn ang="0">
+                  <a:pos x="connsiteX1" y="connsiteY1"/>
+                </a:cxn>
+                <a:cxn ang="0">
+                  <a:pos x="connsiteX2" y="connsiteY2"/>
+                </a:cxn>
+              </a:cxnLst>
+              <a:rect l="l" t="t" r="r" b="b"/>
+              <a:pathLst>
+                <a:path w="85644" h="152339">
+                  <a:moveTo>
+                    <a:pt x="0" y="152339"/>
+                  </a:moveTo>
+                  <a:lnTo>
+                    <a:pt x="85644" y="76170"/>
+                  </a:lnTo>
+                  <a:lnTo>
+                    <a:pt x="0" y="0"/>
+                  </a:lnTo>
+                  <a:close/>
+                </a:path>
+              </a:pathLst>
+            </a:custGeom>
+            <a:grpFill/>
+            <a:ln w="2877" cap="flat">
+              <a:noFill/>
+              <a:prstDash val="solid"/>
+              <a:miter/>
+            </a:ln>
+          </p:spPr>
+          <p:txBody>
+            <a:bodyPr rtlCol="0" anchor="ctr"/>
+            <a:lstStyle/>
+            <a:p>
+              <a:endParaRPr lang="en-US" dirty="0"/>
+            </a:p>
+          </p:txBody>
+        </p:sp>
+        <p:sp>
+          <p:nvSpPr>
+            <p:cNvPr id="429" name="Freeform: Shape 428">
+              <a:extLst>
+                <a:ext uri="{FF2B5EF4-FFF2-40B4-BE49-F238E27FC236}">
+                  <a16:creationId xmlns:a16="http://schemas.microsoft.com/office/drawing/2014/main" id="{8E7208E7-1557-41F5-A3AA-6703264941FE}"/>
+                </a:ext>
+              </a:extLst>
+            </p:cNvPr>
+            <p:cNvSpPr/>
+            <p:nvPr/>
+          </p:nvSpPr>
+          <p:spPr>
+            <a:xfrm>
+              <a:off x="2561376" y="1013150"/>
+              <a:ext cx="85644" cy="152339"/>
+            </a:xfrm>
+            <a:custGeom>
+              <a:avLst/>
+              <a:gdLst>
+                <a:gd name="connsiteX0" fmla="*/ 0 w 85644"/>
+                <a:gd name="connsiteY0" fmla="*/ 152339 h 152339"/>
+                <a:gd name="connsiteX1" fmla="*/ 85644 w 85644"/>
+                <a:gd name="connsiteY1" fmla="*/ 76170 h 152339"/>
+                <a:gd name="connsiteX2" fmla="*/ 0 w 85644"/>
+                <a:gd name="connsiteY2" fmla="*/ 0 h 152339"/>
+              </a:gdLst>
+              <a:ahLst/>
+              <a:cxnLst>
+                <a:cxn ang="0">
+                  <a:pos x="connsiteX0" y="connsiteY0"/>
+                </a:cxn>
+                <a:cxn ang="0">
+                  <a:pos x="connsiteX1" y="connsiteY1"/>
+                </a:cxn>
+                <a:cxn ang="0">
+                  <a:pos x="connsiteX2" y="connsiteY2"/>
+                </a:cxn>
+              </a:cxnLst>
+              <a:rect l="l" t="t" r="r" b="b"/>
+              <a:pathLst>
+                <a:path w="85644" h="152339">
+                  <a:moveTo>
+                    <a:pt x="0" y="152339"/>
+                  </a:moveTo>
+                  <a:lnTo>
+                    <a:pt x="85644" y="76170"/>
+                  </a:lnTo>
+                  <a:lnTo>
+                    <a:pt x="0" y="0"/>
+                  </a:lnTo>
+                  <a:close/>
+                </a:path>
+              </a:pathLst>
+            </a:custGeom>
+            <a:grpFill/>
+            <a:ln w="2877" cap="flat">
+              <a:noFill/>
+              <a:prstDash val="solid"/>
+              <a:miter/>
+            </a:ln>
+          </p:spPr>
+          <p:txBody>
+            <a:bodyPr rtlCol="0" anchor="ctr"/>
+            <a:lstStyle/>
+            <a:p>
+              <a:endParaRPr lang="en-US" dirty="0"/>
+            </a:p>
+          </p:txBody>
+        </p:sp>
+      </p:grpSp>
+      <p:pic>
+        <p:nvPicPr>
+          <p:cNvPr id="431" name="Graphic 430" descr="Zoom in">
+            <a:extLst>
+              <a:ext uri="{FF2B5EF4-FFF2-40B4-BE49-F238E27FC236}">
+                <a16:creationId xmlns:a16="http://schemas.microsoft.com/office/drawing/2014/main" id="{2BFDBAE6-594C-4C4E-8505-386CBC597414}"/>
+              </a:ext>
+            </a:extLst>
+          </p:cNvPr>
+          <p:cNvPicPr>
+            <a:picLocks noChangeAspect="1"/>
+          </p:cNvPicPr>
+          <p:nvPr/>
+        </p:nvPicPr>
+        <p:blipFill>
+          <a:blip r:embed="rId28">
+            <a:extLst>
+              <a:ext uri="{28A0092B-C50C-407E-A947-70E740481C1C}">
+                <a14:useLocalDpi xmlns:a14="http://schemas.microsoft.com/office/drawing/2010/main" val="0"/>
+              </a:ext>
+              <a:ext uri="{96DAC541-7B7A-43D3-8B79-37D633B846F1}">
+                <asvg:svgBlip xmlns:asvg="http://schemas.microsoft.com/office/drawing/2016/SVG/main" r:embed="rId29"/>
+              </a:ext>
+            </a:extLst>
+          </a:blip>
+          <a:stretch>
+            <a:fillRect/>
+          </a:stretch>
+        </p:blipFill>
+        <p:spPr>
+          <a:xfrm>
+            <a:off x="745850" y="505793"/>
+            <a:ext cx="93702" cy="93702"/>
+          </a:xfrm>
+          <a:prstGeom prst="rect">
+            <a:avLst/>
+          </a:prstGeom>
+        </p:spPr>
+      </p:pic>
+      <p:pic>
+        <p:nvPicPr>
+          <p:cNvPr id="433" name="Graphic 432" descr="Zoom out">
+            <a:extLst>
+              <a:ext uri="{FF2B5EF4-FFF2-40B4-BE49-F238E27FC236}">
+                <a16:creationId xmlns:a16="http://schemas.microsoft.com/office/drawing/2014/main" id="{D96AE1CE-52C8-4D42-961E-C0982046ACEF}"/>
+              </a:ext>
+            </a:extLst>
+          </p:cNvPr>
+          <p:cNvPicPr>
+            <a:picLocks noChangeAspect="1"/>
+          </p:cNvPicPr>
+          <p:nvPr/>
+        </p:nvPicPr>
+        <p:blipFill>
+          <a:blip r:embed="rId30">
+            <a:extLst>
+              <a:ext uri="{28A0092B-C50C-407E-A947-70E740481C1C}">
+                <a14:useLocalDpi xmlns:a14="http://schemas.microsoft.com/office/drawing/2010/main" val="0"/>
+              </a:ext>
+              <a:ext uri="{96DAC541-7B7A-43D3-8B79-37D633B846F1}">
+                <asvg:svgBlip xmlns:asvg="http://schemas.microsoft.com/office/drawing/2016/SVG/main" r:embed="rId31"/>
+              </a:ext>
+            </a:extLst>
+          </a:blip>
+          <a:stretch>
+            <a:fillRect/>
+          </a:stretch>
+        </p:blipFill>
+        <p:spPr>
+          <a:xfrm>
+            <a:off x="895094" y="503904"/>
+            <a:ext cx="93702" cy="93702"/>
+          </a:xfrm>
+          <a:prstGeom prst="rect">
+            <a:avLst/>
+          </a:prstGeom>
+        </p:spPr>
+      </p:pic>
+      <p:grpSp>
+        <p:nvGrpSpPr>
+          <p:cNvPr id="439" name="Group 438">
+            <a:extLst>
+              <a:ext uri="{FF2B5EF4-FFF2-40B4-BE49-F238E27FC236}">
+                <a16:creationId xmlns:a16="http://schemas.microsoft.com/office/drawing/2014/main" id="{8C7EF34E-FD7A-4C2B-AC6F-59D3B40811FB}"/>
+              </a:ext>
+            </a:extLst>
+          </p:cNvPr>
+          <p:cNvGrpSpPr>
+            <a:grpSpLocks noChangeAspect="1"/>
+          </p:cNvGrpSpPr>
+          <p:nvPr/>
+        </p:nvGrpSpPr>
+        <p:grpSpPr>
+          <a:xfrm>
+            <a:off x="1044339" y="506517"/>
+            <a:ext cx="87479" cy="87479"/>
+            <a:chOff x="4196715" y="2482215"/>
+            <a:chExt cx="751881" cy="752474"/>
+          </a:xfrm>
+        </p:grpSpPr>
+        <p:sp>
+          <p:nvSpPr>
+            <p:cNvPr id="440" name="Graphic 434" descr="Magnifying glass">
+              <a:extLst>
+                <a:ext uri="{FF2B5EF4-FFF2-40B4-BE49-F238E27FC236}">
+                  <a16:creationId xmlns:a16="http://schemas.microsoft.com/office/drawing/2014/main" id="{CB67814F-EFE8-441B-A6A7-D420D57709EF}"/>
+                </a:ext>
+              </a:extLst>
+            </p:cNvPr>
+            <p:cNvSpPr/>
+            <p:nvPr/>
+          </p:nvSpPr>
+          <p:spPr>
+            <a:xfrm>
+              <a:off x="4196715" y="2482215"/>
+              <a:ext cx="751881" cy="752474"/>
+            </a:xfrm>
+            <a:custGeom>
+              <a:avLst/>
+              <a:gdLst>
+                <a:gd name="connsiteX0" fmla="*/ 732473 w 751881"/>
+                <a:gd name="connsiteY0" fmla="*/ 638175 h 752474"/>
+                <a:gd name="connsiteX1" fmla="*/ 613410 w 751881"/>
+                <a:gd name="connsiteY1" fmla="*/ 519112 h 752474"/>
+                <a:gd name="connsiteX2" fmla="*/ 554355 w 751881"/>
+                <a:gd name="connsiteY2" fmla="*/ 501015 h 752474"/>
+                <a:gd name="connsiteX3" fmla="*/ 512445 w 751881"/>
+                <a:gd name="connsiteY3" fmla="*/ 459105 h 752474"/>
+                <a:gd name="connsiteX4" fmla="*/ 571500 w 751881"/>
+                <a:gd name="connsiteY4" fmla="*/ 285750 h 752474"/>
+                <a:gd name="connsiteX5" fmla="*/ 285750 w 751881"/>
+                <a:gd name="connsiteY5" fmla="*/ 0 h 752474"/>
+                <a:gd name="connsiteX6" fmla="*/ 0 w 751881"/>
+                <a:gd name="connsiteY6" fmla="*/ 285750 h 752474"/>
+                <a:gd name="connsiteX7" fmla="*/ 285750 w 751881"/>
+                <a:gd name="connsiteY7" fmla="*/ 571500 h 752474"/>
+                <a:gd name="connsiteX8" fmla="*/ 459105 w 751881"/>
+                <a:gd name="connsiteY8" fmla="*/ 512445 h 752474"/>
+                <a:gd name="connsiteX9" fmla="*/ 501015 w 751881"/>
+                <a:gd name="connsiteY9" fmla="*/ 554355 h 752474"/>
+                <a:gd name="connsiteX10" fmla="*/ 519112 w 751881"/>
+                <a:gd name="connsiteY10" fmla="*/ 613410 h 752474"/>
+                <a:gd name="connsiteX11" fmla="*/ 638175 w 751881"/>
+                <a:gd name="connsiteY11" fmla="*/ 732473 h 752474"/>
+                <a:gd name="connsiteX12" fmla="*/ 685800 w 751881"/>
+                <a:gd name="connsiteY12" fmla="*/ 752475 h 752474"/>
+                <a:gd name="connsiteX13" fmla="*/ 733425 w 751881"/>
+                <a:gd name="connsiteY13" fmla="*/ 732473 h 752474"/>
+                <a:gd name="connsiteX14" fmla="*/ 732473 w 751881"/>
+                <a:gd name="connsiteY14" fmla="*/ 638175 h 752474"/>
+                <a:gd name="connsiteX15" fmla="*/ 284798 w 751881"/>
+                <a:gd name="connsiteY15" fmla="*/ 513398 h 752474"/>
+                <a:gd name="connsiteX16" fmla="*/ 56197 w 751881"/>
+                <a:gd name="connsiteY16" fmla="*/ 284798 h 752474"/>
+                <a:gd name="connsiteX17" fmla="*/ 284798 w 751881"/>
+                <a:gd name="connsiteY17" fmla="*/ 56197 h 752474"/>
+                <a:gd name="connsiteX18" fmla="*/ 513398 w 751881"/>
+                <a:gd name="connsiteY18" fmla="*/ 284798 h 752474"/>
+                <a:gd name="connsiteX19" fmla="*/ 284798 w 751881"/>
+                <a:gd name="connsiteY19" fmla="*/ 513398 h 752474"/>
+              </a:gdLst>
+              <a:ahLst/>
+              <a:cxnLst>
+                <a:cxn ang="0">
+                  <a:pos x="connsiteX0" y="connsiteY0"/>
+                </a:cxn>
+                <a:cxn ang="0">
+                  <a:pos x="connsiteX1" y="connsiteY1"/>
+                </a:cxn>
+                <a:cxn ang="0">
+                  <a:pos x="connsiteX2" y="connsiteY2"/>
+                </a:cxn>
+                <a:cxn ang="0">
+                  <a:pos x="connsiteX3" y="connsiteY3"/>
+                </a:cxn>
+                <a:cxn ang="0">
+                  <a:pos x="connsiteX4" y="connsiteY4"/>
+                </a:cxn>
+                <a:cxn ang="0">
+                  <a:pos x="connsiteX5" y="connsiteY5"/>
+                </a:cxn>
+                <a:cxn ang="0">
+                  <a:pos x="connsiteX6" y="connsiteY6"/>
+                </a:cxn>
+                <a:cxn ang="0">
+                  <a:pos x="connsiteX7" y="connsiteY7"/>
+                </a:cxn>
+                <a:cxn ang="0">
+                  <a:pos x="connsiteX8" y="connsiteY8"/>
+                </a:cxn>
+                <a:cxn ang="0">
+                  <a:pos x="connsiteX9" y="connsiteY9"/>
+                </a:cxn>
+                <a:cxn ang="0">
+                  <a:pos x="connsiteX10" y="connsiteY10"/>
+                </a:cxn>
+                <a:cxn ang="0">
+                  <a:pos x="connsiteX11" y="connsiteY11"/>
+                </a:cxn>
+                <a:cxn ang="0">
+                  <a:pos x="connsiteX12" y="connsiteY12"/>
+                </a:cxn>
+                <a:cxn ang="0">
+                  <a:pos x="connsiteX13" y="connsiteY13"/>
+                </a:cxn>
+                <a:cxn ang="0">
+                  <a:pos x="connsiteX14" y="connsiteY14"/>
+                </a:cxn>
+                <a:cxn ang="0">
+                  <a:pos x="connsiteX15" y="connsiteY15"/>
+                </a:cxn>
+                <a:cxn ang="0">
+                  <a:pos x="connsiteX16" y="connsiteY16"/>
+                </a:cxn>
+                <a:cxn ang="0">
+                  <a:pos x="connsiteX17" y="connsiteY17"/>
+                </a:cxn>
+                <a:cxn ang="0">
+                  <a:pos x="connsiteX18" y="connsiteY18"/>
+                </a:cxn>
+                <a:cxn ang="0">
+                  <a:pos x="connsiteX19" y="connsiteY19"/>
+                </a:cxn>
+              </a:cxnLst>
+              <a:rect l="l" t="t" r="r" b="b"/>
+              <a:pathLst>
+                <a:path w="751881" h="752474">
+                  <a:moveTo>
+                    <a:pt x="732473" y="638175"/>
+                  </a:moveTo>
+                  <a:lnTo>
+                    <a:pt x="613410" y="519112"/>
+                  </a:lnTo>
+                  <a:cubicBezTo>
+                    <a:pt x="597218" y="502920"/>
+                    <a:pt x="575310" y="497205"/>
+                    <a:pt x="554355" y="501015"/>
+                  </a:cubicBezTo>
+                  <a:lnTo>
+                    <a:pt x="512445" y="459105"/>
+                  </a:lnTo>
+                  <a:cubicBezTo>
+                    <a:pt x="549593" y="411480"/>
+                    <a:pt x="571500" y="350520"/>
+                    <a:pt x="571500" y="285750"/>
+                  </a:cubicBezTo>
+                  <a:cubicBezTo>
+                    <a:pt x="571500" y="128588"/>
+                    <a:pt x="442912" y="0"/>
+                    <a:pt x="285750" y="0"/>
+                  </a:cubicBezTo>
+                  <a:cubicBezTo>
+                    <a:pt x="128588" y="0"/>
+                    <a:pt x="0" y="128588"/>
+                    <a:pt x="0" y="285750"/>
+                  </a:cubicBezTo>
+                  <a:cubicBezTo>
+                    <a:pt x="0" y="442912"/>
+                    <a:pt x="128588" y="571500"/>
+                    <a:pt x="285750" y="571500"/>
+                  </a:cubicBezTo>
+                  <a:cubicBezTo>
+                    <a:pt x="350520" y="571500"/>
+                    <a:pt x="410528" y="549593"/>
+                    <a:pt x="459105" y="512445"/>
+                  </a:cubicBezTo>
+                  <a:lnTo>
+                    <a:pt x="501015" y="554355"/>
+                  </a:lnTo>
+                  <a:cubicBezTo>
+                    <a:pt x="497205" y="575310"/>
+                    <a:pt x="502920" y="597218"/>
+                    <a:pt x="519112" y="613410"/>
+                  </a:cubicBezTo>
+                  <a:lnTo>
+                    <a:pt x="638175" y="732473"/>
+                  </a:lnTo>
+                  <a:cubicBezTo>
+                    <a:pt x="651510" y="745808"/>
+                    <a:pt x="668655" y="752475"/>
+                    <a:pt x="685800" y="752475"/>
+                  </a:cubicBezTo>
+                  <a:cubicBezTo>
+                    <a:pt x="702945" y="752475"/>
+                    <a:pt x="720090" y="745808"/>
+                    <a:pt x="733425" y="732473"/>
+                  </a:cubicBezTo>
+                  <a:cubicBezTo>
+                    <a:pt x="758190" y="705802"/>
+                    <a:pt x="758190" y="663893"/>
+                    <a:pt x="732473" y="638175"/>
+                  </a:cubicBezTo>
+                  <a:close/>
+                  <a:moveTo>
+                    <a:pt x="284798" y="513398"/>
+                  </a:moveTo>
+                  <a:cubicBezTo>
+                    <a:pt x="159067" y="513398"/>
+                    <a:pt x="56197" y="410528"/>
+                    <a:pt x="56197" y="284798"/>
+                  </a:cubicBezTo>
+                  <a:cubicBezTo>
+                    <a:pt x="56197" y="159067"/>
+                    <a:pt x="159067" y="56197"/>
+                    <a:pt x="284798" y="56197"/>
+                  </a:cubicBezTo>
+                  <a:cubicBezTo>
+                    <a:pt x="410528" y="56197"/>
+                    <a:pt x="513398" y="159067"/>
+                    <a:pt x="513398" y="284798"/>
+                  </a:cubicBezTo>
+                  <a:cubicBezTo>
+                    <a:pt x="513398" y="410528"/>
+                    <a:pt x="410528" y="513398"/>
+                    <a:pt x="284798" y="513398"/>
+                  </a:cubicBezTo>
+                  <a:close/>
+                </a:path>
+              </a:pathLst>
+            </a:custGeom>
+            <a:solidFill>
+              <a:schemeClr val="tx2">
+                <a:lumMod val="75000"/>
+              </a:schemeClr>
+            </a:solidFill>
+            <a:ln w="9525" cap="flat">
+              <a:noFill/>
+              <a:prstDash val="solid"/>
+              <a:miter/>
+            </a:ln>
+          </p:spPr>
+          <p:txBody>
+            <a:bodyPr rtlCol="0" anchor="ctr"/>
+            <a:lstStyle/>
+            <a:p>
+              <a:endParaRPr lang="en-US"/>
+            </a:p>
+          </p:txBody>
+        </p:sp>
+        <p:sp>
+          <p:nvSpPr>
+            <p:cNvPr id="441" name="Isosceles Triangle 440">
+              <a:extLst>
+                <a:ext uri="{FF2B5EF4-FFF2-40B4-BE49-F238E27FC236}">
+                  <a16:creationId xmlns:a16="http://schemas.microsoft.com/office/drawing/2014/main" id="{F08C0CCD-5694-4D5E-9287-A22A7F93F36C}"/>
+                </a:ext>
+              </a:extLst>
+            </p:cNvPr>
+            <p:cNvSpPr/>
+            <p:nvPr/>
+          </p:nvSpPr>
+          <p:spPr>
+            <a:xfrm flipV="1">
+              <a:off x="4381035" y="2706785"/>
+              <a:ext cx="210139" cy="151503"/>
+            </a:xfrm>
+            <a:prstGeom prst="triangle">
+              <a:avLst/>
+            </a:prstGeom>
+            <a:solidFill>
+              <a:schemeClr val="tx2">
+                <a:lumMod val="75000"/>
+              </a:schemeClr>
+            </a:solidFill>
+            <a:ln>
+              <a:noFill/>
+            </a:ln>
+          </p:spPr>
+          <p:style>
+            <a:lnRef idx="2">
+              <a:schemeClr val="accent1">
+                <a:shade val="50000"/>
+              </a:schemeClr>
+            </a:lnRef>
+            <a:fillRef idx="1">
+              <a:schemeClr val="accent1"/>
+            </a:fillRef>
+            <a:effectRef idx="0">
+              <a:schemeClr val="accent1"/>
+            </a:effectRef>
+            <a:fontRef idx="minor">
+              <a:schemeClr val="lt1"/>
+            </a:fontRef>
+          </p:style>
+          <p:txBody>
+            <a:bodyPr rtlCol="0" anchor="ctr"/>
+            <a:lstStyle/>
+            <a:p>
+              <a:pPr algn="ctr"/>
+              <a:endParaRPr lang="en-US"/>
+            </a:p>
+          </p:txBody>
+        </p:sp>
+      </p:grpSp>
+      <p:cxnSp>
+        <p:nvCxnSpPr>
+          <p:cNvPr id="447" name="Straight Connector 446">
+            <a:extLst>
+              <a:ext uri="{FF2B5EF4-FFF2-40B4-BE49-F238E27FC236}">
+                <a16:creationId xmlns:a16="http://schemas.microsoft.com/office/drawing/2014/main" id="{1DD2D833-4CA4-47CE-8AB0-DBBBA457C5C6}"/>
+              </a:ext>
+            </a:extLst>
+          </p:cNvPr>
+          <p:cNvCxnSpPr>
+            <a:cxnSpLocks/>
+          </p:cNvCxnSpPr>
+          <p:nvPr/>
+        </p:nvCxnSpPr>
+        <p:spPr>
+          <a:xfrm>
+            <a:off x="1180961" y="550237"/>
+            <a:ext cx="7962142" cy="813"/>
+          </a:xfrm>
+          <a:prstGeom prst="line">
+            <a:avLst/>
+          </a:prstGeom>
+          <a:ln w="9525">
+            <a:solidFill>
+              <a:schemeClr val="tx2">
+                <a:lumMod val="75000"/>
+              </a:schemeClr>
+            </a:solidFill>
+          </a:ln>
+        </p:spPr>
+        <p:style>
+          <a:lnRef idx="1">
+            <a:schemeClr val="accent1"/>
+          </a:lnRef>
+          <a:fillRef idx="0">
+            <a:schemeClr val="accent1"/>
+          </a:fillRef>
+          <a:effectRef idx="0">
+            <a:schemeClr val="accent1"/>
+          </a:effectRef>
+          <a:fontRef idx="minor">
+            <a:schemeClr val="tx1"/>
+          </a:fontRef>
+        </p:style>
+      </p:cxnSp>
     </p:spTree>
     <p:extLst>
       <p:ext uri="{BB962C8B-B14F-4D97-AF65-F5344CB8AC3E}">

--- a/DAW.pptx
+++ b/DAW.pptx
@@ -16139,7 +16139,7 @@
         </p:nvSpPr>
         <p:spPr>
           <a:xfrm>
-            <a:off x="-1" y="603129"/>
+            <a:off x="7267" y="584552"/>
             <a:ext cx="1172625" cy="625908"/>
           </a:xfrm>
           <a:prstGeom prst="rect">
@@ -16193,7 +16193,7 @@
         </p:nvSpPr>
         <p:spPr>
           <a:xfrm>
-            <a:off x="-9251" y="552463"/>
+            <a:off x="-9251" y="581427"/>
             <a:ext cx="1172629" cy="227672"/>
           </a:xfrm>
           <a:prstGeom prst="rect">
@@ -16295,8 +16295,8 @@
         </p:nvSpPr>
         <p:spPr>
           <a:xfrm>
-            <a:off x="1191" y="494190"/>
-            <a:ext cx="9133575" cy="113720"/>
+            <a:off x="61045" y="494400"/>
+            <a:ext cx="9082955" cy="113326"/>
           </a:xfrm>
           <a:prstGeom prst="rect">
             <a:avLst/>
@@ -17705,6 +17705,3403 @@
           </a:fontRef>
         </p:style>
       </p:cxnSp>
+      <p:pic>
+        <p:nvPicPr>
+          <p:cNvPr id="449" name="Graphic 448" descr="Pencil">
+            <a:extLst>
+              <a:ext uri="{FF2B5EF4-FFF2-40B4-BE49-F238E27FC236}">
+                <a16:creationId xmlns:a16="http://schemas.microsoft.com/office/drawing/2014/main" id="{FF7065A8-ABE8-4E33-B45A-A374675C4B45}"/>
+              </a:ext>
+            </a:extLst>
+          </p:cNvPr>
+          <p:cNvPicPr>
+            <a:picLocks noChangeAspect="1"/>
+          </p:cNvPicPr>
+          <p:nvPr/>
+        </p:nvPicPr>
+        <p:blipFill>
+          <a:blip r:embed="rId32">
+            <a:extLst>
+              <a:ext uri="{28A0092B-C50C-407E-A947-70E740481C1C}">
+                <a14:useLocalDpi xmlns:a14="http://schemas.microsoft.com/office/drawing/2010/main" val="0"/>
+              </a:ext>
+              <a:ext uri="{96DAC541-7B7A-43D3-8B79-37D633B846F1}">
+                <asvg:svgBlip xmlns:asvg="http://schemas.microsoft.com/office/drawing/2016/SVG/main" r:embed="rId33"/>
+              </a:ext>
+            </a:extLst>
+          </a:blip>
+          <a:stretch>
+            <a:fillRect/>
+          </a:stretch>
+        </p:blipFill>
+        <p:spPr>
+          <a:xfrm>
+            <a:off x="500030" y="45288"/>
+            <a:ext cx="161654" cy="161654"/>
+          </a:xfrm>
+          <a:prstGeom prst="rect">
+            <a:avLst/>
+          </a:prstGeom>
+        </p:spPr>
+      </p:pic>
+      <p:grpSp>
+        <p:nvGrpSpPr>
+          <p:cNvPr id="454" name="Group 453">
+            <a:extLst>
+              <a:ext uri="{FF2B5EF4-FFF2-40B4-BE49-F238E27FC236}">
+                <a16:creationId xmlns:a16="http://schemas.microsoft.com/office/drawing/2014/main" id="{F7AB7CE1-AFE4-4A73-BBBC-AEE4D3320438}"/>
+              </a:ext>
+            </a:extLst>
+          </p:cNvPr>
+          <p:cNvGrpSpPr>
+            <a:grpSpLocks noChangeAspect="1"/>
+          </p:cNvGrpSpPr>
+          <p:nvPr/>
+        </p:nvGrpSpPr>
+        <p:grpSpPr>
+          <a:xfrm>
+            <a:off x="278974" y="334750"/>
+            <a:ext cx="153192" cy="45719"/>
+            <a:chOff x="5057534" y="2449889"/>
+            <a:chExt cx="355144" cy="105990"/>
+          </a:xfrm>
+        </p:grpSpPr>
+        <p:sp>
+          <p:nvSpPr>
+            <p:cNvPr id="450" name="Rectangle 449">
+              <a:extLst>
+                <a:ext uri="{FF2B5EF4-FFF2-40B4-BE49-F238E27FC236}">
+                  <a16:creationId xmlns:a16="http://schemas.microsoft.com/office/drawing/2014/main" id="{E5540DFD-5A28-4F6C-8F5D-BAFB7B547442}"/>
+                </a:ext>
+              </a:extLst>
+            </p:cNvPr>
+            <p:cNvSpPr/>
+            <p:nvPr/>
+          </p:nvSpPr>
+          <p:spPr>
+            <a:xfrm>
+              <a:off x="5124306" y="2481943"/>
+              <a:ext cx="221600" cy="45719"/>
+            </a:xfrm>
+            <a:prstGeom prst="rect">
+              <a:avLst/>
+            </a:prstGeom>
+            <a:solidFill>
+              <a:schemeClr val="bg1">
+                <a:lumMod val="95000"/>
+              </a:schemeClr>
+            </a:solidFill>
+            <a:ln>
+              <a:noFill/>
+            </a:ln>
+          </p:spPr>
+          <p:style>
+            <a:lnRef idx="2">
+              <a:schemeClr val="accent1">
+                <a:shade val="50000"/>
+              </a:schemeClr>
+            </a:lnRef>
+            <a:fillRef idx="1">
+              <a:schemeClr val="accent1"/>
+            </a:fillRef>
+            <a:effectRef idx="0">
+              <a:schemeClr val="accent1"/>
+            </a:effectRef>
+            <a:fontRef idx="minor">
+              <a:schemeClr val="lt1"/>
+            </a:fontRef>
+          </p:style>
+          <p:txBody>
+            <a:bodyPr rtlCol="0" anchor="ctr"/>
+            <a:lstStyle/>
+            <a:p>
+              <a:pPr algn="ctr"/>
+              <a:endParaRPr lang="en-US"/>
+            </a:p>
+          </p:txBody>
+        </p:sp>
+        <p:sp>
+          <p:nvSpPr>
+            <p:cNvPr id="452" name="Isosceles Triangle 451">
+              <a:extLst>
+                <a:ext uri="{FF2B5EF4-FFF2-40B4-BE49-F238E27FC236}">
+                  <a16:creationId xmlns:a16="http://schemas.microsoft.com/office/drawing/2014/main" id="{05D8EA01-ECA8-42BC-8965-5CFD42BEDE3A}"/>
+                </a:ext>
+              </a:extLst>
+            </p:cNvPr>
+            <p:cNvSpPr/>
+            <p:nvPr/>
+          </p:nvSpPr>
+          <p:spPr>
+            <a:xfrm rot="5400000">
+              <a:off x="5326297" y="2469498"/>
+              <a:ext cx="105990" cy="66772"/>
+            </a:xfrm>
+            <a:prstGeom prst="triangle">
+              <a:avLst/>
+            </a:prstGeom>
+            <a:solidFill>
+              <a:schemeClr val="bg1">
+                <a:lumMod val="95000"/>
+              </a:schemeClr>
+            </a:solidFill>
+            <a:ln>
+              <a:noFill/>
+            </a:ln>
+          </p:spPr>
+          <p:style>
+            <a:lnRef idx="2">
+              <a:schemeClr val="accent1">
+                <a:shade val="50000"/>
+              </a:schemeClr>
+            </a:lnRef>
+            <a:fillRef idx="1">
+              <a:schemeClr val="accent1"/>
+            </a:fillRef>
+            <a:effectRef idx="0">
+              <a:schemeClr val="accent1"/>
+            </a:effectRef>
+            <a:fontRef idx="minor">
+              <a:schemeClr val="lt1"/>
+            </a:fontRef>
+          </p:style>
+          <p:txBody>
+            <a:bodyPr rtlCol="0" anchor="ctr"/>
+            <a:lstStyle/>
+            <a:p>
+              <a:pPr algn="ctr"/>
+              <a:endParaRPr lang="en-US"/>
+            </a:p>
+          </p:txBody>
+        </p:sp>
+        <p:sp>
+          <p:nvSpPr>
+            <p:cNvPr id="453" name="Isosceles Triangle 452">
+              <a:extLst>
+                <a:ext uri="{FF2B5EF4-FFF2-40B4-BE49-F238E27FC236}">
+                  <a16:creationId xmlns:a16="http://schemas.microsoft.com/office/drawing/2014/main" id="{43203C86-F968-48BD-962F-5D16D558090A}"/>
+                </a:ext>
+              </a:extLst>
+            </p:cNvPr>
+            <p:cNvSpPr/>
+            <p:nvPr/>
+          </p:nvSpPr>
+          <p:spPr>
+            <a:xfrm rot="16200000">
+              <a:off x="5037925" y="2469498"/>
+              <a:ext cx="105990" cy="66772"/>
+            </a:xfrm>
+            <a:prstGeom prst="triangle">
+              <a:avLst/>
+            </a:prstGeom>
+            <a:solidFill>
+              <a:schemeClr val="bg1">
+                <a:lumMod val="95000"/>
+              </a:schemeClr>
+            </a:solidFill>
+            <a:ln>
+              <a:noFill/>
+            </a:ln>
+          </p:spPr>
+          <p:style>
+            <a:lnRef idx="2">
+              <a:schemeClr val="accent1">
+                <a:shade val="50000"/>
+              </a:schemeClr>
+            </a:lnRef>
+            <a:fillRef idx="1">
+              <a:schemeClr val="accent1"/>
+            </a:fillRef>
+            <a:effectRef idx="0">
+              <a:schemeClr val="accent1"/>
+            </a:effectRef>
+            <a:fontRef idx="minor">
+              <a:schemeClr val="lt1"/>
+            </a:fontRef>
+          </p:style>
+          <p:txBody>
+            <a:bodyPr rtlCol="0" anchor="ctr"/>
+            <a:lstStyle/>
+            <a:p>
+              <a:pPr algn="ctr"/>
+              <a:endParaRPr lang="en-US"/>
+            </a:p>
+          </p:txBody>
+        </p:sp>
+      </p:grpSp>
+      <p:grpSp>
+        <p:nvGrpSpPr>
+          <p:cNvPr id="460" name="Group 459">
+            <a:extLst>
+              <a:ext uri="{FF2B5EF4-FFF2-40B4-BE49-F238E27FC236}">
+                <a16:creationId xmlns:a16="http://schemas.microsoft.com/office/drawing/2014/main" id="{8531F086-9826-40E5-B044-0AEF4B617512}"/>
+              </a:ext>
+            </a:extLst>
+          </p:cNvPr>
+          <p:cNvGrpSpPr>
+            <a:grpSpLocks noChangeAspect="1"/>
+          </p:cNvGrpSpPr>
+          <p:nvPr/>
+        </p:nvGrpSpPr>
+        <p:grpSpPr>
+          <a:xfrm rot="5400000">
+            <a:off x="521887" y="276114"/>
+            <a:ext cx="121988" cy="153925"/>
+            <a:chOff x="1483410" y="830871"/>
+            <a:chExt cx="431883" cy="432240"/>
+          </a:xfrm>
+        </p:grpSpPr>
+        <p:sp>
+          <p:nvSpPr>
+            <p:cNvPr id="455" name="Rectangle 454">
+              <a:extLst>
+                <a:ext uri="{FF2B5EF4-FFF2-40B4-BE49-F238E27FC236}">
+                  <a16:creationId xmlns:a16="http://schemas.microsoft.com/office/drawing/2014/main" id="{66B10281-3484-454F-92DD-017CA0BD552D}"/>
+                </a:ext>
+              </a:extLst>
+            </p:cNvPr>
+            <p:cNvSpPr/>
+            <p:nvPr/>
+          </p:nvSpPr>
+          <p:spPr>
+            <a:xfrm>
+              <a:off x="1483410" y="1025619"/>
+              <a:ext cx="431883" cy="45719"/>
+            </a:xfrm>
+            <a:prstGeom prst="rect">
+              <a:avLst/>
+            </a:prstGeom>
+            <a:solidFill>
+              <a:schemeClr val="bg1">
+                <a:lumMod val="95000"/>
+              </a:schemeClr>
+            </a:solidFill>
+            <a:ln>
+              <a:noFill/>
+            </a:ln>
+          </p:spPr>
+          <p:style>
+            <a:lnRef idx="2">
+              <a:schemeClr val="accent1">
+                <a:shade val="50000"/>
+              </a:schemeClr>
+            </a:lnRef>
+            <a:fillRef idx="1">
+              <a:schemeClr val="accent1"/>
+            </a:fillRef>
+            <a:effectRef idx="0">
+              <a:schemeClr val="accent1"/>
+            </a:effectRef>
+            <a:fontRef idx="minor">
+              <a:schemeClr val="lt1"/>
+            </a:fontRef>
+          </p:style>
+          <p:txBody>
+            <a:bodyPr rtlCol="0" anchor="ctr"/>
+            <a:lstStyle/>
+            <a:p>
+              <a:pPr algn="ctr"/>
+              <a:endParaRPr lang="en-US"/>
+            </a:p>
+          </p:txBody>
+        </p:sp>
+        <p:sp>
+          <p:nvSpPr>
+            <p:cNvPr id="458" name="Rectangle 457">
+              <a:extLst>
+                <a:ext uri="{FF2B5EF4-FFF2-40B4-BE49-F238E27FC236}">
+                  <a16:creationId xmlns:a16="http://schemas.microsoft.com/office/drawing/2014/main" id="{EEF0347B-3BFD-4266-966C-0E7AF74ABF56}"/>
+                </a:ext>
+              </a:extLst>
+            </p:cNvPr>
+            <p:cNvSpPr/>
+            <p:nvPr/>
+          </p:nvSpPr>
+          <p:spPr>
+            <a:xfrm rot="7625882">
+              <a:off x="1482331" y="1024310"/>
+              <a:ext cx="431883" cy="45719"/>
+            </a:xfrm>
+            <a:prstGeom prst="rect">
+              <a:avLst/>
+            </a:prstGeom>
+            <a:solidFill>
+              <a:schemeClr val="bg1">
+                <a:lumMod val="95000"/>
+              </a:schemeClr>
+            </a:solidFill>
+            <a:ln>
+              <a:noFill/>
+            </a:ln>
+          </p:spPr>
+          <p:style>
+            <a:lnRef idx="2">
+              <a:schemeClr val="accent1">
+                <a:shade val="50000"/>
+              </a:schemeClr>
+            </a:lnRef>
+            <a:fillRef idx="1">
+              <a:schemeClr val="accent1"/>
+            </a:fillRef>
+            <a:effectRef idx="0">
+              <a:schemeClr val="accent1"/>
+            </a:effectRef>
+            <a:fontRef idx="minor">
+              <a:schemeClr val="lt1"/>
+            </a:fontRef>
+          </p:style>
+          <p:txBody>
+            <a:bodyPr rtlCol="0" anchor="ctr"/>
+            <a:lstStyle/>
+            <a:p>
+              <a:pPr algn="ctr"/>
+              <a:endParaRPr lang="en-US"/>
+            </a:p>
+          </p:txBody>
+        </p:sp>
+        <p:sp>
+          <p:nvSpPr>
+            <p:cNvPr id="459" name="Rectangle 458">
+              <a:extLst>
+                <a:ext uri="{FF2B5EF4-FFF2-40B4-BE49-F238E27FC236}">
+                  <a16:creationId xmlns:a16="http://schemas.microsoft.com/office/drawing/2014/main" id="{420569CC-9412-45B4-B5F0-44AA73EB4567}"/>
+                </a:ext>
+              </a:extLst>
+            </p:cNvPr>
+            <p:cNvSpPr/>
+            <p:nvPr/>
+          </p:nvSpPr>
+          <p:spPr>
+            <a:xfrm rot="3134798">
+              <a:off x="1480529" y="1023953"/>
+              <a:ext cx="431883" cy="45719"/>
+            </a:xfrm>
+            <a:prstGeom prst="rect">
+              <a:avLst/>
+            </a:prstGeom>
+            <a:solidFill>
+              <a:schemeClr val="bg1">
+                <a:lumMod val="95000"/>
+              </a:schemeClr>
+            </a:solidFill>
+            <a:ln>
+              <a:noFill/>
+            </a:ln>
+          </p:spPr>
+          <p:style>
+            <a:lnRef idx="2">
+              <a:schemeClr val="accent1">
+                <a:shade val="50000"/>
+              </a:schemeClr>
+            </a:lnRef>
+            <a:fillRef idx="1">
+              <a:schemeClr val="accent1"/>
+            </a:fillRef>
+            <a:effectRef idx="0">
+              <a:schemeClr val="accent1"/>
+            </a:effectRef>
+            <a:fontRef idx="minor">
+              <a:schemeClr val="lt1"/>
+            </a:fontRef>
+          </p:style>
+          <p:txBody>
+            <a:bodyPr rtlCol="0" anchor="ctr"/>
+            <a:lstStyle/>
+            <a:p>
+              <a:pPr algn="ctr"/>
+              <a:endParaRPr lang="en-US"/>
+            </a:p>
+          </p:txBody>
+        </p:sp>
+      </p:grpSp>
+      <p:pic>
+        <p:nvPicPr>
+          <p:cNvPr id="462" name="Graphic 461" descr="Hourglass">
+            <a:extLst>
+              <a:ext uri="{FF2B5EF4-FFF2-40B4-BE49-F238E27FC236}">
+                <a16:creationId xmlns:a16="http://schemas.microsoft.com/office/drawing/2014/main" id="{18EBDCC1-79B0-46CC-B40E-19A6CC9CC183}"/>
+              </a:ext>
+            </a:extLst>
+          </p:cNvPr>
+          <p:cNvPicPr>
+            <a:picLocks noChangeAspect="1"/>
+          </p:cNvPicPr>
+          <p:nvPr/>
+        </p:nvPicPr>
+        <p:blipFill>
+          <a:blip r:embed="rId34">
+            <a:extLst>
+              <a:ext uri="{28A0092B-C50C-407E-A947-70E740481C1C}">
+                <a14:useLocalDpi xmlns:a14="http://schemas.microsoft.com/office/drawing/2010/main" val="0"/>
+              </a:ext>
+              <a:ext uri="{96DAC541-7B7A-43D3-8B79-37D633B846F1}">
+                <asvg:svgBlip xmlns:asvg="http://schemas.microsoft.com/office/drawing/2016/SVG/main" r:embed="rId35"/>
+              </a:ext>
+            </a:extLst>
+          </a:blip>
+          <a:stretch>
+            <a:fillRect/>
+          </a:stretch>
+        </p:blipFill>
+        <p:spPr>
+          <a:xfrm>
+            <a:off x="274744" y="44942"/>
+            <a:ext cx="168048" cy="168048"/>
+          </a:xfrm>
+          <a:prstGeom prst="rect">
+            <a:avLst/>
+          </a:prstGeom>
+        </p:spPr>
+      </p:pic>
+      <p:grpSp>
+        <p:nvGrpSpPr>
+          <p:cNvPr id="673" name="Group 672">
+            <a:extLst>
+              <a:ext uri="{FF2B5EF4-FFF2-40B4-BE49-F238E27FC236}">
+                <a16:creationId xmlns:a16="http://schemas.microsoft.com/office/drawing/2014/main" id="{B8023ADB-0E1B-4F28-9A93-ABB0B0455223}"/>
+              </a:ext>
+            </a:extLst>
+          </p:cNvPr>
+          <p:cNvGrpSpPr/>
+          <p:nvPr/>
+        </p:nvGrpSpPr>
+        <p:grpSpPr>
+          <a:xfrm>
+            <a:off x="1333958" y="492029"/>
+            <a:ext cx="406618" cy="113030"/>
+            <a:chOff x="1333958" y="492029"/>
+            <a:chExt cx="406618" cy="113030"/>
+          </a:xfrm>
+        </p:grpSpPr>
+        <p:cxnSp>
+          <p:nvCxnSpPr>
+            <p:cNvPr id="463" name="Straight Connector 462">
+              <a:extLst>
+                <a:ext uri="{FF2B5EF4-FFF2-40B4-BE49-F238E27FC236}">
+                  <a16:creationId xmlns:a16="http://schemas.microsoft.com/office/drawing/2014/main" id="{D8C0135D-EA80-40FE-B64A-F03B871F302D}"/>
+                </a:ext>
+              </a:extLst>
+            </p:cNvPr>
+            <p:cNvCxnSpPr>
+              <a:cxnSpLocks/>
+            </p:cNvCxnSpPr>
+            <p:nvPr/>
+          </p:nvCxnSpPr>
+          <p:spPr>
+            <a:xfrm>
+              <a:off x="1333958" y="492029"/>
+              <a:ext cx="280" cy="113030"/>
+            </a:xfrm>
+            <a:prstGeom prst="line">
+              <a:avLst/>
+            </a:prstGeom>
+            <a:ln w="9525">
+              <a:solidFill>
+                <a:schemeClr val="tx2">
+                  <a:lumMod val="75000"/>
+                </a:schemeClr>
+              </a:solidFill>
+            </a:ln>
+          </p:spPr>
+          <p:style>
+            <a:lnRef idx="1">
+              <a:schemeClr val="accent1"/>
+            </a:lnRef>
+            <a:fillRef idx="0">
+              <a:schemeClr val="accent1"/>
+            </a:fillRef>
+            <a:effectRef idx="0">
+              <a:schemeClr val="accent1"/>
+            </a:effectRef>
+            <a:fontRef idx="minor">
+              <a:schemeClr val="tx1"/>
+            </a:fontRef>
+          </p:style>
+        </p:cxnSp>
+        <p:cxnSp>
+          <p:nvCxnSpPr>
+            <p:cNvPr id="470" name="Straight Connector 469">
+              <a:extLst>
+                <a:ext uri="{FF2B5EF4-FFF2-40B4-BE49-F238E27FC236}">
+                  <a16:creationId xmlns:a16="http://schemas.microsoft.com/office/drawing/2014/main" id="{7786F4DC-2A9C-43BD-8DE9-CA41C73D4C39}"/>
+                </a:ext>
+              </a:extLst>
+            </p:cNvPr>
+            <p:cNvCxnSpPr>
+              <a:cxnSpLocks/>
+            </p:cNvCxnSpPr>
+            <p:nvPr/>
+          </p:nvCxnSpPr>
+          <p:spPr>
+            <a:xfrm>
+              <a:off x="1469684" y="512735"/>
+              <a:ext cx="0" cy="71618"/>
+            </a:xfrm>
+            <a:prstGeom prst="line">
+              <a:avLst/>
+            </a:prstGeom>
+            <a:ln w="6350">
+              <a:solidFill>
+                <a:schemeClr val="tx2">
+                  <a:lumMod val="75000"/>
+                </a:schemeClr>
+              </a:solidFill>
+            </a:ln>
+          </p:spPr>
+          <p:style>
+            <a:lnRef idx="1">
+              <a:schemeClr val="accent1"/>
+            </a:lnRef>
+            <a:fillRef idx="0">
+              <a:schemeClr val="accent1"/>
+            </a:fillRef>
+            <a:effectRef idx="0">
+              <a:schemeClr val="accent1"/>
+            </a:effectRef>
+            <a:fontRef idx="minor">
+              <a:schemeClr val="tx1"/>
+            </a:fontRef>
+          </p:style>
+        </p:cxnSp>
+        <p:cxnSp>
+          <p:nvCxnSpPr>
+            <p:cNvPr id="667" name="Straight Connector 666">
+              <a:extLst>
+                <a:ext uri="{FF2B5EF4-FFF2-40B4-BE49-F238E27FC236}">
+                  <a16:creationId xmlns:a16="http://schemas.microsoft.com/office/drawing/2014/main" id="{EEC49569-673E-40C0-B382-6F135DD5C8C2}"/>
+                </a:ext>
+              </a:extLst>
+            </p:cNvPr>
+            <p:cNvCxnSpPr>
+              <a:cxnSpLocks/>
+            </p:cNvCxnSpPr>
+            <p:nvPr/>
+          </p:nvCxnSpPr>
+          <p:spPr>
+            <a:xfrm>
+              <a:off x="1605130" y="512735"/>
+              <a:ext cx="0" cy="71618"/>
+            </a:xfrm>
+            <a:prstGeom prst="line">
+              <a:avLst/>
+            </a:prstGeom>
+            <a:ln w="6350">
+              <a:solidFill>
+                <a:schemeClr val="tx2">
+                  <a:lumMod val="75000"/>
+                </a:schemeClr>
+              </a:solidFill>
+            </a:ln>
+          </p:spPr>
+          <p:style>
+            <a:lnRef idx="1">
+              <a:schemeClr val="accent1"/>
+            </a:lnRef>
+            <a:fillRef idx="0">
+              <a:schemeClr val="accent1"/>
+            </a:fillRef>
+            <a:effectRef idx="0">
+              <a:schemeClr val="accent1"/>
+            </a:effectRef>
+            <a:fontRef idx="minor">
+              <a:schemeClr val="tx1"/>
+            </a:fontRef>
+          </p:style>
+        </p:cxnSp>
+        <p:cxnSp>
+          <p:nvCxnSpPr>
+            <p:cNvPr id="668" name="Straight Connector 667">
+              <a:extLst>
+                <a:ext uri="{FF2B5EF4-FFF2-40B4-BE49-F238E27FC236}">
+                  <a16:creationId xmlns:a16="http://schemas.microsoft.com/office/drawing/2014/main" id="{B72915FD-9ED7-471C-9BB5-DCB0931321A7}"/>
+                </a:ext>
+              </a:extLst>
+            </p:cNvPr>
+            <p:cNvCxnSpPr>
+              <a:cxnSpLocks/>
+            </p:cNvCxnSpPr>
+            <p:nvPr/>
+          </p:nvCxnSpPr>
+          <p:spPr>
+            <a:xfrm>
+              <a:off x="1740576" y="512735"/>
+              <a:ext cx="0" cy="71618"/>
+            </a:xfrm>
+            <a:prstGeom prst="line">
+              <a:avLst/>
+            </a:prstGeom>
+            <a:ln w="6350">
+              <a:solidFill>
+                <a:schemeClr val="tx2">
+                  <a:lumMod val="75000"/>
+                </a:schemeClr>
+              </a:solidFill>
+            </a:ln>
+          </p:spPr>
+          <p:style>
+            <a:lnRef idx="1">
+              <a:schemeClr val="accent1"/>
+            </a:lnRef>
+            <a:fillRef idx="0">
+              <a:schemeClr val="accent1"/>
+            </a:fillRef>
+            <a:effectRef idx="0">
+              <a:schemeClr val="accent1"/>
+            </a:effectRef>
+            <a:fontRef idx="minor">
+              <a:schemeClr val="tx1"/>
+            </a:fontRef>
+          </p:style>
+        </p:cxnSp>
+      </p:grpSp>
+      <p:grpSp>
+        <p:nvGrpSpPr>
+          <p:cNvPr id="674" name="Group 673">
+            <a:extLst>
+              <a:ext uri="{FF2B5EF4-FFF2-40B4-BE49-F238E27FC236}">
+                <a16:creationId xmlns:a16="http://schemas.microsoft.com/office/drawing/2014/main" id="{77D99D8F-BF7D-4ADD-B1CB-C501D75FA39D}"/>
+              </a:ext>
+            </a:extLst>
+          </p:cNvPr>
+          <p:cNvGrpSpPr/>
+          <p:nvPr/>
+        </p:nvGrpSpPr>
+        <p:grpSpPr>
+          <a:xfrm>
+            <a:off x="1864154" y="495090"/>
+            <a:ext cx="406618" cy="113030"/>
+            <a:chOff x="1333958" y="492029"/>
+            <a:chExt cx="406618" cy="113030"/>
+          </a:xfrm>
+        </p:grpSpPr>
+        <p:cxnSp>
+          <p:nvCxnSpPr>
+            <p:cNvPr id="675" name="Straight Connector 674">
+              <a:extLst>
+                <a:ext uri="{FF2B5EF4-FFF2-40B4-BE49-F238E27FC236}">
+                  <a16:creationId xmlns:a16="http://schemas.microsoft.com/office/drawing/2014/main" id="{D16B163F-9E80-4A7D-A53B-FF0903B435B7}"/>
+                </a:ext>
+              </a:extLst>
+            </p:cNvPr>
+            <p:cNvCxnSpPr>
+              <a:cxnSpLocks/>
+            </p:cNvCxnSpPr>
+            <p:nvPr/>
+          </p:nvCxnSpPr>
+          <p:spPr>
+            <a:xfrm>
+              <a:off x="1333958" y="492029"/>
+              <a:ext cx="280" cy="113030"/>
+            </a:xfrm>
+            <a:prstGeom prst="line">
+              <a:avLst/>
+            </a:prstGeom>
+            <a:ln w="9525">
+              <a:solidFill>
+                <a:schemeClr val="tx2">
+                  <a:lumMod val="75000"/>
+                </a:schemeClr>
+              </a:solidFill>
+            </a:ln>
+          </p:spPr>
+          <p:style>
+            <a:lnRef idx="1">
+              <a:schemeClr val="accent1"/>
+            </a:lnRef>
+            <a:fillRef idx="0">
+              <a:schemeClr val="accent1"/>
+            </a:fillRef>
+            <a:effectRef idx="0">
+              <a:schemeClr val="accent1"/>
+            </a:effectRef>
+            <a:fontRef idx="minor">
+              <a:schemeClr val="tx1"/>
+            </a:fontRef>
+          </p:style>
+        </p:cxnSp>
+        <p:cxnSp>
+          <p:nvCxnSpPr>
+            <p:cNvPr id="676" name="Straight Connector 675">
+              <a:extLst>
+                <a:ext uri="{FF2B5EF4-FFF2-40B4-BE49-F238E27FC236}">
+                  <a16:creationId xmlns:a16="http://schemas.microsoft.com/office/drawing/2014/main" id="{EE00EA5D-A3A0-4B68-A87A-DB9B8A0D1FD8}"/>
+                </a:ext>
+              </a:extLst>
+            </p:cNvPr>
+            <p:cNvCxnSpPr>
+              <a:cxnSpLocks/>
+            </p:cNvCxnSpPr>
+            <p:nvPr/>
+          </p:nvCxnSpPr>
+          <p:spPr>
+            <a:xfrm>
+              <a:off x="1469684" y="512735"/>
+              <a:ext cx="0" cy="71618"/>
+            </a:xfrm>
+            <a:prstGeom prst="line">
+              <a:avLst/>
+            </a:prstGeom>
+            <a:ln w="6350">
+              <a:solidFill>
+                <a:schemeClr val="tx2">
+                  <a:lumMod val="75000"/>
+                </a:schemeClr>
+              </a:solidFill>
+            </a:ln>
+          </p:spPr>
+          <p:style>
+            <a:lnRef idx="1">
+              <a:schemeClr val="accent1"/>
+            </a:lnRef>
+            <a:fillRef idx="0">
+              <a:schemeClr val="accent1"/>
+            </a:fillRef>
+            <a:effectRef idx="0">
+              <a:schemeClr val="accent1"/>
+            </a:effectRef>
+            <a:fontRef idx="minor">
+              <a:schemeClr val="tx1"/>
+            </a:fontRef>
+          </p:style>
+        </p:cxnSp>
+        <p:cxnSp>
+          <p:nvCxnSpPr>
+            <p:cNvPr id="677" name="Straight Connector 676">
+              <a:extLst>
+                <a:ext uri="{FF2B5EF4-FFF2-40B4-BE49-F238E27FC236}">
+                  <a16:creationId xmlns:a16="http://schemas.microsoft.com/office/drawing/2014/main" id="{C0AA9ABE-7F1C-4E5F-93F6-CEB4F5C08FB2}"/>
+                </a:ext>
+              </a:extLst>
+            </p:cNvPr>
+            <p:cNvCxnSpPr>
+              <a:cxnSpLocks/>
+            </p:cNvCxnSpPr>
+            <p:nvPr/>
+          </p:nvCxnSpPr>
+          <p:spPr>
+            <a:xfrm>
+              <a:off x="1605130" y="512735"/>
+              <a:ext cx="0" cy="71618"/>
+            </a:xfrm>
+            <a:prstGeom prst="line">
+              <a:avLst/>
+            </a:prstGeom>
+            <a:ln w="6350">
+              <a:solidFill>
+                <a:schemeClr val="tx2">
+                  <a:lumMod val="75000"/>
+                </a:schemeClr>
+              </a:solidFill>
+            </a:ln>
+          </p:spPr>
+          <p:style>
+            <a:lnRef idx="1">
+              <a:schemeClr val="accent1"/>
+            </a:lnRef>
+            <a:fillRef idx="0">
+              <a:schemeClr val="accent1"/>
+            </a:fillRef>
+            <a:effectRef idx="0">
+              <a:schemeClr val="accent1"/>
+            </a:effectRef>
+            <a:fontRef idx="minor">
+              <a:schemeClr val="tx1"/>
+            </a:fontRef>
+          </p:style>
+        </p:cxnSp>
+        <p:cxnSp>
+          <p:nvCxnSpPr>
+            <p:cNvPr id="678" name="Straight Connector 677">
+              <a:extLst>
+                <a:ext uri="{FF2B5EF4-FFF2-40B4-BE49-F238E27FC236}">
+                  <a16:creationId xmlns:a16="http://schemas.microsoft.com/office/drawing/2014/main" id="{53F498B4-7BCC-4916-B168-0ED22C941367}"/>
+                </a:ext>
+              </a:extLst>
+            </p:cNvPr>
+            <p:cNvCxnSpPr>
+              <a:cxnSpLocks/>
+            </p:cNvCxnSpPr>
+            <p:nvPr/>
+          </p:nvCxnSpPr>
+          <p:spPr>
+            <a:xfrm>
+              <a:off x="1740576" y="512735"/>
+              <a:ext cx="0" cy="71618"/>
+            </a:xfrm>
+            <a:prstGeom prst="line">
+              <a:avLst/>
+            </a:prstGeom>
+            <a:ln w="6350">
+              <a:solidFill>
+                <a:schemeClr val="tx2">
+                  <a:lumMod val="75000"/>
+                </a:schemeClr>
+              </a:solidFill>
+            </a:ln>
+          </p:spPr>
+          <p:style>
+            <a:lnRef idx="1">
+              <a:schemeClr val="accent1"/>
+            </a:lnRef>
+            <a:fillRef idx="0">
+              <a:schemeClr val="accent1"/>
+            </a:fillRef>
+            <a:effectRef idx="0">
+              <a:schemeClr val="accent1"/>
+            </a:effectRef>
+            <a:fontRef idx="minor">
+              <a:schemeClr val="tx1"/>
+            </a:fontRef>
+          </p:style>
+        </p:cxnSp>
+      </p:grpSp>
+      <p:grpSp>
+        <p:nvGrpSpPr>
+          <p:cNvPr id="679" name="Group 678">
+            <a:extLst>
+              <a:ext uri="{FF2B5EF4-FFF2-40B4-BE49-F238E27FC236}">
+                <a16:creationId xmlns:a16="http://schemas.microsoft.com/office/drawing/2014/main" id="{BB2F800B-5CD6-498C-AB10-982D3634BD9D}"/>
+              </a:ext>
+            </a:extLst>
+          </p:cNvPr>
+          <p:cNvGrpSpPr/>
+          <p:nvPr/>
+        </p:nvGrpSpPr>
+        <p:grpSpPr>
+          <a:xfrm>
+            <a:off x="2394350" y="495769"/>
+            <a:ext cx="406618" cy="113030"/>
+            <a:chOff x="1333958" y="492029"/>
+            <a:chExt cx="406618" cy="113030"/>
+          </a:xfrm>
+        </p:grpSpPr>
+        <p:cxnSp>
+          <p:nvCxnSpPr>
+            <p:cNvPr id="680" name="Straight Connector 679">
+              <a:extLst>
+                <a:ext uri="{FF2B5EF4-FFF2-40B4-BE49-F238E27FC236}">
+                  <a16:creationId xmlns:a16="http://schemas.microsoft.com/office/drawing/2014/main" id="{67237C50-2EFA-4C9E-93E8-81C9A85EAB1F}"/>
+                </a:ext>
+              </a:extLst>
+            </p:cNvPr>
+            <p:cNvCxnSpPr>
+              <a:cxnSpLocks/>
+            </p:cNvCxnSpPr>
+            <p:nvPr/>
+          </p:nvCxnSpPr>
+          <p:spPr>
+            <a:xfrm>
+              <a:off x="1333958" y="492029"/>
+              <a:ext cx="280" cy="113030"/>
+            </a:xfrm>
+            <a:prstGeom prst="line">
+              <a:avLst/>
+            </a:prstGeom>
+            <a:ln w="9525">
+              <a:solidFill>
+                <a:schemeClr val="tx2">
+                  <a:lumMod val="75000"/>
+                </a:schemeClr>
+              </a:solidFill>
+            </a:ln>
+          </p:spPr>
+          <p:style>
+            <a:lnRef idx="1">
+              <a:schemeClr val="accent1"/>
+            </a:lnRef>
+            <a:fillRef idx="0">
+              <a:schemeClr val="accent1"/>
+            </a:fillRef>
+            <a:effectRef idx="0">
+              <a:schemeClr val="accent1"/>
+            </a:effectRef>
+            <a:fontRef idx="minor">
+              <a:schemeClr val="tx1"/>
+            </a:fontRef>
+          </p:style>
+        </p:cxnSp>
+        <p:cxnSp>
+          <p:nvCxnSpPr>
+            <p:cNvPr id="681" name="Straight Connector 680">
+              <a:extLst>
+                <a:ext uri="{FF2B5EF4-FFF2-40B4-BE49-F238E27FC236}">
+                  <a16:creationId xmlns:a16="http://schemas.microsoft.com/office/drawing/2014/main" id="{1713C67D-3014-45F6-A5D0-0548C10C8B69}"/>
+                </a:ext>
+              </a:extLst>
+            </p:cNvPr>
+            <p:cNvCxnSpPr>
+              <a:cxnSpLocks/>
+            </p:cNvCxnSpPr>
+            <p:nvPr/>
+          </p:nvCxnSpPr>
+          <p:spPr>
+            <a:xfrm>
+              <a:off x="1469684" y="512735"/>
+              <a:ext cx="0" cy="71618"/>
+            </a:xfrm>
+            <a:prstGeom prst="line">
+              <a:avLst/>
+            </a:prstGeom>
+            <a:ln w="6350">
+              <a:solidFill>
+                <a:schemeClr val="tx2">
+                  <a:lumMod val="75000"/>
+                </a:schemeClr>
+              </a:solidFill>
+            </a:ln>
+          </p:spPr>
+          <p:style>
+            <a:lnRef idx="1">
+              <a:schemeClr val="accent1"/>
+            </a:lnRef>
+            <a:fillRef idx="0">
+              <a:schemeClr val="accent1"/>
+            </a:fillRef>
+            <a:effectRef idx="0">
+              <a:schemeClr val="accent1"/>
+            </a:effectRef>
+            <a:fontRef idx="minor">
+              <a:schemeClr val="tx1"/>
+            </a:fontRef>
+          </p:style>
+        </p:cxnSp>
+        <p:cxnSp>
+          <p:nvCxnSpPr>
+            <p:cNvPr id="682" name="Straight Connector 681">
+              <a:extLst>
+                <a:ext uri="{FF2B5EF4-FFF2-40B4-BE49-F238E27FC236}">
+                  <a16:creationId xmlns:a16="http://schemas.microsoft.com/office/drawing/2014/main" id="{64190088-B0D9-41B7-943D-83F1F94DB5B7}"/>
+                </a:ext>
+              </a:extLst>
+            </p:cNvPr>
+            <p:cNvCxnSpPr>
+              <a:cxnSpLocks/>
+            </p:cNvCxnSpPr>
+            <p:nvPr/>
+          </p:nvCxnSpPr>
+          <p:spPr>
+            <a:xfrm>
+              <a:off x="1605130" y="512735"/>
+              <a:ext cx="0" cy="71618"/>
+            </a:xfrm>
+            <a:prstGeom prst="line">
+              <a:avLst/>
+            </a:prstGeom>
+            <a:ln w="6350">
+              <a:solidFill>
+                <a:schemeClr val="tx2">
+                  <a:lumMod val="75000"/>
+                </a:schemeClr>
+              </a:solidFill>
+            </a:ln>
+          </p:spPr>
+          <p:style>
+            <a:lnRef idx="1">
+              <a:schemeClr val="accent1"/>
+            </a:lnRef>
+            <a:fillRef idx="0">
+              <a:schemeClr val="accent1"/>
+            </a:fillRef>
+            <a:effectRef idx="0">
+              <a:schemeClr val="accent1"/>
+            </a:effectRef>
+            <a:fontRef idx="minor">
+              <a:schemeClr val="tx1"/>
+            </a:fontRef>
+          </p:style>
+        </p:cxnSp>
+        <p:cxnSp>
+          <p:nvCxnSpPr>
+            <p:cNvPr id="683" name="Straight Connector 682">
+              <a:extLst>
+                <a:ext uri="{FF2B5EF4-FFF2-40B4-BE49-F238E27FC236}">
+                  <a16:creationId xmlns:a16="http://schemas.microsoft.com/office/drawing/2014/main" id="{3FC883BD-EE44-46E1-A23F-949BBCE45663}"/>
+                </a:ext>
+              </a:extLst>
+            </p:cNvPr>
+            <p:cNvCxnSpPr>
+              <a:cxnSpLocks/>
+            </p:cNvCxnSpPr>
+            <p:nvPr/>
+          </p:nvCxnSpPr>
+          <p:spPr>
+            <a:xfrm>
+              <a:off x="1740576" y="512735"/>
+              <a:ext cx="0" cy="71618"/>
+            </a:xfrm>
+            <a:prstGeom prst="line">
+              <a:avLst/>
+            </a:prstGeom>
+            <a:ln w="6350">
+              <a:solidFill>
+                <a:schemeClr val="tx2">
+                  <a:lumMod val="75000"/>
+                </a:schemeClr>
+              </a:solidFill>
+            </a:ln>
+          </p:spPr>
+          <p:style>
+            <a:lnRef idx="1">
+              <a:schemeClr val="accent1"/>
+            </a:lnRef>
+            <a:fillRef idx="0">
+              <a:schemeClr val="accent1"/>
+            </a:fillRef>
+            <a:effectRef idx="0">
+              <a:schemeClr val="accent1"/>
+            </a:effectRef>
+            <a:fontRef idx="minor">
+              <a:schemeClr val="tx1"/>
+            </a:fontRef>
+          </p:style>
+        </p:cxnSp>
+      </p:grpSp>
+      <p:grpSp>
+        <p:nvGrpSpPr>
+          <p:cNvPr id="684" name="Group 683">
+            <a:extLst>
+              <a:ext uri="{FF2B5EF4-FFF2-40B4-BE49-F238E27FC236}">
+                <a16:creationId xmlns:a16="http://schemas.microsoft.com/office/drawing/2014/main" id="{4E91BC8A-D368-4DCC-9B6E-0495D86CF350}"/>
+              </a:ext>
+            </a:extLst>
+          </p:cNvPr>
+          <p:cNvGrpSpPr/>
+          <p:nvPr/>
+        </p:nvGrpSpPr>
+        <p:grpSpPr>
+          <a:xfrm>
+            <a:off x="2924546" y="494066"/>
+            <a:ext cx="406618" cy="113030"/>
+            <a:chOff x="1333958" y="492029"/>
+            <a:chExt cx="406618" cy="113030"/>
+          </a:xfrm>
+        </p:grpSpPr>
+        <p:cxnSp>
+          <p:nvCxnSpPr>
+            <p:cNvPr id="685" name="Straight Connector 684">
+              <a:extLst>
+                <a:ext uri="{FF2B5EF4-FFF2-40B4-BE49-F238E27FC236}">
+                  <a16:creationId xmlns:a16="http://schemas.microsoft.com/office/drawing/2014/main" id="{47CFFDC7-2872-4D33-A6F6-BCA43224FC63}"/>
+                </a:ext>
+              </a:extLst>
+            </p:cNvPr>
+            <p:cNvCxnSpPr>
+              <a:cxnSpLocks/>
+            </p:cNvCxnSpPr>
+            <p:nvPr/>
+          </p:nvCxnSpPr>
+          <p:spPr>
+            <a:xfrm>
+              <a:off x="1333958" y="492029"/>
+              <a:ext cx="280" cy="113030"/>
+            </a:xfrm>
+            <a:prstGeom prst="line">
+              <a:avLst/>
+            </a:prstGeom>
+            <a:ln w="9525">
+              <a:solidFill>
+                <a:schemeClr val="tx2">
+                  <a:lumMod val="75000"/>
+                </a:schemeClr>
+              </a:solidFill>
+            </a:ln>
+          </p:spPr>
+          <p:style>
+            <a:lnRef idx="1">
+              <a:schemeClr val="accent1"/>
+            </a:lnRef>
+            <a:fillRef idx="0">
+              <a:schemeClr val="accent1"/>
+            </a:fillRef>
+            <a:effectRef idx="0">
+              <a:schemeClr val="accent1"/>
+            </a:effectRef>
+            <a:fontRef idx="minor">
+              <a:schemeClr val="tx1"/>
+            </a:fontRef>
+          </p:style>
+        </p:cxnSp>
+        <p:cxnSp>
+          <p:nvCxnSpPr>
+            <p:cNvPr id="686" name="Straight Connector 685">
+              <a:extLst>
+                <a:ext uri="{FF2B5EF4-FFF2-40B4-BE49-F238E27FC236}">
+                  <a16:creationId xmlns:a16="http://schemas.microsoft.com/office/drawing/2014/main" id="{6A00D810-38DB-45B2-9AB0-FD17F7C272B2}"/>
+                </a:ext>
+              </a:extLst>
+            </p:cNvPr>
+            <p:cNvCxnSpPr>
+              <a:cxnSpLocks/>
+            </p:cNvCxnSpPr>
+            <p:nvPr/>
+          </p:nvCxnSpPr>
+          <p:spPr>
+            <a:xfrm>
+              <a:off x="1469684" y="512735"/>
+              <a:ext cx="0" cy="71618"/>
+            </a:xfrm>
+            <a:prstGeom prst="line">
+              <a:avLst/>
+            </a:prstGeom>
+            <a:ln w="6350">
+              <a:solidFill>
+                <a:schemeClr val="tx2">
+                  <a:lumMod val="75000"/>
+                </a:schemeClr>
+              </a:solidFill>
+            </a:ln>
+          </p:spPr>
+          <p:style>
+            <a:lnRef idx="1">
+              <a:schemeClr val="accent1"/>
+            </a:lnRef>
+            <a:fillRef idx="0">
+              <a:schemeClr val="accent1"/>
+            </a:fillRef>
+            <a:effectRef idx="0">
+              <a:schemeClr val="accent1"/>
+            </a:effectRef>
+            <a:fontRef idx="minor">
+              <a:schemeClr val="tx1"/>
+            </a:fontRef>
+          </p:style>
+        </p:cxnSp>
+        <p:cxnSp>
+          <p:nvCxnSpPr>
+            <p:cNvPr id="687" name="Straight Connector 686">
+              <a:extLst>
+                <a:ext uri="{FF2B5EF4-FFF2-40B4-BE49-F238E27FC236}">
+                  <a16:creationId xmlns:a16="http://schemas.microsoft.com/office/drawing/2014/main" id="{7223FEA8-A5B7-4068-AA09-AC3A6C6FA820}"/>
+                </a:ext>
+              </a:extLst>
+            </p:cNvPr>
+            <p:cNvCxnSpPr>
+              <a:cxnSpLocks/>
+            </p:cNvCxnSpPr>
+            <p:nvPr/>
+          </p:nvCxnSpPr>
+          <p:spPr>
+            <a:xfrm>
+              <a:off x="1605130" y="512735"/>
+              <a:ext cx="0" cy="71618"/>
+            </a:xfrm>
+            <a:prstGeom prst="line">
+              <a:avLst/>
+            </a:prstGeom>
+            <a:ln w="6350">
+              <a:solidFill>
+                <a:schemeClr val="tx2">
+                  <a:lumMod val="75000"/>
+                </a:schemeClr>
+              </a:solidFill>
+            </a:ln>
+          </p:spPr>
+          <p:style>
+            <a:lnRef idx="1">
+              <a:schemeClr val="accent1"/>
+            </a:lnRef>
+            <a:fillRef idx="0">
+              <a:schemeClr val="accent1"/>
+            </a:fillRef>
+            <a:effectRef idx="0">
+              <a:schemeClr val="accent1"/>
+            </a:effectRef>
+            <a:fontRef idx="minor">
+              <a:schemeClr val="tx1"/>
+            </a:fontRef>
+          </p:style>
+        </p:cxnSp>
+        <p:cxnSp>
+          <p:nvCxnSpPr>
+            <p:cNvPr id="688" name="Straight Connector 687">
+              <a:extLst>
+                <a:ext uri="{FF2B5EF4-FFF2-40B4-BE49-F238E27FC236}">
+                  <a16:creationId xmlns:a16="http://schemas.microsoft.com/office/drawing/2014/main" id="{83FC5EE9-C7D8-4CB7-A85B-AA2F8A587FF9}"/>
+                </a:ext>
+              </a:extLst>
+            </p:cNvPr>
+            <p:cNvCxnSpPr>
+              <a:cxnSpLocks/>
+            </p:cNvCxnSpPr>
+            <p:nvPr/>
+          </p:nvCxnSpPr>
+          <p:spPr>
+            <a:xfrm>
+              <a:off x="1740576" y="512735"/>
+              <a:ext cx="0" cy="71618"/>
+            </a:xfrm>
+            <a:prstGeom prst="line">
+              <a:avLst/>
+            </a:prstGeom>
+            <a:ln w="6350">
+              <a:solidFill>
+                <a:schemeClr val="tx2">
+                  <a:lumMod val="75000"/>
+                </a:schemeClr>
+              </a:solidFill>
+            </a:ln>
+          </p:spPr>
+          <p:style>
+            <a:lnRef idx="1">
+              <a:schemeClr val="accent1"/>
+            </a:lnRef>
+            <a:fillRef idx="0">
+              <a:schemeClr val="accent1"/>
+            </a:fillRef>
+            <a:effectRef idx="0">
+              <a:schemeClr val="accent1"/>
+            </a:effectRef>
+            <a:fontRef idx="minor">
+              <a:schemeClr val="tx1"/>
+            </a:fontRef>
+          </p:style>
+        </p:cxnSp>
+      </p:grpSp>
+      <p:grpSp>
+        <p:nvGrpSpPr>
+          <p:cNvPr id="689" name="Group 688">
+            <a:extLst>
+              <a:ext uri="{FF2B5EF4-FFF2-40B4-BE49-F238E27FC236}">
+                <a16:creationId xmlns:a16="http://schemas.microsoft.com/office/drawing/2014/main" id="{591179F9-B0AE-41FA-BB78-F772A970BFCB}"/>
+              </a:ext>
+            </a:extLst>
+          </p:cNvPr>
+          <p:cNvGrpSpPr/>
+          <p:nvPr/>
+        </p:nvGrpSpPr>
+        <p:grpSpPr>
+          <a:xfrm>
+            <a:off x="3454742" y="492363"/>
+            <a:ext cx="406618" cy="113030"/>
+            <a:chOff x="1333958" y="492029"/>
+            <a:chExt cx="406618" cy="113030"/>
+          </a:xfrm>
+        </p:grpSpPr>
+        <p:cxnSp>
+          <p:nvCxnSpPr>
+            <p:cNvPr id="690" name="Straight Connector 689">
+              <a:extLst>
+                <a:ext uri="{FF2B5EF4-FFF2-40B4-BE49-F238E27FC236}">
+                  <a16:creationId xmlns:a16="http://schemas.microsoft.com/office/drawing/2014/main" id="{1A464933-07E5-4FFA-8DB6-1C613609849D}"/>
+                </a:ext>
+              </a:extLst>
+            </p:cNvPr>
+            <p:cNvCxnSpPr>
+              <a:cxnSpLocks/>
+            </p:cNvCxnSpPr>
+            <p:nvPr/>
+          </p:nvCxnSpPr>
+          <p:spPr>
+            <a:xfrm>
+              <a:off x="1333958" y="492029"/>
+              <a:ext cx="280" cy="113030"/>
+            </a:xfrm>
+            <a:prstGeom prst="line">
+              <a:avLst/>
+            </a:prstGeom>
+            <a:ln w="9525">
+              <a:solidFill>
+                <a:schemeClr val="tx2">
+                  <a:lumMod val="75000"/>
+                </a:schemeClr>
+              </a:solidFill>
+            </a:ln>
+          </p:spPr>
+          <p:style>
+            <a:lnRef idx="1">
+              <a:schemeClr val="accent1"/>
+            </a:lnRef>
+            <a:fillRef idx="0">
+              <a:schemeClr val="accent1"/>
+            </a:fillRef>
+            <a:effectRef idx="0">
+              <a:schemeClr val="accent1"/>
+            </a:effectRef>
+            <a:fontRef idx="minor">
+              <a:schemeClr val="tx1"/>
+            </a:fontRef>
+          </p:style>
+        </p:cxnSp>
+        <p:cxnSp>
+          <p:nvCxnSpPr>
+            <p:cNvPr id="691" name="Straight Connector 690">
+              <a:extLst>
+                <a:ext uri="{FF2B5EF4-FFF2-40B4-BE49-F238E27FC236}">
+                  <a16:creationId xmlns:a16="http://schemas.microsoft.com/office/drawing/2014/main" id="{77C29804-CD00-40EC-BA94-1F868AAEAF5C}"/>
+                </a:ext>
+              </a:extLst>
+            </p:cNvPr>
+            <p:cNvCxnSpPr>
+              <a:cxnSpLocks/>
+            </p:cNvCxnSpPr>
+            <p:nvPr/>
+          </p:nvCxnSpPr>
+          <p:spPr>
+            <a:xfrm>
+              <a:off x="1469684" y="512735"/>
+              <a:ext cx="0" cy="71618"/>
+            </a:xfrm>
+            <a:prstGeom prst="line">
+              <a:avLst/>
+            </a:prstGeom>
+            <a:ln w="6350">
+              <a:solidFill>
+                <a:schemeClr val="tx2">
+                  <a:lumMod val="75000"/>
+                </a:schemeClr>
+              </a:solidFill>
+            </a:ln>
+          </p:spPr>
+          <p:style>
+            <a:lnRef idx="1">
+              <a:schemeClr val="accent1"/>
+            </a:lnRef>
+            <a:fillRef idx="0">
+              <a:schemeClr val="accent1"/>
+            </a:fillRef>
+            <a:effectRef idx="0">
+              <a:schemeClr val="accent1"/>
+            </a:effectRef>
+            <a:fontRef idx="minor">
+              <a:schemeClr val="tx1"/>
+            </a:fontRef>
+          </p:style>
+        </p:cxnSp>
+        <p:cxnSp>
+          <p:nvCxnSpPr>
+            <p:cNvPr id="692" name="Straight Connector 691">
+              <a:extLst>
+                <a:ext uri="{FF2B5EF4-FFF2-40B4-BE49-F238E27FC236}">
+                  <a16:creationId xmlns:a16="http://schemas.microsoft.com/office/drawing/2014/main" id="{7B2B80A2-D421-490C-A614-42FD3FABD928}"/>
+                </a:ext>
+              </a:extLst>
+            </p:cNvPr>
+            <p:cNvCxnSpPr>
+              <a:cxnSpLocks/>
+            </p:cNvCxnSpPr>
+            <p:nvPr/>
+          </p:nvCxnSpPr>
+          <p:spPr>
+            <a:xfrm>
+              <a:off x="1605130" y="512735"/>
+              <a:ext cx="0" cy="71618"/>
+            </a:xfrm>
+            <a:prstGeom prst="line">
+              <a:avLst/>
+            </a:prstGeom>
+            <a:ln w="6350">
+              <a:solidFill>
+                <a:schemeClr val="tx2">
+                  <a:lumMod val="75000"/>
+                </a:schemeClr>
+              </a:solidFill>
+            </a:ln>
+          </p:spPr>
+          <p:style>
+            <a:lnRef idx="1">
+              <a:schemeClr val="accent1"/>
+            </a:lnRef>
+            <a:fillRef idx="0">
+              <a:schemeClr val="accent1"/>
+            </a:fillRef>
+            <a:effectRef idx="0">
+              <a:schemeClr val="accent1"/>
+            </a:effectRef>
+            <a:fontRef idx="minor">
+              <a:schemeClr val="tx1"/>
+            </a:fontRef>
+          </p:style>
+        </p:cxnSp>
+        <p:cxnSp>
+          <p:nvCxnSpPr>
+            <p:cNvPr id="693" name="Straight Connector 692">
+              <a:extLst>
+                <a:ext uri="{FF2B5EF4-FFF2-40B4-BE49-F238E27FC236}">
+                  <a16:creationId xmlns:a16="http://schemas.microsoft.com/office/drawing/2014/main" id="{66AB4BFC-7038-4C02-BDA6-1D75283E08B0}"/>
+                </a:ext>
+              </a:extLst>
+            </p:cNvPr>
+            <p:cNvCxnSpPr>
+              <a:cxnSpLocks/>
+            </p:cNvCxnSpPr>
+            <p:nvPr/>
+          </p:nvCxnSpPr>
+          <p:spPr>
+            <a:xfrm>
+              <a:off x="1740576" y="512735"/>
+              <a:ext cx="0" cy="71618"/>
+            </a:xfrm>
+            <a:prstGeom prst="line">
+              <a:avLst/>
+            </a:prstGeom>
+            <a:ln w="6350">
+              <a:solidFill>
+                <a:schemeClr val="tx2">
+                  <a:lumMod val="75000"/>
+                </a:schemeClr>
+              </a:solidFill>
+            </a:ln>
+          </p:spPr>
+          <p:style>
+            <a:lnRef idx="1">
+              <a:schemeClr val="accent1"/>
+            </a:lnRef>
+            <a:fillRef idx="0">
+              <a:schemeClr val="accent1"/>
+            </a:fillRef>
+            <a:effectRef idx="0">
+              <a:schemeClr val="accent1"/>
+            </a:effectRef>
+            <a:fontRef idx="minor">
+              <a:schemeClr val="tx1"/>
+            </a:fontRef>
+          </p:style>
+        </p:cxnSp>
+      </p:grpSp>
+      <p:grpSp>
+        <p:nvGrpSpPr>
+          <p:cNvPr id="694" name="Group 693">
+            <a:extLst>
+              <a:ext uri="{FF2B5EF4-FFF2-40B4-BE49-F238E27FC236}">
+                <a16:creationId xmlns:a16="http://schemas.microsoft.com/office/drawing/2014/main" id="{6BFBF29F-3ADA-4D9B-B421-75DA4E3069FD}"/>
+              </a:ext>
+            </a:extLst>
+          </p:cNvPr>
+          <p:cNvGrpSpPr/>
+          <p:nvPr/>
+        </p:nvGrpSpPr>
+        <p:grpSpPr>
+          <a:xfrm>
+            <a:off x="3984938" y="494233"/>
+            <a:ext cx="406618" cy="113030"/>
+            <a:chOff x="1333958" y="492029"/>
+            <a:chExt cx="406618" cy="113030"/>
+          </a:xfrm>
+        </p:grpSpPr>
+        <p:cxnSp>
+          <p:nvCxnSpPr>
+            <p:cNvPr id="695" name="Straight Connector 694">
+              <a:extLst>
+                <a:ext uri="{FF2B5EF4-FFF2-40B4-BE49-F238E27FC236}">
+                  <a16:creationId xmlns:a16="http://schemas.microsoft.com/office/drawing/2014/main" id="{1ED6EE9B-1D4F-42F2-92C2-D47FF550AE3B}"/>
+                </a:ext>
+              </a:extLst>
+            </p:cNvPr>
+            <p:cNvCxnSpPr>
+              <a:cxnSpLocks/>
+            </p:cNvCxnSpPr>
+            <p:nvPr/>
+          </p:nvCxnSpPr>
+          <p:spPr>
+            <a:xfrm>
+              <a:off x="1333958" y="492029"/>
+              <a:ext cx="280" cy="113030"/>
+            </a:xfrm>
+            <a:prstGeom prst="line">
+              <a:avLst/>
+            </a:prstGeom>
+            <a:ln w="9525">
+              <a:solidFill>
+                <a:schemeClr val="tx2">
+                  <a:lumMod val="75000"/>
+                </a:schemeClr>
+              </a:solidFill>
+            </a:ln>
+          </p:spPr>
+          <p:style>
+            <a:lnRef idx="1">
+              <a:schemeClr val="accent1"/>
+            </a:lnRef>
+            <a:fillRef idx="0">
+              <a:schemeClr val="accent1"/>
+            </a:fillRef>
+            <a:effectRef idx="0">
+              <a:schemeClr val="accent1"/>
+            </a:effectRef>
+            <a:fontRef idx="minor">
+              <a:schemeClr val="tx1"/>
+            </a:fontRef>
+          </p:style>
+        </p:cxnSp>
+        <p:cxnSp>
+          <p:nvCxnSpPr>
+            <p:cNvPr id="696" name="Straight Connector 695">
+              <a:extLst>
+                <a:ext uri="{FF2B5EF4-FFF2-40B4-BE49-F238E27FC236}">
+                  <a16:creationId xmlns:a16="http://schemas.microsoft.com/office/drawing/2014/main" id="{8BA49599-D3D8-400B-881D-BCF815FD7BDF}"/>
+                </a:ext>
+              </a:extLst>
+            </p:cNvPr>
+            <p:cNvCxnSpPr>
+              <a:cxnSpLocks/>
+            </p:cNvCxnSpPr>
+            <p:nvPr/>
+          </p:nvCxnSpPr>
+          <p:spPr>
+            <a:xfrm>
+              <a:off x="1469684" y="512735"/>
+              <a:ext cx="0" cy="71618"/>
+            </a:xfrm>
+            <a:prstGeom prst="line">
+              <a:avLst/>
+            </a:prstGeom>
+            <a:ln w="6350">
+              <a:solidFill>
+                <a:schemeClr val="tx2">
+                  <a:lumMod val="75000"/>
+                </a:schemeClr>
+              </a:solidFill>
+            </a:ln>
+          </p:spPr>
+          <p:style>
+            <a:lnRef idx="1">
+              <a:schemeClr val="accent1"/>
+            </a:lnRef>
+            <a:fillRef idx="0">
+              <a:schemeClr val="accent1"/>
+            </a:fillRef>
+            <a:effectRef idx="0">
+              <a:schemeClr val="accent1"/>
+            </a:effectRef>
+            <a:fontRef idx="minor">
+              <a:schemeClr val="tx1"/>
+            </a:fontRef>
+          </p:style>
+        </p:cxnSp>
+        <p:cxnSp>
+          <p:nvCxnSpPr>
+            <p:cNvPr id="697" name="Straight Connector 696">
+              <a:extLst>
+                <a:ext uri="{FF2B5EF4-FFF2-40B4-BE49-F238E27FC236}">
+                  <a16:creationId xmlns:a16="http://schemas.microsoft.com/office/drawing/2014/main" id="{9E467E88-06A7-4F68-B2DF-2204E2395965}"/>
+                </a:ext>
+              </a:extLst>
+            </p:cNvPr>
+            <p:cNvCxnSpPr>
+              <a:cxnSpLocks/>
+            </p:cNvCxnSpPr>
+            <p:nvPr/>
+          </p:nvCxnSpPr>
+          <p:spPr>
+            <a:xfrm>
+              <a:off x="1605130" y="512735"/>
+              <a:ext cx="0" cy="71618"/>
+            </a:xfrm>
+            <a:prstGeom prst="line">
+              <a:avLst/>
+            </a:prstGeom>
+            <a:ln w="6350">
+              <a:solidFill>
+                <a:schemeClr val="tx2">
+                  <a:lumMod val="75000"/>
+                </a:schemeClr>
+              </a:solidFill>
+            </a:ln>
+          </p:spPr>
+          <p:style>
+            <a:lnRef idx="1">
+              <a:schemeClr val="accent1"/>
+            </a:lnRef>
+            <a:fillRef idx="0">
+              <a:schemeClr val="accent1"/>
+            </a:fillRef>
+            <a:effectRef idx="0">
+              <a:schemeClr val="accent1"/>
+            </a:effectRef>
+            <a:fontRef idx="minor">
+              <a:schemeClr val="tx1"/>
+            </a:fontRef>
+          </p:style>
+        </p:cxnSp>
+        <p:cxnSp>
+          <p:nvCxnSpPr>
+            <p:cNvPr id="698" name="Straight Connector 697">
+              <a:extLst>
+                <a:ext uri="{FF2B5EF4-FFF2-40B4-BE49-F238E27FC236}">
+                  <a16:creationId xmlns:a16="http://schemas.microsoft.com/office/drawing/2014/main" id="{A4CEAC38-7C97-4C19-9C4F-397B5535002E}"/>
+                </a:ext>
+              </a:extLst>
+            </p:cNvPr>
+            <p:cNvCxnSpPr>
+              <a:cxnSpLocks/>
+            </p:cNvCxnSpPr>
+            <p:nvPr/>
+          </p:nvCxnSpPr>
+          <p:spPr>
+            <a:xfrm>
+              <a:off x="1740576" y="512735"/>
+              <a:ext cx="0" cy="71618"/>
+            </a:xfrm>
+            <a:prstGeom prst="line">
+              <a:avLst/>
+            </a:prstGeom>
+            <a:ln w="6350">
+              <a:solidFill>
+                <a:schemeClr val="tx2">
+                  <a:lumMod val="75000"/>
+                </a:schemeClr>
+              </a:solidFill>
+            </a:ln>
+          </p:spPr>
+          <p:style>
+            <a:lnRef idx="1">
+              <a:schemeClr val="accent1"/>
+            </a:lnRef>
+            <a:fillRef idx="0">
+              <a:schemeClr val="accent1"/>
+            </a:fillRef>
+            <a:effectRef idx="0">
+              <a:schemeClr val="accent1"/>
+            </a:effectRef>
+            <a:fontRef idx="minor">
+              <a:schemeClr val="tx1"/>
+            </a:fontRef>
+          </p:style>
+        </p:cxnSp>
+      </p:grpSp>
+      <p:grpSp>
+        <p:nvGrpSpPr>
+          <p:cNvPr id="699" name="Group 698">
+            <a:extLst>
+              <a:ext uri="{FF2B5EF4-FFF2-40B4-BE49-F238E27FC236}">
+                <a16:creationId xmlns:a16="http://schemas.microsoft.com/office/drawing/2014/main" id="{A0F22573-AE00-4A4B-A0F3-AEA83AEC2B50}"/>
+              </a:ext>
+            </a:extLst>
+          </p:cNvPr>
+          <p:cNvGrpSpPr/>
+          <p:nvPr/>
+        </p:nvGrpSpPr>
+        <p:grpSpPr>
+          <a:xfrm>
+            <a:off x="4515134" y="494912"/>
+            <a:ext cx="406618" cy="113030"/>
+            <a:chOff x="1333958" y="492029"/>
+            <a:chExt cx="406618" cy="113030"/>
+          </a:xfrm>
+        </p:grpSpPr>
+        <p:cxnSp>
+          <p:nvCxnSpPr>
+            <p:cNvPr id="700" name="Straight Connector 699">
+              <a:extLst>
+                <a:ext uri="{FF2B5EF4-FFF2-40B4-BE49-F238E27FC236}">
+                  <a16:creationId xmlns:a16="http://schemas.microsoft.com/office/drawing/2014/main" id="{D9B5C479-06D8-444D-8082-506AD82434DB}"/>
+                </a:ext>
+              </a:extLst>
+            </p:cNvPr>
+            <p:cNvCxnSpPr>
+              <a:cxnSpLocks/>
+            </p:cNvCxnSpPr>
+            <p:nvPr/>
+          </p:nvCxnSpPr>
+          <p:spPr>
+            <a:xfrm>
+              <a:off x="1333958" y="492029"/>
+              <a:ext cx="280" cy="113030"/>
+            </a:xfrm>
+            <a:prstGeom prst="line">
+              <a:avLst/>
+            </a:prstGeom>
+            <a:ln w="9525">
+              <a:solidFill>
+                <a:schemeClr val="tx2">
+                  <a:lumMod val="75000"/>
+                </a:schemeClr>
+              </a:solidFill>
+            </a:ln>
+          </p:spPr>
+          <p:style>
+            <a:lnRef idx="1">
+              <a:schemeClr val="accent1"/>
+            </a:lnRef>
+            <a:fillRef idx="0">
+              <a:schemeClr val="accent1"/>
+            </a:fillRef>
+            <a:effectRef idx="0">
+              <a:schemeClr val="accent1"/>
+            </a:effectRef>
+            <a:fontRef idx="minor">
+              <a:schemeClr val="tx1"/>
+            </a:fontRef>
+          </p:style>
+        </p:cxnSp>
+        <p:cxnSp>
+          <p:nvCxnSpPr>
+            <p:cNvPr id="701" name="Straight Connector 700">
+              <a:extLst>
+                <a:ext uri="{FF2B5EF4-FFF2-40B4-BE49-F238E27FC236}">
+                  <a16:creationId xmlns:a16="http://schemas.microsoft.com/office/drawing/2014/main" id="{100AFB5D-1F3A-4A63-BA06-AED65056F95F}"/>
+                </a:ext>
+              </a:extLst>
+            </p:cNvPr>
+            <p:cNvCxnSpPr>
+              <a:cxnSpLocks/>
+            </p:cNvCxnSpPr>
+            <p:nvPr/>
+          </p:nvCxnSpPr>
+          <p:spPr>
+            <a:xfrm>
+              <a:off x="1469684" y="512735"/>
+              <a:ext cx="0" cy="71618"/>
+            </a:xfrm>
+            <a:prstGeom prst="line">
+              <a:avLst/>
+            </a:prstGeom>
+            <a:ln w="6350">
+              <a:solidFill>
+                <a:schemeClr val="tx2">
+                  <a:lumMod val="75000"/>
+                </a:schemeClr>
+              </a:solidFill>
+            </a:ln>
+          </p:spPr>
+          <p:style>
+            <a:lnRef idx="1">
+              <a:schemeClr val="accent1"/>
+            </a:lnRef>
+            <a:fillRef idx="0">
+              <a:schemeClr val="accent1"/>
+            </a:fillRef>
+            <a:effectRef idx="0">
+              <a:schemeClr val="accent1"/>
+            </a:effectRef>
+            <a:fontRef idx="minor">
+              <a:schemeClr val="tx1"/>
+            </a:fontRef>
+          </p:style>
+        </p:cxnSp>
+        <p:cxnSp>
+          <p:nvCxnSpPr>
+            <p:cNvPr id="702" name="Straight Connector 701">
+              <a:extLst>
+                <a:ext uri="{FF2B5EF4-FFF2-40B4-BE49-F238E27FC236}">
+                  <a16:creationId xmlns:a16="http://schemas.microsoft.com/office/drawing/2014/main" id="{B9C76469-F386-496F-A8EB-B7B937AE652A}"/>
+                </a:ext>
+              </a:extLst>
+            </p:cNvPr>
+            <p:cNvCxnSpPr>
+              <a:cxnSpLocks/>
+            </p:cNvCxnSpPr>
+            <p:nvPr/>
+          </p:nvCxnSpPr>
+          <p:spPr>
+            <a:xfrm>
+              <a:off x="1605130" y="512735"/>
+              <a:ext cx="0" cy="71618"/>
+            </a:xfrm>
+            <a:prstGeom prst="line">
+              <a:avLst/>
+            </a:prstGeom>
+            <a:ln w="6350">
+              <a:solidFill>
+                <a:schemeClr val="tx2">
+                  <a:lumMod val="75000"/>
+                </a:schemeClr>
+              </a:solidFill>
+            </a:ln>
+          </p:spPr>
+          <p:style>
+            <a:lnRef idx="1">
+              <a:schemeClr val="accent1"/>
+            </a:lnRef>
+            <a:fillRef idx="0">
+              <a:schemeClr val="accent1"/>
+            </a:fillRef>
+            <a:effectRef idx="0">
+              <a:schemeClr val="accent1"/>
+            </a:effectRef>
+            <a:fontRef idx="minor">
+              <a:schemeClr val="tx1"/>
+            </a:fontRef>
+          </p:style>
+        </p:cxnSp>
+        <p:cxnSp>
+          <p:nvCxnSpPr>
+            <p:cNvPr id="703" name="Straight Connector 702">
+              <a:extLst>
+                <a:ext uri="{FF2B5EF4-FFF2-40B4-BE49-F238E27FC236}">
+                  <a16:creationId xmlns:a16="http://schemas.microsoft.com/office/drawing/2014/main" id="{749BC518-FB96-4578-B4E0-402404CFA04B}"/>
+                </a:ext>
+              </a:extLst>
+            </p:cNvPr>
+            <p:cNvCxnSpPr>
+              <a:cxnSpLocks/>
+            </p:cNvCxnSpPr>
+            <p:nvPr/>
+          </p:nvCxnSpPr>
+          <p:spPr>
+            <a:xfrm>
+              <a:off x="1740576" y="512735"/>
+              <a:ext cx="0" cy="71618"/>
+            </a:xfrm>
+            <a:prstGeom prst="line">
+              <a:avLst/>
+            </a:prstGeom>
+            <a:ln w="6350">
+              <a:solidFill>
+                <a:schemeClr val="tx2">
+                  <a:lumMod val="75000"/>
+                </a:schemeClr>
+              </a:solidFill>
+            </a:ln>
+          </p:spPr>
+          <p:style>
+            <a:lnRef idx="1">
+              <a:schemeClr val="accent1"/>
+            </a:lnRef>
+            <a:fillRef idx="0">
+              <a:schemeClr val="accent1"/>
+            </a:fillRef>
+            <a:effectRef idx="0">
+              <a:schemeClr val="accent1"/>
+            </a:effectRef>
+            <a:fontRef idx="minor">
+              <a:schemeClr val="tx1"/>
+            </a:fontRef>
+          </p:style>
+        </p:cxnSp>
+      </p:grpSp>
+      <p:grpSp>
+        <p:nvGrpSpPr>
+          <p:cNvPr id="704" name="Group 703">
+            <a:extLst>
+              <a:ext uri="{FF2B5EF4-FFF2-40B4-BE49-F238E27FC236}">
+                <a16:creationId xmlns:a16="http://schemas.microsoft.com/office/drawing/2014/main" id="{04E80B68-5BE0-456C-862D-7693E657685D}"/>
+              </a:ext>
+            </a:extLst>
+          </p:cNvPr>
+          <p:cNvGrpSpPr/>
+          <p:nvPr/>
+        </p:nvGrpSpPr>
+        <p:grpSpPr>
+          <a:xfrm>
+            <a:off x="5045330" y="495591"/>
+            <a:ext cx="406618" cy="113030"/>
+            <a:chOff x="1333958" y="492029"/>
+            <a:chExt cx="406618" cy="113030"/>
+          </a:xfrm>
+        </p:grpSpPr>
+        <p:cxnSp>
+          <p:nvCxnSpPr>
+            <p:cNvPr id="705" name="Straight Connector 704">
+              <a:extLst>
+                <a:ext uri="{FF2B5EF4-FFF2-40B4-BE49-F238E27FC236}">
+                  <a16:creationId xmlns:a16="http://schemas.microsoft.com/office/drawing/2014/main" id="{932A637D-EC86-41E7-9CAC-8242CCEFDC63}"/>
+                </a:ext>
+              </a:extLst>
+            </p:cNvPr>
+            <p:cNvCxnSpPr>
+              <a:cxnSpLocks/>
+            </p:cNvCxnSpPr>
+            <p:nvPr/>
+          </p:nvCxnSpPr>
+          <p:spPr>
+            <a:xfrm>
+              <a:off x="1333958" y="492029"/>
+              <a:ext cx="280" cy="113030"/>
+            </a:xfrm>
+            <a:prstGeom prst="line">
+              <a:avLst/>
+            </a:prstGeom>
+            <a:ln w="9525">
+              <a:solidFill>
+                <a:schemeClr val="tx2">
+                  <a:lumMod val="75000"/>
+                </a:schemeClr>
+              </a:solidFill>
+            </a:ln>
+          </p:spPr>
+          <p:style>
+            <a:lnRef idx="1">
+              <a:schemeClr val="accent1"/>
+            </a:lnRef>
+            <a:fillRef idx="0">
+              <a:schemeClr val="accent1"/>
+            </a:fillRef>
+            <a:effectRef idx="0">
+              <a:schemeClr val="accent1"/>
+            </a:effectRef>
+            <a:fontRef idx="minor">
+              <a:schemeClr val="tx1"/>
+            </a:fontRef>
+          </p:style>
+        </p:cxnSp>
+        <p:cxnSp>
+          <p:nvCxnSpPr>
+            <p:cNvPr id="706" name="Straight Connector 705">
+              <a:extLst>
+                <a:ext uri="{FF2B5EF4-FFF2-40B4-BE49-F238E27FC236}">
+                  <a16:creationId xmlns:a16="http://schemas.microsoft.com/office/drawing/2014/main" id="{910AF2D0-97C9-4347-AD6A-7483A62DE194}"/>
+                </a:ext>
+              </a:extLst>
+            </p:cNvPr>
+            <p:cNvCxnSpPr>
+              <a:cxnSpLocks/>
+            </p:cNvCxnSpPr>
+            <p:nvPr/>
+          </p:nvCxnSpPr>
+          <p:spPr>
+            <a:xfrm>
+              <a:off x="1469684" y="512735"/>
+              <a:ext cx="0" cy="71618"/>
+            </a:xfrm>
+            <a:prstGeom prst="line">
+              <a:avLst/>
+            </a:prstGeom>
+            <a:ln w="6350">
+              <a:solidFill>
+                <a:schemeClr val="tx2">
+                  <a:lumMod val="75000"/>
+                </a:schemeClr>
+              </a:solidFill>
+            </a:ln>
+          </p:spPr>
+          <p:style>
+            <a:lnRef idx="1">
+              <a:schemeClr val="accent1"/>
+            </a:lnRef>
+            <a:fillRef idx="0">
+              <a:schemeClr val="accent1"/>
+            </a:fillRef>
+            <a:effectRef idx="0">
+              <a:schemeClr val="accent1"/>
+            </a:effectRef>
+            <a:fontRef idx="minor">
+              <a:schemeClr val="tx1"/>
+            </a:fontRef>
+          </p:style>
+        </p:cxnSp>
+        <p:cxnSp>
+          <p:nvCxnSpPr>
+            <p:cNvPr id="707" name="Straight Connector 706">
+              <a:extLst>
+                <a:ext uri="{FF2B5EF4-FFF2-40B4-BE49-F238E27FC236}">
+                  <a16:creationId xmlns:a16="http://schemas.microsoft.com/office/drawing/2014/main" id="{6ED6894A-A373-4D02-A348-F645CB782B99}"/>
+                </a:ext>
+              </a:extLst>
+            </p:cNvPr>
+            <p:cNvCxnSpPr>
+              <a:cxnSpLocks/>
+            </p:cNvCxnSpPr>
+            <p:nvPr/>
+          </p:nvCxnSpPr>
+          <p:spPr>
+            <a:xfrm>
+              <a:off x="1605130" y="512735"/>
+              <a:ext cx="0" cy="71618"/>
+            </a:xfrm>
+            <a:prstGeom prst="line">
+              <a:avLst/>
+            </a:prstGeom>
+            <a:ln w="6350">
+              <a:solidFill>
+                <a:schemeClr val="tx2">
+                  <a:lumMod val="75000"/>
+                </a:schemeClr>
+              </a:solidFill>
+            </a:ln>
+          </p:spPr>
+          <p:style>
+            <a:lnRef idx="1">
+              <a:schemeClr val="accent1"/>
+            </a:lnRef>
+            <a:fillRef idx="0">
+              <a:schemeClr val="accent1"/>
+            </a:fillRef>
+            <a:effectRef idx="0">
+              <a:schemeClr val="accent1"/>
+            </a:effectRef>
+            <a:fontRef idx="minor">
+              <a:schemeClr val="tx1"/>
+            </a:fontRef>
+          </p:style>
+        </p:cxnSp>
+        <p:cxnSp>
+          <p:nvCxnSpPr>
+            <p:cNvPr id="708" name="Straight Connector 707">
+              <a:extLst>
+                <a:ext uri="{FF2B5EF4-FFF2-40B4-BE49-F238E27FC236}">
+                  <a16:creationId xmlns:a16="http://schemas.microsoft.com/office/drawing/2014/main" id="{D4819281-EDFA-41C0-AF0A-9E469C44F263}"/>
+                </a:ext>
+              </a:extLst>
+            </p:cNvPr>
+            <p:cNvCxnSpPr>
+              <a:cxnSpLocks/>
+            </p:cNvCxnSpPr>
+            <p:nvPr/>
+          </p:nvCxnSpPr>
+          <p:spPr>
+            <a:xfrm>
+              <a:off x="1740576" y="512735"/>
+              <a:ext cx="0" cy="71618"/>
+            </a:xfrm>
+            <a:prstGeom prst="line">
+              <a:avLst/>
+            </a:prstGeom>
+            <a:ln w="6350">
+              <a:solidFill>
+                <a:schemeClr val="tx2">
+                  <a:lumMod val="75000"/>
+                </a:schemeClr>
+              </a:solidFill>
+            </a:ln>
+          </p:spPr>
+          <p:style>
+            <a:lnRef idx="1">
+              <a:schemeClr val="accent1"/>
+            </a:lnRef>
+            <a:fillRef idx="0">
+              <a:schemeClr val="accent1"/>
+            </a:fillRef>
+            <a:effectRef idx="0">
+              <a:schemeClr val="accent1"/>
+            </a:effectRef>
+            <a:fontRef idx="minor">
+              <a:schemeClr val="tx1"/>
+            </a:fontRef>
+          </p:style>
+        </p:cxnSp>
+      </p:grpSp>
+      <p:grpSp>
+        <p:nvGrpSpPr>
+          <p:cNvPr id="709" name="Group 708">
+            <a:extLst>
+              <a:ext uri="{FF2B5EF4-FFF2-40B4-BE49-F238E27FC236}">
+                <a16:creationId xmlns:a16="http://schemas.microsoft.com/office/drawing/2014/main" id="{E00B218E-BE63-4CFF-A314-0273D79B1FA3}"/>
+              </a:ext>
+            </a:extLst>
+          </p:cNvPr>
+          <p:cNvGrpSpPr/>
+          <p:nvPr/>
+        </p:nvGrpSpPr>
+        <p:grpSpPr>
+          <a:xfrm>
+            <a:off x="5575526" y="495079"/>
+            <a:ext cx="406618" cy="113030"/>
+            <a:chOff x="1333958" y="492029"/>
+            <a:chExt cx="406618" cy="113030"/>
+          </a:xfrm>
+        </p:grpSpPr>
+        <p:cxnSp>
+          <p:nvCxnSpPr>
+            <p:cNvPr id="710" name="Straight Connector 709">
+              <a:extLst>
+                <a:ext uri="{FF2B5EF4-FFF2-40B4-BE49-F238E27FC236}">
+                  <a16:creationId xmlns:a16="http://schemas.microsoft.com/office/drawing/2014/main" id="{D726A8B5-46AC-4C83-B1F1-E2C0CCCDB245}"/>
+                </a:ext>
+              </a:extLst>
+            </p:cNvPr>
+            <p:cNvCxnSpPr>
+              <a:cxnSpLocks/>
+            </p:cNvCxnSpPr>
+            <p:nvPr/>
+          </p:nvCxnSpPr>
+          <p:spPr>
+            <a:xfrm>
+              <a:off x="1333958" y="492029"/>
+              <a:ext cx="280" cy="113030"/>
+            </a:xfrm>
+            <a:prstGeom prst="line">
+              <a:avLst/>
+            </a:prstGeom>
+            <a:ln w="9525">
+              <a:solidFill>
+                <a:schemeClr val="tx2">
+                  <a:lumMod val="75000"/>
+                </a:schemeClr>
+              </a:solidFill>
+            </a:ln>
+          </p:spPr>
+          <p:style>
+            <a:lnRef idx="1">
+              <a:schemeClr val="accent1"/>
+            </a:lnRef>
+            <a:fillRef idx="0">
+              <a:schemeClr val="accent1"/>
+            </a:fillRef>
+            <a:effectRef idx="0">
+              <a:schemeClr val="accent1"/>
+            </a:effectRef>
+            <a:fontRef idx="minor">
+              <a:schemeClr val="tx1"/>
+            </a:fontRef>
+          </p:style>
+        </p:cxnSp>
+        <p:cxnSp>
+          <p:nvCxnSpPr>
+            <p:cNvPr id="711" name="Straight Connector 710">
+              <a:extLst>
+                <a:ext uri="{FF2B5EF4-FFF2-40B4-BE49-F238E27FC236}">
+                  <a16:creationId xmlns:a16="http://schemas.microsoft.com/office/drawing/2014/main" id="{753E1EDB-56C9-450E-9CAF-A65F53845F86}"/>
+                </a:ext>
+              </a:extLst>
+            </p:cNvPr>
+            <p:cNvCxnSpPr>
+              <a:cxnSpLocks/>
+            </p:cNvCxnSpPr>
+            <p:nvPr/>
+          </p:nvCxnSpPr>
+          <p:spPr>
+            <a:xfrm>
+              <a:off x="1469684" y="512735"/>
+              <a:ext cx="0" cy="71618"/>
+            </a:xfrm>
+            <a:prstGeom prst="line">
+              <a:avLst/>
+            </a:prstGeom>
+            <a:ln w="6350">
+              <a:solidFill>
+                <a:schemeClr val="tx2">
+                  <a:lumMod val="75000"/>
+                </a:schemeClr>
+              </a:solidFill>
+            </a:ln>
+          </p:spPr>
+          <p:style>
+            <a:lnRef idx="1">
+              <a:schemeClr val="accent1"/>
+            </a:lnRef>
+            <a:fillRef idx="0">
+              <a:schemeClr val="accent1"/>
+            </a:fillRef>
+            <a:effectRef idx="0">
+              <a:schemeClr val="accent1"/>
+            </a:effectRef>
+            <a:fontRef idx="minor">
+              <a:schemeClr val="tx1"/>
+            </a:fontRef>
+          </p:style>
+        </p:cxnSp>
+        <p:cxnSp>
+          <p:nvCxnSpPr>
+            <p:cNvPr id="712" name="Straight Connector 711">
+              <a:extLst>
+                <a:ext uri="{FF2B5EF4-FFF2-40B4-BE49-F238E27FC236}">
+                  <a16:creationId xmlns:a16="http://schemas.microsoft.com/office/drawing/2014/main" id="{64D5A11B-BA95-45AB-A7AC-EF411502990E}"/>
+                </a:ext>
+              </a:extLst>
+            </p:cNvPr>
+            <p:cNvCxnSpPr>
+              <a:cxnSpLocks/>
+            </p:cNvCxnSpPr>
+            <p:nvPr/>
+          </p:nvCxnSpPr>
+          <p:spPr>
+            <a:xfrm>
+              <a:off x="1605130" y="512735"/>
+              <a:ext cx="0" cy="71618"/>
+            </a:xfrm>
+            <a:prstGeom prst="line">
+              <a:avLst/>
+            </a:prstGeom>
+            <a:ln w="6350">
+              <a:solidFill>
+                <a:schemeClr val="tx2">
+                  <a:lumMod val="75000"/>
+                </a:schemeClr>
+              </a:solidFill>
+            </a:ln>
+          </p:spPr>
+          <p:style>
+            <a:lnRef idx="1">
+              <a:schemeClr val="accent1"/>
+            </a:lnRef>
+            <a:fillRef idx="0">
+              <a:schemeClr val="accent1"/>
+            </a:fillRef>
+            <a:effectRef idx="0">
+              <a:schemeClr val="accent1"/>
+            </a:effectRef>
+            <a:fontRef idx="minor">
+              <a:schemeClr val="tx1"/>
+            </a:fontRef>
+          </p:style>
+        </p:cxnSp>
+        <p:cxnSp>
+          <p:nvCxnSpPr>
+            <p:cNvPr id="713" name="Straight Connector 712">
+              <a:extLst>
+                <a:ext uri="{FF2B5EF4-FFF2-40B4-BE49-F238E27FC236}">
+                  <a16:creationId xmlns:a16="http://schemas.microsoft.com/office/drawing/2014/main" id="{03886588-72A1-4520-ABC3-BFD7A708B037}"/>
+                </a:ext>
+              </a:extLst>
+            </p:cNvPr>
+            <p:cNvCxnSpPr>
+              <a:cxnSpLocks/>
+            </p:cNvCxnSpPr>
+            <p:nvPr/>
+          </p:nvCxnSpPr>
+          <p:spPr>
+            <a:xfrm>
+              <a:off x="1740576" y="512735"/>
+              <a:ext cx="0" cy="71618"/>
+            </a:xfrm>
+            <a:prstGeom prst="line">
+              <a:avLst/>
+            </a:prstGeom>
+            <a:ln w="6350">
+              <a:solidFill>
+                <a:schemeClr val="tx2">
+                  <a:lumMod val="75000"/>
+                </a:schemeClr>
+              </a:solidFill>
+            </a:ln>
+          </p:spPr>
+          <p:style>
+            <a:lnRef idx="1">
+              <a:schemeClr val="accent1"/>
+            </a:lnRef>
+            <a:fillRef idx="0">
+              <a:schemeClr val="accent1"/>
+            </a:fillRef>
+            <a:effectRef idx="0">
+              <a:schemeClr val="accent1"/>
+            </a:effectRef>
+            <a:fontRef idx="minor">
+              <a:schemeClr val="tx1"/>
+            </a:fontRef>
+          </p:style>
+        </p:cxnSp>
+      </p:grpSp>
+      <p:grpSp>
+        <p:nvGrpSpPr>
+          <p:cNvPr id="714" name="Group 713">
+            <a:extLst>
+              <a:ext uri="{FF2B5EF4-FFF2-40B4-BE49-F238E27FC236}">
+                <a16:creationId xmlns:a16="http://schemas.microsoft.com/office/drawing/2014/main" id="{0218D685-2AAF-4F61-8372-AF4920D5CEA6}"/>
+              </a:ext>
+            </a:extLst>
+          </p:cNvPr>
+          <p:cNvGrpSpPr/>
+          <p:nvPr/>
+        </p:nvGrpSpPr>
+        <p:grpSpPr>
+          <a:xfrm>
+            <a:off x="6105722" y="494567"/>
+            <a:ext cx="406618" cy="113030"/>
+            <a:chOff x="1333958" y="492029"/>
+            <a:chExt cx="406618" cy="113030"/>
+          </a:xfrm>
+        </p:grpSpPr>
+        <p:cxnSp>
+          <p:nvCxnSpPr>
+            <p:cNvPr id="715" name="Straight Connector 714">
+              <a:extLst>
+                <a:ext uri="{FF2B5EF4-FFF2-40B4-BE49-F238E27FC236}">
+                  <a16:creationId xmlns:a16="http://schemas.microsoft.com/office/drawing/2014/main" id="{1977FD69-07C1-43DD-8D81-3918375D3879}"/>
+                </a:ext>
+              </a:extLst>
+            </p:cNvPr>
+            <p:cNvCxnSpPr>
+              <a:cxnSpLocks/>
+            </p:cNvCxnSpPr>
+            <p:nvPr/>
+          </p:nvCxnSpPr>
+          <p:spPr>
+            <a:xfrm>
+              <a:off x="1333958" y="492029"/>
+              <a:ext cx="280" cy="113030"/>
+            </a:xfrm>
+            <a:prstGeom prst="line">
+              <a:avLst/>
+            </a:prstGeom>
+            <a:ln w="9525">
+              <a:solidFill>
+                <a:schemeClr val="tx2">
+                  <a:lumMod val="75000"/>
+                </a:schemeClr>
+              </a:solidFill>
+            </a:ln>
+          </p:spPr>
+          <p:style>
+            <a:lnRef idx="1">
+              <a:schemeClr val="accent1"/>
+            </a:lnRef>
+            <a:fillRef idx="0">
+              <a:schemeClr val="accent1"/>
+            </a:fillRef>
+            <a:effectRef idx="0">
+              <a:schemeClr val="accent1"/>
+            </a:effectRef>
+            <a:fontRef idx="minor">
+              <a:schemeClr val="tx1"/>
+            </a:fontRef>
+          </p:style>
+        </p:cxnSp>
+        <p:cxnSp>
+          <p:nvCxnSpPr>
+            <p:cNvPr id="716" name="Straight Connector 715">
+              <a:extLst>
+                <a:ext uri="{FF2B5EF4-FFF2-40B4-BE49-F238E27FC236}">
+                  <a16:creationId xmlns:a16="http://schemas.microsoft.com/office/drawing/2014/main" id="{17979398-C82B-499D-BF0A-A3EDD42B6A5E}"/>
+                </a:ext>
+              </a:extLst>
+            </p:cNvPr>
+            <p:cNvCxnSpPr>
+              <a:cxnSpLocks/>
+            </p:cNvCxnSpPr>
+            <p:nvPr/>
+          </p:nvCxnSpPr>
+          <p:spPr>
+            <a:xfrm>
+              <a:off x="1469684" y="512735"/>
+              <a:ext cx="0" cy="71618"/>
+            </a:xfrm>
+            <a:prstGeom prst="line">
+              <a:avLst/>
+            </a:prstGeom>
+            <a:ln w="6350">
+              <a:solidFill>
+                <a:schemeClr val="tx2">
+                  <a:lumMod val="75000"/>
+                </a:schemeClr>
+              </a:solidFill>
+            </a:ln>
+          </p:spPr>
+          <p:style>
+            <a:lnRef idx="1">
+              <a:schemeClr val="accent1"/>
+            </a:lnRef>
+            <a:fillRef idx="0">
+              <a:schemeClr val="accent1"/>
+            </a:fillRef>
+            <a:effectRef idx="0">
+              <a:schemeClr val="accent1"/>
+            </a:effectRef>
+            <a:fontRef idx="minor">
+              <a:schemeClr val="tx1"/>
+            </a:fontRef>
+          </p:style>
+        </p:cxnSp>
+        <p:cxnSp>
+          <p:nvCxnSpPr>
+            <p:cNvPr id="717" name="Straight Connector 716">
+              <a:extLst>
+                <a:ext uri="{FF2B5EF4-FFF2-40B4-BE49-F238E27FC236}">
+                  <a16:creationId xmlns:a16="http://schemas.microsoft.com/office/drawing/2014/main" id="{AF37B48C-92FD-4B6A-AC5A-63057CB02A12}"/>
+                </a:ext>
+              </a:extLst>
+            </p:cNvPr>
+            <p:cNvCxnSpPr>
+              <a:cxnSpLocks/>
+            </p:cNvCxnSpPr>
+            <p:nvPr/>
+          </p:nvCxnSpPr>
+          <p:spPr>
+            <a:xfrm>
+              <a:off x="1605130" y="512735"/>
+              <a:ext cx="0" cy="71618"/>
+            </a:xfrm>
+            <a:prstGeom prst="line">
+              <a:avLst/>
+            </a:prstGeom>
+            <a:ln w="6350">
+              <a:solidFill>
+                <a:schemeClr val="tx2">
+                  <a:lumMod val="75000"/>
+                </a:schemeClr>
+              </a:solidFill>
+            </a:ln>
+          </p:spPr>
+          <p:style>
+            <a:lnRef idx="1">
+              <a:schemeClr val="accent1"/>
+            </a:lnRef>
+            <a:fillRef idx="0">
+              <a:schemeClr val="accent1"/>
+            </a:fillRef>
+            <a:effectRef idx="0">
+              <a:schemeClr val="accent1"/>
+            </a:effectRef>
+            <a:fontRef idx="minor">
+              <a:schemeClr val="tx1"/>
+            </a:fontRef>
+          </p:style>
+        </p:cxnSp>
+        <p:cxnSp>
+          <p:nvCxnSpPr>
+            <p:cNvPr id="718" name="Straight Connector 717">
+              <a:extLst>
+                <a:ext uri="{FF2B5EF4-FFF2-40B4-BE49-F238E27FC236}">
+                  <a16:creationId xmlns:a16="http://schemas.microsoft.com/office/drawing/2014/main" id="{EF3A86C1-CCC0-496F-8B49-BECBB5CBD76B}"/>
+                </a:ext>
+              </a:extLst>
+            </p:cNvPr>
+            <p:cNvCxnSpPr>
+              <a:cxnSpLocks/>
+            </p:cNvCxnSpPr>
+            <p:nvPr/>
+          </p:nvCxnSpPr>
+          <p:spPr>
+            <a:xfrm>
+              <a:off x="1740576" y="512735"/>
+              <a:ext cx="0" cy="71618"/>
+            </a:xfrm>
+            <a:prstGeom prst="line">
+              <a:avLst/>
+            </a:prstGeom>
+            <a:ln w="6350">
+              <a:solidFill>
+                <a:schemeClr val="tx2">
+                  <a:lumMod val="75000"/>
+                </a:schemeClr>
+              </a:solidFill>
+            </a:ln>
+          </p:spPr>
+          <p:style>
+            <a:lnRef idx="1">
+              <a:schemeClr val="accent1"/>
+            </a:lnRef>
+            <a:fillRef idx="0">
+              <a:schemeClr val="accent1"/>
+            </a:fillRef>
+            <a:effectRef idx="0">
+              <a:schemeClr val="accent1"/>
+            </a:effectRef>
+            <a:fontRef idx="minor">
+              <a:schemeClr val="tx1"/>
+            </a:fontRef>
+          </p:style>
+        </p:cxnSp>
+      </p:grpSp>
+      <p:grpSp>
+        <p:nvGrpSpPr>
+          <p:cNvPr id="719" name="Group 718">
+            <a:extLst>
+              <a:ext uri="{FF2B5EF4-FFF2-40B4-BE49-F238E27FC236}">
+                <a16:creationId xmlns:a16="http://schemas.microsoft.com/office/drawing/2014/main" id="{EC4DC79B-6DFE-4CDC-B2F5-3ACDF2B6AB0F}"/>
+              </a:ext>
+            </a:extLst>
+          </p:cNvPr>
+          <p:cNvGrpSpPr/>
+          <p:nvPr/>
+        </p:nvGrpSpPr>
+        <p:grpSpPr>
+          <a:xfrm>
+            <a:off x="6635918" y="494055"/>
+            <a:ext cx="406618" cy="113030"/>
+            <a:chOff x="1333958" y="492029"/>
+            <a:chExt cx="406618" cy="113030"/>
+          </a:xfrm>
+        </p:grpSpPr>
+        <p:cxnSp>
+          <p:nvCxnSpPr>
+            <p:cNvPr id="720" name="Straight Connector 719">
+              <a:extLst>
+                <a:ext uri="{FF2B5EF4-FFF2-40B4-BE49-F238E27FC236}">
+                  <a16:creationId xmlns:a16="http://schemas.microsoft.com/office/drawing/2014/main" id="{15AF7989-0DD4-47B0-BE36-465481485C42}"/>
+                </a:ext>
+              </a:extLst>
+            </p:cNvPr>
+            <p:cNvCxnSpPr>
+              <a:cxnSpLocks/>
+            </p:cNvCxnSpPr>
+            <p:nvPr/>
+          </p:nvCxnSpPr>
+          <p:spPr>
+            <a:xfrm>
+              <a:off x="1333958" y="492029"/>
+              <a:ext cx="280" cy="113030"/>
+            </a:xfrm>
+            <a:prstGeom prst="line">
+              <a:avLst/>
+            </a:prstGeom>
+            <a:ln w="9525">
+              <a:solidFill>
+                <a:schemeClr val="tx2">
+                  <a:lumMod val="75000"/>
+                </a:schemeClr>
+              </a:solidFill>
+            </a:ln>
+          </p:spPr>
+          <p:style>
+            <a:lnRef idx="1">
+              <a:schemeClr val="accent1"/>
+            </a:lnRef>
+            <a:fillRef idx="0">
+              <a:schemeClr val="accent1"/>
+            </a:fillRef>
+            <a:effectRef idx="0">
+              <a:schemeClr val="accent1"/>
+            </a:effectRef>
+            <a:fontRef idx="minor">
+              <a:schemeClr val="tx1"/>
+            </a:fontRef>
+          </p:style>
+        </p:cxnSp>
+        <p:cxnSp>
+          <p:nvCxnSpPr>
+            <p:cNvPr id="721" name="Straight Connector 720">
+              <a:extLst>
+                <a:ext uri="{FF2B5EF4-FFF2-40B4-BE49-F238E27FC236}">
+                  <a16:creationId xmlns:a16="http://schemas.microsoft.com/office/drawing/2014/main" id="{2D5D705E-3FB4-4767-A444-142A272598A3}"/>
+                </a:ext>
+              </a:extLst>
+            </p:cNvPr>
+            <p:cNvCxnSpPr>
+              <a:cxnSpLocks/>
+            </p:cNvCxnSpPr>
+            <p:nvPr/>
+          </p:nvCxnSpPr>
+          <p:spPr>
+            <a:xfrm>
+              <a:off x="1469684" y="512735"/>
+              <a:ext cx="0" cy="71618"/>
+            </a:xfrm>
+            <a:prstGeom prst="line">
+              <a:avLst/>
+            </a:prstGeom>
+            <a:ln w="6350">
+              <a:solidFill>
+                <a:schemeClr val="tx2">
+                  <a:lumMod val="75000"/>
+                </a:schemeClr>
+              </a:solidFill>
+            </a:ln>
+          </p:spPr>
+          <p:style>
+            <a:lnRef idx="1">
+              <a:schemeClr val="accent1"/>
+            </a:lnRef>
+            <a:fillRef idx="0">
+              <a:schemeClr val="accent1"/>
+            </a:fillRef>
+            <a:effectRef idx="0">
+              <a:schemeClr val="accent1"/>
+            </a:effectRef>
+            <a:fontRef idx="minor">
+              <a:schemeClr val="tx1"/>
+            </a:fontRef>
+          </p:style>
+        </p:cxnSp>
+        <p:cxnSp>
+          <p:nvCxnSpPr>
+            <p:cNvPr id="722" name="Straight Connector 721">
+              <a:extLst>
+                <a:ext uri="{FF2B5EF4-FFF2-40B4-BE49-F238E27FC236}">
+                  <a16:creationId xmlns:a16="http://schemas.microsoft.com/office/drawing/2014/main" id="{39416032-C2A5-4CB8-9A45-C58F72AE9087}"/>
+                </a:ext>
+              </a:extLst>
+            </p:cNvPr>
+            <p:cNvCxnSpPr>
+              <a:cxnSpLocks/>
+            </p:cNvCxnSpPr>
+            <p:nvPr/>
+          </p:nvCxnSpPr>
+          <p:spPr>
+            <a:xfrm>
+              <a:off x="1605130" y="512735"/>
+              <a:ext cx="0" cy="71618"/>
+            </a:xfrm>
+            <a:prstGeom prst="line">
+              <a:avLst/>
+            </a:prstGeom>
+            <a:ln w="6350">
+              <a:solidFill>
+                <a:schemeClr val="tx2">
+                  <a:lumMod val="75000"/>
+                </a:schemeClr>
+              </a:solidFill>
+            </a:ln>
+          </p:spPr>
+          <p:style>
+            <a:lnRef idx="1">
+              <a:schemeClr val="accent1"/>
+            </a:lnRef>
+            <a:fillRef idx="0">
+              <a:schemeClr val="accent1"/>
+            </a:fillRef>
+            <a:effectRef idx="0">
+              <a:schemeClr val="accent1"/>
+            </a:effectRef>
+            <a:fontRef idx="minor">
+              <a:schemeClr val="tx1"/>
+            </a:fontRef>
+          </p:style>
+        </p:cxnSp>
+        <p:cxnSp>
+          <p:nvCxnSpPr>
+            <p:cNvPr id="723" name="Straight Connector 722">
+              <a:extLst>
+                <a:ext uri="{FF2B5EF4-FFF2-40B4-BE49-F238E27FC236}">
+                  <a16:creationId xmlns:a16="http://schemas.microsoft.com/office/drawing/2014/main" id="{1390FD3D-F400-4B6A-88C8-739897A6D260}"/>
+                </a:ext>
+              </a:extLst>
+            </p:cNvPr>
+            <p:cNvCxnSpPr>
+              <a:cxnSpLocks/>
+            </p:cNvCxnSpPr>
+            <p:nvPr/>
+          </p:nvCxnSpPr>
+          <p:spPr>
+            <a:xfrm>
+              <a:off x="1740576" y="512735"/>
+              <a:ext cx="0" cy="71618"/>
+            </a:xfrm>
+            <a:prstGeom prst="line">
+              <a:avLst/>
+            </a:prstGeom>
+            <a:ln w="6350">
+              <a:solidFill>
+                <a:schemeClr val="tx2">
+                  <a:lumMod val="75000"/>
+                </a:schemeClr>
+              </a:solidFill>
+            </a:ln>
+          </p:spPr>
+          <p:style>
+            <a:lnRef idx="1">
+              <a:schemeClr val="accent1"/>
+            </a:lnRef>
+            <a:fillRef idx="0">
+              <a:schemeClr val="accent1"/>
+            </a:fillRef>
+            <a:effectRef idx="0">
+              <a:schemeClr val="accent1"/>
+            </a:effectRef>
+            <a:fontRef idx="minor">
+              <a:schemeClr val="tx1"/>
+            </a:fontRef>
+          </p:style>
+        </p:cxnSp>
+      </p:grpSp>
+      <p:grpSp>
+        <p:nvGrpSpPr>
+          <p:cNvPr id="724" name="Group 723">
+            <a:extLst>
+              <a:ext uri="{FF2B5EF4-FFF2-40B4-BE49-F238E27FC236}">
+                <a16:creationId xmlns:a16="http://schemas.microsoft.com/office/drawing/2014/main" id="{159A4742-1592-473C-9258-4D6EAD6C488C}"/>
+              </a:ext>
+            </a:extLst>
+          </p:cNvPr>
+          <p:cNvGrpSpPr/>
+          <p:nvPr/>
+        </p:nvGrpSpPr>
+        <p:grpSpPr>
+          <a:xfrm>
+            <a:off x="7166114" y="493543"/>
+            <a:ext cx="406618" cy="113030"/>
+            <a:chOff x="1333958" y="492029"/>
+            <a:chExt cx="406618" cy="113030"/>
+          </a:xfrm>
+        </p:grpSpPr>
+        <p:cxnSp>
+          <p:nvCxnSpPr>
+            <p:cNvPr id="725" name="Straight Connector 724">
+              <a:extLst>
+                <a:ext uri="{FF2B5EF4-FFF2-40B4-BE49-F238E27FC236}">
+                  <a16:creationId xmlns:a16="http://schemas.microsoft.com/office/drawing/2014/main" id="{B867E14B-B414-4787-B51B-2BC26BB16ABC}"/>
+                </a:ext>
+              </a:extLst>
+            </p:cNvPr>
+            <p:cNvCxnSpPr>
+              <a:cxnSpLocks/>
+            </p:cNvCxnSpPr>
+            <p:nvPr/>
+          </p:nvCxnSpPr>
+          <p:spPr>
+            <a:xfrm>
+              <a:off x="1333958" y="492029"/>
+              <a:ext cx="280" cy="113030"/>
+            </a:xfrm>
+            <a:prstGeom prst="line">
+              <a:avLst/>
+            </a:prstGeom>
+            <a:ln w="9525">
+              <a:solidFill>
+                <a:schemeClr val="tx2">
+                  <a:lumMod val="75000"/>
+                </a:schemeClr>
+              </a:solidFill>
+            </a:ln>
+          </p:spPr>
+          <p:style>
+            <a:lnRef idx="1">
+              <a:schemeClr val="accent1"/>
+            </a:lnRef>
+            <a:fillRef idx="0">
+              <a:schemeClr val="accent1"/>
+            </a:fillRef>
+            <a:effectRef idx="0">
+              <a:schemeClr val="accent1"/>
+            </a:effectRef>
+            <a:fontRef idx="minor">
+              <a:schemeClr val="tx1"/>
+            </a:fontRef>
+          </p:style>
+        </p:cxnSp>
+        <p:cxnSp>
+          <p:nvCxnSpPr>
+            <p:cNvPr id="726" name="Straight Connector 725">
+              <a:extLst>
+                <a:ext uri="{FF2B5EF4-FFF2-40B4-BE49-F238E27FC236}">
+                  <a16:creationId xmlns:a16="http://schemas.microsoft.com/office/drawing/2014/main" id="{C795BC7F-AB58-4C63-9AB5-B810CEB30F8C}"/>
+                </a:ext>
+              </a:extLst>
+            </p:cNvPr>
+            <p:cNvCxnSpPr>
+              <a:cxnSpLocks/>
+            </p:cNvCxnSpPr>
+            <p:nvPr/>
+          </p:nvCxnSpPr>
+          <p:spPr>
+            <a:xfrm>
+              <a:off x="1469684" y="512735"/>
+              <a:ext cx="0" cy="71618"/>
+            </a:xfrm>
+            <a:prstGeom prst="line">
+              <a:avLst/>
+            </a:prstGeom>
+            <a:ln w="6350">
+              <a:solidFill>
+                <a:schemeClr val="tx2">
+                  <a:lumMod val="75000"/>
+                </a:schemeClr>
+              </a:solidFill>
+            </a:ln>
+          </p:spPr>
+          <p:style>
+            <a:lnRef idx="1">
+              <a:schemeClr val="accent1"/>
+            </a:lnRef>
+            <a:fillRef idx="0">
+              <a:schemeClr val="accent1"/>
+            </a:fillRef>
+            <a:effectRef idx="0">
+              <a:schemeClr val="accent1"/>
+            </a:effectRef>
+            <a:fontRef idx="minor">
+              <a:schemeClr val="tx1"/>
+            </a:fontRef>
+          </p:style>
+        </p:cxnSp>
+        <p:cxnSp>
+          <p:nvCxnSpPr>
+            <p:cNvPr id="727" name="Straight Connector 726">
+              <a:extLst>
+                <a:ext uri="{FF2B5EF4-FFF2-40B4-BE49-F238E27FC236}">
+                  <a16:creationId xmlns:a16="http://schemas.microsoft.com/office/drawing/2014/main" id="{5631A8E2-CE50-45DD-B107-7E7BFE355C8B}"/>
+                </a:ext>
+              </a:extLst>
+            </p:cNvPr>
+            <p:cNvCxnSpPr>
+              <a:cxnSpLocks/>
+            </p:cNvCxnSpPr>
+            <p:nvPr/>
+          </p:nvCxnSpPr>
+          <p:spPr>
+            <a:xfrm>
+              <a:off x="1605130" y="512735"/>
+              <a:ext cx="0" cy="71618"/>
+            </a:xfrm>
+            <a:prstGeom prst="line">
+              <a:avLst/>
+            </a:prstGeom>
+            <a:ln w="6350">
+              <a:solidFill>
+                <a:schemeClr val="tx2">
+                  <a:lumMod val="75000"/>
+                </a:schemeClr>
+              </a:solidFill>
+            </a:ln>
+          </p:spPr>
+          <p:style>
+            <a:lnRef idx="1">
+              <a:schemeClr val="accent1"/>
+            </a:lnRef>
+            <a:fillRef idx="0">
+              <a:schemeClr val="accent1"/>
+            </a:fillRef>
+            <a:effectRef idx="0">
+              <a:schemeClr val="accent1"/>
+            </a:effectRef>
+            <a:fontRef idx="minor">
+              <a:schemeClr val="tx1"/>
+            </a:fontRef>
+          </p:style>
+        </p:cxnSp>
+        <p:cxnSp>
+          <p:nvCxnSpPr>
+            <p:cNvPr id="728" name="Straight Connector 727">
+              <a:extLst>
+                <a:ext uri="{FF2B5EF4-FFF2-40B4-BE49-F238E27FC236}">
+                  <a16:creationId xmlns:a16="http://schemas.microsoft.com/office/drawing/2014/main" id="{79DAB1CA-8121-4463-9A03-601C54E69953}"/>
+                </a:ext>
+              </a:extLst>
+            </p:cNvPr>
+            <p:cNvCxnSpPr>
+              <a:cxnSpLocks/>
+            </p:cNvCxnSpPr>
+            <p:nvPr/>
+          </p:nvCxnSpPr>
+          <p:spPr>
+            <a:xfrm>
+              <a:off x="1740576" y="512735"/>
+              <a:ext cx="0" cy="71618"/>
+            </a:xfrm>
+            <a:prstGeom prst="line">
+              <a:avLst/>
+            </a:prstGeom>
+            <a:ln w="6350">
+              <a:solidFill>
+                <a:schemeClr val="tx2">
+                  <a:lumMod val="75000"/>
+                </a:schemeClr>
+              </a:solidFill>
+            </a:ln>
+          </p:spPr>
+          <p:style>
+            <a:lnRef idx="1">
+              <a:schemeClr val="accent1"/>
+            </a:lnRef>
+            <a:fillRef idx="0">
+              <a:schemeClr val="accent1"/>
+            </a:fillRef>
+            <a:effectRef idx="0">
+              <a:schemeClr val="accent1"/>
+            </a:effectRef>
+            <a:fontRef idx="minor">
+              <a:schemeClr val="tx1"/>
+            </a:fontRef>
+          </p:style>
+        </p:cxnSp>
+      </p:grpSp>
+      <p:grpSp>
+        <p:nvGrpSpPr>
+          <p:cNvPr id="729" name="Group 728">
+            <a:extLst>
+              <a:ext uri="{FF2B5EF4-FFF2-40B4-BE49-F238E27FC236}">
+                <a16:creationId xmlns:a16="http://schemas.microsoft.com/office/drawing/2014/main" id="{FE341EDE-B643-49AC-A191-E48CA3041AD0}"/>
+              </a:ext>
+            </a:extLst>
+          </p:cNvPr>
+          <p:cNvGrpSpPr/>
+          <p:nvPr/>
+        </p:nvGrpSpPr>
+        <p:grpSpPr>
+          <a:xfrm>
+            <a:off x="7696310" y="493031"/>
+            <a:ext cx="406618" cy="113030"/>
+            <a:chOff x="1333958" y="492029"/>
+            <a:chExt cx="406618" cy="113030"/>
+          </a:xfrm>
+        </p:grpSpPr>
+        <p:cxnSp>
+          <p:nvCxnSpPr>
+            <p:cNvPr id="730" name="Straight Connector 729">
+              <a:extLst>
+                <a:ext uri="{FF2B5EF4-FFF2-40B4-BE49-F238E27FC236}">
+                  <a16:creationId xmlns:a16="http://schemas.microsoft.com/office/drawing/2014/main" id="{1A313C0B-E3FB-44E3-8092-16FC270BB8BB}"/>
+                </a:ext>
+              </a:extLst>
+            </p:cNvPr>
+            <p:cNvCxnSpPr>
+              <a:cxnSpLocks/>
+            </p:cNvCxnSpPr>
+            <p:nvPr/>
+          </p:nvCxnSpPr>
+          <p:spPr>
+            <a:xfrm>
+              <a:off x="1333958" y="492029"/>
+              <a:ext cx="280" cy="113030"/>
+            </a:xfrm>
+            <a:prstGeom prst="line">
+              <a:avLst/>
+            </a:prstGeom>
+            <a:ln w="9525">
+              <a:solidFill>
+                <a:schemeClr val="tx2">
+                  <a:lumMod val="75000"/>
+                </a:schemeClr>
+              </a:solidFill>
+            </a:ln>
+          </p:spPr>
+          <p:style>
+            <a:lnRef idx="1">
+              <a:schemeClr val="accent1"/>
+            </a:lnRef>
+            <a:fillRef idx="0">
+              <a:schemeClr val="accent1"/>
+            </a:fillRef>
+            <a:effectRef idx="0">
+              <a:schemeClr val="accent1"/>
+            </a:effectRef>
+            <a:fontRef idx="minor">
+              <a:schemeClr val="tx1"/>
+            </a:fontRef>
+          </p:style>
+        </p:cxnSp>
+        <p:cxnSp>
+          <p:nvCxnSpPr>
+            <p:cNvPr id="731" name="Straight Connector 730">
+              <a:extLst>
+                <a:ext uri="{FF2B5EF4-FFF2-40B4-BE49-F238E27FC236}">
+                  <a16:creationId xmlns:a16="http://schemas.microsoft.com/office/drawing/2014/main" id="{35974F60-E167-4E1C-93C3-5D4151046484}"/>
+                </a:ext>
+              </a:extLst>
+            </p:cNvPr>
+            <p:cNvCxnSpPr>
+              <a:cxnSpLocks/>
+            </p:cNvCxnSpPr>
+            <p:nvPr/>
+          </p:nvCxnSpPr>
+          <p:spPr>
+            <a:xfrm>
+              <a:off x="1469684" y="512735"/>
+              <a:ext cx="0" cy="71618"/>
+            </a:xfrm>
+            <a:prstGeom prst="line">
+              <a:avLst/>
+            </a:prstGeom>
+            <a:ln w="6350">
+              <a:solidFill>
+                <a:schemeClr val="tx2">
+                  <a:lumMod val="75000"/>
+                </a:schemeClr>
+              </a:solidFill>
+            </a:ln>
+          </p:spPr>
+          <p:style>
+            <a:lnRef idx="1">
+              <a:schemeClr val="accent1"/>
+            </a:lnRef>
+            <a:fillRef idx="0">
+              <a:schemeClr val="accent1"/>
+            </a:fillRef>
+            <a:effectRef idx="0">
+              <a:schemeClr val="accent1"/>
+            </a:effectRef>
+            <a:fontRef idx="minor">
+              <a:schemeClr val="tx1"/>
+            </a:fontRef>
+          </p:style>
+        </p:cxnSp>
+        <p:cxnSp>
+          <p:nvCxnSpPr>
+            <p:cNvPr id="732" name="Straight Connector 731">
+              <a:extLst>
+                <a:ext uri="{FF2B5EF4-FFF2-40B4-BE49-F238E27FC236}">
+                  <a16:creationId xmlns:a16="http://schemas.microsoft.com/office/drawing/2014/main" id="{C3B77EC6-DF12-4E3D-AD71-D3E5B719B90A}"/>
+                </a:ext>
+              </a:extLst>
+            </p:cNvPr>
+            <p:cNvCxnSpPr>
+              <a:cxnSpLocks/>
+            </p:cNvCxnSpPr>
+            <p:nvPr/>
+          </p:nvCxnSpPr>
+          <p:spPr>
+            <a:xfrm>
+              <a:off x="1605130" y="512735"/>
+              <a:ext cx="0" cy="71618"/>
+            </a:xfrm>
+            <a:prstGeom prst="line">
+              <a:avLst/>
+            </a:prstGeom>
+            <a:ln w="6350">
+              <a:solidFill>
+                <a:schemeClr val="tx2">
+                  <a:lumMod val="75000"/>
+                </a:schemeClr>
+              </a:solidFill>
+            </a:ln>
+          </p:spPr>
+          <p:style>
+            <a:lnRef idx="1">
+              <a:schemeClr val="accent1"/>
+            </a:lnRef>
+            <a:fillRef idx="0">
+              <a:schemeClr val="accent1"/>
+            </a:fillRef>
+            <a:effectRef idx="0">
+              <a:schemeClr val="accent1"/>
+            </a:effectRef>
+            <a:fontRef idx="minor">
+              <a:schemeClr val="tx1"/>
+            </a:fontRef>
+          </p:style>
+        </p:cxnSp>
+        <p:cxnSp>
+          <p:nvCxnSpPr>
+            <p:cNvPr id="733" name="Straight Connector 732">
+              <a:extLst>
+                <a:ext uri="{FF2B5EF4-FFF2-40B4-BE49-F238E27FC236}">
+                  <a16:creationId xmlns:a16="http://schemas.microsoft.com/office/drawing/2014/main" id="{0D939A07-7C97-4149-AAA1-9F48F89BA30B}"/>
+                </a:ext>
+              </a:extLst>
+            </p:cNvPr>
+            <p:cNvCxnSpPr>
+              <a:cxnSpLocks/>
+            </p:cNvCxnSpPr>
+            <p:nvPr/>
+          </p:nvCxnSpPr>
+          <p:spPr>
+            <a:xfrm>
+              <a:off x="1740576" y="512735"/>
+              <a:ext cx="0" cy="71618"/>
+            </a:xfrm>
+            <a:prstGeom prst="line">
+              <a:avLst/>
+            </a:prstGeom>
+            <a:ln w="6350">
+              <a:solidFill>
+                <a:schemeClr val="tx2">
+                  <a:lumMod val="75000"/>
+                </a:schemeClr>
+              </a:solidFill>
+            </a:ln>
+          </p:spPr>
+          <p:style>
+            <a:lnRef idx="1">
+              <a:schemeClr val="accent1"/>
+            </a:lnRef>
+            <a:fillRef idx="0">
+              <a:schemeClr val="accent1"/>
+            </a:fillRef>
+            <a:effectRef idx="0">
+              <a:schemeClr val="accent1"/>
+            </a:effectRef>
+            <a:fontRef idx="minor">
+              <a:schemeClr val="tx1"/>
+            </a:fontRef>
+          </p:style>
+        </p:cxnSp>
+      </p:grpSp>
+      <p:grpSp>
+        <p:nvGrpSpPr>
+          <p:cNvPr id="734" name="Group 733">
+            <a:extLst>
+              <a:ext uri="{FF2B5EF4-FFF2-40B4-BE49-F238E27FC236}">
+                <a16:creationId xmlns:a16="http://schemas.microsoft.com/office/drawing/2014/main" id="{AC68DB66-FF1D-40E1-9A33-3F77DEC6DAE0}"/>
+              </a:ext>
+            </a:extLst>
+          </p:cNvPr>
+          <p:cNvGrpSpPr/>
+          <p:nvPr/>
+        </p:nvGrpSpPr>
+        <p:grpSpPr>
+          <a:xfrm>
+            <a:off x="8226506" y="492519"/>
+            <a:ext cx="406618" cy="113030"/>
+            <a:chOff x="1333958" y="492029"/>
+            <a:chExt cx="406618" cy="113030"/>
+          </a:xfrm>
+        </p:grpSpPr>
+        <p:cxnSp>
+          <p:nvCxnSpPr>
+            <p:cNvPr id="735" name="Straight Connector 734">
+              <a:extLst>
+                <a:ext uri="{FF2B5EF4-FFF2-40B4-BE49-F238E27FC236}">
+                  <a16:creationId xmlns:a16="http://schemas.microsoft.com/office/drawing/2014/main" id="{F2F572E0-58FC-45C9-9A25-FD5F6779CF32}"/>
+                </a:ext>
+              </a:extLst>
+            </p:cNvPr>
+            <p:cNvCxnSpPr>
+              <a:cxnSpLocks/>
+            </p:cNvCxnSpPr>
+            <p:nvPr/>
+          </p:nvCxnSpPr>
+          <p:spPr>
+            <a:xfrm>
+              <a:off x="1333958" y="492029"/>
+              <a:ext cx="280" cy="113030"/>
+            </a:xfrm>
+            <a:prstGeom prst="line">
+              <a:avLst/>
+            </a:prstGeom>
+            <a:ln w="9525">
+              <a:solidFill>
+                <a:schemeClr val="tx2">
+                  <a:lumMod val="75000"/>
+                </a:schemeClr>
+              </a:solidFill>
+            </a:ln>
+          </p:spPr>
+          <p:style>
+            <a:lnRef idx="1">
+              <a:schemeClr val="accent1"/>
+            </a:lnRef>
+            <a:fillRef idx="0">
+              <a:schemeClr val="accent1"/>
+            </a:fillRef>
+            <a:effectRef idx="0">
+              <a:schemeClr val="accent1"/>
+            </a:effectRef>
+            <a:fontRef idx="minor">
+              <a:schemeClr val="tx1"/>
+            </a:fontRef>
+          </p:style>
+        </p:cxnSp>
+        <p:cxnSp>
+          <p:nvCxnSpPr>
+            <p:cNvPr id="736" name="Straight Connector 735">
+              <a:extLst>
+                <a:ext uri="{FF2B5EF4-FFF2-40B4-BE49-F238E27FC236}">
+                  <a16:creationId xmlns:a16="http://schemas.microsoft.com/office/drawing/2014/main" id="{77FF7492-2429-48DA-98A2-6441E4B773BD}"/>
+                </a:ext>
+              </a:extLst>
+            </p:cNvPr>
+            <p:cNvCxnSpPr>
+              <a:cxnSpLocks/>
+            </p:cNvCxnSpPr>
+            <p:nvPr/>
+          </p:nvCxnSpPr>
+          <p:spPr>
+            <a:xfrm>
+              <a:off x="1469684" y="512735"/>
+              <a:ext cx="0" cy="71618"/>
+            </a:xfrm>
+            <a:prstGeom prst="line">
+              <a:avLst/>
+            </a:prstGeom>
+            <a:ln w="6350">
+              <a:solidFill>
+                <a:schemeClr val="tx2">
+                  <a:lumMod val="75000"/>
+                </a:schemeClr>
+              </a:solidFill>
+            </a:ln>
+          </p:spPr>
+          <p:style>
+            <a:lnRef idx="1">
+              <a:schemeClr val="accent1"/>
+            </a:lnRef>
+            <a:fillRef idx="0">
+              <a:schemeClr val="accent1"/>
+            </a:fillRef>
+            <a:effectRef idx="0">
+              <a:schemeClr val="accent1"/>
+            </a:effectRef>
+            <a:fontRef idx="minor">
+              <a:schemeClr val="tx1"/>
+            </a:fontRef>
+          </p:style>
+        </p:cxnSp>
+        <p:cxnSp>
+          <p:nvCxnSpPr>
+            <p:cNvPr id="737" name="Straight Connector 736">
+              <a:extLst>
+                <a:ext uri="{FF2B5EF4-FFF2-40B4-BE49-F238E27FC236}">
+                  <a16:creationId xmlns:a16="http://schemas.microsoft.com/office/drawing/2014/main" id="{93F00F6D-08D6-4076-9626-F501B68E5C80}"/>
+                </a:ext>
+              </a:extLst>
+            </p:cNvPr>
+            <p:cNvCxnSpPr>
+              <a:cxnSpLocks/>
+            </p:cNvCxnSpPr>
+            <p:nvPr/>
+          </p:nvCxnSpPr>
+          <p:spPr>
+            <a:xfrm>
+              <a:off x="1605130" y="512735"/>
+              <a:ext cx="0" cy="71618"/>
+            </a:xfrm>
+            <a:prstGeom prst="line">
+              <a:avLst/>
+            </a:prstGeom>
+            <a:ln w="6350">
+              <a:solidFill>
+                <a:schemeClr val="tx2">
+                  <a:lumMod val="75000"/>
+                </a:schemeClr>
+              </a:solidFill>
+            </a:ln>
+          </p:spPr>
+          <p:style>
+            <a:lnRef idx="1">
+              <a:schemeClr val="accent1"/>
+            </a:lnRef>
+            <a:fillRef idx="0">
+              <a:schemeClr val="accent1"/>
+            </a:fillRef>
+            <a:effectRef idx="0">
+              <a:schemeClr val="accent1"/>
+            </a:effectRef>
+            <a:fontRef idx="minor">
+              <a:schemeClr val="tx1"/>
+            </a:fontRef>
+          </p:style>
+        </p:cxnSp>
+        <p:cxnSp>
+          <p:nvCxnSpPr>
+            <p:cNvPr id="738" name="Straight Connector 737">
+              <a:extLst>
+                <a:ext uri="{FF2B5EF4-FFF2-40B4-BE49-F238E27FC236}">
+                  <a16:creationId xmlns:a16="http://schemas.microsoft.com/office/drawing/2014/main" id="{1C643978-6E13-4319-AB37-1BA09764C0A2}"/>
+                </a:ext>
+              </a:extLst>
+            </p:cNvPr>
+            <p:cNvCxnSpPr>
+              <a:cxnSpLocks/>
+            </p:cNvCxnSpPr>
+            <p:nvPr/>
+          </p:nvCxnSpPr>
+          <p:spPr>
+            <a:xfrm>
+              <a:off x="1740576" y="512735"/>
+              <a:ext cx="0" cy="71618"/>
+            </a:xfrm>
+            <a:prstGeom prst="line">
+              <a:avLst/>
+            </a:prstGeom>
+            <a:ln w="6350">
+              <a:solidFill>
+                <a:schemeClr val="tx2">
+                  <a:lumMod val="75000"/>
+                </a:schemeClr>
+              </a:solidFill>
+            </a:ln>
+          </p:spPr>
+          <p:style>
+            <a:lnRef idx="1">
+              <a:schemeClr val="accent1"/>
+            </a:lnRef>
+            <a:fillRef idx="0">
+              <a:schemeClr val="accent1"/>
+            </a:fillRef>
+            <a:effectRef idx="0">
+              <a:schemeClr val="accent1"/>
+            </a:effectRef>
+            <a:fontRef idx="minor">
+              <a:schemeClr val="tx1"/>
+            </a:fontRef>
+          </p:style>
+        </p:cxnSp>
+      </p:grpSp>
+      <p:cxnSp>
+        <p:nvCxnSpPr>
+          <p:cNvPr id="740" name="Straight Connector 739">
+            <a:extLst>
+              <a:ext uri="{FF2B5EF4-FFF2-40B4-BE49-F238E27FC236}">
+                <a16:creationId xmlns:a16="http://schemas.microsoft.com/office/drawing/2014/main" id="{8BD88217-F165-426A-94E2-DF4001A52D43}"/>
+              </a:ext>
+            </a:extLst>
+          </p:cNvPr>
+          <p:cNvCxnSpPr>
+            <a:cxnSpLocks/>
+          </p:cNvCxnSpPr>
+          <p:nvPr/>
+        </p:nvCxnSpPr>
+        <p:spPr>
+          <a:xfrm>
+            <a:off x="8756702" y="492007"/>
+            <a:ext cx="280" cy="113030"/>
+          </a:xfrm>
+          <a:prstGeom prst="line">
+            <a:avLst/>
+          </a:prstGeom>
+          <a:ln w="9525">
+            <a:solidFill>
+              <a:schemeClr val="tx2">
+                <a:lumMod val="75000"/>
+              </a:schemeClr>
+            </a:solidFill>
+          </a:ln>
+        </p:spPr>
+        <p:style>
+          <a:lnRef idx="1">
+            <a:schemeClr val="accent1"/>
+          </a:lnRef>
+          <a:fillRef idx="0">
+            <a:schemeClr val="accent1"/>
+          </a:fillRef>
+          <a:effectRef idx="0">
+            <a:schemeClr val="accent1"/>
+          </a:effectRef>
+          <a:fontRef idx="minor">
+            <a:schemeClr val="tx1"/>
+          </a:fontRef>
+        </p:style>
+      </p:cxnSp>
+      <p:cxnSp>
+        <p:nvCxnSpPr>
+          <p:cNvPr id="741" name="Straight Connector 740">
+            <a:extLst>
+              <a:ext uri="{FF2B5EF4-FFF2-40B4-BE49-F238E27FC236}">
+                <a16:creationId xmlns:a16="http://schemas.microsoft.com/office/drawing/2014/main" id="{3B04C781-CF29-46EE-B276-976BC019946C}"/>
+              </a:ext>
+            </a:extLst>
+          </p:cNvPr>
+          <p:cNvCxnSpPr>
+            <a:cxnSpLocks/>
+          </p:cNvCxnSpPr>
+          <p:nvPr/>
+        </p:nvCxnSpPr>
+        <p:spPr>
+          <a:xfrm>
+            <a:off x="8892428" y="512713"/>
+            <a:ext cx="0" cy="71618"/>
+          </a:xfrm>
+          <a:prstGeom prst="line">
+            <a:avLst/>
+          </a:prstGeom>
+          <a:ln w="6350">
+            <a:solidFill>
+              <a:schemeClr val="tx2">
+                <a:lumMod val="75000"/>
+              </a:schemeClr>
+            </a:solidFill>
+          </a:ln>
+        </p:spPr>
+        <p:style>
+          <a:lnRef idx="1">
+            <a:schemeClr val="accent1"/>
+          </a:lnRef>
+          <a:fillRef idx="0">
+            <a:schemeClr val="accent1"/>
+          </a:fillRef>
+          <a:effectRef idx="0">
+            <a:schemeClr val="accent1"/>
+          </a:effectRef>
+          <a:fontRef idx="minor">
+            <a:schemeClr val="tx1"/>
+          </a:fontRef>
+        </p:style>
+      </p:cxnSp>
+      <p:cxnSp>
+        <p:nvCxnSpPr>
+          <p:cNvPr id="742" name="Straight Connector 741">
+            <a:extLst>
+              <a:ext uri="{FF2B5EF4-FFF2-40B4-BE49-F238E27FC236}">
+                <a16:creationId xmlns:a16="http://schemas.microsoft.com/office/drawing/2014/main" id="{34E1CDB4-F46E-45E4-8363-C8BC43C9B190}"/>
+              </a:ext>
+            </a:extLst>
+          </p:cNvPr>
+          <p:cNvCxnSpPr>
+            <a:cxnSpLocks/>
+          </p:cNvCxnSpPr>
+          <p:nvPr/>
+        </p:nvCxnSpPr>
+        <p:spPr>
+          <a:xfrm>
+            <a:off x="9027874" y="512713"/>
+            <a:ext cx="0" cy="71618"/>
+          </a:xfrm>
+          <a:prstGeom prst="line">
+            <a:avLst/>
+          </a:prstGeom>
+          <a:ln w="6350">
+            <a:solidFill>
+              <a:schemeClr val="tx2">
+                <a:lumMod val="75000"/>
+              </a:schemeClr>
+            </a:solidFill>
+          </a:ln>
+        </p:spPr>
+        <p:style>
+          <a:lnRef idx="1">
+            <a:schemeClr val="accent1"/>
+          </a:lnRef>
+          <a:fillRef idx="0">
+            <a:schemeClr val="accent1"/>
+          </a:fillRef>
+          <a:effectRef idx="0">
+            <a:schemeClr val="accent1"/>
+          </a:effectRef>
+          <a:fontRef idx="minor">
+            <a:schemeClr val="tx1"/>
+          </a:fontRef>
+        </p:style>
+      </p:cxnSp>
     </p:spTree>
     <p:extLst>
       <p:ext uri="{BB962C8B-B14F-4D97-AF65-F5344CB8AC3E}">
